--- a/springboot/SpringBoot-4.pptx
+++ b/springboot/SpringBoot-4.pptx
@@ -4,9 +4,45 @@
   <p:sldMasterIdLst>
     <p:sldMasterId id="2147483648" r:id="rId1"/>
   </p:sldMasterIdLst>
+  <p:notesMasterIdLst>
+    <p:notesMasterId r:id="rId37"/>
+  </p:notesMasterIdLst>
   <p:sldIdLst>
     <p:sldId id="256" r:id="rId2"/>
     <p:sldId id="257" r:id="rId3"/>
+    <p:sldId id="265" r:id="rId4"/>
+    <p:sldId id="266" r:id="rId5"/>
+    <p:sldId id="267" r:id="rId6"/>
+    <p:sldId id="268" r:id="rId7"/>
+    <p:sldId id="269" r:id="rId8"/>
+    <p:sldId id="271" r:id="rId9"/>
+    <p:sldId id="270" r:id="rId10"/>
+    <p:sldId id="274" r:id="rId11"/>
+    <p:sldId id="258" r:id="rId12"/>
+    <p:sldId id="259" r:id="rId13"/>
+    <p:sldId id="260" r:id="rId14"/>
+    <p:sldId id="261" r:id="rId15"/>
+    <p:sldId id="262" r:id="rId16"/>
+    <p:sldId id="263" r:id="rId17"/>
+    <p:sldId id="264" r:id="rId18"/>
+    <p:sldId id="272" r:id="rId19"/>
+    <p:sldId id="273" r:id="rId20"/>
+    <p:sldId id="290" r:id="rId21"/>
+    <p:sldId id="278" r:id="rId22"/>
+    <p:sldId id="279" r:id="rId23"/>
+    <p:sldId id="280" r:id="rId24"/>
+    <p:sldId id="281" r:id="rId25"/>
+    <p:sldId id="282" r:id="rId26"/>
+    <p:sldId id="283" r:id="rId27"/>
+    <p:sldId id="284" r:id="rId28"/>
+    <p:sldId id="291" r:id="rId29"/>
+    <p:sldId id="292" r:id="rId30"/>
+    <p:sldId id="285" r:id="rId31"/>
+    <p:sldId id="286" r:id="rId32"/>
+    <p:sldId id="293" r:id="rId33"/>
+    <p:sldId id="294" r:id="rId34"/>
+    <p:sldId id="288" r:id="rId35"/>
+    <p:sldId id="276" r:id="rId36"/>
   </p:sldIdLst>
   <p:sldSz cx="12192000" cy="6858000"/>
   <p:notesSz cx="6858000" cy="9144000"/>
@@ -105,7 +141,728 @@
       </a:defRPr>
     </a:lvl9pPr>
   </p:defaultTextStyle>
+  <p:extLst>
+    <p:ext uri="{EFAFB233-063F-42B5-8137-9DF3F51BA10A}">
+      <p15:sldGuideLst xmlns:p15="http://schemas.microsoft.com/office/powerpoint/2012/main"/>
+    </p:ext>
+  </p:extLst>
 </p:presentation>
+</file>
+
+<file path=ppt/notesMasters/notesMaster1.xml><?xml version="1.0" encoding="utf-8"?>
+<p:notesMaster xmlns:a="http://schemas.openxmlformats.org/drawingml/2006/main" xmlns:r="http://schemas.openxmlformats.org/officeDocument/2006/relationships" xmlns:p="http://schemas.openxmlformats.org/presentationml/2006/main">
+  <p:cSld>
+    <p:bg>
+      <p:bgRef idx="1001">
+        <a:schemeClr val="bg1"/>
+      </p:bgRef>
+    </p:bg>
+    <p:spTree>
+      <p:nvGrpSpPr>
+        <p:cNvPr id="1" name=""/>
+        <p:cNvGrpSpPr/>
+        <p:nvPr/>
+      </p:nvGrpSpPr>
+      <p:grpSpPr>
+        <a:xfrm>
+          <a:off x="0" y="0"/>
+          <a:ext cx="0" cy="0"/>
+          <a:chOff x="0" y="0"/>
+          <a:chExt cx="0" cy="0"/>
+        </a:xfrm>
+      </p:grpSpPr>
+      <p:sp>
+        <p:nvSpPr>
+          <p:cNvPr id="2" name="Header Placeholder 1"/>
+          <p:cNvSpPr>
+            <a:spLocks noGrp="1"/>
+          </p:cNvSpPr>
+          <p:nvPr>
+            <p:ph type="hdr" sz="quarter"/>
+          </p:nvPr>
+        </p:nvSpPr>
+        <p:spPr>
+          <a:xfrm>
+            <a:off x="0" y="0"/>
+            <a:ext cx="2971800" cy="458788"/>
+          </a:xfrm>
+          <a:prstGeom prst="rect">
+            <a:avLst/>
+          </a:prstGeom>
+        </p:spPr>
+        <p:txBody>
+          <a:bodyPr vert="horz" lIns="91440" tIns="45720" rIns="91440" bIns="45720" rtlCol="0"/>
+          <a:lstStyle>
+            <a:lvl1pPr algn="l">
+              <a:defRPr sz="1200"/>
+            </a:lvl1pPr>
+          </a:lstStyle>
+          <a:p>
+            <a:endParaRPr lang="en-US"/>
+          </a:p>
+        </p:txBody>
+      </p:sp>
+      <p:sp>
+        <p:nvSpPr>
+          <p:cNvPr id="3" name="Date Placeholder 2"/>
+          <p:cNvSpPr>
+            <a:spLocks noGrp="1"/>
+          </p:cNvSpPr>
+          <p:nvPr>
+            <p:ph type="dt" idx="1"/>
+          </p:nvPr>
+        </p:nvSpPr>
+        <p:spPr>
+          <a:xfrm>
+            <a:off x="3884613" y="0"/>
+            <a:ext cx="2971800" cy="458788"/>
+          </a:xfrm>
+          <a:prstGeom prst="rect">
+            <a:avLst/>
+          </a:prstGeom>
+        </p:spPr>
+        <p:txBody>
+          <a:bodyPr vert="horz" lIns="91440" tIns="45720" rIns="91440" bIns="45720" rtlCol="0"/>
+          <a:lstStyle>
+            <a:lvl1pPr algn="r">
+              <a:defRPr sz="1200"/>
+            </a:lvl1pPr>
+          </a:lstStyle>
+          <a:p>
+            <a:fld id="{67833E2B-1E1C-584C-AB0E-874E8D11E09F}" type="datetimeFigureOut">
+              <a:rPr lang="en-US" smtClean="0"/>
+              <a:t>5/29/19</a:t>
+            </a:fld>
+            <a:endParaRPr lang="en-US"/>
+          </a:p>
+        </p:txBody>
+      </p:sp>
+      <p:sp>
+        <p:nvSpPr>
+          <p:cNvPr id="4" name="Slide Image Placeholder 3"/>
+          <p:cNvSpPr>
+            <a:spLocks noGrp="1" noRot="1" noChangeAspect="1"/>
+          </p:cNvSpPr>
+          <p:nvPr>
+            <p:ph type="sldImg" idx="2"/>
+          </p:nvPr>
+        </p:nvSpPr>
+        <p:spPr>
+          <a:xfrm>
+            <a:off x="685800" y="1143000"/>
+            <a:ext cx="5486400" cy="3086100"/>
+          </a:xfrm>
+          <a:prstGeom prst="rect">
+            <a:avLst/>
+          </a:prstGeom>
+          <a:noFill/>
+          <a:ln w="12700">
+            <a:solidFill>
+              <a:prstClr val="black"/>
+            </a:solidFill>
+          </a:ln>
+        </p:spPr>
+        <p:txBody>
+          <a:bodyPr vert="horz" lIns="91440" tIns="45720" rIns="91440" bIns="45720" rtlCol="0" anchor="ctr"/>
+          <a:lstStyle/>
+          <a:p>
+            <a:endParaRPr lang="en-US"/>
+          </a:p>
+        </p:txBody>
+      </p:sp>
+      <p:sp>
+        <p:nvSpPr>
+          <p:cNvPr id="5" name="Notes Placeholder 4"/>
+          <p:cNvSpPr>
+            <a:spLocks noGrp="1"/>
+          </p:cNvSpPr>
+          <p:nvPr>
+            <p:ph type="body" sz="quarter" idx="3"/>
+          </p:nvPr>
+        </p:nvSpPr>
+        <p:spPr>
+          <a:xfrm>
+            <a:off x="685800" y="4400550"/>
+            <a:ext cx="5486400" cy="3600450"/>
+          </a:xfrm>
+          <a:prstGeom prst="rect">
+            <a:avLst/>
+          </a:prstGeom>
+        </p:spPr>
+        <p:txBody>
+          <a:bodyPr vert="horz" lIns="91440" tIns="45720" rIns="91440" bIns="45720" rtlCol="0"/>
+          <a:lstStyle/>
+          <a:p>
+            <a:pPr lvl="0"/>
+            <a:r>
+              <a:rPr lang="en-US" smtClean="0"/>
+              <a:t>Click to edit Master text styles</a:t>
+            </a:r>
+          </a:p>
+          <a:p>
+            <a:pPr lvl="1"/>
+            <a:r>
+              <a:rPr lang="en-US" smtClean="0"/>
+              <a:t>Second level</a:t>
+            </a:r>
+          </a:p>
+          <a:p>
+            <a:pPr lvl="2"/>
+            <a:r>
+              <a:rPr lang="en-US" smtClean="0"/>
+              <a:t>Third level</a:t>
+            </a:r>
+          </a:p>
+          <a:p>
+            <a:pPr lvl="3"/>
+            <a:r>
+              <a:rPr lang="en-US" smtClean="0"/>
+              <a:t>Fourth level</a:t>
+            </a:r>
+          </a:p>
+          <a:p>
+            <a:pPr lvl="4"/>
+            <a:r>
+              <a:rPr lang="en-US" smtClean="0"/>
+              <a:t>Fifth level</a:t>
+            </a:r>
+            <a:endParaRPr lang="en-US"/>
+          </a:p>
+        </p:txBody>
+      </p:sp>
+      <p:sp>
+        <p:nvSpPr>
+          <p:cNvPr id="6" name="Footer Placeholder 5"/>
+          <p:cNvSpPr>
+            <a:spLocks noGrp="1"/>
+          </p:cNvSpPr>
+          <p:nvPr>
+            <p:ph type="ftr" sz="quarter" idx="4"/>
+          </p:nvPr>
+        </p:nvSpPr>
+        <p:spPr>
+          <a:xfrm>
+            <a:off x="0" y="8685213"/>
+            <a:ext cx="2971800" cy="458787"/>
+          </a:xfrm>
+          <a:prstGeom prst="rect">
+            <a:avLst/>
+          </a:prstGeom>
+        </p:spPr>
+        <p:txBody>
+          <a:bodyPr vert="horz" lIns="91440" tIns="45720" rIns="91440" bIns="45720" rtlCol="0" anchor="b"/>
+          <a:lstStyle>
+            <a:lvl1pPr algn="l">
+              <a:defRPr sz="1200"/>
+            </a:lvl1pPr>
+          </a:lstStyle>
+          <a:p>
+            <a:endParaRPr lang="en-US"/>
+          </a:p>
+        </p:txBody>
+      </p:sp>
+      <p:sp>
+        <p:nvSpPr>
+          <p:cNvPr id="7" name="Slide Number Placeholder 6"/>
+          <p:cNvSpPr>
+            <a:spLocks noGrp="1"/>
+          </p:cNvSpPr>
+          <p:nvPr>
+            <p:ph type="sldNum" sz="quarter" idx="5"/>
+          </p:nvPr>
+        </p:nvSpPr>
+        <p:spPr>
+          <a:xfrm>
+            <a:off x="3884613" y="8685213"/>
+            <a:ext cx="2971800" cy="458787"/>
+          </a:xfrm>
+          <a:prstGeom prst="rect">
+            <a:avLst/>
+          </a:prstGeom>
+        </p:spPr>
+        <p:txBody>
+          <a:bodyPr vert="horz" lIns="91440" tIns="45720" rIns="91440" bIns="45720" rtlCol="0" anchor="b"/>
+          <a:lstStyle>
+            <a:lvl1pPr algn="r">
+              <a:defRPr sz="1200"/>
+            </a:lvl1pPr>
+          </a:lstStyle>
+          <a:p>
+            <a:fld id="{D43214C1-22BC-294D-9D10-BAD19A4DE91E}" type="slidenum">
+              <a:rPr lang="en-US" smtClean="0"/>
+              <a:t>‹#›</a:t>
+            </a:fld>
+            <a:endParaRPr lang="en-US"/>
+          </a:p>
+        </p:txBody>
+      </p:sp>
+    </p:spTree>
+    <p:extLst>
+      <p:ext uri="{BB962C8B-B14F-4D97-AF65-F5344CB8AC3E}">
+        <p14:creationId xmlns:p14="http://schemas.microsoft.com/office/powerpoint/2010/main" val="212030806"/>
+      </p:ext>
+    </p:extLst>
+  </p:cSld>
+  <p:clrMap bg1="lt1" tx1="dk1" bg2="lt2" tx2="dk2" accent1="accent1" accent2="accent2" accent3="accent3" accent4="accent4" accent5="accent5" accent6="accent6" hlink="hlink" folHlink="folHlink"/>
+  <p:notesStyle>
+    <a:lvl1pPr marL="0" algn="l" defTabSz="914400" rtl="0" eaLnBrk="1" latinLnBrk="0" hangingPunct="1">
+      <a:defRPr sz="1200" kern="1200">
+        <a:solidFill>
+          <a:schemeClr val="tx1"/>
+        </a:solidFill>
+        <a:latin typeface="+mn-lt"/>
+        <a:ea typeface="+mn-ea"/>
+        <a:cs typeface="+mn-cs"/>
+      </a:defRPr>
+    </a:lvl1pPr>
+    <a:lvl2pPr marL="457200" algn="l" defTabSz="914400" rtl="0" eaLnBrk="1" latinLnBrk="0" hangingPunct="1">
+      <a:defRPr sz="1200" kern="1200">
+        <a:solidFill>
+          <a:schemeClr val="tx1"/>
+        </a:solidFill>
+        <a:latin typeface="+mn-lt"/>
+        <a:ea typeface="+mn-ea"/>
+        <a:cs typeface="+mn-cs"/>
+      </a:defRPr>
+    </a:lvl2pPr>
+    <a:lvl3pPr marL="914400" algn="l" defTabSz="914400" rtl="0" eaLnBrk="1" latinLnBrk="0" hangingPunct="1">
+      <a:defRPr sz="1200" kern="1200">
+        <a:solidFill>
+          <a:schemeClr val="tx1"/>
+        </a:solidFill>
+        <a:latin typeface="+mn-lt"/>
+        <a:ea typeface="+mn-ea"/>
+        <a:cs typeface="+mn-cs"/>
+      </a:defRPr>
+    </a:lvl3pPr>
+    <a:lvl4pPr marL="1371600" algn="l" defTabSz="914400" rtl="0" eaLnBrk="1" latinLnBrk="0" hangingPunct="1">
+      <a:defRPr sz="1200" kern="1200">
+        <a:solidFill>
+          <a:schemeClr val="tx1"/>
+        </a:solidFill>
+        <a:latin typeface="+mn-lt"/>
+        <a:ea typeface="+mn-ea"/>
+        <a:cs typeface="+mn-cs"/>
+      </a:defRPr>
+    </a:lvl4pPr>
+    <a:lvl5pPr marL="1828800" algn="l" defTabSz="914400" rtl="0" eaLnBrk="1" latinLnBrk="0" hangingPunct="1">
+      <a:defRPr sz="1200" kern="1200">
+        <a:solidFill>
+          <a:schemeClr val="tx1"/>
+        </a:solidFill>
+        <a:latin typeface="+mn-lt"/>
+        <a:ea typeface="+mn-ea"/>
+        <a:cs typeface="+mn-cs"/>
+      </a:defRPr>
+    </a:lvl5pPr>
+    <a:lvl6pPr marL="2286000" algn="l" defTabSz="914400" rtl="0" eaLnBrk="1" latinLnBrk="0" hangingPunct="1">
+      <a:defRPr sz="1200" kern="1200">
+        <a:solidFill>
+          <a:schemeClr val="tx1"/>
+        </a:solidFill>
+        <a:latin typeface="+mn-lt"/>
+        <a:ea typeface="+mn-ea"/>
+        <a:cs typeface="+mn-cs"/>
+      </a:defRPr>
+    </a:lvl6pPr>
+    <a:lvl7pPr marL="2743200" algn="l" defTabSz="914400" rtl="0" eaLnBrk="1" latinLnBrk="0" hangingPunct="1">
+      <a:defRPr sz="1200" kern="1200">
+        <a:solidFill>
+          <a:schemeClr val="tx1"/>
+        </a:solidFill>
+        <a:latin typeface="+mn-lt"/>
+        <a:ea typeface="+mn-ea"/>
+        <a:cs typeface="+mn-cs"/>
+      </a:defRPr>
+    </a:lvl7pPr>
+    <a:lvl8pPr marL="3200400" algn="l" defTabSz="914400" rtl="0" eaLnBrk="1" latinLnBrk="0" hangingPunct="1">
+      <a:defRPr sz="1200" kern="1200">
+        <a:solidFill>
+          <a:schemeClr val="tx1"/>
+        </a:solidFill>
+        <a:latin typeface="+mn-lt"/>
+        <a:ea typeface="+mn-ea"/>
+        <a:cs typeface="+mn-cs"/>
+      </a:defRPr>
+    </a:lvl8pPr>
+    <a:lvl9pPr marL="3657600" algn="l" defTabSz="914400" rtl="0" eaLnBrk="1" latinLnBrk="0" hangingPunct="1">
+      <a:defRPr sz="1200" kern="1200">
+        <a:solidFill>
+          <a:schemeClr val="tx1"/>
+        </a:solidFill>
+        <a:latin typeface="+mn-lt"/>
+        <a:ea typeface="+mn-ea"/>
+        <a:cs typeface="+mn-cs"/>
+      </a:defRPr>
+    </a:lvl9pPr>
+  </p:notesStyle>
+</p:notesMaster>
+</file>
+
+<file path=ppt/notesSlides/notesSlide1.xml><?xml version="1.0" encoding="utf-8"?>
+<p:notes xmlns:a="http://schemas.openxmlformats.org/drawingml/2006/main" xmlns:r="http://schemas.openxmlformats.org/officeDocument/2006/relationships" xmlns:p="http://schemas.openxmlformats.org/presentationml/2006/main">
+  <p:cSld>
+    <p:spTree>
+      <p:nvGrpSpPr>
+        <p:cNvPr id="1" name=""/>
+        <p:cNvGrpSpPr/>
+        <p:nvPr/>
+      </p:nvGrpSpPr>
+      <p:grpSpPr>
+        <a:xfrm>
+          <a:off x="0" y="0"/>
+          <a:ext cx="0" cy="0"/>
+          <a:chOff x="0" y="0"/>
+          <a:chExt cx="0" cy="0"/>
+        </a:xfrm>
+      </p:grpSpPr>
+      <p:sp>
+        <p:nvSpPr>
+          <p:cNvPr id="2" name="Slide Image Placeholder 1"/>
+          <p:cNvSpPr>
+            <a:spLocks noGrp="1" noRot="1" noChangeAspect="1"/>
+          </p:cNvSpPr>
+          <p:nvPr>
+            <p:ph type="sldImg"/>
+          </p:nvPr>
+        </p:nvSpPr>
+        <p:spPr/>
+      </p:sp>
+      <p:sp>
+        <p:nvSpPr>
+          <p:cNvPr id="3" name="Notes Placeholder 2"/>
+          <p:cNvSpPr>
+            <a:spLocks noGrp="1"/>
+          </p:cNvSpPr>
+          <p:nvPr>
+            <p:ph type="body" idx="1"/>
+          </p:nvPr>
+        </p:nvSpPr>
+        <p:spPr/>
+        <p:txBody>
+          <a:bodyPr/>
+          <a:lstStyle/>
+          <a:p>
+            <a:endParaRPr lang="en-US" dirty="0"/>
+          </a:p>
+        </p:txBody>
+      </p:sp>
+      <p:sp>
+        <p:nvSpPr>
+          <p:cNvPr id="4" name="Slide Number Placeholder 3"/>
+          <p:cNvSpPr>
+            <a:spLocks noGrp="1"/>
+          </p:cNvSpPr>
+          <p:nvPr>
+            <p:ph type="sldNum" sz="quarter" idx="10"/>
+          </p:nvPr>
+        </p:nvSpPr>
+        <p:spPr/>
+        <p:txBody>
+          <a:bodyPr/>
+          <a:lstStyle/>
+          <a:p>
+            <a:fld id="{D43214C1-22BC-294D-9D10-BAD19A4DE91E}" type="slidenum">
+              <a:rPr lang="en-US" smtClean="0"/>
+              <a:t>6</a:t>
+            </a:fld>
+            <a:endParaRPr lang="en-US"/>
+          </a:p>
+        </p:txBody>
+      </p:sp>
+    </p:spTree>
+    <p:extLst>
+      <p:ext uri="{BB962C8B-B14F-4D97-AF65-F5344CB8AC3E}">
+        <p14:creationId xmlns:p14="http://schemas.microsoft.com/office/powerpoint/2010/main" val="603311938"/>
+      </p:ext>
+    </p:extLst>
+  </p:cSld>
+  <p:clrMapOvr>
+    <a:masterClrMapping/>
+  </p:clrMapOvr>
+</p:notes>
+</file>
+
+<file path=ppt/notesSlides/notesSlide2.xml><?xml version="1.0" encoding="utf-8"?>
+<p:notes xmlns:a="http://schemas.openxmlformats.org/drawingml/2006/main" xmlns:r="http://schemas.openxmlformats.org/officeDocument/2006/relationships" xmlns:p="http://schemas.openxmlformats.org/presentationml/2006/main">
+  <p:cSld>
+    <p:spTree>
+      <p:nvGrpSpPr>
+        <p:cNvPr id="1" name=""/>
+        <p:cNvGrpSpPr/>
+        <p:nvPr/>
+      </p:nvGrpSpPr>
+      <p:grpSpPr>
+        <a:xfrm>
+          <a:off x="0" y="0"/>
+          <a:ext cx="0" cy="0"/>
+          <a:chOff x="0" y="0"/>
+          <a:chExt cx="0" cy="0"/>
+        </a:xfrm>
+      </p:grpSpPr>
+      <p:sp>
+        <p:nvSpPr>
+          <p:cNvPr id="2" name="Slide Image Placeholder 1"/>
+          <p:cNvSpPr>
+            <a:spLocks noGrp="1" noRot="1" noChangeAspect="1"/>
+          </p:cNvSpPr>
+          <p:nvPr>
+            <p:ph type="sldImg"/>
+          </p:nvPr>
+        </p:nvSpPr>
+        <p:spPr/>
+      </p:sp>
+      <p:sp>
+        <p:nvSpPr>
+          <p:cNvPr id="3" name="Notes Placeholder 2"/>
+          <p:cNvSpPr>
+            <a:spLocks noGrp="1"/>
+          </p:cNvSpPr>
+          <p:nvPr>
+            <p:ph type="body" idx="1"/>
+          </p:nvPr>
+        </p:nvSpPr>
+        <p:spPr/>
+        <p:txBody>
+          <a:bodyPr/>
+          <a:lstStyle/>
+          <a:p>
+            <a:r>
+              <a:rPr lang="en-US" altLang="zh-CN" dirty="0" smtClean="0"/>
+              <a:t>Roy Thomas Fielding</a:t>
+            </a:r>
+            <a:r>
+              <a:rPr lang="zh-CN" altLang="en-US" dirty="0" smtClean="0"/>
+              <a:t> 是</a:t>
+            </a:r>
+            <a:r>
+              <a:rPr lang="en-US" altLang="zh-CN" dirty="0" smtClean="0"/>
+              <a:t>HTTP1.0</a:t>
+            </a:r>
+            <a:r>
+              <a:rPr lang="zh-CN" altLang="en-US" dirty="0" smtClean="0"/>
+              <a:t> 和</a:t>
+            </a:r>
+            <a:r>
+              <a:rPr lang="en-US" altLang="zh-CN" dirty="0" smtClean="0"/>
+              <a:t>1.1</a:t>
+            </a:r>
+            <a:r>
+              <a:rPr lang="zh-CN" altLang="en-US" dirty="0" smtClean="0"/>
+              <a:t>版的主要设计者</a:t>
+            </a:r>
+            <a:endParaRPr lang="en-US" dirty="0"/>
+          </a:p>
+        </p:txBody>
+      </p:sp>
+      <p:sp>
+        <p:nvSpPr>
+          <p:cNvPr id="4" name="Slide Number Placeholder 3"/>
+          <p:cNvSpPr>
+            <a:spLocks noGrp="1"/>
+          </p:cNvSpPr>
+          <p:nvPr>
+            <p:ph type="sldNum" sz="quarter" idx="10"/>
+          </p:nvPr>
+        </p:nvSpPr>
+        <p:spPr/>
+        <p:txBody>
+          <a:bodyPr/>
+          <a:lstStyle/>
+          <a:p>
+            <a:fld id="{D43214C1-22BC-294D-9D10-BAD19A4DE91E}" type="slidenum">
+              <a:rPr lang="en-US" smtClean="0"/>
+              <a:t>11</a:t>
+            </a:fld>
+            <a:endParaRPr lang="en-US"/>
+          </a:p>
+        </p:txBody>
+      </p:sp>
+    </p:spTree>
+    <p:extLst>
+      <p:ext uri="{BB962C8B-B14F-4D97-AF65-F5344CB8AC3E}">
+        <p14:creationId xmlns:p14="http://schemas.microsoft.com/office/powerpoint/2010/main" val="926386069"/>
+      </p:ext>
+    </p:extLst>
+  </p:cSld>
+  <p:clrMapOvr>
+    <a:masterClrMapping/>
+  </p:clrMapOvr>
+</p:notes>
+</file>
+
+<file path=ppt/notesSlides/notesSlide3.xml><?xml version="1.0" encoding="utf-8"?>
+<p:notes xmlns:a="http://schemas.openxmlformats.org/drawingml/2006/main" xmlns:r="http://schemas.openxmlformats.org/officeDocument/2006/relationships" xmlns:p="http://schemas.openxmlformats.org/presentationml/2006/main">
+  <p:cSld>
+    <p:spTree>
+      <p:nvGrpSpPr>
+        <p:cNvPr id="1" name=""/>
+        <p:cNvGrpSpPr/>
+        <p:nvPr/>
+      </p:nvGrpSpPr>
+      <p:grpSpPr>
+        <a:xfrm>
+          <a:off x="0" y="0"/>
+          <a:ext cx="0" cy="0"/>
+          <a:chOff x="0" y="0"/>
+          <a:chExt cx="0" cy="0"/>
+        </a:xfrm>
+      </p:grpSpPr>
+      <p:sp>
+        <p:nvSpPr>
+          <p:cNvPr id="2" name="Slide Image Placeholder 1"/>
+          <p:cNvSpPr>
+            <a:spLocks noGrp="1" noRot="1" noChangeAspect="1"/>
+          </p:cNvSpPr>
+          <p:nvPr>
+            <p:ph type="sldImg"/>
+          </p:nvPr>
+        </p:nvSpPr>
+        <p:spPr/>
+      </p:sp>
+      <p:sp>
+        <p:nvSpPr>
+          <p:cNvPr id="3" name="Notes Placeholder 2"/>
+          <p:cNvSpPr>
+            <a:spLocks noGrp="1"/>
+          </p:cNvSpPr>
+          <p:nvPr>
+            <p:ph type="body" idx="1"/>
+          </p:nvPr>
+        </p:nvSpPr>
+        <p:spPr/>
+        <p:txBody>
+          <a:bodyPr/>
+          <a:lstStyle/>
+          <a:p>
+            <a:r>
+              <a:rPr lang="en-US" dirty="0" smtClean="0">
+                <a:hlinkClick r:id="rId3"/>
+              </a:rPr>
+              <a:t>http://www.ruanyifeng.com/blog/2018/10/restful-api-best-practices.html</a:t>
+            </a:r>
+            <a:endParaRPr lang="en-US" dirty="0"/>
+          </a:p>
+        </p:txBody>
+      </p:sp>
+      <p:sp>
+        <p:nvSpPr>
+          <p:cNvPr id="4" name="Slide Number Placeholder 3"/>
+          <p:cNvSpPr>
+            <a:spLocks noGrp="1"/>
+          </p:cNvSpPr>
+          <p:nvPr>
+            <p:ph type="sldNum" sz="quarter" idx="10"/>
+          </p:nvPr>
+        </p:nvSpPr>
+        <p:spPr/>
+        <p:txBody>
+          <a:bodyPr/>
+          <a:lstStyle/>
+          <a:p>
+            <a:fld id="{D43214C1-22BC-294D-9D10-BAD19A4DE91E}" type="slidenum">
+              <a:rPr lang="en-US" smtClean="0"/>
+              <a:t>17</a:t>
+            </a:fld>
+            <a:endParaRPr lang="en-US"/>
+          </a:p>
+        </p:txBody>
+      </p:sp>
+    </p:spTree>
+    <p:extLst>
+      <p:ext uri="{BB962C8B-B14F-4D97-AF65-F5344CB8AC3E}">
+        <p14:creationId xmlns:p14="http://schemas.microsoft.com/office/powerpoint/2010/main" val="1629887815"/>
+      </p:ext>
+    </p:extLst>
+  </p:cSld>
+  <p:clrMapOvr>
+    <a:masterClrMapping/>
+  </p:clrMapOvr>
+</p:notes>
+</file>
+
+<file path=ppt/notesSlides/notesSlide4.xml><?xml version="1.0" encoding="utf-8"?>
+<p:notes xmlns:a="http://schemas.openxmlformats.org/drawingml/2006/main" xmlns:r="http://schemas.openxmlformats.org/officeDocument/2006/relationships" xmlns:p="http://schemas.openxmlformats.org/presentationml/2006/main">
+  <p:cSld>
+    <p:spTree>
+      <p:nvGrpSpPr>
+        <p:cNvPr id="1" name=""/>
+        <p:cNvGrpSpPr/>
+        <p:nvPr/>
+      </p:nvGrpSpPr>
+      <p:grpSpPr>
+        <a:xfrm>
+          <a:off x="0" y="0"/>
+          <a:ext cx="0" cy="0"/>
+          <a:chOff x="0" y="0"/>
+          <a:chExt cx="0" cy="0"/>
+        </a:xfrm>
+      </p:grpSpPr>
+      <p:sp>
+        <p:nvSpPr>
+          <p:cNvPr id="2" name="Slide Image Placeholder 1"/>
+          <p:cNvSpPr>
+            <a:spLocks noGrp="1" noRot="1" noChangeAspect="1"/>
+          </p:cNvSpPr>
+          <p:nvPr>
+            <p:ph type="sldImg"/>
+          </p:nvPr>
+        </p:nvSpPr>
+        <p:spPr/>
+      </p:sp>
+      <p:sp>
+        <p:nvSpPr>
+          <p:cNvPr id="3" name="Notes Placeholder 2"/>
+          <p:cNvSpPr>
+            <a:spLocks noGrp="1"/>
+          </p:cNvSpPr>
+          <p:nvPr>
+            <p:ph type="body" idx="1"/>
+          </p:nvPr>
+        </p:nvSpPr>
+        <p:spPr/>
+        <p:txBody>
+          <a:bodyPr/>
+          <a:lstStyle/>
+          <a:p>
+            <a:endParaRPr lang="en-US" dirty="0"/>
+          </a:p>
+        </p:txBody>
+      </p:sp>
+      <p:sp>
+        <p:nvSpPr>
+          <p:cNvPr id="4" name="Slide Number Placeholder 3"/>
+          <p:cNvSpPr>
+            <a:spLocks noGrp="1"/>
+          </p:cNvSpPr>
+          <p:nvPr>
+            <p:ph type="sldNum" sz="quarter" idx="10"/>
+          </p:nvPr>
+        </p:nvSpPr>
+        <p:spPr/>
+        <p:txBody>
+          <a:bodyPr/>
+          <a:lstStyle/>
+          <a:p>
+            <a:fld id="{D43214C1-22BC-294D-9D10-BAD19A4DE91E}" type="slidenum">
+              <a:rPr lang="en-US" smtClean="0"/>
+              <a:t>21</a:t>
+            </a:fld>
+            <a:endParaRPr lang="en-US"/>
+          </a:p>
+        </p:txBody>
+      </p:sp>
+    </p:spTree>
+    <p:extLst>
+      <p:ext uri="{BB962C8B-B14F-4D97-AF65-F5344CB8AC3E}">
+        <p14:creationId xmlns:p14="http://schemas.microsoft.com/office/powerpoint/2010/main" val="1853126240"/>
+      </p:ext>
+    </p:extLst>
+  </p:cSld>
+  <p:clrMapOvr>
+    <a:masterClrMapping/>
+  </p:clrMapOvr>
+</p:notes>
 </file>
 
 <file path=ppt/slideLayouts/slideLayout1.xml><?xml version="1.0" encoding="utf-8"?>
@@ -239,7 +996,7 @@
           <a:p>
             <a:fld id="{D0EBFAD4-7C52-124E-A3EA-A851705B6B25}" type="datetimeFigureOut">
               <a:rPr lang="en-US" smtClean="0"/>
-              <a:t>5/21/19</a:t>
+              <a:t>5/29/19</a:t>
             </a:fld>
             <a:endParaRPr lang="en-US"/>
           </a:p>
@@ -409,7 +1166,7 @@
           <a:p>
             <a:fld id="{D0EBFAD4-7C52-124E-A3EA-A851705B6B25}" type="datetimeFigureOut">
               <a:rPr lang="en-US" smtClean="0"/>
-              <a:t>5/21/19</a:t>
+              <a:t>5/29/19</a:t>
             </a:fld>
             <a:endParaRPr lang="en-US"/>
           </a:p>
@@ -589,7 +1346,7 @@
           <a:p>
             <a:fld id="{D0EBFAD4-7C52-124E-A3EA-A851705B6B25}" type="datetimeFigureOut">
               <a:rPr lang="en-US" smtClean="0"/>
-              <a:t>5/21/19</a:t>
+              <a:t>5/29/19</a:t>
             </a:fld>
             <a:endParaRPr lang="en-US"/>
           </a:p>
@@ -759,7 +1516,7 @@
           <a:p>
             <a:fld id="{D0EBFAD4-7C52-124E-A3EA-A851705B6B25}" type="datetimeFigureOut">
               <a:rPr lang="en-US" smtClean="0"/>
-              <a:t>5/21/19</a:t>
+              <a:t>5/29/19</a:t>
             </a:fld>
             <a:endParaRPr lang="en-US"/>
           </a:p>
@@ -1005,7 +1762,7 @@
           <a:p>
             <a:fld id="{D0EBFAD4-7C52-124E-A3EA-A851705B6B25}" type="datetimeFigureOut">
               <a:rPr lang="en-US" smtClean="0"/>
-              <a:t>5/21/19</a:t>
+              <a:t>5/29/19</a:t>
             </a:fld>
             <a:endParaRPr lang="en-US"/>
           </a:p>
@@ -1237,7 +1994,7 @@
           <a:p>
             <a:fld id="{D0EBFAD4-7C52-124E-A3EA-A851705B6B25}" type="datetimeFigureOut">
               <a:rPr lang="en-US" smtClean="0"/>
-              <a:t>5/21/19</a:t>
+              <a:t>5/29/19</a:t>
             </a:fld>
             <a:endParaRPr lang="en-US"/>
           </a:p>
@@ -1604,7 +2361,7 @@
           <a:p>
             <a:fld id="{D0EBFAD4-7C52-124E-A3EA-A851705B6B25}" type="datetimeFigureOut">
               <a:rPr lang="en-US" smtClean="0"/>
-              <a:t>5/21/19</a:t>
+              <a:t>5/29/19</a:t>
             </a:fld>
             <a:endParaRPr lang="en-US"/>
           </a:p>
@@ -1722,7 +2479,7 @@
           <a:p>
             <a:fld id="{D0EBFAD4-7C52-124E-A3EA-A851705B6B25}" type="datetimeFigureOut">
               <a:rPr lang="en-US" smtClean="0"/>
-              <a:t>5/21/19</a:t>
+              <a:t>5/29/19</a:t>
             </a:fld>
             <a:endParaRPr lang="en-US"/>
           </a:p>
@@ -1817,7 +2574,7 @@
           <a:p>
             <a:fld id="{D0EBFAD4-7C52-124E-A3EA-A851705B6B25}" type="datetimeFigureOut">
               <a:rPr lang="en-US" smtClean="0"/>
-              <a:t>5/21/19</a:t>
+              <a:t>5/29/19</a:t>
             </a:fld>
             <a:endParaRPr lang="en-US"/>
           </a:p>
@@ -2094,7 +2851,7 @@
           <a:p>
             <a:fld id="{D0EBFAD4-7C52-124E-A3EA-A851705B6B25}" type="datetimeFigureOut">
               <a:rPr lang="en-US" smtClean="0"/>
-              <a:t>5/21/19</a:t>
+              <a:t>5/29/19</a:t>
             </a:fld>
             <a:endParaRPr lang="en-US"/>
           </a:p>
@@ -2347,7 +3104,7 @@
           <a:p>
             <a:fld id="{D0EBFAD4-7C52-124E-A3EA-A851705B6B25}" type="datetimeFigureOut">
               <a:rPr lang="en-US" smtClean="0"/>
-              <a:t>5/21/19</a:t>
+              <a:t>5/29/19</a:t>
             </a:fld>
             <a:endParaRPr lang="en-US"/>
           </a:p>
@@ -2560,7 +3317,7 @@
           <a:p>
             <a:fld id="{D0EBFAD4-7C52-124E-A3EA-A851705B6B25}" type="datetimeFigureOut">
               <a:rPr lang="en-US" smtClean="0"/>
-              <a:t>5/21/19</a:t>
+              <a:t>5/29/19</a:t>
             </a:fld>
             <a:endParaRPr lang="en-US"/>
           </a:p>
@@ -3037,6 +3794,1701 @@
   <p:clrMapOvr>
     <a:masterClrMapping/>
   </p:clrMapOvr>
+  <p:timing>
+    <p:tnLst>
+      <p:par>
+        <p:cTn id="1" dur="indefinite" restart="never" nodeType="tmRoot"/>
+      </p:par>
+    </p:tnLst>
+  </p:timing>
+</p:sld>
+</file>
+
+<file path=ppt/slides/slide10.xml><?xml version="1.0" encoding="utf-8"?>
+<p:sld xmlns:a="http://schemas.openxmlformats.org/drawingml/2006/main" xmlns:r="http://schemas.openxmlformats.org/officeDocument/2006/relationships" xmlns:p="http://schemas.openxmlformats.org/presentationml/2006/main">
+  <p:cSld>
+    <p:spTree>
+      <p:nvGrpSpPr>
+        <p:cNvPr id="1" name=""/>
+        <p:cNvGrpSpPr/>
+        <p:nvPr/>
+      </p:nvGrpSpPr>
+      <p:grpSpPr>
+        <a:xfrm>
+          <a:off x="0" y="0"/>
+          <a:ext cx="0" cy="0"/>
+          <a:chOff x="0" y="0"/>
+          <a:chExt cx="0" cy="0"/>
+        </a:xfrm>
+      </p:grpSpPr>
+      <p:sp>
+        <p:nvSpPr>
+          <p:cNvPr id="2" name="Title 1"/>
+          <p:cNvSpPr>
+            <a:spLocks noGrp="1"/>
+          </p:cNvSpPr>
+          <p:nvPr>
+            <p:ph type="title"/>
+          </p:nvPr>
+        </p:nvSpPr>
+        <p:spPr/>
+        <p:txBody>
+          <a:bodyPr/>
+          <a:lstStyle/>
+          <a:p>
+            <a:r>
+              <a:rPr lang="zh-CN" altLang="en-US" dirty="0" smtClean="0"/>
+              <a:t>练习</a:t>
+            </a:r>
+            <a:endParaRPr lang="en-US" dirty="0"/>
+          </a:p>
+        </p:txBody>
+      </p:sp>
+      <p:sp>
+        <p:nvSpPr>
+          <p:cNvPr id="3" name="Content Placeholder 2"/>
+          <p:cNvSpPr>
+            <a:spLocks noGrp="1"/>
+          </p:cNvSpPr>
+          <p:nvPr>
+            <p:ph idx="1"/>
+          </p:nvPr>
+        </p:nvSpPr>
+        <p:spPr/>
+        <p:txBody>
+          <a:bodyPr/>
+          <a:lstStyle/>
+          <a:p>
+            <a:r>
+              <a:rPr lang="zh-CN" altLang="en-US" dirty="0" smtClean="0"/>
+              <a:t>读取数据库中全部用户列表</a:t>
+            </a:r>
+            <a:endParaRPr lang="en-US" altLang="zh-CN" dirty="0" smtClean="0"/>
+          </a:p>
+          <a:p>
+            <a:r>
+              <a:rPr lang="zh-CN" altLang="en-US" dirty="0" smtClean="0"/>
+              <a:t>通过</a:t>
+            </a:r>
+            <a:r>
+              <a:rPr lang="en-US" altLang="zh-CN" dirty="0" err="1" smtClean="0"/>
+              <a:t>thymeleaf</a:t>
+            </a:r>
+            <a:r>
+              <a:rPr lang="zh-CN" altLang="en-US" dirty="0" smtClean="0"/>
+              <a:t>循环展示到</a:t>
+            </a:r>
+            <a:r>
+              <a:rPr lang="en-US" altLang="zh-CN" dirty="0" smtClean="0"/>
+              <a:t>HTML</a:t>
+            </a:r>
+            <a:r>
+              <a:rPr lang="zh-CN" altLang="en-US" dirty="0" smtClean="0"/>
+              <a:t>页面中</a:t>
+            </a:r>
+            <a:endParaRPr lang="en-US" altLang="zh-CN" dirty="0" smtClean="0"/>
+          </a:p>
+          <a:p>
+            <a:r>
+              <a:rPr lang="zh-CN" altLang="en-US" dirty="0" smtClean="0"/>
+              <a:t>如果名称包含</a:t>
+            </a:r>
+            <a:r>
+              <a:rPr lang="en-US" altLang="zh-CN" dirty="0" smtClean="0"/>
+              <a:t>”</a:t>
+            </a:r>
+            <a:r>
+              <a:rPr lang="en-US" altLang="zh-CN" dirty="0" err="1" smtClean="0"/>
+              <a:t>newit</a:t>
+            </a:r>
+            <a:r>
+              <a:rPr lang="en-US" altLang="zh-CN" dirty="0" smtClean="0"/>
+              <a:t>”</a:t>
+            </a:r>
+            <a:r>
+              <a:rPr lang="zh-CN" altLang="en-US" dirty="0" smtClean="0"/>
+              <a:t>，则高亮显示</a:t>
+            </a:r>
+            <a:endParaRPr lang="en-US" altLang="zh-CN" dirty="0" smtClean="0"/>
+          </a:p>
+          <a:p>
+            <a:endParaRPr lang="en-US" dirty="0"/>
+          </a:p>
+        </p:txBody>
+      </p:sp>
+    </p:spTree>
+    <p:extLst>
+      <p:ext uri="{BB962C8B-B14F-4D97-AF65-F5344CB8AC3E}">
+        <p14:creationId xmlns:p14="http://schemas.microsoft.com/office/powerpoint/2010/main" val="1130704496"/>
+      </p:ext>
+    </p:extLst>
+  </p:cSld>
+  <p:clrMapOvr>
+    <a:masterClrMapping/>
+  </p:clrMapOvr>
+  <p:timing>
+    <p:tnLst>
+      <p:par>
+        <p:cTn id="1" dur="indefinite" restart="never" nodeType="tmRoot"/>
+      </p:par>
+    </p:tnLst>
+  </p:timing>
+</p:sld>
+</file>
+
+<file path=ppt/slides/slide11.xml><?xml version="1.0" encoding="utf-8"?>
+<p:sld xmlns:a="http://schemas.openxmlformats.org/drawingml/2006/main" xmlns:r="http://schemas.openxmlformats.org/officeDocument/2006/relationships" xmlns:p="http://schemas.openxmlformats.org/presentationml/2006/main">
+  <p:cSld>
+    <p:spTree>
+      <p:nvGrpSpPr>
+        <p:cNvPr id="1" name=""/>
+        <p:cNvGrpSpPr/>
+        <p:nvPr/>
+      </p:nvGrpSpPr>
+      <p:grpSpPr>
+        <a:xfrm>
+          <a:off x="0" y="0"/>
+          <a:ext cx="0" cy="0"/>
+          <a:chOff x="0" y="0"/>
+          <a:chExt cx="0" cy="0"/>
+        </a:xfrm>
+      </p:grpSpPr>
+      <p:sp>
+        <p:nvSpPr>
+          <p:cNvPr id="2" name="Title 1"/>
+          <p:cNvSpPr>
+            <a:spLocks noGrp="1"/>
+          </p:cNvSpPr>
+          <p:nvPr>
+            <p:ph type="title"/>
+          </p:nvPr>
+        </p:nvSpPr>
+        <p:spPr/>
+        <p:txBody>
+          <a:bodyPr/>
+          <a:lstStyle/>
+          <a:p>
+            <a:r>
+              <a:rPr lang="en-US" altLang="zh-CN" dirty="0" smtClean="0"/>
+              <a:t>REST</a:t>
+            </a:r>
+            <a:endParaRPr lang="en-US" dirty="0"/>
+          </a:p>
+        </p:txBody>
+      </p:sp>
+      <p:sp>
+        <p:nvSpPr>
+          <p:cNvPr id="3" name="Content Placeholder 2"/>
+          <p:cNvSpPr>
+            <a:spLocks noGrp="1"/>
+          </p:cNvSpPr>
+          <p:nvPr>
+            <p:ph idx="1"/>
+          </p:nvPr>
+        </p:nvSpPr>
+        <p:spPr/>
+        <p:txBody>
+          <a:bodyPr/>
+          <a:lstStyle/>
+          <a:p>
+            <a:r>
+              <a:rPr lang="zh-CN" altLang="en-US" dirty="0"/>
+              <a:t>表现层状态转换（英语：</a:t>
+            </a:r>
+            <a:r>
+              <a:rPr lang="en-US" altLang="zh-CN" dirty="0"/>
+              <a:t>Representational State Transfer</a:t>
+            </a:r>
+            <a:r>
+              <a:rPr lang="zh-CN" altLang="en-US" dirty="0"/>
+              <a:t>，缩写：</a:t>
+            </a:r>
+            <a:r>
+              <a:rPr lang="en-US" altLang="zh-CN" dirty="0"/>
+              <a:t>REST</a:t>
+            </a:r>
+            <a:r>
+              <a:rPr lang="zh-CN" altLang="en-US" dirty="0"/>
+              <a:t>）是</a:t>
+            </a:r>
+            <a:r>
+              <a:rPr lang="en-US" altLang="zh-CN" dirty="0"/>
+              <a:t>Roy Thomas Fielding</a:t>
+            </a:r>
+            <a:r>
+              <a:rPr lang="zh-CN" altLang="en-US" dirty="0"/>
+              <a:t>博士于</a:t>
+            </a:r>
+            <a:r>
+              <a:rPr lang="en-US" altLang="zh-CN" dirty="0"/>
+              <a:t>2000</a:t>
+            </a:r>
+            <a:r>
+              <a:rPr lang="zh-CN" altLang="en-US" dirty="0"/>
+              <a:t>年在他的博士</a:t>
+            </a:r>
+            <a:r>
+              <a:rPr lang="zh-CN" altLang="en-US" dirty="0" smtClean="0"/>
+              <a:t>论文中</a:t>
+            </a:r>
+            <a:r>
+              <a:rPr lang="zh-CN" altLang="en-US" dirty="0"/>
+              <a:t>提出来的一种万维网软件架构风格，目的是便于不同软件</a:t>
+            </a:r>
+            <a:r>
+              <a:rPr lang="en-US" altLang="zh-CN" dirty="0"/>
+              <a:t>/</a:t>
+            </a:r>
+            <a:r>
+              <a:rPr lang="zh-CN" altLang="en-US" dirty="0"/>
+              <a:t>程序在网络（例如互联网）中互相传递信息</a:t>
+            </a:r>
+            <a:r>
+              <a:rPr lang="zh-CN" altLang="en-US" dirty="0" smtClean="0"/>
+              <a:t>。</a:t>
+            </a:r>
+            <a:endParaRPr lang="en-US" altLang="zh-CN" dirty="0" smtClean="0"/>
+          </a:p>
+          <a:p>
+            <a:r>
+              <a:rPr lang="en-US" altLang="zh-CN" dirty="0"/>
+              <a:t>REST</a:t>
+            </a:r>
+            <a:r>
+              <a:rPr lang="zh-CN" altLang="en-US" dirty="0"/>
+              <a:t>是设计风格而</a:t>
+            </a:r>
+            <a:r>
+              <a:rPr lang="zh-CN" altLang="en-US" b="1" dirty="0"/>
+              <a:t>不是</a:t>
+            </a:r>
+            <a:r>
+              <a:rPr lang="zh-CN" altLang="en-US" dirty="0" smtClean="0"/>
+              <a:t>标准</a:t>
+            </a:r>
+            <a:endParaRPr lang="en-US" altLang="zh-CN" dirty="0" smtClean="0"/>
+          </a:p>
+          <a:p>
+            <a:r>
+              <a:rPr lang="en-US" dirty="0" err="1"/>
+              <a:t>匹配REST设计风格的Web</a:t>
+            </a:r>
+            <a:r>
+              <a:rPr lang="en-US" dirty="0"/>
+              <a:t> </a:t>
+            </a:r>
+            <a:r>
+              <a:rPr lang="en-US" dirty="0" err="1"/>
+              <a:t>API称为</a:t>
+            </a:r>
+            <a:r>
+              <a:rPr lang="en-US" b="1" dirty="0" err="1"/>
+              <a:t>RESTful</a:t>
+            </a:r>
+            <a:r>
+              <a:rPr lang="en-US" b="1" dirty="0"/>
+              <a:t> </a:t>
+            </a:r>
+            <a:r>
+              <a:rPr lang="en-US" b="1" dirty="0" smtClean="0"/>
+              <a:t>API</a:t>
+            </a:r>
+          </a:p>
+          <a:p>
+            <a:endParaRPr lang="en-US" dirty="0"/>
+          </a:p>
+        </p:txBody>
+      </p:sp>
+    </p:spTree>
+    <p:extLst>
+      <p:ext uri="{BB962C8B-B14F-4D97-AF65-F5344CB8AC3E}">
+        <p14:creationId xmlns:p14="http://schemas.microsoft.com/office/powerpoint/2010/main" val="685987695"/>
+      </p:ext>
+    </p:extLst>
+  </p:cSld>
+  <p:clrMapOvr>
+    <a:masterClrMapping/>
+  </p:clrMapOvr>
+</p:sld>
+</file>
+
+<file path=ppt/slides/slide12.xml><?xml version="1.0" encoding="utf-8"?>
+<p:sld xmlns:a="http://schemas.openxmlformats.org/drawingml/2006/main" xmlns:r="http://schemas.openxmlformats.org/officeDocument/2006/relationships" xmlns:p="http://schemas.openxmlformats.org/presentationml/2006/main">
+  <p:cSld>
+    <p:spTree>
+      <p:nvGrpSpPr>
+        <p:cNvPr id="1" name=""/>
+        <p:cNvGrpSpPr/>
+        <p:nvPr/>
+      </p:nvGrpSpPr>
+      <p:grpSpPr>
+        <a:xfrm>
+          <a:off x="0" y="0"/>
+          <a:ext cx="0" cy="0"/>
+          <a:chOff x="0" y="0"/>
+          <a:chExt cx="0" cy="0"/>
+        </a:xfrm>
+      </p:grpSpPr>
+      <p:sp>
+        <p:nvSpPr>
+          <p:cNvPr id="2" name="Title 1"/>
+          <p:cNvSpPr>
+            <a:spLocks noGrp="1"/>
+          </p:cNvSpPr>
+          <p:nvPr>
+            <p:ph type="title"/>
+          </p:nvPr>
+        </p:nvSpPr>
+        <p:spPr/>
+        <p:txBody>
+          <a:bodyPr/>
+          <a:lstStyle/>
+          <a:p>
+            <a:r>
+              <a:rPr lang="en-US" altLang="zh-CN" dirty="0" smtClean="0"/>
+              <a:t>REST</a:t>
+            </a:r>
+            <a:r>
+              <a:rPr lang="zh-CN" altLang="en-US" dirty="0" smtClean="0"/>
+              <a:t>的优点</a:t>
+            </a:r>
+            <a:endParaRPr lang="en-US" dirty="0"/>
+          </a:p>
+        </p:txBody>
+      </p:sp>
+      <p:sp>
+        <p:nvSpPr>
+          <p:cNvPr id="3" name="Content Placeholder 2"/>
+          <p:cNvSpPr>
+            <a:spLocks noGrp="1"/>
+          </p:cNvSpPr>
+          <p:nvPr>
+            <p:ph idx="1"/>
+          </p:nvPr>
+        </p:nvSpPr>
+        <p:spPr/>
+        <p:txBody>
+          <a:bodyPr/>
+          <a:lstStyle/>
+          <a:p>
+            <a:r>
+              <a:rPr lang="zh-CN" altLang="en-US" dirty="0"/>
+              <a:t>可更高效利用缓存来提高响应速度</a:t>
+            </a:r>
+          </a:p>
+          <a:p>
+            <a:r>
+              <a:rPr lang="zh-CN" altLang="en-US" dirty="0"/>
+              <a:t>通讯本身的无状态性可以让不同的服务器的处理一系列请求中的不同请求，提高服务器的扩展性</a:t>
+            </a:r>
+          </a:p>
+          <a:p>
+            <a:r>
+              <a:rPr lang="zh-CN" altLang="en-US" dirty="0"/>
+              <a:t>浏览器即可作为客户端，简化软件需求</a:t>
+            </a:r>
+          </a:p>
+          <a:p>
+            <a:r>
+              <a:rPr lang="zh-CN" altLang="en-US" dirty="0"/>
+              <a:t>相对于其他叠加在</a:t>
+            </a:r>
+            <a:r>
+              <a:rPr lang="en-US" altLang="zh-CN" dirty="0">
+                <a:hlinkClick r:id="rId2" tooltip="超文本传输协议"/>
+              </a:rPr>
+              <a:t>HTTP</a:t>
+            </a:r>
+            <a:r>
+              <a:rPr lang="zh-CN" altLang="en-US" dirty="0">
+                <a:hlinkClick r:id="rId2" tooltip="超文本传输协议"/>
+              </a:rPr>
+              <a:t>协议</a:t>
+            </a:r>
+            <a:r>
+              <a:rPr lang="zh-CN" altLang="en-US" dirty="0"/>
+              <a:t>之上的机制，</a:t>
+            </a:r>
+            <a:r>
+              <a:rPr lang="en-US" altLang="zh-CN" dirty="0"/>
+              <a:t>REST</a:t>
+            </a:r>
+            <a:r>
+              <a:rPr lang="zh-CN" altLang="en-US" dirty="0"/>
+              <a:t>的软件依赖性更小</a:t>
+            </a:r>
+          </a:p>
+          <a:p>
+            <a:r>
+              <a:rPr lang="zh-CN" altLang="en-US" dirty="0"/>
+              <a:t>不需要额外的资源发现机制</a:t>
+            </a:r>
+          </a:p>
+          <a:p>
+            <a:r>
+              <a:rPr lang="zh-CN" altLang="en-US" dirty="0"/>
+              <a:t>在软件技术演进中的长期的兼容性更</a:t>
+            </a:r>
+            <a:r>
+              <a:rPr lang="zh-CN" altLang="en-US" dirty="0" smtClean="0"/>
+              <a:t>好</a:t>
+            </a:r>
+            <a:endParaRPr lang="zh-CN" altLang="en-US" dirty="0"/>
+          </a:p>
+        </p:txBody>
+      </p:sp>
+    </p:spTree>
+    <p:extLst>
+      <p:ext uri="{BB962C8B-B14F-4D97-AF65-F5344CB8AC3E}">
+        <p14:creationId xmlns:p14="http://schemas.microsoft.com/office/powerpoint/2010/main" val="660736264"/>
+      </p:ext>
+    </p:extLst>
+  </p:cSld>
+  <p:clrMapOvr>
+    <a:masterClrMapping/>
+  </p:clrMapOvr>
+</p:sld>
+</file>
+
+<file path=ppt/slides/slide13.xml><?xml version="1.0" encoding="utf-8"?>
+<p:sld xmlns:a="http://schemas.openxmlformats.org/drawingml/2006/main" xmlns:r="http://schemas.openxmlformats.org/officeDocument/2006/relationships" xmlns:p="http://schemas.openxmlformats.org/presentationml/2006/main">
+  <p:cSld>
+    <p:spTree>
+      <p:nvGrpSpPr>
+        <p:cNvPr id="1" name=""/>
+        <p:cNvGrpSpPr/>
+        <p:nvPr/>
+      </p:nvGrpSpPr>
+      <p:grpSpPr>
+        <a:xfrm>
+          <a:off x="0" y="0"/>
+          <a:ext cx="0" cy="0"/>
+          <a:chOff x="0" y="0"/>
+          <a:chExt cx="0" cy="0"/>
+        </a:xfrm>
+      </p:grpSpPr>
+      <p:sp>
+        <p:nvSpPr>
+          <p:cNvPr id="2" name="Title 1"/>
+          <p:cNvSpPr>
+            <a:spLocks noGrp="1"/>
+          </p:cNvSpPr>
+          <p:nvPr>
+            <p:ph type="title"/>
+          </p:nvPr>
+        </p:nvSpPr>
+        <p:spPr/>
+        <p:txBody>
+          <a:bodyPr/>
+          <a:lstStyle/>
+          <a:p>
+            <a:r>
+              <a:rPr lang="en-US" altLang="zh-CN" dirty="0" smtClean="0"/>
+              <a:t>REST</a:t>
+            </a:r>
+            <a:r>
+              <a:rPr lang="zh-CN" altLang="en-US" dirty="0" smtClean="0"/>
+              <a:t>的</a:t>
+            </a:r>
+            <a:r>
+              <a:rPr lang="en-US" altLang="zh-CN" dirty="0" smtClean="0"/>
+              <a:t>URL</a:t>
+            </a:r>
+            <a:r>
+              <a:rPr lang="zh-CN" altLang="en-US" dirty="0" smtClean="0"/>
+              <a:t>设计</a:t>
+            </a:r>
+            <a:endParaRPr lang="en-US" dirty="0"/>
+          </a:p>
+        </p:txBody>
+      </p:sp>
+      <p:sp>
+        <p:nvSpPr>
+          <p:cNvPr id="3" name="Content Placeholder 2"/>
+          <p:cNvSpPr>
+            <a:spLocks noGrp="1"/>
+          </p:cNvSpPr>
+          <p:nvPr>
+            <p:ph idx="1"/>
+          </p:nvPr>
+        </p:nvSpPr>
+        <p:spPr/>
+        <p:txBody>
+          <a:bodyPr/>
+          <a:lstStyle/>
+          <a:p>
+            <a:r>
+              <a:rPr lang="zh-CN" altLang="en-US" dirty="0"/>
+              <a:t>动词 </a:t>
+            </a:r>
+            <a:r>
+              <a:rPr lang="en-US" altLang="zh-CN" dirty="0"/>
+              <a:t>+ </a:t>
+            </a:r>
+            <a:r>
+              <a:rPr lang="zh-CN" altLang="en-US" dirty="0"/>
+              <a:t>宾语</a:t>
+            </a:r>
+          </a:p>
+          <a:p>
+            <a:pPr lvl="1"/>
+            <a:r>
+              <a:rPr lang="en-US" altLang="zh-CN" dirty="0"/>
+              <a:t>RESTful </a:t>
+            </a:r>
+            <a:r>
+              <a:rPr lang="zh-CN" altLang="en-US" dirty="0"/>
+              <a:t>的核心思想就是，客户端发出的数据操作指令都是</a:t>
+            </a:r>
+            <a:r>
+              <a:rPr lang="en-US" altLang="zh-CN" dirty="0"/>
+              <a:t>"</a:t>
+            </a:r>
+            <a:r>
+              <a:rPr lang="zh-CN" altLang="en-US" dirty="0"/>
+              <a:t>动词 </a:t>
+            </a:r>
+            <a:r>
+              <a:rPr lang="en-US" altLang="zh-CN" dirty="0"/>
+              <a:t>+ </a:t>
+            </a:r>
+            <a:r>
+              <a:rPr lang="zh-CN" altLang="en-US" dirty="0"/>
+              <a:t>宾语</a:t>
+            </a:r>
+            <a:r>
+              <a:rPr lang="en-US" altLang="zh-CN" dirty="0"/>
+              <a:t>"</a:t>
+            </a:r>
+            <a:r>
+              <a:rPr lang="zh-CN" altLang="en-US" dirty="0"/>
+              <a:t>的结构</a:t>
+            </a:r>
+            <a:r>
+              <a:rPr lang="zh-CN" altLang="en-US" dirty="0" smtClean="0"/>
+              <a:t>。比如</a:t>
+            </a:r>
+            <a:r>
+              <a:rPr lang="zh-CN" altLang="en-US" dirty="0"/>
+              <a:t>，</a:t>
+            </a:r>
+            <a:r>
+              <a:rPr lang="en-US" altLang="zh-CN" dirty="0"/>
+              <a:t>GET /articles</a:t>
+            </a:r>
+            <a:r>
+              <a:rPr lang="zh-CN" altLang="en-US" dirty="0"/>
+              <a:t>这个命令，</a:t>
+            </a:r>
+            <a:r>
+              <a:rPr lang="en-US" altLang="zh-CN" dirty="0"/>
+              <a:t>GET</a:t>
+            </a:r>
+            <a:r>
+              <a:rPr lang="zh-CN" altLang="en-US" dirty="0"/>
+              <a:t>是动词，</a:t>
+            </a:r>
+            <a:r>
+              <a:rPr lang="en-US" altLang="zh-CN" dirty="0"/>
+              <a:t>/articles</a:t>
+            </a:r>
+            <a:r>
+              <a:rPr lang="zh-CN" altLang="en-US" dirty="0"/>
+              <a:t>是宾语</a:t>
+            </a:r>
+            <a:r>
+              <a:rPr lang="zh-CN" altLang="en-US" dirty="0" smtClean="0"/>
+              <a:t>。</a:t>
+            </a:r>
+            <a:endParaRPr lang="en-US" altLang="zh-CN" dirty="0" smtClean="0"/>
+          </a:p>
+          <a:p>
+            <a:pPr lvl="1"/>
+            <a:r>
+              <a:rPr lang="en-US" altLang="zh-CN" dirty="0" smtClean="0"/>
+              <a:t>HTTP</a:t>
+            </a:r>
+            <a:r>
+              <a:rPr lang="zh-CN" altLang="en-US" dirty="0" smtClean="0"/>
+              <a:t>的</a:t>
+            </a:r>
+            <a:r>
+              <a:rPr lang="en-US" altLang="zh-CN" dirty="0" smtClean="0"/>
+              <a:t>5</a:t>
+            </a:r>
+            <a:r>
+              <a:rPr lang="zh-CN" altLang="en-US" dirty="0" smtClean="0"/>
+              <a:t>种动作</a:t>
+            </a:r>
+            <a:endParaRPr lang="en-US" altLang="zh-CN" dirty="0" smtClean="0"/>
+          </a:p>
+          <a:p>
+            <a:pPr lvl="2"/>
+            <a:r>
+              <a:rPr lang="en-US" dirty="0" err="1"/>
+              <a:t>GET：读取（</a:t>
+            </a:r>
+            <a:r>
+              <a:rPr lang="en-US" dirty="0" err="1" smtClean="0"/>
+              <a:t>Read</a:t>
+            </a:r>
+            <a:r>
+              <a:rPr lang="en-US" dirty="0"/>
+              <a:t>）</a:t>
+            </a:r>
+          </a:p>
+          <a:p>
+            <a:pPr lvl="2"/>
+            <a:r>
+              <a:rPr lang="en-US" dirty="0" err="1"/>
+              <a:t>POST：新建</a:t>
+            </a:r>
+            <a:r>
+              <a:rPr lang="en-US" dirty="0" err="1" smtClean="0"/>
+              <a:t>（Create</a:t>
+            </a:r>
+            <a:r>
+              <a:rPr lang="en-US" dirty="0" smtClean="0"/>
+              <a:t>）</a:t>
+            </a:r>
+            <a:endParaRPr lang="en-US" dirty="0"/>
+          </a:p>
+          <a:p>
+            <a:pPr lvl="2"/>
+            <a:r>
+              <a:rPr lang="en-US" dirty="0" err="1"/>
+              <a:t>PUT：更新（Update</a:t>
+            </a:r>
+            <a:r>
+              <a:rPr lang="en-US" dirty="0"/>
+              <a:t>）</a:t>
+            </a:r>
+          </a:p>
+          <a:p>
+            <a:pPr lvl="2"/>
+            <a:r>
+              <a:rPr lang="en-US" dirty="0" err="1"/>
+              <a:t>PATCH：更新（Update</a:t>
+            </a:r>
+            <a:r>
+              <a:rPr lang="en-US" dirty="0"/>
+              <a:t>），通常是部分更新</a:t>
+            </a:r>
+          </a:p>
+          <a:p>
+            <a:pPr lvl="2"/>
+            <a:r>
+              <a:rPr lang="en-US" dirty="0" err="1"/>
+              <a:t>DELETE：删除（Delete</a:t>
+            </a:r>
+            <a:r>
+              <a:rPr lang="en-US" dirty="0"/>
+              <a:t>）</a:t>
+            </a:r>
+          </a:p>
+          <a:p>
+            <a:pPr lvl="2"/>
+            <a:endParaRPr lang="en-US" dirty="0"/>
+          </a:p>
+        </p:txBody>
+      </p:sp>
+    </p:spTree>
+    <p:extLst>
+      <p:ext uri="{BB962C8B-B14F-4D97-AF65-F5344CB8AC3E}">
+        <p14:creationId xmlns:p14="http://schemas.microsoft.com/office/powerpoint/2010/main" val="611340816"/>
+      </p:ext>
+    </p:extLst>
+  </p:cSld>
+  <p:clrMapOvr>
+    <a:masterClrMapping/>
+  </p:clrMapOvr>
+  <p:timing>
+    <p:tnLst>
+      <p:par>
+        <p:cTn id="1" dur="indefinite" restart="never" nodeType="tmRoot"/>
+      </p:par>
+    </p:tnLst>
+  </p:timing>
+</p:sld>
+</file>
+
+<file path=ppt/slides/slide14.xml><?xml version="1.0" encoding="utf-8"?>
+<p:sld xmlns:a="http://schemas.openxmlformats.org/drawingml/2006/main" xmlns:r="http://schemas.openxmlformats.org/officeDocument/2006/relationships" xmlns:p="http://schemas.openxmlformats.org/presentationml/2006/main">
+  <p:cSld>
+    <p:spTree>
+      <p:nvGrpSpPr>
+        <p:cNvPr id="1" name=""/>
+        <p:cNvGrpSpPr/>
+        <p:nvPr/>
+      </p:nvGrpSpPr>
+      <p:grpSpPr>
+        <a:xfrm>
+          <a:off x="0" y="0"/>
+          <a:ext cx="0" cy="0"/>
+          <a:chOff x="0" y="0"/>
+          <a:chExt cx="0" cy="0"/>
+        </a:xfrm>
+      </p:grpSpPr>
+      <p:sp>
+        <p:nvSpPr>
+          <p:cNvPr id="2" name="Title 1"/>
+          <p:cNvSpPr>
+            <a:spLocks noGrp="1"/>
+          </p:cNvSpPr>
+          <p:nvPr>
+            <p:ph type="title"/>
+          </p:nvPr>
+        </p:nvSpPr>
+        <p:spPr/>
+        <p:txBody>
+          <a:bodyPr/>
+          <a:lstStyle/>
+          <a:p>
+            <a:r>
+              <a:rPr lang="en-US" altLang="zh-CN" dirty="0"/>
+              <a:t>REST</a:t>
+            </a:r>
+            <a:r>
+              <a:rPr lang="zh-CN" altLang="en-US" dirty="0"/>
+              <a:t>的</a:t>
+            </a:r>
+            <a:r>
+              <a:rPr lang="en-US" altLang="zh-CN" dirty="0"/>
+              <a:t>URL</a:t>
+            </a:r>
+            <a:r>
+              <a:rPr lang="zh-CN" altLang="en-US" dirty="0"/>
+              <a:t>设计</a:t>
+            </a:r>
+            <a:endParaRPr lang="en-US" dirty="0"/>
+          </a:p>
+        </p:txBody>
+      </p:sp>
+      <p:sp>
+        <p:nvSpPr>
+          <p:cNvPr id="3" name="Content Placeholder 2"/>
+          <p:cNvSpPr>
+            <a:spLocks noGrp="1"/>
+          </p:cNvSpPr>
+          <p:nvPr>
+            <p:ph idx="1"/>
+          </p:nvPr>
+        </p:nvSpPr>
+        <p:spPr/>
+        <p:txBody>
+          <a:bodyPr/>
+          <a:lstStyle/>
+          <a:p>
+            <a:r>
+              <a:rPr lang="zh-CN" altLang="en-US" dirty="0"/>
+              <a:t>宾语必须是名词</a:t>
+            </a:r>
+          </a:p>
+          <a:p>
+            <a:pPr lvl="1"/>
+            <a:r>
+              <a:rPr lang="zh-CN" altLang="en-US" dirty="0"/>
+              <a:t>宾语就是 </a:t>
+            </a:r>
+            <a:r>
+              <a:rPr lang="en-US" altLang="zh-CN" dirty="0"/>
+              <a:t>API </a:t>
+            </a:r>
+            <a:r>
+              <a:rPr lang="zh-CN" altLang="en-US" dirty="0"/>
+              <a:t>的 </a:t>
+            </a:r>
+            <a:r>
+              <a:rPr lang="en-US" altLang="zh-CN" dirty="0"/>
+              <a:t>URL</a:t>
+            </a:r>
+            <a:r>
+              <a:rPr lang="zh-CN" altLang="en-US" dirty="0"/>
+              <a:t>，是 </a:t>
+            </a:r>
+            <a:r>
+              <a:rPr lang="en-US" altLang="zh-CN" dirty="0"/>
+              <a:t>HTTP </a:t>
+            </a:r>
+            <a:r>
+              <a:rPr lang="zh-CN" altLang="en-US" dirty="0"/>
+              <a:t>动词作用的对象。它应该是名词，不能是动词。比如，</a:t>
+            </a:r>
+            <a:r>
+              <a:rPr lang="en-US" altLang="zh-CN" dirty="0"/>
+              <a:t>/articles</a:t>
+            </a:r>
+            <a:r>
+              <a:rPr lang="zh-CN" altLang="en-US" dirty="0"/>
+              <a:t>这个 </a:t>
+            </a:r>
+            <a:r>
+              <a:rPr lang="en-US" altLang="zh-CN" dirty="0"/>
+              <a:t>URL </a:t>
+            </a:r>
+            <a:r>
+              <a:rPr lang="zh-CN" altLang="en-US" dirty="0"/>
+              <a:t>就是正确的，而下面的 </a:t>
+            </a:r>
+            <a:r>
+              <a:rPr lang="en-US" altLang="zh-CN" dirty="0"/>
+              <a:t>URL </a:t>
+            </a:r>
+            <a:r>
+              <a:rPr lang="zh-CN" altLang="en-US" dirty="0"/>
+              <a:t>不是名词，所以都是错误的</a:t>
+            </a:r>
+            <a:r>
+              <a:rPr lang="zh-CN" altLang="en-US" dirty="0" smtClean="0"/>
+              <a:t>。</a:t>
+            </a:r>
+            <a:endParaRPr lang="en-US" altLang="zh-CN" dirty="0" smtClean="0"/>
+          </a:p>
+          <a:p>
+            <a:pPr lvl="1"/>
+            <a:r>
+              <a:rPr lang="en-US" dirty="0"/>
+              <a:t>/</a:t>
+            </a:r>
+            <a:r>
+              <a:rPr lang="en-US" dirty="0" err="1"/>
+              <a:t>getAllCars</a:t>
+            </a:r>
+            <a:endParaRPr lang="en-US" dirty="0"/>
+          </a:p>
+          <a:p>
+            <a:pPr lvl="1"/>
+            <a:r>
+              <a:rPr lang="en-US" dirty="0"/>
+              <a:t>/</a:t>
+            </a:r>
+            <a:r>
+              <a:rPr lang="en-US" dirty="0" err="1"/>
+              <a:t>createNewCar</a:t>
+            </a:r>
+            <a:endParaRPr lang="en-US" dirty="0"/>
+          </a:p>
+          <a:p>
+            <a:pPr lvl="1"/>
+            <a:r>
+              <a:rPr lang="en-US" dirty="0"/>
+              <a:t>/</a:t>
+            </a:r>
+            <a:r>
+              <a:rPr lang="en-US" dirty="0" err="1"/>
+              <a:t>deleteAllRedCars</a:t>
+            </a:r>
+            <a:endParaRPr lang="en-US" dirty="0"/>
+          </a:p>
+          <a:p>
+            <a:pPr lvl="1"/>
+            <a:endParaRPr lang="en-US" dirty="0"/>
+          </a:p>
+        </p:txBody>
+      </p:sp>
+    </p:spTree>
+    <p:extLst>
+      <p:ext uri="{BB962C8B-B14F-4D97-AF65-F5344CB8AC3E}">
+        <p14:creationId xmlns:p14="http://schemas.microsoft.com/office/powerpoint/2010/main" val="1632079414"/>
+      </p:ext>
+    </p:extLst>
+  </p:cSld>
+  <p:clrMapOvr>
+    <a:masterClrMapping/>
+  </p:clrMapOvr>
+</p:sld>
+</file>
+
+<file path=ppt/slides/slide15.xml><?xml version="1.0" encoding="utf-8"?>
+<p:sld xmlns:a="http://schemas.openxmlformats.org/drawingml/2006/main" xmlns:r="http://schemas.openxmlformats.org/officeDocument/2006/relationships" xmlns:p="http://schemas.openxmlformats.org/presentationml/2006/main">
+  <p:cSld>
+    <p:spTree>
+      <p:nvGrpSpPr>
+        <p:cNvPr id="1" name=""/>
+        <p:cNvGrpSpPr/>
+        <p:nvPr/>
+      </p:nvGrpSpPr>
+      <p:grpSpPr>
+        <a:xfrm>
+          <a:off x="0" y="0"/>
+          <a:ext cx="0" cy="0"/>
+          <a:chOff x="0" y="0"/>
+          <a:chExt cx="0" cy="0"/>
+        </a:xfrm>
+      </p:grpSpPr>
+      <p:sp>
+        <p:nvSpPr>
+          <p:cNvPr id="2" name="Title 1"/>
+          <p:cNvSpPr>
+            <a:spLocks noGrp="1"/>
+          </p:cNvSpPr>
+          <p:nvPr>
+            <p:ph type="title"/>
+          </p:nvPr>
+        </p:nvSpPr>
+        <p:spPr/>
+        <p:txBody>
+          <a:bodyPr/>
+          <a:lstStyle/>
+          <a:p>
+            <a:r>
+              <a:rPr lang="en-US" altLang="zh-CN" dirty="0"/>
+              <a:t>REST</a:t>
+            </a:r>
+            <a:r>
+              <a:rPr lang="zh-CN" altLang="en-US" dirty="0"/>
+              <a:t>的</a:t>
+            </a:r>
+            <a:r>
+              <a:rPr lang="en-US" altLang="zh-CN" dirty="0"/>
+              <a:t>URL</a:t>
+            </a:r>
+            <a:r>
+              <a:rPr lang="zh-CN" altLang="en-US" dirty="0"/>
+              <a:t>设计</a:t>
+            </a:r>
+            <a:endParaRPr lang="en-US" dirty="0"/>
+          </a:p>
+        </p:txBody>
+      </p:sp>
+      <p:sp>
+        <p:nvSpPr>
+          <p:cNvPr id="3" name="Content Placeholder 2"/>
+          <p:cNvSpPr>
+            <a:spLocks noGrp="1"/>
+          </p:cNvSpPr>
+          <p:nvPr>
+            <p:ph idx="1"/>
+          </p:nvPr>
+        </p:nvSpPr>
+        <p:spPr/>
+        <p:txBody>
+          <a:bodyPr/>
+          <a:lstStyle/>
+          <a:p>
+            <a:r>
+              <a:rPr lang="zh-CN" altLang="en-US" dirty="0"/>
+              <a:t>避免多级 </a:t>
+            </a:r>
+            <a:r>
+              <a:rPr lang="en-US" altLang="zh-CN" dirty="0"/>
+              <a:t>URL</a:t>
+            </a:r>
+          </a:p>
+          <a:p>
+            <a:pPr lvl="1"/>
+            <a:r>
+              <a:rPr lang="zh-CN" altLang="en-US" dirty="0"/>
+              <a:t>常见的情况是，资源需要多级分类，因此很容易写出多级的 </a:t>
+            </a:r>
+            <a:r>
+              <a:rPr lang="en-US" altLang="zh-CN" dirty="0"/>
+              <a:t>URL</a:t>
+            </a:r>
+            <a:r>
+              <a:rPr lang="zh-CN" altLang="en-US" dirty="0"/>
+              <a:t>，比如获取某个作者的某一类文章</a:t>
+            </a:r>
+            <a:r>
+              <a:rPr lang="zh-CN" altLang="en-US" dirty="0" smtClean="0"/>
+              <a:t>。</a:t>
+            </a:r>
+            <a:endParaRPr lang="en-US" altLang="zh-CN" dirty="0" smtClean="0"/>
+          </a:p>
+          <a:p>
+            <a:pPr lvl="2"/>
+            <a:r>
+              <a:rPr lang="en-US" dirty="0"/>
+              <a:t>GET /</a:t>
+            </a:r>
+            <a:r>
+              <a:rPr lang="en-US" dirty="0" smtClean="0"/>
+              <a:t>authors/12/categories/2</a:t>
+            </a:r>
+          </a:p>
+          <a:p>
+            <a:pPr lvl="1"/>
+            <a:r>
+              <a:rPr lang="zh-CN" altLang="en-US" dirty="0"/>
+              <a:t>这种 </a:t>
+            </a:r>
+            <a:r>
+              <a:rPr lang="en-US" altLang="zh-CN" dirty="0"/>
+              <a:t>URL </a:t>
+            </a:r>
+            <a:r>
+              <a:rPr lang="zh-CN" altLang="en-US" dirty="0"/>
+              <a:t>不利于扩展，语义也不明确，往往要想一会，才能明白含义</a:t>
+            </a:r>
+            <a:r>
+              <a:rPr lang="zh-CN" altLang="en-US" dirty="0" smtClean="0"/>
+              <a:t>。</a:t>
+            </a:r>
+            <a:endParaRPr lang="en-US" altLang="zh-CN" dirty="0" smtClean="0"/>
+          </a:p>
+          <a:p>
+            <a:pPr lvl="1"/>
+            <a:r>
+              <a:rPr lang="zh-CN" altLang="en-US" dirty="0"/>
+              <a:t>更好的做法是，除了第一级，其他级别都用查询字符串表达</a:t>
+            </a:r>
+            <a:r>
+              <a:rPr lang="zh-CN" altLang="en-US" dirty="0" smtClean="0"/>
+              <a:t>。</a:t>
+            </a:r>
+            <a:endParaRPr lang="en-US" altLang="zh-CN" dirty="0" smtClean="0"/>
+          </a:p>
+          <a:p>
+            <a:pPr lvl="2"/>
+            <a:r>
+              <a:rPr lang="en-US" dirty="0"/>
+              <a:t>GET /</a:t>
+            </a:r>
+            <a:r>
+              <a:rPr lang="en-US" dirty="0" smtClean="0"/>
+              <a:t>authors/12?categories=2</a:t>
+            </a:r>
+          </a:p>
+          <a:p>
+            <a:pPr lvl="1"/>
+            <a:r>
+              <a:rPr lang="zh-CN" altLang="en-US" dirty="0"/>
+              <a:t>查询已发布的</a:t>
+            </a:r>
+            <a:r>
+              <a:rPr lang="zh-CN" altLang="en-US" dirty="0" smtClean="0"/>
+              <a:t>文章</a:t>
+            </a:r>
+            <a:endParaRPr lang="en-US" altLang="zh-CN" dirty="0" smtClean="0"/>
+          </a:p>
+          <a:p>
+            <a:pPr lvl="2"/>
+            <a:r>
+              <a:rPr lang="en-US" dirty="0"/>
+              <a:t>GET /</a:t>
+            </a:r>
+            <a:r>
+              <a:rPr lang="en-US" dirty="0" smtClean="0"/>
+              <a:t>articles/published</a:t>
+            </a:r>
+          </a:p>
+          <a:p>
+            <a:pPr lvl="2"/>
+            <a:r>
+              <a:rPr lang="en-US" dirty="0"/>
+              <a:t>GET /</a:t>
+            </a:r>
+            <a:r>
+              <a:rPr lang="en-US" dirty="0" err="1" smtClean="0"/>
+              <a:t>articles?published</a:t>
+            </a:r>
+            <a:r>
+              <a:rPr lang="en-US" dirty="0" smtClean="0"/>
+              <a:t>=true</a:t>
+            </a:r>
+            <a:r>
+              <a:rPr lang="zh-CN" altLang="en-US" dirty="0" smtClean="0"/>
+              <a:t> </a:t>
+            </a:r>
+            <a:r>
+              <a:rPr lang="en-US" altLang="zh-CN" dirty="0" smtClean="0"/>
+              <a:t>(</a:t>
+            </a:r>
+            <a:r>
+              <a:rPr lang="zh-CN" altLang="en-US" dirty="0" smtClean="0"/>
+              <a:t>更好</a:t>
+            </a:r>
+            <a:r>
+              <a:rPr lang="en-US" altLang="zh-CN" dirty="0" smtClean="0"/>
+              <a:t>)</a:t>
+            </a:r>
+            <a:endParaRPr lang="en-US" dirty="0"/>
+          </a:p>
+          <a:p>
+            <a:pPr lvl="1"/>
+            <a:endParaRPr lang="en-US" dirty="0"/>
+          </a:p>
+        </p:txBody>
+      </p:sp>
+    </p:spTree>
+    <p:extLst>
+      <p:ext uri="{BB962C8B-B14F-4D97-AF65-F5344CB8AC3E}">
+        <p14:creationId xmlns:p14="http://schemas.microsoft.com/office/powerpoint/2010/main" val="658285734"/>
+      </p:ext>
+    </p:extLst>
+  </p:cSld>
+  <p:clrMapOvr>
+    <a:masterClrMapping/>
+  </p:clrMapOvr>
+  <p:timing>
+    <p:tnLst>
+      <p:par>
+        <p:cTn id="1" dur="indefinite" restart="never" nodeType="tmRoot"/>
+      </p:par>
+    </p:tnLst>
+  </p:timing>
+</p:sld>
+</file>
+
+<file path=ppt/slides/slide16.xml><?xml version="1.0" encoding="utf-8"?>
+<p:sld xmlns:a="http://schemas.openxmlformats.org/drawingml/2006/main" xmlns:r="http://schemas.openxmlformats.org/officeDocument/2006/relationships" xmlns:p="http://schemas.openxmlformats.org/presentationml/2006/main">
+  <p:cSld>
+    <p:spTree>
+      <p:nvGrpSpPr>
+        <p:cNvPr id="1" name=""/>
+        <p:cNvGrpSpPr/>
+        <p:nvPr/>
+      </p:nvGrpSpPr>
+      <p:grpSpPr>
+        <a:xfrm>
+          <a:off x="0" y="0"/>
+          <a:ext cx="0" cy="0"/>
+          <a:chOff x="0" y="0"/>
+          <a:chExt cx="0" cy="0"/>
+        </a:xfrm>
+      </p:grpSpPr>
+      <p:sp>
+        <p:nvSpPr>
+          <p:cNvPr id="2" name="Title 1"/>
+          <p:cNvSpPr>
+            <a:spLocks noGrp="1"/>
+          </p:cNvSpPr>
+          <p:nvPr>
+            <p:ph type="title"/>
+          </p:nvPr>
+        </p:nvSpPr>
+        <p:spPr/>
+        <p:txBody>
+          <a:bodyPr/>
+          <a:lstStyle/>
+          <a:p>
+            <a:r>
+              <a:rPr lang="zh-CN" altLang="en-US" dirty="0"/>
+              <a:t>状态</a:t>
+            </a:r>
+            <a:r>
+              <a:rPr lang="zh-CN" altLang="en-US" dirty="0" smtClean="0"/>
+              <a:t>码</a:t>
+            </a:r>
+            <a:endParaRPr lang="en-US" dirty="0"/>
+          </a:p>
+        </p:txBody>
+      </p:sp>
+      <p:sp>
+        <p:nvSpPr>
+          <p:cNvPr id="3" name="Content Placeholder 2"/>
+          <p:cNvSpPr>
+            <a:spLocks noGrp="1"/>
+          </p:cNvSpPr>
+          <p:nvPr>
+            <p:ph idx="1"/>
+          </p:nvPr>
+        </p:nvSpPr>
+        <p:spPr/>
+        <p:txBody>
+          <a:bodyPr/>
+          <a:lstStyle/>
+          <a:p>
+            <a:r>
+              <a:rPr lang="zh-CN" altLang="en-US" dirty="0"/>
+              <a:t>状态码必须精确</a:t>
+            </a:r>
+          </a:p>
+          <a:p>
+            <a:pPr lvl="1"/>
+            <a:r>
+              <a:rPr lang="en-US" altLang="zh-CN" dirty="0"/>
+              <a:t>1xx</a:t>
+            </a:r>
+            <a:r>
+              <a:rPr lang="zh-CN" altLang="en-US" dirty="0"/>
+              <a:t>：相关信息</a:t>
+            </a:r>
+          </a:p>
+          <a:p>
+            <a:pPr lvl="1"/>
+            <a:r>
+              <a:rPr lang="en-US" altLang="zh-CN" dirty="0"/>
+              <a:t>2xx</a:t>
+            </a:r>
+            <a:r>
+              <a:rPr lang="zh-CN" altLang="en-US" dirty="0"/>
+              <a:t>：操作成功</a:t>
+            </a:r>
+          </a:p>
+          <a:p>
+            <a:pPr lvl="1"/>
+            <a:r>
+              <a:rPr lang="en-US" altLang="zh-CN" dirty="0"/>
+              <a:t>3xx</a:t>
+            </a:r>
+            <a:r>
+              <a:rPr lang="zh-CN" altLang="en-US" dirty="0"/>
+              <a:t>：重定向</a:t>
+            </a:r>
+          </a:p>
+          <a:p>
+            <a:pPr lvl="1"/>
+            <a:r>
+              <a:rPr lang="en-US" altLang="zh-CN" dirty="0"/>
+              <a:t>4xx</a:t>
+            </a:r>
+            <a:r>
+              <a:rPr lang="zh-CN" altLang="en-US" dirty="0"/>
+              <a:t>：客户端错误</a:t>
+            </a:r>
+          </a:p>
+          <a:p>
+            <a:pPr lvl="1"/>
+            <a:r>
+              <a:rPr lang="en-US" altLang="zh-CN" dirty="0"/>
+              <a:t>5xx</a:t>
+            </a:r>
+            <a:r>
+              <a:rPr lang="zh-CN" altLang="en-US" dirty="0"/>
+              <a:t>：服务器错误</a:t>
+            </a:r>
+          </a:p>
+          <a:p>
+            <a:pPr lvl="1"/>
+            <a:endParaRPr lang="en-US" dirty="0"/>
+          </a:p>
+        </p:txBody>
+      </p:sp>
+    </p:spTree>
+    <p:extLst>
+      <p:ext uri="{BB962C8B-B14F-4D97-AF65-F5344CB8AC3E}">
+        <p14:creationId xmlns:p14="http://schemas.microsoft.com/office/powerpoint/2010/main" val="815227479"/>
+      </p:ext>
+    </p:extLst>
+  </p:cSld>
+  <p:clrMapOvr>
+    <a:masterClrMapping/>
+  </p:clrMapOvr>
+  <p:timing>
+    <p:tnLst>
+      <p:par>
+        <p:cTn id="1" dur="indefinite" restart="never" nodeType="tmRoot"/>
+      </p:par>
+    </p:tnLst>
+  </p:timing>
+</p:sld>
+</file>
+
+<file path=ppt/slides/slide17.xml><?xml version="1.0" encoding="utf-8"?>
+<p:sld xmlns:a="http://schemas.openxmlformats.org/drawingml/2006/main" xmlns:r="http://schemas.openxmlformats.org/officeDocument/2006/relationships" xmlns:p="http://schemas.openxmlformats.org/presentationml/2006/main">
+  <p:cSld>
+    <p:spTree>
+      <p:nvGrpSpPr>
+        <p:cNvPr id="1" name=""/>
+        <p:cNvGrpSpPr/>
+        <p:nvPr/>
+      </p:nvGrpSpPr>
+      <p:grpSpPr>
+        <a:xfrm>
+          <a:off x="0" y="0"/>
+          <a:ext cx="0" cy="0"/>
+          <a:chOff x="0" y="0"/>
+          <a:chExt cx="0" cy="0"/>
+        </a:xfrm>
+      </p:grpSpPr>
+      <p:sp>
+        <p:nvSpPr>
+          <p:cNvPr id="2" name="Title 1"/>
+          <p:cNvSpPr>
+            <a:spLocks noGrp="1"/>
+          </p:cNvSpPr>
+          <p:nvPr>
+            <p:ph type="title"/>
+          </p:nvPr>
+        </p:nvSpPr>
+        <p:spPr/>
+        <p:txBody>
+          <a:bodyPr/>
+          <a:lstStyle/>
+          <a:p>
+            <a:r>
+              <a:rPr lang="zh-CN" altLang="en-US" dirty="0"/>
+              <a:t>服务器</a:t>
+            </a:r>
+            <a:r>
+              <a:rPr lang="zh-CN" altLang="en-US" dirty="0" smtClean="0"/>
+              <a:t>回应</a:t>
+            </a:r>
+            <a:endParaRPr lang="en-US" dirty="0"/>
+          </a:p>
+        </p:txBody>
+      </p:sp>
+      <p:sp>
+        <p:nvSpPr>
+          <p:cNvPr id="3" name="Content Placeholder 2"/>
+          <p:cNvSpPr>
+            <a:spLocks noGrp="1"/>
+          </p:cNvSpPr>
+          <p:nvPr>
+            <p:ph idx="1"/>
+          </p:nvPr>
+        </p:nvSpPr>
+        <p:spPr/>
+        <p:txBody>
+          <a:bodyPr>
+            <a:normAutofit lnSpcReduction="10000"/>
+          </a:bodyPr>
+          <a:lstStyle/>
+          <a:p>
+            <a:r>
+              <a:rPr lang="zh-CN" altLang="en-US" dirty="0"/>
+              <a:t>不要返回纯本文</a:t>
+            </a:r>
+          </a:p>
+          <a:p>
+            <a:pPr lvl="1"/>
+            <a:r>
+              <a:rPr lang="en-US" altLang="zh-CN" dirty="0"/>
+              <a:t>API </a:t>
+            </a:r>
+            <a:r>
+              <a:rPr lang="zh-CN" altLang="en-US" dirty="0"/>
+              <a:t>返回的数据格式，不应该是纯文本，而应该是一个 </a:t>
+            </a:r>
+            <a:r>
+              <a:rPr lang="en-US" altLang="zh-CN" dirty="0"/>
+              <a:t>JSON </a:t>
+            </a:r>
+            <a:r>
+              <a:rPr lang="zh-CN" altLang="en-US" dirty="0"/>
+              <a:t>对象，因为这样才能返回标准的结构化数据。所以，服务器回应的 </a:t>
+            </a:r>
+            <a:r>
+              <a:rPr lang="en-US" altLang="zh-CN" dirty="0"/>
+              <a:t>HTTP </a:t>
+            </a:r>
+            <a:r>
+              <a:rPr lang="zh-CN" altLang="en-US" dirty="0"/>
+              <a:t>头的</a:t>
+            </a:r>
+            <a:r>
+              <a:rPr lang="en-US" altLang="zh-CN" dirty="0"/>
+              <a:t>Content-Type</a:t>
+            </a:r>
+            <a:r>
+              <a:rPr lang="zh-CN" altLang="en-US" dirty="0"/>
+              <a:t>属性要设为</a:t>
+            </a:r>
+            <a:r>
+              <a:rPr lang="en-US" altLang="zh-CN" dirty="0"/>
+              <a:t>application/</a:t>
+            </a:r>
+            <a:r>
+              <a:rPr lang="en-US" altLang="zh-CN" dirty="0" err="1"/>
+              <a:t>json</a:t>
+            </a:r>
+            <a:r>
+              <a:rPr lang="zh-CN" altLang="en-US" dirty="0"/>
+              <a:t>。</a:t>
+            </a:r>
+          </a:p>
+          <a:p>
+            <a:pPr lvl="1"/>
+            <a:r>
+              <a:rPr lang="zh-CN" altLang="en-US" dirty="0"/>
+              <a:t>客户端请求时，也要明确告诉服务器，可以接受 </a:t>
+            </a:r>
+            <a:r>
+              <a:rPr lang="en-US" altLang="zh-CN" dirty="0"/>
+              <a:t>JSON </a:t>
+            </a:r>
+            <a:r>
+              <a:rPr lang="zh-CN" altLang="en-US" dirty="0"/>
+              <a:t>格式，即请求的 </a:t>
+            </a:r>
+            <a:r>
+              <a:rPr lang="en-US" altLang="zh-CN" dirty="0"/>
+              <a:t>HTTP </a:t>
+            </a:r>
+            <a:r>
+              <a:rPr lang="zh-CN" altLang="en-US" dirty="0"/>
+              <a:t>头的</a:t>
+            </a:r>
+            <a:r>
+              <a:rPr lang="en-US" altLang="zh-CN" dirty="0"/>
+              <a:t>ACCEPT</a:t>
+            </a:r>
+            <a:r>
+              <a:rPr lang="zh-CN" altLang="en-US" dirty="0"/>
+              <a:t>属性也要设成</a:t>
+            </a:r>
+            <a:r>
+              <a:rPr lang="en-US" altLang="zh-CN" dirty="0"/>
+              <a:t>application/</a:t>
+            </a:r>
+            <a:r>
+              <a:rPr lang="en-US" altLang="zh-CN" dirty="0" err="1"/>
+              <a:t>json</a:t>
+            </a:r>
+            <a:r>
+              <a:rPr lang="zh-CN" altLang="en-US" dirty="0"/>
+              <a:t>。</a:t>
+            </a:r>
+          </a:p>
+          <a:p>
+            <a:r>
+              <a:rPr lang="zh-CN" altLang="en-US" dirty="0"/>
+              <a:t>发生错误时，不要返回 </a:t>
+            </a:r>
+            <a:r>
+              <a:rPr lang="en-US" altLang="zh-CN" dirty="0"/>
+              <a:t>200 </a:t>
+            </a:r>
+            <a:r>
+              <a:rPr lang="zh-CN" altLang="en-US" dirty="0"/>
+              <a:t>状态码</a:t>
+            </a:r>
+          </a:p>
+          <a:p>
+            <a:r>
+              <a:rPr lang="zh-CN" altLang="en-US" dirty="0"/>
+              <a:t>提供链接</a:t>
+            </a:r>
+          </a:p>
+          <a:p>
+            <a:pPr lvl="1"/>
+            <a:r>
+              <a:rPr lang="en-US" altLang="zh-CN" dirty="0"/>
+              <a:t>API </a:t>
+            </a:r>
+            <a:r>
+              <a:rPr lang="zh-CN" altLang="en-US" dirty="0"/>
+              <a:t>的使用者未必知道，</a:t>
+            </a:r>
+            <a:r>
+              <a:rPr lang="en-US" altLang="zh-CN" dirty="0"/>
+              <a:t>URL </a:t>
+            </a:r>
+            <a:r>
+              <a:rPr lang="zh-CN" altLang="en-US" dirty="0"/>
+              <a:t>是怎么设计的。一个解决方法就是，在回应中，给出相关链接，便于下一步操作。这样的话，用户只要记住一个 </a:t>
+            </a:r>
+            <a:r>
+              <a:rPr lang="en-US" altLang="zh-CN" dirty="0"/>
+              <a:t>URL</a:t>
+            </a:r>
+            <a:r>
+              <a:rPr lang="zh-CN" altLang="en-US" dirty="0"/>
+              <a:t>，就可以发现其他的 </a:t>
+            </a:r>
+            <a:r>
+              <a:rPr lang="en-US" altLang="zh-CN" dirty="0"/>
+              <a:t>URL</a:t>
+            </a:r>
+            <a:r>
+              <a:rPr lang="zh-CN" altLang="en-US" dirty="0"/>
+              <a:t>。这种方法叫做 </a:t>
+            </a:r>
+            <a:r>
+              <a:rPr lang="en-US" altLang="zh-CN" dirty="0"/>
+              <a:t>HATEOAS</a:t>
+            </a:r>
+            <a:r>
+              <a:rPr lang="zh-CN" altLang="en-US" dirty="0" smtClean="0"/>
+              <a:t>。</a:t>
+            </a:r>
+            <a:r>
+              <a:rPr lang="zh-CN" altLang="en-US" dirty="0"/>
+              <a:t/>
+            </a:r>
+            <a:br>
+              <a:rPr lang="zh-CN" altLang="en-US" dirty="0"/>
+            </a:br>
+            <a:endParaRPr lang="en-US" dirty="0"/>
+          </a:p>
+        </p:txBody>
+      </p:sp>
+    </p:spTree>
+    <p:extLst>
+      <p:ext uri="{BB962C8B-B14F-4D97-AF65-F5344CB8AC3E}">
+        <p14:creationId xmlns:p14="http://schemas.microsoft.com/office/powerpoint/2010/main" val="247226592"/>
+      </p:ext>
+    </p:extLst>
+  </p:cSld>
+  <p:clrMapOvr>
+    <a:masterClrMapping/>
+  </p:clrMapOvr>
+  <p:timing>
+    <p:tnLst>
+      <p:par>
+        <p:cTn id="1" dur="indefinite" restart="never" nodeType="tmRoot"/>
+      </p:par>
+    </p:tnLst>
+  </p:timing>
+</p:sld>
+</file>
+
+<file path=ppt/slides/slide18.xml><?xml version="1.0" encoding="utf-8"?>
+<p:sld xmlns:a="http://schemas.openxmlformats.org/drawingml/2006/main" xmlns:r="http://schemas.openxmlformats.org/officeDocument/2006/relationships" xmlns:p="http://schemas.openxmlformats.org/presentationml/2006/main">
+  <p:cSld>
+    <p:spTree>
+      <p:nvGrpSpPr>
+        <p:cNvPr id="1" name=""/>
+        <p:cNvGrpSpPr/>
+        <p:nvPr/>
+      </p:nvGrpSpPr>
+      <p:grpSpPr>
+        <a:xfrm>
+          <a:off x="0" y="0"/>
+          <a:ext cx="0" cy="0"/>
+          <a:chOff x="0" y="0"/>
+          <a:chExt cx="0" cy="0"/>
+        </a:xfrm>
+      </p:grpSpPr>
+      <p:sp>
+        <p:nvSpPr>
+          <p:cNvPr id="2" name="Title 1"/>
+          <p:cNvSpPr>
+            <a:spLocks noGrp="1"/>
+          </p:cNvSpPr>
+          <p:nvPr>
+            <p:ph type="title"/>
+          </p:nvPr>
+        </p:nvSpPr>
+        <p:spPr/>
+        <p:txBody>
+          <a:bodyPr/>
+          <a:lstStyle/>
+          <a:p>
+            <a:r>
+              <a:rPr lang="en-US" altLang="zh-CN" dirty="0" err="1" smtClean="0"/>
+              <a:t>SpringSecurity</a:t>
+            </a:r>
+            <a:endParaRPr lang="en-US" dirty="0"/>
+          </a:p>
+        </p:txBody>
+      </p:sp>
+      <p:sp>
+        <p:nvSpPr>
+          <p:cNvPr id="3" name="Content Placeholder 2"/>
+          <p:cNvSpPr>
+            <a:spLocks noGrp="1"/>
+          </p:cNvSpPr>
+          <p:nvPr>
+            <p:ph idx="1"/>
+          </p:nvPr>
+        </p:nvSpPr>
+        <p:spPr/>
+        <p:txBody>
+          <a:bodyPr/>
+          <a:lstStyle/>
+          <a:p>
+            <a:endParaRPr lang="en-US" dirty="0"/>
+          </a:p>
+        </p:txBody>
+      </p:sp>
+    </p:spTree>
+    <p:extLst>
+      <p:ext uri="{BB962C8B-B14F-4D97-AF65-F5344CB8AC3E}">
+        <p14:creationId xmlns:p14="http://schemas.microsoft.com/office/powerpoint/2010/main" val="185907071"/>
+      </p:ext>
+    </p:extLst>
+  </p:cSld>
+  <p:clrMapOvr>
+    <a:masterClrMapping/>
+  </p:clrMapOvr>
+  <p:timing>
+    <p:tnLst>
+      <p:par>
+        <p:cTn id="1" dur="indefinite" restart="never" nodeType="tmRoot"/>
+      </p:par>
+    </p:tnLst>
+  </p:timing>
+</p:sld>
+</file>
+
+<file path=ppt/slides/slide19.xml><?xml version="1.0" encoding="utf-8"?>
+<p:sld xmlns:a="http://schemas.openxmlformats.org/drawingml/2006/main" xmlns:r="http://schemas.openxmlformats.org/officeDocument/2006/relationships" xmlns:p="http://schemas.openxmlformats.org/presentationml/2006/main">
+  <p:cSld>
+    <p:spTree>
+      <p:nvGrpSpPr>
+        <p:cNvPr id="1" name=""/>
+        <p:cNvGrpSpPr/>
+        <p:nvPr/>
+      </p:nvGrpSpPr>
+      <p:grpSpPr>
+        <a:xfrm>
+          <a:off x="0" y="0"/>
+          <a:ext cx="0" cy="0"/>
+          <a:chOff x="0" y="0"/>
+          <a:chExt cx="0" cy="0"/>
+        </a:xfrm>
+      </p:grpSpPr>
+      <p:sp>
+        <p:nvSpPr>
+          <p:cNvPr id="2" name="Title 1"/>
+          <p:cNvSpPr>
+            <a:spLocks noGrp="1"/>
+          </p:cNvSpPr>
+          <p:nvPr>
+            <p:ph type="title"/>
+          </p:nvPr>
+        </p:nvSpPr>
+        <p:spPr/>
+        <p:txBody>
+          <a:bodyPr/>
+          <a:lstStyle/>
+          <a:p>
+            <a:r>
+              <a:rPr lang="zh-CN" altLang="en-US" dirty="0" smtClean="0"/>
+              <a:t>动手实践一个</a:t>
+            </a:r>
+            <a:r>
+              <a:rPr lang="en-US" altLang="zh-CN" dirty="0" err="1" smtClean="0"/>
+              <a:t>SpringSecurity</a:t>
+            </a:r>
+            <a:endParaRPr lang="en-US" dirty="0"/>
+          </a:p>
+        </p:txBody>
+      </p:sp>
+      <p:sp>
+        <p:nvSpPr>
+          <p:cNvPr id="3" name="Content Placeholder 2"/>
+          <p:cNvSpPr>
+            <a:spLocks noGrp="1"/>
+          </p:cNvSpPr>
+          <p:nvPr>
+            <p:ph idx="1"/>
+          </p:nvPr>
+        </p:nvSpPr>
+        <p:spPr/>
+        <p:txBody>
+          <a:bodyPr/>
+          <a:lstStyle/>
+          <a:p>
+            <a:r>
+              <a:rPr lang="en-US" dirty="0">
+                <a:hlinkClick r:id="rId2"/>
+              </a:rPr>
+              <a:t>https://spring.io/guides/gs/securing-web/</a:t>
+            </a:r>
+            <a:endParaRPr lang="en-US" dirty="0"/>
+          </a:p>
+        </p:txBody>
+      </p:sp>
+    </p:spTree>
+    <p:extLst>
+      <p:ext uri="{BB962C8B-B14F-4D97-AF65-F5344CB8AC3E}">
+        <p14:creationId xmlns:p14="http://schemas.microsoft.com/office/powerpoint/2010/main" val="424417117"/>
+      </p:ext>
+    </p:extLst>
+  </p:cSld>
+  <p:clrMapOvr>
+    <a:masterClrMapping/>
+  </p:clrMapOvr>
+  <p:timing>
+    <p:tnLst>
+      <p:par>
+        <p:cTn id="1" dur="indefinite" restart="never" nodeType="tmRoot"/>
+      </p:par>
+    </p:tnLst>
+  </p:timing>
 </p:sld>
 </file>
 
@@ -3100,6 +5552,25 @@
           <a:lstStyle/>
           <a:p>
             <a:r>
+              <a:rPr lang="en-US" dirty="0"/>
+              <a:t>跟 </a:t>
+            </a:r>
+            <a:r>
+              <a:rPr lang="en-US" dirty="0" err="1"/>
+              <a:t>Velocity、FreeMarker</a:t>
+            </a:r>
+            <a:r>
+              <a:rPr lang="en-US" dirty="0"/>
+              <a:t> </a:t>
+            </a:r>
+            <a:r>
+              <a:rPr lang="en-US" dirty="0" smtClean="0"/>
+              <a:t>类似</a:t>
+            </a:r>
+            <a:endParaRPr lang="en-US" altLang="zh-CN" dirty="0" smtClean="0"/>
+          </a:p>
+          <a:p>
+            <a:r>
               <a:rPr lang="zh-CN" altLang="en-US" dirty="0" smtClean="0"/>
               <a:t>是一个</a:t>
             </a:r>
@@ -3135,10 +5606,80 @@
               <a:rPr lang="zh-CN" altLang="en-US" dirty="0" smtClean="0"/>
               <a:t>层</a:t>
             </a:r>
-            <a:endParaRPr lang="en-US" altLang="zh-CN" smtClean="0"/>
-          </a:p>
-          <a:p>
-            <a:endParaRPr lang="en-US"/>
+            <a:endParaRPr lang="en-US" altLang="zh-CN" dirty="0" smtClean="0"/>
+          </a:p>
+          <a:p>
+            <a:r>
+              <a:rPr lang="zh-CN" altLang="en-US" dirty="0" smtClean="0"/>
+              <a:t>特点</a:t>
+            </a:r>
+            <a:endParaRPr lang="en-US" altLang="zh-CN" dirty="0" smtClean="0"/>
+          </a:p>
+          <a:p>
+            <a:pPr lvl="1"/>
+            <a:r>
+              <a:rPr lang="en-US" altLang="zh-CN" dirty="0" err="1"/>
+              <a:t>Thymeleaf</a:t>
+            </a:r>
+            <a:r>
+              <a:rPr lang="en-US" altLang="zh-CN" dirty="0"/>
+              <a:t> </a:t>
+            </a:r>
+            <a:r>
+              <a:rPr lang="zh-CN" altLang="en-US" dirty="0"/>
+              <a:t>在有网络和无网络的环境下皆可</a:t>
+            </a:r>
+            <a:r>
+              <a:rPr lang="zh-CN" altLang="en-US" dirty="0" smtClean="0"/>
+              <a:t>运行</a:t>
+            </a:r>
+            <a:endParaRPr lang="en-US" altLang="zh-CN" dirty="0" smtClean="0"/>
+          </a:p>
+          <a:p>
+            <a:pPr lvl="1"/>
+            <a:r>
+              <a:rPr lang="en-US" dirty="0" err="1"/>
+              <a:t>Thymeleaf</a:t>
+            </a:r>
+            <a:r>
+              <a:rPr lang="en-US" dirty="0"/>
+              <a:t> </a:t>
+            </a:r>
+            <a:r>
+              <a:rPr lang="en-US" dirty="0" smtClean="0"/>
+              <a:t>开箱即用的特性</a:t>
+            </a:r>
+          </a:p>
+          <a:p>
+            <a:pPr lvl="1"/>
+            <a:r>
+              <a:rPr lang="en-US" dirty="0" err="1"/>
+              <a:t>Thymeleaf</a:t>
+            </a:r>
+            <a:r>
+              <a:rPr lang="en-US" dirty="0"/>
+              <a:t> 提供 Spring 标准方言和一个与 </a:t>
+            </a:r>
+            <a:r>
+              <a:rPr lang="en-US" dirty="0" err="1"/>
+              <a:t>SpringMVC</a:t>
+            </a:r>
+            <a:r>
+              <a:rPr lang="en-US" dirty="0"/>
+              <a:t> </a:t>
+            </a:r>
+            <a:r>
+              <a:rPr lang="en-US" dirty="0" smtClean="0"/>
+              <a:t>完美集成的可选模块</a:t>
+            </a:r>
+            <a:r>
+              <a:rPr lang="zh-CN" altLang="en-US" dirty="0"/>
+              <a:t>，可以快速的实现表单绑定、属性编辑器、国际化等功能。</a:t>
+            </a:r>
+            <a:endParaRPr lang="en-US" altLang="zh-CN" dirty="0" smtClean="0"/>
+          </a:p>
+          <a:p>
+            <a:endParaRPr lang="en-US" dirty="0"/>
           </a:p>
         </p:txBody>
       </p:sp>
@@ -3146,6 +5687,4221 @@
     <p:extLst>
       <p:ext uri="{BB962C8B-B14F-4D97-AF65-F5344CB8AC3E}">
         <p14:creationId xmlns:p14="http://schemas.microsoft.com/office/powerpoint/2010/main" val="619511352"/>
+      </p:ext>
+    </p:extLst>
+  </p:cSld>
+  <p:clrMapOvr>
+    <a:masterClrMapping/>
+  </p:clrMapOvr>
+  <p:timing>
+    <p:tnLst>
+      <p:par>
+        <p:cTn id="1" dur="indefinite" restart="never" nodeType="tmRoot"/>
+      </p:par>
+    </p:tnLst>
+  </p:timing>
+</p:sld>
+</file>
+
+<file path=ppt/slides/slide20.xml><?xml version="1.0" encoding="utf-8"?>
+<p:sld xmlns:a="http://schemas.openxmlformats.org/drawingml/2006/main" xmlns:r="http://schemas.openxmlformats.org/officeDocument/2006/relationships" xmlns:p="http://schemas.openxmlformats.org/presentationml/2006/main">
+  <p:cSld>
+    <p:spTree>
+      <p:nvGrpSpPr>
+        <p:cNvPr id="1" name=""/>
+        <p:cNvGrpSpPr/>
+        <p:nvPr/>
+      </p:nvGrpSpPr>
+      <p:grpSpPr>
+        <a:xfrm>
+          <a:off x="0" y="0"/>
+          <a:ext cx="0" cy="0"/>
+          <a:chOff x="0" y="0"/>
+          <a:chExt cx="0" cy="0"/>
+        </a:xfrm>
+      </p:grpSpPr>
+      <p:sp>
+        <p:nvSpPr>
+          <p:cNvPr id="2" name="Title 1"/>
+          <p:cNvSpPr>
+            <a:spLocks noGrp="1"/>
+          </p:cNvSpPr>
+          <p:nvPr>
+            <p:ph type="title"/>
+          </p:nvPr>
+        </p:nvSpPr>
+        <p:spPr/>
+        <p:txBody>
+          <a:bodyPr/>
+          <a:lstStyle/>
+          <a:p>
+            <a:r>
+              <a:rPr lang="zh-CN" altLang="en-US" dirty="0" smtClean="0"/>
+              <a:t>缓存相关</a:t>
+            </a:r>
+            <a:endParaRPr lang="en-US" dirty="0"/>
+          </a:p>
+        </p:txBody>
+      </p:sp>
+      <p:sp>
+        <p:nvSpPr>
+          <p:cNvPr id="3" name="Content Placeholder 2"/>
+          <p:cNvSpPr>
+            <a:spLocks noGrp="1"/>
+          </p:cNvSpPr>
+          <p:nvPr>
+            <p:ph idx="1"/>
+          </p:nvPr>
+        </p:nvSpPr>
+        <p:spPr/>
+        <p:txBody>
+          <a:bodyPr/>
+          <a:lstStyle/>
+          <a:p>
+            <a:endParaRPr lang="en-US"/>
+          </a:p>
+        </p:txBody>
+      </p:sp>
+    </p:spTree>
+    <p:extLst>
+      <p:ext uri="{BB962C8B-B14F-4D97-AF65-F5344CB8AC3E}">
+        <p14:creationId xmlns:p14="http://schemas.microsoft.com/office/powerpoint/2010/main" val="1971939217"/>
+      </p:ext>
+    </p:extLst>
+  </p:cSld>
+  <p:clrMapOvr>
+    <a:masterClrMapping/>
+  </p:clrMapOvr>
+  <p:timing>
+    <p:tnLst>
+      <p:par>
+        <p:cTn id="1" dur="indefinite" restart="never" nodeType="tmRoot"/>
+      </p:par>
+    </p:tnLst>
+  </p:timing>
+</p:sld>
+</file>
+
+<file path=ppt/slides/slide21.xml><?xml version="1.0" encoding="utf-8"?>
+<p:sld xmlns:a="http://schemas.openxmlformats.org/drawingml/2006/main" xmlns:r="http://schemas.openxmlformats.org/officeDocument/2006/relationships" xmlns:p="http://schemas.openxmlformats.org/presentationml/2006/main">
+  <p:cSld>
+    <p:spTree>
+      <p:nvGrpSpPr>
+        <p:cNvPr id="1" name=""/>
+        <p:cNvGrpSpPr/>
+        <p:nvPr/>
+      </p:nvGrpSpPr>
+      <p:grpSpPr>
+        <a:xfrm>
+          <a:off x="0" y="0"/>
+          <a:ext cx="0" cy="0"/>
+          <a:chOff x="0" y="0"/>
+          <a:chExt cx="0" cy="0"/>
+        </a:xfrm>
+      </p:grpSpPr>
+      <p:sp>
+        <p:nvSpPr>
+          <p:cNvPr id="2" name="Title 1"/>
+          <p:cNvSpPr>
+            <a:spLocks noGrp="1"/>
+          </p:cNvSpPr>
+          <p:nvPr>
+            <p:ph type="title"/>
+          </p:nvPr>
+        </p:nvSpPr>
+        <p:spPr/>
+        <p:txBody>
+          <a:bodyPr/>
+          <a:lstStyle/>
+          <a:p>
+            <a:r>
+              <a:rPr lang="en-US" altLang="zh-CN" dirty="0" err="1" smtClean="0"/>
+              <a:t>EhCache</a:t>
+            </a:r>
+            <a:endParaRPr lang="en-US" dirty="0"/>
+          </a:p>
+        </p:txBody>
+      </p:sp>
+      <p:sp>
+        <p:nvSpPr>
+          <p:cNvPr id="3" name="Content Placeholder 2"/>
+          <p:cNvSpPr>
+            <a:spLocks noGrp="1"/>
+          </p:cNvSpPr>
+          <p:nvPr>
+            <p:ph idx="1"/>
+          </p:nvPr>
+        </p:nvSpPr>
+        <p:spPr/>
+        <p:txBody>
+          <a:bodyPr>
+            <a:normAutofit/>
+          </a:bodyPr>
+          <a:lstStyle/>
+          <a:p>
+            <a:r>
+              <a:rPr lang="en-US" altLang="zh-CN" dirty="0" err="1"/>
+              <a:t>ehcache</a:t>
+            </a:r>
+            <a:r>
+              <a:rPr lang="zh-CN" altLang="en-US" dirty="0"/>
+              <a:t>是一个用</a:t>
+            </a:r>
+            <a:r>
+              <a:rPr lang="en-US" altLang="zh-CN" dirty="0"/>
+              <a:t>Java</a:t>
+            </a:r>
+            <a:r>
+              <a:rPr lang="zh-CN" altLang="en-US" dirty="0"/>
+              <a:t>实现的使用简单，高速，实现线程安全的缓存管理类库，</a:t>
+            </a:r>
+            <a:r>
+              <a:rPr lang="en-US" altLang="zh-CN" dirty="0" err="1"/>
+              <a:t>ehcache</a:t>
+            </a:r>
+            <a:r>
+              <a:rPr lang="zh-CN" altLang="en-US" dirty="0"/>
+              <a:t>提供了用内存，磁盘文件存储，以及分布式存储方式等多种灵活的</a:t>
+            </a:r>
+            <a:r>
+              <a:rPr lang="en-US" altLang="zh-CN" dirty="0"/>
+              <a:t>cache</a:t>
+            </a:r>
+            <a:r>
+              <a:rPr lang="zh-CN" altLang="en-US" dirty="0"/>
+              <a:t>管理方案。是</a:t>
+            </a:r>
+            <a:r>
+              <a:rPr lang="en-US" altLang="zh-CN" dirty="0"/>
+              <a:t>Hibernate</a:t>
+            </a:r>
+            <a:r>
+              <a:rPr lang="zh-CN" altLang="en-US" dirty="0"/>
+              <a:t>中默认的</a:t>
+            </a:r>
+            <a:r>
+              <a:rPr lang="en-US" altLang="zh-CN" dirty="0" err="1"/>
+              <a:t>CacheProvider</a:t>
+            </a:r>
+            <a:r>
+              <a:rPr lang="zh-CN" altLang="en-US" dirty="0" smtClean="0"/>
+              <a:t>。</a:t>
+            </a:r>
+            <a:endParaRPr lang="en-US" altLang="zh-CN" dirty="0" smtClean="0"/>
+          </a:p>
+          <a:p>
+            <a:r>
+              <a:rPr lang="en-US" dirty="0" err="1"/>
+              <a:t>Ehcache的类层次模型主要为三层</a:t>
+            </a:r>
+            <a:r>
+              <a:rPr lang="en-US" dirty="0" smtClean="0"/>
+              <a:t>:</a:t>
+            </a:r>
+            <a:endParaRPr lang="en-US" dirty="0"/>
+          </a:p>
+          <a:p>
+            <a:pPr lvl="1"/>
+            <a:r>
+              <a:rPr lang="en-US" dirty="0"/>
+              <a:t>1.CacheManager</a:t>
+            </a:r>
+          </a:p>
+          <a:p>
+            <a:pPr lvl="1"/>
+            <a:r>
+              <a:rPr lang="en-US" dirty="0"/>
+              <a:t>2.Cache</a:t>
+            </a:r>
+          </a:p>
+          <a:p>
+            <a:pPr lvl="1"/>
+            <a:r>
+              <a:rPr lang="en-US" dirty="0"/>
+              <a:t>3.Elemenat</a:t>
+            </a:r>
+          </a:p>
+          <a:p>
+            <a:endParaRPr lang="en-US" dirty="0"/>
+          </a:p>
+        </p:txBody>
+      </p:sp>
+    </p:spTree>
+    <p:extLst>
+      <p:ext uri="{BB962C8B-B14F-4D97-AF65-F5344CB8AC3E}">
+        <p14:creationId xmlns:p14="http://schemas.microsoft.com/office/powerpoint/2010/main" val="1930337807"/>
+      </p:ext>
+    </p:extLst>
+  </p:cSld>
+  <p:clrMapOvr>
+    <a:masterClrMapping/>
+  </p:clrMapOvr>
+  <p:timing>
+    <p:tnLst>
+      <p:par>
+        <p:cTn id="1" dur="indefinite" restart="never" nodeType="tmRoot"/>
+      </p:par>
+    </p:tnLst>
+  </p:timing>
+</p:sld>
+</file>
+
+<file path=ppt/slides/slide22.xml><?xml version="1.0" encoding="utf-8"?>
+<p:sld xmlns:a="http://schemas.openxmlformats.org/drawingml/2006/main" xmlns:r="http://schemas.openxmlformats.org/officeDocument/2006/relationships" xmlns:p="http://schemas.openxmlformats.org/presentationml/2006/main">
+  <p:cSld>
+    <p:spTree>
+      <p:nvGrpSpPr>
+        <p:cNvPr id="1" name=""/>
+        <p:cNvGrpSpPr/>
+        <p:nvPr/>
+      </p:nvGrpSpPr>
+      <p:grpSpPr>
+        <a:xfrm>
+          <a:off x="0" y="0"/>
+          <a:ext cx="0" cy="0"/>
+          <a:chOff x="0" y="0"/>
+          <a:chExt cx="0" cy="0"/>
+        </a:xfrm>
+      </p:grpSpPr>
+      <p:sp>
+        <p:nvSpPr>
+          <p:cNvPr id="2" name="Title 1"/>
+          <p:cNvSpPr>
+            <a:spLocks noGrp="1"/>
+          </p:cNvSpPr>
+          <p:nvPr>
+            <p:ph type="title"/>
+          </p:nvPr>
+        </p:nvSpPr>
+        <p:spPr/>
+        <p:txBody>
+          <a:bodyPr/>
+          <a:lstStyle/>
+          <a:p>
+            <a:endParaRPr lang="en-US"/>
+          </a:p>
+        </p:txBody>
+      </p:sp>
+      <p:sp>
+        <p:nvSpPr>
+          <p:cNvPr id="3" name="Content Placeholder 2"/>
+          <p:cNvSpPr>
+            <a:spLocks noGrp="1"/>
+          </p:cNvSpPr>
+          <p:nvPr>
+            <p:ph idx="1"/>
+          </p:nvPr>
+        </p:nvSpPr>
+        <p:spPr/>
+        <p:txBody>
+          <a:bodyPr>
+            <a:normAutofit/>
+          </a:bodyPr>
+          <a:lstStyle/>
+          <a:p>
+            <a:r>
+              <a:rPr lang="en-US" dirty="0" err="1"/>
+              <a:t>最上层的是CacheManager，他是操作Ehcache的入口</a:t>
+            </a:r>
+            <a:r>
+              <a:rPr lang="en-US" dirty="0" smtClean="0"/>
+              <a:t>。</a:t>
+            </a:r>
+          </a:p>
+          <a:p>
+            <a:r>
+              <a:rPr lang="en-US" dirty="0" err="1" smtClean="0"/>
+              <a:t>我们可以通过</a:t>
+            </a:r>
+            <a:r>
+              <a:rPr lang="en-US" dirty="0" err="1"/>
+              <a:t>CacheManager.getInstance</a:t>
+            </a:r>
+            <a:r>
+              <a:rPr lang="en-US" dirty="0"/>
+              <a:t>()获得一个单个的CacheManager，或者通过CacheManager的构造函数创建一个新的CacheManager。每个CacheManager都管理着多个Cache,而每个Cache都以一种类Hash的方式，关联着多个Elemenat，而Element则是我们用于存放要缓存内容的地方</a:t>
+            </a:r>
+            <a:r>
+              <a:rPr lang="en-US" dirty="0" smtClean="0"/>
+              <a:t>。</a:t>
+            </a:r>
+            <a:endParaRPr lang="en-US" dirty="0"/>
+          </a:p>
+        </p:txBody>
+      </p:sp>
+    </p:spTree>
+    <p:extLst>
+      <p:ext uri="{BB962C8B-B14F-4D97-AF65-F5344CB8AC3E}">
+        <p14:creationId xmlns:p14="http://schemas.microsoft.com/office/powerpoint/2010/main" val="537383239"/>
+      </p:ext>
+    </p:extLst>
+  </p:cSld>
+  <p:clrMapOvr>
+    <a:masterClrMapping/>
+  </p:clrMapOvr>
+  <p:timing>
+    <p:tnLst>
+      <p:par>
+        <p:cTn id="1" dur="indefinite" restart="never" nodeType="tmRoot"/>
+      </p:par>
+    </p:tnLst>
+  </p:timing>
+</p:sld>
+</file>
+
+<file path=ppt/slides/slide23.xml><?xml version="1.0" encoding="utf-8"?>
+<p:sld xmlns:a="http://schemas.openxmlformats.org/drawingml/2006/main" xmlns:r="http://schemas.openxmlformats.org/officeDocument/2006/relationships" xmlns:p="http://schemas.openxmlformats.org/presentationml/2006/main">
+  <p:cSld>
+    <p:spTree>
+      <p:nvGrpSpPr>
+        <p:cNvPr id="1" name=""/>
+        <p:cNvGrpSpPr/>
+        <p:nvPr/>
+      </p:nvGrpSpPr>
+      <p:grpSpPr>
+        <a:xfrm>
+          <a:off x="0" y="0"/>
+          <a:ext cx="0" cy="0"/>
+          <a:chOff x="0" y="0"/>
+          <a:chExt cx="0" cy="0"/>
+        </a:xfrm>
+      </p:grpSpPr>
+      <p:sp>
+        <p:nvSpPr>
+          <p:cNvPr id="2" name="Title 1"/>
+          <p:cNvSpPr>
+            <a:spLocks noGrp="1"/>
+          </p:cNvSpPr>
+          <p:nvPr>
+            <p:ph type="title"/>
+          </p:nvPr>
+        </p:nvSpPr>
+        <p:spPr/>
+        <p:txBody>
+          <a:bodyPr/>
+          <a:lstStyle/>
+          <a:p>
+            <a:r>
+              <a:rPr lang="en-US" altLang="zh-CN" dirty="0" err="1"/>
+              <a:t>E</a:t>
+            </a:r>
+            <a:r>
+              <a:rPr lang="en-US" altLang="zh-CN" dirty="0" err="1" smtClean="0"/>
+              <a:t>hcache</a:t>
+            </a:r>
+            <a:r>
+              <a:rPr lang="zh-CN" altLang="en-US" dirty="0"/>
+              <a:t>缓存的</a:t>
+            </a:r>
+            <a:r>
+              <a:rPr lang="en-US" altLang="zh-CN" dirty="0"/>
+              <a:t>3</a:t>
+            </a:r>
+            <a:r>
+              <a:rPr lang="zh-CN" altLang="en-US" dirty="0"/>
+              <a:t>种清空策略</a:t>
+            </a:r>
+            <a:endParaRPr lang="en-US" dirty="0"/>
+          </a:p>
+        </p:txBody>
+      </p:sp>
+      <p:sp>
+        <p:nvSpPr>
+          <p:cNvPr id="3" name="Content Placeholder 2"/>
+          <p:cNvSpPr>
+            <a:spLocks noGrp="1"/>
+          </p:cNvSpPr>
+          <p:nvPr>
+            <p:ph idx="1"/>
+          </p:nvPr>
+        </p:nvSpPr>
+        <p:spPr/>
+        <p:txBody>
+          <a:bodyPr/>
+          <a:lstStyle/>
+          <a:p>
+            <a:r>
+              <a:rPr lang="en-US" altLang="zh-CN" dirty="0"/>
+              <a:t>1 FIFO</a:t>
+            </a:r>
+            <a:r>
+              <a:rPr lang="zh-CN" altLang="en-US" dirty="0"/>
+              <a:t>，先进先出</a:t>
+            </a:r>
+            <a:r>
+              <a:rPr lang="zh-CN" altLang="en-US" dirty="0"/>
+              <a:t/>
+            </a:r>
+            <a:br>
+              <a:rPr lang="zh-CN" altLang="en-US" dirty="0"/>
+            </a:br>
+            <a:r>
+              <a:rPr lang="en-US" altLang="zh-CN" dirty="0"/>
+              <a:t>2 LFU</a:t>
+            </a:r>
+            <a:r>
+              <a:rPr lang="zh-CN" altLang="en-US" dirty="0"/>
+              <a:t>，最少被使用，缓存的元素有一个</a:t>
+            </a:r>
+            <a:r>
+              <a:rPr lang="en-US" altLang="zh-CN" dirty="0"/>
+              <a:t>hit</a:t>
+            </a:r>
+            <a:r>
+              <a:rPr lang="zh-CN" altLang="en-US" dirty="0"/>
+              <a:t>属性，</a:t>
+            </a:r>
+            <a:r>
+              <a:rPr lang="en-US" altLang="zh-CN" dirty="0"/>
+              <a:t>hit</a:t>
+            </a:r>
+            <a:r>
+              <a:rPr lang="zh-CN" altLang="en-US" dirty="0"/>
+              <a:t>值最小的将会被清出缓存。</a:t>
+            </a:r>
+            <a:r>
+              <a:rPr lang="zh-CN" altLang="en-US" dirty="0"/>
+              <a:t/>
+            </a:r>
+            <a:br>
+              <a:rPr lang="zh-CN" altLang="en-US" dirty="0"/>
+            </a:br>
+            <a:r>
+              <a:rPr lang="en-US" altLang="zh-CN" dirty="0"/>
+              <a:t>3 LRU</a:t>
+            </a:r>
+            <a:r>
+              <a:rPr lang="zh-CN" altLang="en-US" dirty="0"/>
+              <a:t>，最近最少使用的，缓存的元素有一个时间戳，当缓存容量满了，而又需要腾出地方来缓存新的元素的时候，那么现有缓存元素中时间戳离当前时间最远的元素将被清出缓存。</a:t>
+            </a:r>
+            <a:endParaRPr lang="en-US" dirty="0"/>
+          </a:p>
+        </p:txBody>
+      </p:sp>
+    </p:spTree>
+    <p:extLst>
+      <p:ext uri="{BB962C8B-B14F-4D97-AF65-F5344CB8AC3E}">
+        <p14:creationId xmlns:p14="http://schemas.microsoft.com/office/powerpoint/2010/main" val="1212747724"/>
+      </p:ext>
+    </p:extLst>
+  </p:cSld>
+  <p:clrMapOvr>
+    <a:masterClrMapping/>
+  </p:clrMapOvr>
+  <p:timing>
+    <p:tnLst>
+      <p:par>
+        <p:cTn id="1" dur="indefinite" restart="never" nodeType="tmRoot"/>
+      </p:par>
+    </p:tnLst>
+  </p:timing>
+</p:sld>
+</file>
+
+<file path=ppt/slides/slide24.xml><?xml version="1.0" encoding="utf-8"?>
+<p:sld xmlns:a="http://schemas.openxmlformats.org/drawingml/2006/main" xmlns:r="http://schemas.openxmlformats.org/officeDocument/2006/relationships" xmlns:p="http://schemas.openxmlformats.org/presentationml/2006/main">
+  <p:cSld>
+    <p:spTree>
+      <p:nvGrpSpPr>
+        <p:cNvPr id="1" name=""/>
+        <p:cNvGrpSpPr/>
+        <p:nvPr/>
+      </p:nvGrpSpPr>
+      <p:grpSpPr>
+        <a:xfrm>
+          <a:off x="0" y="0"/>
+          <a:ext cx="0" cy="0"/>
+          <a:chOff x="0" y="0"/>
+          <a:chExt cx="0" cy="0"/>
+        </a:xfrm>
+      </p:grpSpPr>
+      <p:sp>
+        <p:nvSpPr>
+          <p:cNvPr id="2" name="Title 1"/>
+          <p:cNvSpPr>
+            <a:spLocks noGrp="1"/>
+          </p:cNvSpPr>
+          <p:nvPr>
+            <p:ph type="title"/>
+          </p:nvPr>
+        </p:nvSpPr>
+        <p:spPr/>
+        <p:txBody>
+          <a:bodyPr/>
+          <a:lstStyle/>
+          <a:p>
+            <a:r>
+              <a:rPr lang="en-US" dirty="0" err="1"/>
+              <a:t>Ehcache特性</a:t>
+            </a:r>
+            <a:endParaRPr lang="en-US" dirty="0"/>
+          </a:p>
+        </p:txBody>
+      </p:sp>
+      <p:sp>
+        <p:nvSpPr>
+          <p:cNvPr id="3" name="Content Placeholder 2"/>
+          <p:cNvSpPr>
+            <a:spLocks noGrp="1"/>
+          </p:cNvSpPr>
+          <p:nvPr>
+            <p:ph idx="1"/>
+          </p:nvPr>
+        </p:nvSpPr>
+        <p:spPr/>
+        <p:txBody>
+          <a:bodyPr>
+            <a:normAutofit lnSpcReduction="10000"/>
+          </a:bodyPr>
+          <a:lstStyle/>
+          <a:p>
+            <a:r>
+              <a:rPr lang="en-US" altLang="zh-CN" dirty="0"/>
+              <a:t>1. </a:t>
+            </a:r>
+            <a:r>
+              <a:rPr lang="zh-CN" altLang="en-US" dirty="0" smtClean="0"/>
+              <a:t>快速</a:t>
+            </a:r>
+            <a:endParaRPr lang="en-US" altLang="zh-CN" dirty="0" smtClean="0"/>
+          </a:p>
+          <a:p>
+            <a:r>
+              <a:rPr lang="en-US" altLang="zh-CN" dirty="0" smtClean="0"/>
+              <a:t>2</a:t>
+            </a:r>
+            <a:r>
+              <a:rPr lang="en-US" altLang="zh-CN" dirty="0"/>
+              <a:t>. </a:t>
+            </a:r>
+            <a:r>
+              <a:rPr lang="zh-CN" altLang="en-US" dirty="0" smtClean="0"/>
+              <a:t>简单</a:t>
+            </a:r>
+            <a:endParaRPr lang="en-US" altLang="zh-CN" dirty="0" smtClean="0"/>
+          </a:p>
+          <a:p>
+            <a:r>
+              <a:rPr lang="en-US" altLang="zh-CN" dirty="0" smtClean="0"/>
+              <a:t>3</a:t>
+            </a:r>
+            <a:r>
+              <a:rPr lang="en-US" altLang="zh-CN" dirty="0"/>
+              <a:t>. </a:t>
+            </a:r>
+            <a:r>
+              <a:rPr lang="zh-CN" altLang="en-US" dirty="0"/>
+              <a:t>多种缓存</a:t>
+            </a:r>
+            <a:r>
+              <a:rPr lang="zh-CN" altLang="en-US" dirty="0" smtClean="0"/>
+              <a:t>策略</a:t>
+            </a:r>
+            <a:endParaRPr lang="en-US" altLang="zh-CN" dirty="0" smtClean="0"/>
+          </a:p>
+          <a:p>
+            <a:r>
+              <a:rPr lang="en-US" altLang="zh-CN" dirty="0" smtClean="0"/>
+              <a:t>4</a:t>
+            </a:r>
+            <a:r>
+              <a:rPr lang="en-US" altLang="zh-CN" dirty="0"/>
+              <a:t>. </a:t>
+            </a:r>
+            <a:r>
+              <a:rPr lang="zh-CN" altLang="en-US" dirty="0"/>
+              <a:t>缓存数据有两级</a:t>
+            </a:r>
+            <a:r>
+              <a:rPr lang="en-US" altLang="zh-CN" dirty="0"/>
+              <a:t>:</a:t>
+            </a:r>
+            <a:r>
+              <a:rPr lang="zh-CN" altLang="en-US" dirty="0"/>
+              <a:t>内存和磁盘，因此无需担心容量</a:t>
+            </a:r>
+            <a:r>
+              <a:rPr lang="zh-CN" altLang="en-US" dirty="0" smtClean="0"/>
+              <a:t>问题</a:t>
+            </a:r>
+            <a:endParaRPr lang="en-US" altLang="zh-CN" dirty="0" smtClean="0"/>
+          </a:p>
+          <a:p>
+            <a:r>
+              <a:rPr lang="en-US" altLang="zh-CN" dirty="0" smtClean="0"/>
+              <a:t>5</a:t>
+            </a:r>
+            <a:r>
+              <a:rPr lang="en-US" altLang="zh-CN" dirty="0"/>
+              <a:t>. </a:t>
+            </a:r>
+            <a:r>
+              <a:rPr lang="zh-CN" altLang="en-US" dirty="0"/>
+              <a:t>缓存数据会在虚拟机重启的过程中写入</a:t>
+            </a:r>
+            <a:r>
+              <a:rPr lang="zh-CN" altLang="en-US" dirty="0" smtClean="0"/>
+              <a:t>磁盘</a:t>
+            </a:r>
+            <a:endParaRPr lang="en-US" altLang="zh-CN" dirty="0" smtClean="0"/>
+          </a:p>
+          <a:p>
+            <a:r>
+              <a:rPr lang="en-US" altLang="zh-CN" dirty="0" smtClean="0"/>
+              <a:t>6</a:t>
+            </a:r>
+            <a:r>
+              <a:rPr lang="en-US" altLang="zh-CN" dirty="0"/>
+              <a:t>. </a:t>
+            </a:r>
+            <a:r>
+              <a:rPr lang="zh-CN" altLang="en-US" dirty="0"/>
+              <a:t>可以通过</a:t>
+            </a:r>
+            <a:r>
+              <a:rPr lang="en-US" altLang="zh-CN" dirty="0"/>
+              <a:t>RMI</a:t>
+            </a:r>
+            <a:r>
+              <a:rPr lang="zh-CN" altLang="en-US" dirty="0"/>
+              <a:t>、可插入</a:t>
+            </a:r>
+            <a:r>
+              <a:rPr lang="en-US" altLang="zh-CN" dirty="0"/>
+              <a:t>API</a:t>
+            </a:r>
+            <a:r>
+              <a:rPr lang="zh-CN" altLang="en-US" dirty="0"/>
+              <a:t>等方式进行分布式</a:t>
+            </a:r>
+            <a:r>
+              <a:rPr lang="zh-CN" altLang="en-US" dirty="0" smtClean="0"/>
+              <a:t>缓存</a:t>
+            </a:r>
+            <a:endParaRPr lang="en-US" altLang="zh-CN" dirty="0" smtClean="0"/>
+          </a:p>
+          <a:p>
+            <a:r>
+              <a:rPr lang="en-US" altLang="zh-CN" dirty="0" smtClean="0"/>
+              <a:t>7</a:t>
+            </a:r>
+            <a:r>
+              <a:rPr lang="en-US" altLang="zh-CN" dirty="0"/>
+              <a:t>. </a:t>
+            </a:r>
+            <a:r>
+              <a:rPr lang="zh-CN" altLang="en-US" dirty="0"/>
+              <a:t>具有缓存和缓存管理器的侦听</a:t>
+            </a:r>
+            <a:r>
+              <a:rPr lang="zh-CN" altLang="en-US" dirty="0" smtClean="0"/>
+              <a:t>接口</a:t>
+            </a:r>
+            <a:endParaRPr lang="en-US" altLang="zh-CN" dirty="0" smtClean="0"/>
+          </a:p>
+          <a:p>
+            <a:r>
+              <a:rPr lang="en-US" altLang="zh-CN" dirty="0" smtClean="0"/>
+              <a:t>8</a:t>
+            </a:r>
+            <a:r>
+              <a:rPr lang="en-US" altLang="zh-CN" dirty="0"/>
+              <a:t>. </a:t>
+            </a:r>
+            <a:r>
+              <a:rPr lang="zh-CN" altLang="en-US" dirty="0"/>
+              <a:t>支持多缓存管理器实例，以及一个实例的多个缓存</a:t>
+            </a:r>
+            <a:r>
+              <a:rPr lang="zh-CN" altLang="en-US" dirty="0" smtClean="0"/>
+              <a:t>区域</a:t>
+            </a:r>
+            <a:endParaRPr lang="en-US" altLang="zh-CN" dirty="0" smtClean="0"/>
+          </a:p>
+          <a:p>
+            <a:r>
+              <a:rPr lang="en-US" altLang="zh-CN" dirty="0" smtClean="0"/>
+              <a:t>9</a:t>
+            </a:r>
+            <a:r>
+              <a:rPr lang="en-US" altLang="zh-CN" dirty="0"/>
+              <a:t>. </a:t>
+            </a:r>
+            <a:r>
+              <a:rPr lang="zh-CN" altLang="en-US" dirty="0"/>
+              <a:t>提供</a:t>
+            </a:r>
+            <a:r>
+              <a:rPr lang="en-US" altLang="zh-CN" dirty="0"/>
+              <a:t>Hibernate</a:t>
+            </a:r>
+            <a:r>
+              <a:rPr lang="zh-CN" altLang="en-US" dirty="0"/>
+              <a:t>的缓存实现、</a:t>
+            </a:r>
+            <a:r>
+              <a:rPr lang="zh-CN" altLang="en-US" dirty="0" smtClean="0"/>
+              <a:t>等等</a:t>
+            </a:r>
+            <a:endParaRPr lang="zh-CN" altLang="en-US" dirty="0"/>
+          </a:p>
+        </p:txBody>
+      </p:sp>
+    </p:spTree>
+    <p:extLst>
+      <p:ext uri="{BB962C8B-B14F-4D97-AF65-F5344CB8AC3E}">
+        <p14:creationId xmlns:p14="http://schemas.microsoft.com/office/powerpoint/2010/main" val="1293779151"/>
+      </p:ext>
+    </p:extLst>
+  </p:cSld>
+  <p:clrMapOvr>
+    <a:masterClrMapping/>
+  </p:clrMapOvr>
+  <p:timing>
+    <p:tnLst>
+      <p:par>
+        <p:cTn id="1" dur="indefinite" restart="never" nodeType="tmRoot"/>
+      </p:par>
+    </p:tnLst>
+  </p:timing>
+</p:sld>
+</file>
+
+<file path=ppt/slides/slide25.xml><?xml version="1.0" encoding="utf-8"?>
+<p:sld xmlns:a="http://schemas.openxmlformats.org/drawingml/2006/main" xmlns:r="http://schemas.openxmlformats.org/officeDocument/2006/relationships" xmlns:p="http://schemas.openxmlformats.org/presentationml/2006/main">
+  <p:cSld>
+    <p:spTree>
+      <p:nvGrpSpPr>
+        <p:cNvPr id="1" name=""/>
+        <p:cNvGrpSpPr/>
+        <p:nvPr/>
+      </p:nvGrpSpPr>
+      <p:grpSpPr>
+        <a:xfrm>
+          <a:off x="0" y="0"/>
+          <a:ext cx="0" cy="0"/>
+          <a:chOff x="0" y="0"/>
+          <a:chExt cx="0" cy="0"/>
+        </a:xfrm>
+      </p:grpSpPr>
+      <p:sp>
+        <p:nvSpPr>
+          <p:cNvPr id="2" name="Title 1"/>
+          <p:cNvSpPr>
+            <a:spLocks noGrp="1"/>
+          </p:cNvSpPr>
+          <p:nvPr>
+            <p:ph type="title"/>
+          </p:nvPr>
+        </p:nvSpPr>
+        <p:spPr/>
+        <p:txBody>
+          <a:bodyPr/>
+          <a:lstStyle/>
+          <a:p>
+            <a:r>
+              <a:rPr lang="en-US" altLang="zh-CN" dirty="0" err="1"/>
+              <a:t>Ehcache</a:t>
+            </a:r>
+            <a:r>
+              <a:rPr lang="zh-CN" altLang="en-US" dirty="0"/>
+              <a:t>的结构设计概览</a:t>
+            </a:r>
+            <a:endParaRPr lang="en-US" dirty="0"/>
+          </a:p>
+        </p:txBody>
+      </p:sp>
+      <p:sp>
+        <p:nvSpPr>
+          <p:cNvPr id="3" name="Content Placeholder 2"/>
+          <p:cNvSpPr>
+            <a:spLocks noGrp="1"/>
+          </p:cNvSpPr>
+          <p:nvPr>
+            <p:ph idx="1"/>
+          </p:nvPr>
+        </p:nvSpPr>
+        <p:spPr/>
+        <p:txBody>
+          <a:bodyPr/>
+          <a:lstStyle/>
+          <a:p>
+            <a:endParaRPr lang="en-US"/>
+          </a:p>
+        </p:txBody>
+      </p:sp>
+      <p:pic>
+        <p:nvPicPr>
+          <p:cNvPr id="1026" name="Picture 2" descr="https://img-blog.csdn.net/20170727220818697"/>
+          <p:cNvPicPr>
+            <a:picLocks noChangeAspect="1" noChangeArrowheads="1"/>
+          </p:cNvPicPr>
+          <p:nvPr/>
+        </p:nvPicPr>
+        <p:blipFill>
+          <a:blip r:embed="rId2">
+            <a:extLst>
+              <a:ext uri="{28A0092B-C50C-407E-A947-70E740481C1C}">
+                <a14:useLocalDpi xmlns:a14="http://schemas.microsoft.com/office/drawing/2010/main" val="0"/>
+              </a:ext>
+            </a:extLst>
+          </a:blip>
+          <a:srcRect/>
+          <a:stretch>
+            <a:fillRect/>
+          </a:stretch>
+        </p:blipFill>
+        <p:spPr bwMode="auto">
+          <a:xfrm>
+            <a:off x="-1" y="1825625"/>
+            <a:ext cx="12108753" cy="4846638"/>
+          </a:xfrm>
+          <a:prstGeom prst="rect">
+            <a:avLst/>
+          </a:prstGeom>
+          <a:noFill/>
+          <a:extLst>
+            <a:ext uri="{909E8E84-426E-40DD-AFC4-6F175D3DCCD1}">
+              <a14:hiddenFill xmlns:a14="http://schemas.microsoft.com/office/drawing/2010/main">
+                <a:solidFill>
+                  <a:srgbClr val="FFFFFF"/>
+                </a:solidFill>
+              </a14:hiddenFill>
+            </a:ext>
+          </a:extLst>
+        </p:spPr>
+      </p:pic>
+    </p:spTree>
+    <p:extLst>
+      <p:ext uri="{BB962C8B-B14F-4D97-AF65-F5344CB8AC3E}">
+        <p14:creationId xmlns:p14="http://schemas.microsoft.com/office/powerpoint/2010/main" val="531115411"/>
+      </p:ext>
+    </p:extLst>
+  </p:cSld>
+  <p:clrMapOvr>
+    <a:masterClrMapping/>
+  </p:clrMapOvr>
+  <p:timing>
+    <p:tnLst>
+      <p:par>
+        <p:cTn id="1" dur="indefinite" restart="never" nodeType="tmRoot"/>
+      </p:par>
+    </p:tnLst>
+  </p:timing>
+</p:sld>
+</file>
+
+<file path=ppt/slides/slide26.xml><?xml version="1.0" encoding="utf-8"?>
+<p:sld xmlns:a="http://schemas.openxmlformats.org/drawingml/2006/main" xmlns:r="http://schemas.openxmlformats.org/officeDocument/2006/relationships" xmlns:p="http://schemas.openxmlformats.org/presentationml/2006/main">
+  <p:cSld>
+    <p:spTree>
+      <p:nvGrpSpPr>
+        <p:cNvPr id="1" name=""/>
+        <p:cNvGrpSpPr/>
+        <p:nvPr/>
+      </p:nvGrpSpPr>
+      <p:grpSpPr>
+        <a:xfrm>
+          <a:off x="0" y="0"/>
+          <a:ext cx="0" cy="0"/>
+          <a:chOff x="0" y="0"/>
+          <a:chExt cx="0" cy="0"/>
+        </a:xfrm>
+      </p:grpSpPr>
+      <p:sp>
+        <p:nvSpPr>
+          <p:cNvPr id="2" name="Title 1"/>
+          <p:cNvSpPr>
+            <a:spLocks noGrp="1"/>
+          </p:cNvSpPr>
+          <p:nvPr>
+            <p:ph type="title"/>
+          </p:nvPr>
+        </p:nvSpPr>
+        <p:spPr/>
+        <p:txBody>
+          <a:bodyPr/>
+          <a:lstStyle/>
+          <a:p>
+            <a:r>
+              <a:rPr lang="zh-CN" altLang="en-US" dirty="0"/>
+              <a:t>存储方式</a:t>
+            </a:r>
+            <a:endParaRPr lang="en-US" dirty="0"/>
+          </a:p>
+        </p:txBody>
+      </p:sp>
+      <p:sp>
+        <p:nvSpPr>
+          <p:cNvPr id="3" name="Content Placeholder 2"/>
+          <p:cNvSpPr>
+            <a:spLocks noGrp="1"/>
+          </p:cNvSpPr>
+          <p:nvPr>
+            <p:ph idx="1"/>
+          </p:nvPr>
+        </p:nvSpPr>
+        <p:spPr>
+          <a:xfrm>
+            <a:off x="838200" y="1825624"/>
+            <a:ext cx="10515600" cy="5032375"/>
+          </a:xfrm>
+        </p:spPr>
+        <p:txBody>
+          <a:bodyPr>
+            <a:normAutofit lnSpcReduction="10000"/>
+          </a:bodyPr>
+          <a:lstStyle/>
+          <a:p>
+            <a:r>
+              <a:rPr lang="en-US" altLang="zh-CN" dirty="0" err="1"/>
+              <a:t>Ehcache</a:t>
+            </a:r>
+            <a:r>
+              <a:rPr lang="zh-CN" altLang="en-US" dirty="0"/>
+              <a:t>支持已下三种存储方式</a:t>
+            </a:r>
+            <a:r>
+              <a:rPr lang="en-US" altLang="zh-CN" dirty="0" smtClean="0"/>
+              <a:t>:</a:t>
+            </a:r>
+          </a:p>
+          <a:p>
+            <a:r>
+              <a:rPr lang="en-US" altLang="zh-CN" dirty="0" smtClean="0"/>
+              <a:t>1</a:t>
+            </a:r>
+            <a:r>
+              <a:rPr lang="zh-CN" altLang="en-US" dirty="0"/>
+              <a:t>、堆内存储：速度快，但是容量有限。 </a:t>
+            </a:r>
+            <a:endParaRPr lang="en-US" altLang="zh-CN" dirty="0" smtClean="0"/>
+          </a:p>
+          <a:p>
+            <a:r>
+              <a:rPr lang="en-US" altLang="zh-CN" dirty="0" smtClean="0"/>
+              <a:t>2</a:t>
+            </a:r>
+            <a:r>
+              <a:rPr lang="zh-CN" altLang="en-US" dirty="0"/>
+              <a:t>、堆外（</a:t>
+            </a:r>
+            <a:r>
+              <a:rPr lang="en-US" altLang="zh-CN" dirty="0" err="1"/>
+              <a:t>OffHeapStore</a:t>
+            </a:r>
+            <a:r>
+              <a:rPr lang="zh-CN" altLang="en-US" dirty="0"/>
+              <a:t>）存储：被称为</a:t>
+            </a:r>
+            <a:r>
+              <a:rPr lang="en-US" altLang="zh-CN" dirty="0" err="1"/>
+              <a:t>BigMemory</a:t>
+            </a:r>
+            <a:r>
+              <a:rPr lang="zh-CN" altLang="en-US" dirty="0"/>
+              <a:t>，只在企业版本的</a:t>
+            </a:r>
+            <a:r>
+              <a:rPr lang="en-US" altLang="zh-CN" dirty="0" err="1"/>
+              <a:t>Ehcache</a:t>
+            </a:r>
+            <a:r>
+              <a:rPr lang="zh-CN" altLang="en-US" dirty="0"/>
+              <a:t>中提供，原理是利用</a:t>
+            </a:r>
+            <a:r>
+              <a:rPr lang="en-US" altLang="zh-CN" dirty="0" err="1"/>
+              <a:t>nio</a:t>
+            </a:r>
+            <a:r>
+              <a:rPr lang="zh-CN" altLang="en-US" dirty="0"/>
+              <a:t>的</a:t>
+            </a:r>
+            <a:r>
+              <a:rPr lang="en-US" altLang="zh-CN" dirty="0" err="1"/>
+              <a:t>DirectByteBuffers</a:t>
+            </a:r>
+            <a:r>
+              <a:rPr lang="zh-CN" altLang="en-US" dirty="0"/>
+              <a:t>实现，比存储到磁盘上快，而且完全不受</a:t>
+            </a:r>
+            <a:r>
+              <a:rPr lang="en-US" altLang="zh-CN" dirty="0"/>
+              <a:t>GC</a:t>
+            </a:r>
+            <a:r>
+              <a:rPr lang="zh-CN" altLang="en-US" dirty="0"/>
+              <a:t>的影响，可以保证响应时间的稳定性；但是</a:t>
+            </a:r>
+            <a:r>
+              <a:rPr lang="en-US" altLang="zh-CN" dirty="0"/>
+              <a:t>direct buffer</a:t>
+            </a:r>
+            <a:r>
+              <a:rPr lang="zh-CN" altLang="en-US" dirty="0"/>
+              <a:t>的在分配上的开销要比</a:t>
+            </a:r>
+            <a:r>
+              <a:rPr lang="en-US" altLang="zh-CN" dirty="0"/>
+              <a:t>heap buffer</a:t>
+            </a:r>
+            <a:r>
+              <a:rPr lang="zh-CN" altLang="en-US" dirty="0"/>
+              <a:t>大，而且要求必须以字节数组方式存储，因此对象必须在存储过程中进行序列化，读取则进行反序列化操作，它的速度大约比堆内存储慢一个数量级。（注：</a:t>
+            </a:r>
+            <a:r>
+              <a:rPr lang="en-US" altLang="zh-CN" dirty="0"/>
+              <a:t>direct buffer</a:t>
+            </a:r>
+            <a:r>
+              <a:rPr lang="zh-CN" altLang="en-US" dirty="0"/>
+              <a:t>不受</a:t>
+            </a:r>
+            <a:r>
+              <a:rPr lang="en-US" altLang="zh-CN" dirty="0"/>
+              <a:t>GC</a:t>
+            </a:r>
+            <a:r>
+              <a:rPr lang="zh-CN" altLang="en-US" dirty="0"/>
+              <a:t>影响，但是</a:t>
+            </a:r>
+            <a:r>
+              <a:rPr lang="en-US" altLang="zh-CN" dirty="0"/>
+              <a:t>direct buffer</a:t>
+            </a:r>
+            <a:r>
+              <a:rPr lang="zh-CN" altLang="en-US" dirty="0"/>
+              <a:t>归属的的</a:t>
+            </a:r>
+            <a:r>
+              <a:rPr lang="en-US" altLang="zh-CN" dirty="0"/>
+              <a:t>JAVA</a:t>
+            </a:r>
+            <a:r>
+              <a:rPr lang="zh-CN" altLang="en-US" dirty="0"/>
+              <a:t>对象是在堆上且能够被</a:t>
+            </a:r>
+            <a:r>
+              <a:rPr lang="en-US" altLang="zh-CN" dirty="0"/>
+              <a:t>GC</a:t>
+            </a:r>
+            <a:r>
+              <a:rPr lang="zh-CN" altLang="en-US" dirty="0"/>
+              <a:t>回收的，一旦它被回收，</a:t>
+            </a:r>
+            <a:r>
+              <a:rPr lang="en-US" altLang="zh-CN" dirty="0"/>
+              <a:t>JVM</a:t>
+            </a:r>
+            <a:r>
+              <a:rPr lang="zh-CN" altLang="en-US" dirty="0"/>
+              <a:t>将释放</a:t>
+            </a:r>
+            <a:r>
+              <a:rPr lang="en-US" altLang="zh-CN" dirty="0"/>
+              <a:t>direct buffer</a:t>
+            </a:r>
+            <a:r>
+              <a:rPr lang="zh-CN" altLang="en-US" dirty="0"/>
+              <a:t>的堆外空间。</a:t>
+            </a:r>
+            <a:r>
+              <a:rPr lang="zh-CN" altLang="en-US" dirty="0" smtClean="0"/>
+              <a:t>）</a:t>
+            </a:r>
+            <a:endParaRPr lang="en-US" altLang="zh-CN" dirty="0" smtClean="0"/>
+          </a:p>
+          <a:p>
+            <a:r>
+              <a:rPr lang="zh-CN" altLang="en-US" dirty="0"/>
+              <a:t> </a:t>
+            </a:r>
+            <a:r>
+              <a:rPr lang="en-US" altLang="zh-CN" dirty="0"/>
+              <a:t>3</a:t>
+            </a:r>
+            <a:r>
+              <a:rPr lang="zh-CN" altLang="en-US" dirty="0"/>
+              <a:t>、磁盘存储</a:t>
+            </a:r>
+            <a:r>
+              <a:rPr lang="zh-CN" altLang="en-US" dirty="0" smtClean="0"/>
+              <a:t>。</a:t>
+            </a:r>
+            <a:endParaRPr lang="zh-CN" altLang="en-US" dirty="0"/>
+          </a:p>
+        </p:txBody>
+      </p:sp>
+    </p:spTree>
+    <p:extLst>
+      <p:ext uri="{BB962C8B-B14F-4D97-AF65-F5344CB8AC3E}">
+        <p14:creationId xmlns:p14="http://schemas.microsoft.com/office/powerpoint/2010/main" val="512967886"/>
+      </p:ext>
+    </p:extLst>
+  </p:cSld>
+  <p:clrMapOvr>
+    <a:masterClrMapping/>
+  </p:clrMapOvr>
+  <p:timing>
+    <p:tnLst>
+      <p:par>
+        <p:cTn id="1" dur="indefinite" restart="never" nodeType="tmRoot"/>
+      </p:par>
+    </p:tnLst>
+  </p:timing>
+</p:sld>
+</file>
+
+<file path=ppt/slides/slide27.xml><?xml version="1.0" encoding="utf-8"?>
+<p:sld xmlns:a="http://schemas.openxmlformats.org/drawingml/2006/main" xmlns:r="http://schemas.openxmlformats.org/officeDocument/2006/relationships" xmlns:p="http://schemas.openxmlformats.org/presentationml/2006/main">
+  <p:cSld>
+    <p:spTree>
+      <p:nvGrpSpPr>
+        <p:cNvPr id="1" name=""/>
+        <p:cNvGrpSpPr/>
+        <p:nvPr/>
+      </p:nvGrpSpPr>
+      <p:grpSpPr>
+        <a:xfrm>
+          <a:off x="0" y="0"/>
+          <a:ext cx="0" cy="0"/>
+          <a:chOff x="0" y="0"/>
+          <a:chExt cx="0" cy="0"/>
+        </a:xfrm>
+      </p:grpSpPr>
+      <p:sp>
+        <p:nvSpPr>
+          <p:cNvPr id="2" name="Title 1"/>
+          <p:cNvSpPr>
+            <a:spLocks noGrp="1"/>
+          </p:cNvSpPr>
+          <p:nvPr>
+            <p:ph type="title"/>
+          </p:nvPr>
+        </p:nvSpPr>
+        <p:spPr/>
+        <p:txBody>
+          <a:bodyPr/>
+          <a:lstStyle/>
+          <a:p>
+            <a:r>
+              <a:rPr lang="en-US" altLang="zh-CN" dirty="0" err="1" smtClean="0"/>
+              <a:t>EhCache</a:t>
+            </a:r>
+            <a:r>
+              <a:rPr lang="zh-CN" altLang="en-US" dirty="0" smtClean="0"/>
+              <a:t>的</a:t>
+            </a:r>
+            <a:r>
+              <a:rPr lang="en-US" altLang="zh-CN" dirty="0" smtClean="0"/>
+              <a:t>demo</a:t>
+            </a:r>
+            <a:endParaRPr lang="en-US" dirty="0"/>
+          </a:p>
+        </p:txBody>
+      </p:sp>
+      <p:sp>
+        <p:nvSpPr>
+          <p:cNvPr id="3" name="Content Placeholder 2"/>
+          <p:cNvSpPr>
+            <a:spLocks noGrp="1"/>
+          </p:cNvSpPr>
+          <p:nvPr>
+            <p:ph idx="1"/>
+          </p:nvPr>
+        </p:nvSpPr>
+        <p:spPr/>
+        <p:txBody>
+          <a:bodyPr/>
+          <a:lstStyle/>
+          <a:p>
+            <a:endParaRPr lang="en-US"/>
+          </a:p>
+        </p:txBody>
+      </p:sp>
+      <p:pic>
+        <p:nvPicPr>
+          <p:cNvPr id="5" name="Picture 4"/>
+          <p:cNvPicPr>
+            <a:picLocks noChangeAspect="1"/>
+          </p:cNvPicPr>
+          <p:nvPr/>
+        </p:nvPicPr>
+        <p:blipFill>
+          <a:blip r:embed="rId2"/>
+          <a:stretch>
+            <a:fillRect/>
+          </a:stretch>
+        </p:blipFill>
+        <p:spPr>
+          <a:xfrm>
+            <a:off x="0" y="1825625"/>
+            <a:ext cx="12192000" cy="4290440"/>
+          </a:xfrm>
+          <a:prstGeom prst="rect">
+            <a:avLst/>
+          </a:prstGeom>
+        </p:spPr>
+      </p:pic>
+    </p:spTree>
+    <p:extLst>
+      <p:ext uri="{BB962C8B-B14F-4D97-AF65-F5344CB8AC3E}">
+        <p14:creationId xmlns:p14="http://schemas.microsoft.com/office/powerpoint/2010/main" val="906344872"/>
+      </p:ext>
+    </p:extLst>
+  </p:cSld>
+  <p:clrMapOvr>
+    <a:masterClrMapping/>
+  </p:clrMapOvr>
+  <p:timing>
+    <p:tnLst>
+      <p:par>
+        <p:cTn id="1" dur="indefinite" restart="never" nodeType="tmRoot"/>
+      </p:par>
+    </p:tnLst>
+  </p:timing>
+</p:sld>
+</file>
+
+<file path=ppt/slides/slide28.xml><?xml version="1.0" encoding="utf-8"?>
+<p:sld xmlns:a="http://schemas.openxmlformats.org/drawingml/2006/main" xmlns:r="http://schemas.openxmlformats.org/officeDocument/2006/relationships" xmlns:p="http://schemas.openxmlformats.org/presentationml/2006/main">
+  <p:cSld>
+    <p:spTree>
+      <p:nvGrpSpPr>
+        <p:cNvPr id="1" name=""/>
+        <p:cNvGrpSpPr/>
+        <p:nvPr/>
+      </p:nvGrpSpPr>
+      <p:grpSpPr>
+        <a:xfrm>
+          <a:off x="0" y="0"/>
+          <a:ext cx="0" cy="0"/>
+          <a:chOff x="0" y="0"/>
+          <a:chExt cx="0" cy="0"/>
+        </a:xfrm>
+      </p:grpSpPr>
+      <p:sp>
+        <p:nvSpPr>
+          <p:cNvPr id="2" name="Title 1"/>
+          <p:cNvSpPr>
+            <a:spLocks noGrp="1"/>
+          </p:cNvSpPr>
+          <p:nvPr>
+            <p:ph type="title"/>
+          </p:nvPr>
+        </p:nvSpPr>
+        <p:spPr/>
+        <p:txBody>
+          <a:bodyPr/>
+          <a:lstStyle/>
+          <a:p>
+            <a:r>
+              <a:rPr lang="en-US" altLang="zh-CN" dirty="0" err="1" smtClean="0"/>
+              <a:t>GuavaCache</a:t>
+            </a:r>
+            <a:endParaRPr lang="en-US" dirty="0"/>
+          </a:p>
+        </p:txBody>
+      </p:sp>
+      <p:sp>
+        <p:nvSpPr>
+          <p:cNvPr id="3" name="Content Placeholder 2"/>
+          <p:cNvSpPr>
+            <a:spLocks noGrp="1"/>
+          </p:cNvSpPr>
+          <p:nvPr>
+            <p:ph idx="1"/>
+          </p:nvPr>
+        </p:nvSpPr>
+        <p:spPr/>
+        <p:txBody>
+          <a:bodyPr>
+            <a:normAutofit/>
+          </a:bodyPr>
+          <a:lstStyle/>
+          <a:p>
+            <a:r>
+              <a:rPr lang="en-US" altLang="zh-CN" dirty="0"/>
+              <a:t>Cache</a:t>
+            </a:r>
+            <a:r>
+              <a:rPr lang="zh-CN" altLang="en-US" dirty="0"/>
+              <a:t>（缓存）在很广泛的场景下都是很有用的。比如，当一个值的计算或者检索的代价很大，并且在稍后的特定输入发生后，你将不止一次的需要这个值的时候，就应当考虑使用</a:t>
+            </a:r>
+            <a:r>
+              <a:rPr lang="en-US" altLang="zh-CN" dirty="0"/>
+              <a:t>Cache</a:t>
+            </a:r>
+            <a:r>
+              <a:rPr lang="zh-CN" altLang="en-US" dirty="0"/>
+              <a:t>了。</a:t>
+            </a:r>
+          </a:p>
+          <a:p>
+            <a:r>
+              <a:rPr lang="en-US" altLang="zh-CN" dirty="0"/>
+              <a:t>Cache</a:t>
+            </a:r>
+            <a:r>
+              <a:rPr lang="zh-CN" altLang="en-US" dirty="0"/>
+              <a:t>是和</a:t>
+            </a:r>
+            <a:r>
+              <a:rPr lang="en-US" altLang="zh-CN" dirty="0" err="1"/>
+              <a:t>ConcurrentMap</a:t>
+            </a:r>
+            <a:r>
+              <a:rPr lang="zh-CN" altLang="en-US" dirty="0"/>
+              <a:t>很相像的东西。最本质的不同就是，</a:t>
+            </a:r>
+            <a:r>
+              <a:rPr lang="en-US" altLang="zh-CN" dirty="0" err="1"/>
+              <a:t>ConcurrentMap</a:t>
+            </a:r>
+            <a:r>
+              <a:rPr lang="zh-CN" altLang="en-US" dirty="0"/>
+              <a:t>持有所有被添加进的元素，直到它们专门被移除。从另一方面来说，为了使得内存的使用可控，</a:t>
+            </a:r>
+            <a:r>
+              <a:rPr lang="en-US" altLang="zh-CN" dirty="0"/>
+              <a:t>Cache</a:t>
+            </a:r>
+            <a:r>
+              <a:rPr lang="zh-CN" altLang="en-US" dirty="0"/>
+              <a:t>通常来说是可配置来自动回收元素的。在一些情况下，即使</a:t>
+            </a:r>
+            <a:r>
+              <a:rPr lang="en-US" altLang="zh-CN" dirty="0" err="1"/>
+              <a:t>LoadingCache</a:t>
+            </a:r>
+            <a:r>
+              <a:rPr lang="zh-CN" altLang="en-US" dirty="0"/>
+              <a:t>也会很有用，虽然由于他的自动缓存加载机制，它不回收元素</a:t>
+            </a:r>
+            <a:r>
+              <a:rPr lang="zh-CN" altLang="en-US" dirty="0" smtClean="0"/>
+              <a:t>。</a:t>
+            </a:r>
+            <a:endParaRPr lang="zh-CN" altLang="en-US" dirty="0"/>
+          </a:p>
+        </p:txBody>
+      </p:sp>
+    </p:spTree>
+    <p:extLst>
+      <p:ext uri="{BB962C8B-B14F-4D97-AF65-F5344CB8AC3E}">
+        <p14:creationId xmlns:p14="http://schemas.microsoft.com/office/powerpoint/2010/main" val="1851734833"/>
+      </p:ext>
+    </p:extLst>
+  </p:cSld>
+  <p:clrMapOvr>
+    <a:masterClrMapping/>
+  </p:clrMapOvr>
+  <p:timing>
+    <p:tnLst>
+      <p:par>
+        <p:cTn id="1" dur="indefinite" restart="never" nodeType="tmRoot"/>
+      </p:par>
+    </p:tnLst>
+  </p:timing>
+</p:sld>
+</file>
+
+<file path=ppt/slides/slide29.xml><?xml version="1.0" encoding="utf-8"?>
+<p:sld xmlns:a="http://schemas.openxmlformats.org/drawingml/2006/main" xmlns:r="http://schemas.openxmlformats.org/officeDocument/2006/relationships" xmlns:p="http://schemas.openxmlformats.org/presentationml/2006/main">
+  <p:cSld>
+    <p:spTree>
+      <p:nvGrpSpPr>
+        <p:cNvPr id="1" name=""/>
+        <p:cNvGrpSpPr/>
+        <p:nvPr/>
+      </p:nvGrpSpPr>
+      <p:grpSpPr>
+        <a:xfrm>
+          <a:off x="0" y="0"/>
+          <a:ext cx="0" cy="0"/>
+          <a:chOff x="0" y="0"/>
+          <a:chExt cx="0" cy="0"/>
+        </a:xfrm>
+      </p:grpSpPr>
+      <p:sp>
+        <p:nvSpPr>
+          <p:cNvPr id="2" name="Title 1"/>
+          <p:cNvSpPr>
+            <a:spLocks noGrp="1"/>
+          </p:cNvSpPr>
+          <p:nvPr>
+            <p:ph type="title"/>
+          </p:nvPr>
+        </p:nvSpPr>
+        <p:spPr/>
+        <p:txBody>
+          <a:bodyPr/>
+          <a:lstStyle/>
+          <a:p>
+            <a:r>
+              <a:rPr lang="en-US" altLang="zh-CN" dirty="0"/>
+              <a:t>Guava Cache</a:t>
+            </a:r>
+            <a:r>
+              <a:rPr lang="zh-CN" altLang="en-US" dirty="0"/>
+              <a:t>组件在下面的场景中适用</a:t>
+            </a:r>
+            <a:endParaRPr lang="en-US" dirty="0"/>
+          </a:p>
+        </p:txBody>
+      </p:sp>
+      <p:sp>
+        <p:nvSpPr>
+          <p:cNvPr id="3" name="Content Placeholder 2"/>
+          <p:cNvSpPr>
+            <a:spLocks noGrp="1"/>
+          </p:cNvSpPr>
+          <p:nvPr>
+            <p:ph idx="1"/>
+          </p:nvPr>
+        </p:nvSpPr>
+        <p:spPr/>
+        <p:txBody>
+          <a:bodyPr>
+            <a:normAutofit/>
+          </a:bodyPr>
+          <a:lstStyle/>
+          <a:p>
+            <a:r>
+              <a:rPr lang="zh-CN" altLang="en-US" dirty="0"/>
+              <a:t>你想花费一些内存来提高速度。 </a:t>
+            </a:r>
+            <a:endParaRPr lang="en-US" altLang="zh-CN" dirty="0" smtClean="0"/>
+          </a:p>
+          <a:p>
+            <a:r>
+              <a:rPr lang="zh-CN" altLang="en-US" dirty="0" smtClean="0"/>
+              <a:t>你</a:t>
+            </a:r>
+            <a:r>
+              <a:rPr lang="zh-CN" altLang="en-US" dirty="0"/>
+              <a:t>预期到一些</a:t>
+            </a:r>
+            <a:r>
+              <a:rPr lang="en-US" altLang="zh-CN" dirty="0"/>
+              <a:t>key</a:t>
+            </a:r>
+            <a:r>
+              <a:rPr lang="zh-CN" altLang="en-US" dirty="0"/>
+              <a:t>的值将被不止一次地被查询</a:t>
+            </a:r>
+            <a:r>
+              <a:rPr lang="zh-CN" altLang="en-US" dirty="0" smtClean="0"/>
+              <a:t>。</a:t>
+            </a:r>
+            <a:endParaRPr lang="en-US" altLang="zh-CN" dirty="0" smtClean="0"/>
+          </a:p>
+          <a:p>
+            <a:r>
+              <a:rPr lang="zh-CN" altLang="en-US" dirty="0" smtClean="0"/>
+              <a:t> </a:t>
+            </a:r>
+            <a:r>
+              <a:rPr lang="zh-CN" altLang="en-US" dirty="0"/>
+              <a:t>你的缓存将不会需要比内存能够存储的数据更多。（</a:t>
+            </a:r>
+            <a:r>
+              <a:rPr lang="en-US" altLang="zh-CN" dirty="0"/>
+              <a:t>Guava Cache</a:t>
+            </a:r>
+            <a:r>
+              <a:rPr lang="zh-CN" altLang="en-US" dirty="0"/>
+              <a:t>对于一个单独运行的应用来说是</a:t>
+            </a:r>
+            <a:r>
+              <a:rPr lang="zh-CN" altLang="en-US" b="1" dirty="0"/>
+              <a:t>本地</a:t>
+            </a:r>
+            <a:r>
+              <a:rPr lang="zh-CN" altLang="en-US" dirty="0"/>
+              <a:t>的。它们不回将数据存储在文件中或者外部服务器上。如果这不适合你的需求，那么考虑使用其它的工具，比如</a:t>
+            </a:r>
+            <a:r>
+              <a:rPr lang="en-US" altLang="zh-CN" dirty="0">
+                <a:hlinkClick r:id="rId2"/>
+              </a:rPr>
+              <a:t>Memcached</a:t>
+            </a:r>
+            <a:r>
+              <a:rPr lang="zh-CN" altLang="en-US" dirty="0" smtClean="0"/>
+              <a:t>）</a:t>
+            </a:r>
+            <a:endParaRPr lang="zh-CN" altLang="en-US" dirty="0"/>
+          </a:p>
+        </p:txBody>
+      </p:sp>
+    </p:spTree>
+    <p:extLst>
+      <p:ext uri="{BB962C8B-B14F-4D97-AF65-F5344CB8AC3E}">
+        <p14:creationId xmlns:p14="http://schemas.microsoft.com/office/powerpoint/2010/main" val="1839535323"/>
+      </p:ext>
+    </p:extLst>
+  </p:cSld>
+  <p:clrMapOvr>
+    <a:masterClrMapping/>
+  </p:clrMapOvr>
+  <p:timing>
+    <p:tnLst>
+      <p:par>
+        <p:cTn id="1" dur="indefinite" restart="never" nodeType="tmRoot"/>
+      </p:par>
+    </p:tnLst>
+  </p:timing>
+</p:sld>
+</file>
+
+<file path=ppt/slides/slide3.xml><?xml version="1.0" encoding="utf-8"?>
+<p:sld xmlns:a="http://schemas.openxmlformats.org/drawingml/2006/main" xmlns:r="http://schemas.openxmlformats.org/officeDocument/2006/relationships" xmlns:p="http://schemas.openxmlformats.org/presentationml/2006/main">
+  <p:cSld>
+    <p:spTree>
+      <p:nvGrpSpPr>
+        <p:cNvPr id="1" name=""/>
+        <p:cNvGrpSpPr/>
+        <p:nvPr/>
+      </p:nvGrpSpPr>
+      <p:grpSpPr>
+        <a:xfrm>
+          <a:off x="0" y="0"/>
+          <a:ext cx="0" cy="0"/>
+          <a:chOff x="0" y="0"/>
+          <a:chExt cx="0" cy="0"/>
+        </a:xfrm>
+      </p:grpSpPr>
+      <p:sp>
+        <p:nvSpPr>
+          <p:cNvPr id="2" name="Title 1"/>
+          <p:cNvSpPr>
+            <a:spLocks noGrp="1"/>
+          </p:cNvSpPr>
+          <p:nvPr>
+            <p:ph type="title"/>
+          </p:nvPr>
+        </p:nvSpPr>
+        <p:spPr/>
+        <p:txBody>
+          <a:bodyPr/>
+          <a:lstStyle/>
+          <a:p>
+            <a:r>
+              <a:rPr lang="en-US" altLang="zh-CN" dirty="0" err="1" smtClean="0"/>
+              <a:t>Thymeleaf</a:t>
+            </a:r>
+            <a:r>
+              <a:rPr lang="zh-CN" altLang="en-US" b="1" dirty="0"/>
+              <a:t>标准表达式</a:t>
+            </a:r>
+            <a:r>
+              <a:rPr lang="zh-CN" altLang="en-US" b="1" dirty="0" smtClean="0"/>
+              <a:t>语法</a:t>
+            </a:r>
+            <a:endParaRPr lang="en-US" dirty="0"/>
+          </a:p>
+        </p:txBody>
+      </p:sp>
+      <p:sp>
+        <p:nvSpPr>
+          <p:cNvPr id="3" name="Content Placeholder 2"/>
+          <p:cNvSpPr>
+            <a:spLocks noGrp="1"/>
+          </p:cNvSpPr>
+          <p:nvPr>
+            <p:ph idx="1"/>
+          </p:nvPr>
+        </p:nvSpPr>
+        <p:spPr/>
+        <p:txBody>
+          <a:bodyPr/>
+          <a:lstStyle/>
+          <a:p>
+            <a:r>
+              <a:rPr lang="en-US" altLang="zh-CN" dirty="0" smtClean="0"/>
+              <a:t>1.</a:t>
+            </a:r>
+            <a:r>
+              <a:rPr lang="zh-CN" altLang="en-US" dirty="0" smtClean="0"/>
+              <a:t>变量</a:t>
+            </a:r>
+            <a:r>
+              <a:rPr lang="zh-CN" altLang="en-US" dirty="0"/>
+              <a:t>表达式</a:t>
+            </a:r>
+          </a:p>
+          <a:p>
+            <a:r>
+              <a:rPr lang="en-US" altLang="zh-CN" dirty="0"/>
+              <a:t>2.</a:t>
+            </a:r>
+            <a:r>
+              <a:rPr lang="zh-CN" altLang="en-US" dirty="0"/>
+              <a:t>选择或星号表达式</a:t>
+            </a:r>
+          </a:p>
+          <a:p>
+            <a:r>
+              <a:rPr lang="en-US" altLang="zh-CN" dirty="0"/>
+              <a:t>3.</a:t>
+            </a:r>
+            <a:r>
+              <a:rPr lang="zh-CN" altLang="en-US" dirty="0"/>
+              <a:t>文字国际化表达式</a:t>
+            </a:r>
+          </a:p>
+          <a:p>
+            <a:r>
+              <a:rPr lang="en-US" altLang="zh-CN" dirty="0"/>
+              <a:t>4.URL </a:t>
+            </a:r>
+            <a:r>
+              <a:rPr lang="zh-CN" altLang="en-US" dirty="0"/>
+              <a:t>表达式</a:t>
+            </a:r>
+          </a:p>
+          <a:p>
+            <a:endParaRPr lang="en-US" dirty="0"/>
+          </a:p>
+        </p:txBody>
+      </p:sp>
+    </p:spTree>
+    <p:extLst>
+      <p:ext uri="{BB962C8B-B14F-4D97-AF65-F5344CB8AC3E}">
+        <p14:creationId xmlns:p14="http://schemas.microsoft.com/office/powerpoint/2010/main" val="241874327"/>
+      </p:ext>
+    </p:extLst>
+  </p:cSld>
+  <p:clrMapOvr>
+    <a:masterClrMapping/>
+  </p:clrMapOvr>
+  <p:timing>
+    <p:tnLst>
+      <p:par>
+        <p:cTn id="1" dur="indefinite" restart="never" nodeType="tmRoot"/>
+      </p:par>
+    </p:tnLst>
+  </p:timing>
+</p:sld>
+</file>
+
+<file path=ppt/slides/slide30.xml><?xml version="1.0" encoding="utf-8"?>
+<p:sld xmlns:a="http://schemas.openxmlformats.org/drawingml/2006/main" xmlns:r="http://schemas.openxmlformats.org/officeDocument/2006/relationships" xmlns:p="http://schemas.openxmlformats.org/presentationml/2006/main">
+  <p:cSld>
+    <p:spTree>
+      <p:nvGrpSpPr>
+        <p:cNvPr id="1" name=""/>
+        <p:cNvGrpSpPr/>
+        <p:nvPr/>
+      </p:nvGrpSpPr>
+      <p:grpSpPr>
+        <a:xfrm>
+          <a:off x="0" y="0"/>
+          <a:ext cx="0" cy="0"/>
+          <a:chOff x="0" y="0"/>
+          <a:chExt cx="0" cy="0"/>
+        </a:xfrm>
+      </p:grpSpPr>
+      <p:sp>
+        <p:nvSpPr>
+          <p:cNvPr id="2" name="Title 1"/>
+          <p:cNvSpPr>
+            <a:spLocks noGrp="1"/>
+          </p:cNvSpPr>
+          <p:nvPr>
+            <p:ph type="title"/>
+          </p:nvPr>
+        </p:nvSpPr>
+        <p:spPr/>
+        <p:txBody>
+          <a:bodyPr/>
+          <a:lstStyle/>
+          <a:p>
+            <a:r>
+              <a:rPr lang="en-US" altLang="zh-CN" dirty="0" smtClean="0"/>
+              <a:t>Guava</a:t>
+            </a:r>
+            <a:r>
+              <a:rPr lang="zh-CN" altLang="en-US" dirty="0" smtClean="0"/>
+              <a:t> </a:t>
+            </a:r>
+            <a:r>
+              <a:rPr lang="en-US" altLang="zh-CN" dirty="0" smtClean="0"/>
+              <a:t>Cache</a:t>
+            </a:r>
+            <a:endParaRPr lang="en-US" dirty="0"/>
+          </a:p>
+        </p:txBody>
+      </p:sp>
+      <p:sp>
+        <p:nvSpPr>
+          <p:cNvPr id="3" name="Content Placeholder 2"/>
+          <p:cNvSpPr>
+            <a:spLocks noGrp="1"/>
+          </p:cNvSpPr>
+          <p:nvPr>
+            <p:ph idx="1"/>
+          </p:nvPr>
+        </p:nvSpPr>
+        <p:spPr/>
+        <p:txBody>
+          <a:bodyPr/>
+          <a:lstStyle/>
+          <a:p>
+            <a:endParaRPr lang="en-US" dirty="0"/>
+          </a:p>
+        </p:txBody>
+      </p:sp>
+      <p:pic>
+        <p:nvPicPr>
+          <p:cNvPr id="4" name="Picture 3"/>
+          <p:cNvPicPr>
+            <a:picLocks noChangeAspect="1"/>
+          </p:cNvPicPr>
+          <p:nvPr/>
+        </p:nvPicPr>
+        <p:blipFill>
+          <a:blip r:embed="rId2"/>
+          <a:stretch>
+            <a:fillRect/>
+          </a:stretch>
+        </p:blipFill>
+        <p:spPr>
+          <a:xfrm>
+            <a:off x="864024" y="2167731"/>
+            <a:ext cx="10463952" cy="3667125"/>
+          </a:xfrm>
+          <a:prstGeom prst="rect">
+            <a:avLst/>
+          </a:prstGeom>
+        </p:spPr>
+      </p:pic>
+    </p:spTree>
+    <p:extLst>
+      <p:ext uri="{BB962C8B-B14F-4D97-AF65-F5344CB8AC3E}">
+        <p14:creationId xmlns:p14="http://schemas.microsoft.com/office/powerpoint/2010/main" val="763819494"/>
+      </p:ext>
+    </p:extLst>
+  </p:cSld>
+  <p:clrMapOvr>
+    <a:masterClrMapping/>
+  </p:clrMapOvr>
+  <p:timing>
+    <p:tnLst>
+      <p:par>
+        <p:cTn id="1" dur="indefinite" restart="never" nodeType="tmRoot"/>
+      </p:par>
+    </p:tnLst>
+  </p:timing>
+</p:sld>
+</file>
+
+<file path=ppt/slides/slide31.xml><?xml version="1.0" encoding="utf-8"?>
+<p:sld xmlns:a="http://schemas.openxmlformats.org/drawingml/2006/main" xmlns:r="http://schemas.openxmlformats.org/officeDocument/2006/relationships" xmlns:p="http://schemas.openxmlformats.org/presentationml/2006/main">
+  <p:cSld>
+    <p:spTree>
+      <p:nvGrpSpPr>
+        <p:cNvPr id="1" name=""/>
+        <p:cNvGrpSpPr/>
+        <p:nvPr/>
+      </p:nvGrpSpPr>
+      <p:grpSpPr>
+        <a:xfrm>
+          <a:off x="0" y="0"/>
+          <a:ext cx="0" cy="0"/>
+          <a:chOff x="0" y="0"/>
+          <a:chExt cx="0" cy="0"/>
+        </a:xfrm>
+      </p:grpSpPr>
+      <p:sp>
+        <p:nvSpPr>
+          <p:cNvPr id="2" name="Title 1"/>
+          <p:cNvSpPr>
+            <a:spLocks noGrp="1"/>
+          </p:cNvSpPr>
+          <p:nvPr>
+            <p:ph type="title"/>
+          </p:nvPr>
+        </p:nvSpPr>
+        <p:spPr/>
+        <p:txBody>
+          <a:bodyPr/>
+          <a:lstStyle/>
+          <a:p>
+            <a:r>
+              <a:rPr lang="en-US" altLang="zh-CN" dirty="0" err="1" smtClean="0"/>
+              <a:t>getUserWithCache</a:t>
+            </a:r>
+            <a:endParaRPr lang="en-US" dirty="0"/>
+          </a:p>
+        </p:txBody>
+      </p:sp>
+      <p:sp>
+        <p:nvSpPr>
+          <p:cNvPr id="3" name="Content Placeholder 2"/>
+          <p:cNvSpPr>
+            <a:spLocks noGrp="1"/>
+          </p:cNvSpPr>
+          <p:nvPr>
+            <p:ph idx="1"/>
+          </p:nvPr>
+        </p:nvSpPr>
+        <p:spPr/>
+        <p:txBody>
+          <a:bodyPr/>
+          <a:lstStyle/>
+          <a:p>
+            <a:endParaRPr lang="en-US"/>
+          </a:p>
+        </p:txBody>
+      </p:sp>
+      <p:pic>
+        <p:nvPicPr>
+          <p:cNvPr id="4" name="Picture 3"/>
+          <p:cNvPicPr>
+            <a:picLocks noChangeAspect="1"/>
+          </p:cNvPicPr>
+          <p:nvPr/>
+        </p:nvPicPr>
+        <p:blipFill>
+          <a:blip r:embed="rId2"/>
+          <a:stretch>
+            <a:fillRect/>
+          </a:stretch>
+        </p:blipFill>
+        <p:spPr>
+          <a:xfrm>
+            <a:off x="838200" y="1503583"/>
+            <a:ext cx="9920288" cy="4995422"/>
+          </a:xfrm>
+          <a:prstGeom prst="rect">
+            <a:avLst/>
+          </a:prstGeom>
+        </p:spPr>
+      </p:pic>
+    </p:spTree>
+    <p:extLst>
+      <p:ext uri="{BB962C8B-B14F-4D97-AF65-F5344CB8AC3E}">
+        <p14:creationId xmlns:p14="http://schemas.microsoft.com/office/powerpoint/2010/main" val="262573906"/>
+      </p:ext>
+    </p:extLst>
+  </p:cSld>
+  <p:clrMapOvr>
+    <a:masterClrMapping/>
+  </p:clrMapOvr>
+  <p:timing>
+    <p:tnLst>
+      <p:par>
+        <p:cTn id="1" dur="indefinite" restart="never" nodeType="tmRoot"/>
+      </p:par>
+    </p:tnLst>
+  </p:timing>
+</p:sld>
+</file>
+
+<file path=ppt/slides/slide32.xml><?xml version="1.0" encoding="utf-8"?>
+<p:sld xmlns:a="http://schemas.openxmlformats.org/drawingml/2006/main" xmlns:r="http://schemas.openxmlformats.org/officeDocument/2006/relationships" xmlns:p="http://schemas.openxmlformats.org/presentationml/2006/main">
+  <p:cSld>
+    <p:spTree>
+      <p:nvGrpSpPr>
+        <p:cNvPr id="1" name=""/>
+        <p:cNvGrpSpPr/>
+        <p:nvPr/>
+      </p:nvGrpSpPr>
+      <p:grpSpPr>
+        <a:xfrm>
+          <a:off x="0" y="0"/>
+          <a:ext cx="0" cy="0"/>
+          <a:chOff x="0" y="0"/>
+          <a:chExt cx="0" cy="0"/>
+        </a:xfrm>
+      </p:grpSpPr>
+      <p:sp>
+        <p:nvSpPr>
+          <p:cNvPr id="2" name="Title 1"/>
+          <p:cNvSpPr>
+            <a:spLocks noGrp="1"/>
+          </p:cNvSpPr>
+          <p:nvPr>
+            <p:ph type="title"/>
+          </p:nvPr>
+        </p:nvSpPr>
+        <p:spPr/>
+        <p:txBody>
+          <a:bodyPr/>
+          <a:lstStyle/>
+          <a:p>
+            <a:r>
+              <a:rPr lang="en-US" altLang="zh-CN" dirty="0" err="1" smtClean="0"/>
+              <a:t>EhCache</a:t>
+            </a:r>
+            <a:r>
+              <a:rPr lang="zh-CN" altLang="en-US" dirty="0" smtClean="0"/>
+              <a:t>和</a:t>
+            </a:r>
+            <a:r>
+              <a:rPr lang="en-US" altLang="zh-CN" dirty="0" err="1" smtClean="0"/>
+              <a:t>GuavaCache</a:t>
+            </a:r>
+            <a:r>
+              <a:rPr lang="zh-CN" altLang="en-US" dirty="0" smtClean="0"/>
+              <a:t>的对比</a:t>
+            </a:r>
+            <a:endParaRPr lang="en-US" dirty="0"/>
+          </a:p>
+        </p:txBody>
+      </p:sp>
+      <p:sp>
+        <p:nvSpPr>
+          <p:cNvPr id="3" name="Content Placeholder 2"/>
+          <p:cNvSpPr>
+            <a:spLocks noGrp="1"/>
+          </p:cNvSpPr>
+          <p:nvPr>
+            <p:ph idx="1"/>
+          </p:nvPr>
+        </p:nvSpPr>
+        <p:spPr>
+          <a:xfrm>
+            <a:off x="838200" y="1825624"/>
+            <a:ext cx="10515600" cy="4860925"/>
+          </a:xfrm>
+        </p:spPr>
+        <p:txBody>
+          <a:bodyPr>
+            <a:normAutofit fontScale="92500" lnSpcReduction="10000"/>
+          </a:bodyPr>
+          <a:lstStyle/>
+          <a:p>
+            <a:r>
+              <a:rPr lang="en-US" altLang="zh-CN" dirty="0" err="1"/>
+              <a:t>Ehcache</a:t>
+            </a:r>
+            <a:r>
+              <a:rPr lang="zh-CN" altLang="en-US" dirty="0"/>
+              <a:t>支持持久化到本地磁盘，</a:t>
+            </a:r>
+            <a:r>
+              <a:rPr lang="en-US" altLang="zh-CN" dirty="0"/>
+              <a:t>Guava</a:t>
+            </a:r>
+            <a:r>
+              <a:rPr lang="zh-CN" altLang="en-US" dirty="0"/>
+              <a:t>不可以；</a:t>
+            </a:r>
+          </a:p>
+          <a:p>
+            <a:r>
+              <a:rPr lang="en-US" altLang="zh-CN" dirty="0" err="1"/>
+              <a:t>Ehcache</a:t>
+            </a:r>
+            <a:r>
+              <a:rPr lang="zh-CN" altLang="en-US" dirty="0"/>
+              <a:t>有现成的集群解决方案，</a:t>
+            </a:r>
+            <a:r>
+              <a:rPr lang="en-US" altLang="zh-CN" dirty="0"/>
+              <a:t>Guava</a:t>
+            </a:r>
+            <a:r>
+              <a:rPr lang="zh-CN" altLang="en-US" dirty="0"/>
+              <a:t>没有。不过个人感觉比较鸡肋，对</a:t>
+            </a:r>
+            <a:r>
+              <a:rPr lang="en-US" altLang="zh-CN" dirty="0"/>
+              <a:t>JVM</a:t>
+            </a:r>
+            <a:r>
+              <a:rPr lang="zh-CN" altLang="en-US" dirty="0"/>
+              <a:t>级别的缓存来讲太重了；</a:t>
+            </a:r>
+          </a:p>
+          <a:p>
+            <a:r>
+              <a:rPr lang="en-US" altLang="zh-CN" dirty="0" err="1"/>
+              <a:t>Ehcache</a:t>
+            </a:r>
+            <a:r>
+              <a:rPr lang="en-US" altLang="zh-CN" dirty="0"/>
+              <a:t> jar</a:t>
+            </a:r>
+            <a:r>
+              <a:rPr lang="zh-CN" altLang="en-US" dirty="0"/>
+              <a:t>包庞大，</a:t>
+            </a:r>
+            <a:r>
+              <a:rPr lang="en-US" altLang="zh-CN" dirty="0"/>
+              <a:t>Guava Cache</a:t>
+            </a:r>
+            <a:r>
+              <a:rPr lang="zh-CN" altLang="en-US" dirty="0"/>
+              <a:t>只是</a:t>
+            </a:r>
+            <a:r>
+              <a:rPr lang="en-US" altLang="zh-CN" dirty="0"/>
+              <a:t>Guava jar</a:t>
+            </a:r>
+            <a:r>
+              <a:rPr lang="zh-CN" altLang="en-US" dirty="0"/>
+              <a:t>包中的工具之一，而且后者远远小于</a:t>
+            </a:r>
+            <a:r>
+              <a:rPr lang="en-US" altLang="zh-CN" dirty="0" err="1"/>
+              <a:t>Ehcache</a:t>
+            </a:r>
+            <a:r>
+              <a:rPr lang="zh-CN" altLang="en-US" dirty="0"/>
+              <a:t>；</a:t>
+            </a:r>
+          </a:p>
+          <a:p>
+            <a:r>
+              <a:rPr lang="zh-CN" altLang="en-US" dirty="0"/>
+              <a:t>两种缓存当缓存过期或者没有命中的时候都可以通过</a:t>
+            </a:r>
+            <a:r>
+              <a:rPr lang="en-US" altLang="zh-CN" dirty="0"/>
+              <a:t>load</a:t>
+            </a:r>
+            <a:r>
+              <a:rPr lang="zh-CN" altLang="en-US" dirty="0"/>
+              <a:t>接口重载数据，调用方式略有不同。两者的主要区别是</a:t>
+            </a:r>
+            <a:r>
+              <a:rPr lang="en-US" altLang="zh-CN" dirty="0" err="1"/>
+              <a:t>Ehcache</a:t>
+            </a:r>
+            <a:r>
+              <a:rPr lang="zh-CN" altLang="en-US" dirty="0"/>
+              <a:t>的缓存</a:t>
+            </a:r>
+            <a:r>
+              <a:rPr lang="en-US" altLang="zh-CN" dirty="0"/>
+              <a:t>load</a:t>
+            </a:r>
+            <a:r>
+              <a:rPr lang="zh-CN" altLang="en-US" dirty="0"/>
+              <a:t>的时候，允许用户返回</a:t>
+            </a:r>
+            <a:r>
+              <a:rPr lang="en-US" altLang="zh-CN" dirty="0"/>
+              <a:t>null</a:t>
+            </a:r>
+            <a:r>
+              <a:rPr lang="zh-CN" altLang="en-US" dirty="0"/>
+              <a:t>，而</a:t>
+            </a:r>
+            <a:r>
+              <a:rPr lang="en-US" altLang="zh-CN" dirty="0"/>
+              <a:t>Guava Cache</a:t>
+            </a:r>
+            <a:r>
+              <a:rPr lang="zh-CN" altLang="en-US" dirty="0"/>
+              <a:t>则不允许返回为</a:t>
+            </a:r>
+            <a:r>
+              <a:rPr lang="en-US" altLang="zh-CN" dirty="0"/>
+              <a:t>null</a:t>
+            </a:r>
+            <a:r>
+              <a:rPr lang="zh-CN" altLang="en-US" dirty="0"/>
+              <a:t>，因为</a:t>
+            </a:r>
+            <a:r>
+              <a:rPr lang="en-US" altLang="zh-CN" dirty="0"/>
+              <a:t>Guava Cache</a:t>
+            </a:r>
+            <a:r>
+              <a:rPr lang="zh-CN" altLang="en-US" dirty="0"/>
+              <a:t>是根据</a:t>
+            </a:r>
+            <a:r>
+              <a:rPr lang="en-US" altLang="zh-CN" dirty="0"/>
+              <a:t>value</a:t>
+            </a:r>
+            <a:r>
+              <a:rPr lang="zh-CN" altLang="en-US" dirty="0"/>
+              <a:t>的值是否为</a:t>
+            </a:r>
+            <a:r>
+              <a:rPr lang="en-US" altLang="zh-CN" dirty="0"/>
+              <a:t>null</a:t>
+            </a:r>
+            <a:r>
+              <a:rPr lang="zh-CN" altLang="en-US" dirty="0"/>
+              <a:t>来判断是否需要</a:t>
+            </a:r>
+            <a:r>
+              <a:rPr lang="en-US" altLang="zh-CN" dirty="0"/>
+              <a:t>load</a:t>
+            </a:r>
+            <a:r>
+              <a:rPr lang="zh-CN" altLang="en-US" dirty="0"/>
+              <a:t>，所以不允许返回为</a:t>
+            </a:r>
+            <a:r>
+              <a:rPr lang="en-US" altLang="zh-CN" dirty="0"/>
+              <a:t>null</a:t>
+            </a:r>
+            <a:r>
+              <a:rPr lang="zh-CN" altLang="en-US" dirty="0"/>
+              <a:t>，但是使用的时候可以使用空对象替换。不允许返回</a:t>
+            </a:r>
+            <a:r>
+              <a:rPr lang="en-US" altLang="zh-CN" dirty="0"/>
+              <a:t>null</a:t>
+            </a:r>
+            <a:r>
+              <a:rPr lang="zh-CN" altLang="en-US" dirty="0"/>
+              <a:t>是一个很好的考虑；</a:t>
+            </a:r>
+          </a:p>
+          <a:p>
+            <a:r>
+              <a:rPr lang="en-US" altLang="zh-CN" dirty="0" err="1"/>
+              <a:t>Ehcache</a:t>
+            </a:r>
+            <a:r>
+              <a:rPr lang="zh-CN" altLang="en-US" dirty="0"/>
+              <a:t>有内存占用大小统计，</a:t>
+            </a:r>
+            <a:r>
+              <a:rPr lang="en-US" altLang="zh-CN" dirty="0"/>
+              <a:t>Guava Cache</a:t>
+            </a:r>
+            <a:r>
+              <a:rPr lang="zh-CN" altLang="en-US" dirty="0"/>
+              <a:t>没有，需要自己开发；</a:t>
+            </a:r>
+          </a:p>
+          <a:p>
+            <a:r>
+              <a:rPr lang="en-US" altLang="zh-CN" dirty="0" err="1"/>
+              <a:t>Ehcache</a:t>
+            </a:r>
+            <a:r>
+              <a:rPr lang="zh-CN" altLang="en-US" dirty="0"/>
+              <a:t>在</a:t>
+            </a:r>
+            <a:r>
+              <a:rPr lang="en-US" altLang="zh-CN" dirty="0"/>
+              <a:t>put</a:t>
+            </a:r>
+            <a:r>
+              <a:rPr lang="zh-CN" altLang="en-US" dirty="0"/>
+              <a:t>缓存的时候，对</a:t>
+            </a:r>
+            <a:r>
+              <a:rPr lang="en-US" altLang="zh-CN" dirty="0"/>
+              <a:t>K</a:t>
+            </a:r>
+            <a:r>
+              <a:rPr lang="zh-CN" altLang="en-US" dirty="0"/>
+              <a:t>、</a:t>
+            </a:r>
+            <a:r>
+              <a:rPr lang="en-US" altLang="zh-CN" dirty="0"/>
+              <a:t>V</a:t>
+            </a:r>
+            <a:r>
+              <a:rPr lang="zh-CN" altLang="en-US" dirty="0"/>
+              <a:t>都做了包装，对</a:t>
+            </a:r>
+            <a:r>
+              <a:rPr lang="en-US" altLang="zh-CN" dirty="0"/>
+              <a:t>GC</a:t>
+            </a:r>
+            <a:r>
+              <a:rPr lang="zh-CN" altLang="en-US" dirty="0"/>
+              <a:t>有一定影响。</a:t>
+            </a:r>
+          </a:p>
+          <a:p>
+            <a:endParaRPr lang="en-US" dirty="0"/>
+          </a:p>
+        </p:txBody>
+      </p:sp>
+    </p:spTree>
+    <p:extLst>
+      <p:ext uri="{BB962C8B-B14F-4D97-AF65-F5344CB8AC3E}">
+        <p14:creationId xmlns:p14="http://schemas.microsoft.com/office/powerpoint/2010/main" val="984486472"/>
+      </p:ext>
+    </p:extLst>
+  </p:cSld>
+  <p:clrMapOvr>
+    <a:masterClrMapping/>
+  </p:clrMapOvr>
+  <p:timing>
+    <p:tnLst>
+      <p:par>
+        <p:cTn id="1" dur="indefinite" restart="never" nodeType="tmRoot"/>
+      </p:par>
+    </p:tnLst>
+  </p:timing>
+</p:sld>
+</file>
+
+<file path=ppt/slides/slide33.xml><?xml version="1.0" encoding="utf-8"?>
+<p:sld xmlns:a="http://schemas.openxmlformats.org/drawingml/2006/main" xmlns:r="http://schemas.openxmlformats.org/officeDocument/2006/relationships" xmlns:p="http://schemas.openxmlformats.org/presentationml/2006/main">
+  <p:cSld>
+    <p:spTree>
+      <p:nvGrpSpPr>
+        <p:cNvPr id="1" name=""/>
+        <p:cNvGrpSpPr/>
+        <p:nvPr/>
+      </p:nvGrpSpPr>
+      <p:grpSpPr>
+        <a:xfrm>
+          <a:off x="0" y="0"/>
+          <a:ext cx="0" cy="0"/>
+          <a:chOff x="0" y="0"/>
+          <a:chExt cx="0" cy="0"/>
+        </a:xfrm>
+      </p:grpSpPr>
+      <p:sp>
+        <p:nvSpPr>
+          <p:cNvPr id="2" name="Title 1"/>
+          <p:cNvSpPr>
+            <a:spLocks noGrp="1"/>
+          </p:cNvSpPr>
+          <p:nvPr>
+            <p:ph type="title"/>
+          </p:nvPr>
+        </p:nvSpPr>
+        <p:spPr/>
+        <p:txBody>
+          <a:bodyPr/>
+          <a:lstStyle/>
+          <a:p>
+            <a:r>
+              <a:rPr lang="en-US" b="1" dirty="0" err="1"/>
+              <a:t>什么时候适用</a:t>
+            </a:r>
+            <a:r>
+              <a:rPr lang="en-US" b="1" dirty="0" err="1" smtClean="0"/>
+              <a:t>Ehcache</a:t>
+            </a:r>
+            <a:r>
+              <a:rPr lang="en-US" altLang="zh-CN" b="1" dirty="0" smtClean="0"/>
+              <a:t>/Guava</a:t>
+            </a:r>
+            <a:endParaRPr lang="en-US" dirty="0"/>
+          </a:p>
+        </p:txBody>
+      </p:sp>
+      <p:sp>
+        <p:nvSpPr>
+          <p:cNvPr id="3" name="Content Placeholder 2"/>
+          <p:cNvSpPr>
+            <a:spLocks noGrp="1"/>
+          </p:cNvSpPr>
+          <p:nvPr>
+            <p:ph idx="1"/>
+          </p:nvPr>
+        </p:nvSpPr>
+        <p:spPr/>
+        <p:txBody>
+          <a:bodyPr/>
+          <a:lstStyle/>
+          <a:p>
+            <a:r>
+              <a:rPr lang="zh-CN" altLang="en-US" b="1" dirty="0"/>
+              <a:t>适用</a:t>
+            </a:r>
+            <a:r>
+              <a:rPr lang="en-US" altLang="zh-CN" b="1" dirty="0" err="1"/>
+              <a:t>Ehcache</a:t>
+            </a:r>
+            <a:r>
+              <a:rPr lang="zh-CN" altLang="en-US" b="1" dirty="0"/>
+              <a:t>的情况</a:t>
+            </a:r>
+            <a:endParaRPr lang="zh-CN" altLang="en-US" dirty="0"/>
+          </a:p>
+          <a:p>
+            <a:pPr lvl="1"/>
+            <a:r>
+              <a:rPr lang="zh-CN" altLang="en-US" dirty="0"/>
+              <a:t>需要持久化持久化。使用持久化功能需要，缓存稳定，以免持久化的数据不准确影响结果。</a:t>
+            </a:r>
+          </a:p>
+          <a:p>
+            <a:pPr lvl="1"/>
+            <a:r>
+              <a:rPr lang="zh-CN" altLang="en-US" dirty="0"/>
+              <a:t>有集群解决方案。</a:t>
+            </a:r>
+          </a:p>
+          <a:p>
+            <a:r>
+              <a:rPr lang="zh-CN" altLang="en-US" b="1" dirty="0"/>
+              <a:t>适用</a:t>
+            </a:r>
+            <a:r>
+              <a:rPr lang="en-US" altLang="zh-CN" b="1" dirty="0"/>
+              <a:t>Guava cache</a:t>
+            </a:r>
+            <a:r>
+              <a:rPr lang="zh-CN" altLang="en-US" b="1" dirty="0"/>
+              <a:t>的</a:t>
+            </a:r>
+            <a:r>
+              <a:rPr lang="zh-CN" altLang="en-US" b="1" dirty="0" smtClean="0"/>
+              <a:t>情况</a:t>
+            </a:r>
+            <a:endParaRPr lang="en-US" altLang="zh-CN" dirty="0"/>
+          </a:p>
+          <a:p>
+            <a:pPr lvl="1"/>
+            <a:r>
+              <a:rPr lang="en-US" altLang="zh-CN" dirty="0" smtClean="0"/>
+              <a:t>Guava cache</a:t>
+            </a:r>
+            <a:r>
+              <a:rPr lang="zh-CN" altLang="en-US" dirty="0" smtClean="0"/>
+              <a:t>说简单点就是一个支持</a:t>
+            </a:r>
+            <a:r>
+              <a:rPr lang="en-US" altLang="zh-CN" dirty="0" smtClean="0"/>
+              <a:t>LRU</a:t>
+            </a:r>
+            <a:r>
+              <a:rPr lang="zh-CN" altLang="en-US" dirty="0" smtClean="0"/>
+              <a:t>的</a:t>
+            </a:r>
+            <a:r>
+              <a:rPr lang="en-US" altLang="zh-CN" dirty="0" err="1" smtClean="0"/>
+              <a:t>ConCurrentHashMap</a:t>
+            </a:r>
+            <a:r>
+              <a:rPr lang="zh-CN" altLang="en-US" dirty="0" smtClean="0"/>
+              <a:t>，它没有</a:t>
+            </a:r>
+            <a:r>
+              <a:rPr lang="en-US" altLang="zh-CN" dirty="0" err="1" smtClean="0"/>
+              <a:t>Ehcache</a:t>
+            </a:r>
+            <a:r>
+              <a:rPr lang="zh-CN" altLang="en-US" dirty="0" smtClean="0"/>
+              <a:t>那么多的各种特性，只是提供了增、删、改、查、刷新规则和时效规则设定等最基本的元素。做一个</a:t>
+            </a:r>
+            <a:r>
+              <a:rPr lang="en-US" altLang="zh-CN" dirty="0" smtClean="0"/>
+              <a:t>jar</a:t>
+            </a:r>
+            <a:r>
+              <a:rPr lang="zh-CN" altLang="en-US" dirty="0" smtClean="0"/>
+              <a:t>包中的一个功能之一，</a:t>
+            </a:r>
+            <a:r>
+              <a:rPr lang="en-US" altLang="zh-CN" dirty="0" smtClean="0"/>
+              <a:t>Guava cache</a:t>
+            </a:r>
+            <a:r>
+              <a:rPr lang="zh-CN" altLang="en-US" dirty="0" smtClean="0"/>
+              <a:t>极度简洁并能满足觉大部分人的要求。</a:t>
+            </a:r>
+            <a:endParaRPr lang="zh-CN" altLang="en-US" dirty="0"/>
+          </a:p>
+        </p:txBody>
+      </p:sp>
+    </p:spTree>
+    <p:extLst>
+      <p:ext uri="{BB962C8B-B14F-4D97-AF65-F5344CB8AC3E}">
+        <p14:creationId xmlns:p14="http://schemas.microsoft.com/office/powerpoint/2010/main" val="719266516"/>
+      </p:ext>
+    </p:extLst>
+  </p:cSld>
+  <p:clrMapOvr>
+    <a:masterClrMapping/>
+  </p:clrMapOvr>
+  <p:timing>
+    <p:tnLst>
+      <p:par>
+        <p:cTn id="1" dur="indefinite" restart="never" nodeType="tmRoot"/>
+      </p:par>
+    </p:tnLst>
+  </p:timing>
+</p:sld>
+</file>
+
+<file path=ppt/slides/slide34.xml><?xml version="1.0" encoding="utf-8"?>
+<p:sld xmlns:a="http://schemas.openxmlformats.org/drawingml/2006/main" xmlns:r="http://schemas.openxmlformats.org/officeDocument/2006/relationships" xmlns:p="http://schemas.openxmlformats.org/presentationml/2006/main">
+  <p:cSld>
+    <p:spTree>
+      <p:nvGrpSpPr>
+        <p:cNvPr id="1" name=""/>
+        <p:cNvGrpSpPr/>
+        <p:nvPr/>
+      </p:nvGrpSpPr>
+      <p:grpSpPr>
+        <a:xfrm>
+          <a:off x="0" y="0"/>
+          <a:ext cx="0" cy="0"/>
+          <a:chOff x="0" y="0"/>
+          <a:chExt cx="0" cy="0"/>
+        </a:xfrm>
+      </p:grpSpPr>
+      <p:sp>
+        <p:nvSpPr>
+          <p:cNvPr id="2" name="Title 1"/>
+          <p:cNvSpPr>
+            <a:spLocks noGrp="1"/>
+          </p:cNvSpPr>
+          <p:nvPr>
+            <p:ph type="title"/>
+          </p:nvPr>
+        </p:nvSpPr>
+        <p:spPr/>
+        <p:txBody>
+          <a:bodyPr/>
+          <a:lstStyle/>
+          <a:p>
+            <a:r>
+              <a:rPr lang="en-US" altLang="zh-CN" dirty="0" err="1" smtClean="0"/>
+              <a:t>SpringBoot</a:t>
+            </a:r>
+            <a:r>
+              <a:rPr lang="zh-CN" altLang="en-US" dirty="0" smtClean="0"/>
+              <a:t>集成</a:t>
+            </a:r>
+            <a:r>
+              <a:rPr lang="en-US" altLang="zh-CN" dirty="0" err="1" smtClean="0"/>
+              <a:t>GuavaCache</a:t>
+            </a:r>
+            <a:endParaRPr lang="en-US" dirty="0"/>
+          </a:p>
+        </p:txBody>
+      </p:sp>
+      <p:sp>
+        <p:nvSpPr>
+          <p:cNvPr id="3" name="Content Placeholder 2"/>
+          <p:cNvSpPr>
+            <a:spLocks noGrp="1"/>
+          </p:cNvSpPr>
+          <p:nvPr>
+            <p:ph idx="1"/>
+          </p:nvPr>
+        </p:nvSpPr>
+        <p:spPr/>
+        <p:txBody>
+          <a:bodyPr/>
+          <a:lstStyle/>
+          <a:p>
+            <a:r>
+              <a:rPr lang="zh-CN" altLang="en-US" dirty="0" smtClean="0"/>
+              <a:t>配置</a:t>
+            </a:r>
+            <a:r>
+              <a:rPr lang="en-US" altLang="zh-CN" dirty="0" err="1" smtClean="0"/>
+              <a:t>CacheManager</a:t>
+            </a:r>
+            <a:endParaRPr lang="en-US" dirty="0"/>
+          </a:p>
+        </p:txBody>
+      </p:sp>
+    </p:spTree>
+    <p:extLst>
+      <p:ext uri="{BB962C8B-B14F-4D97-AF65-F5344CB8AC3E}">
+        <p14:creationId xmlns:p14="http://schemas.microsoft.com/office/powerpoint/2010/main" val="1865591925"/>
+      </p:ext>
+    </p:extLst>
+  </p:cSld>
+  <p:clrMapOvr>
+    <a:masterClrMapping/>
+  </p:clrMapOvr>
+  <p:timing>
+    <p:tnLst>
+      <p:par>
+        <p:cTn id="1" dur="indefinite" restart="never" nodeType="tmRoot"/>
+      </p:par>
+    </p:tnLst>
+  </p:timing>
+</p:sld>
+</file>
+
+<file path=ppt/slides/slide35.xml><?xml version="1.0" encoding="utf-8"?>
+<p:sld xmlns:a="http://schemas.openxmlformats.org/drawingml/2006/main" xmlns:r="http://schemas.openxmlformats.org/officeDocument/2006/relationships" xmlns:p="http://schemas.openxmlformats.org/presentationml/2006/main">
+  <p:cSld>
+    <p:spTree>
+      <p:nvGrpSpPr>
+        <p:cNvPr id="1" name=""/>
+        <p:cNvGrpSpPr/>
+        <p:nvPr/>
+      </p:nvGrpSpPr>
+      <p:grpSpPr>
+        <a:xfrm>
+          <a:off x="0" y="0"/>
+          <a:ext cx="0" cy="0"/>
+          <a:chOff x="0" y="0"/>
+          <a:chExt cx="0" cy="0"/>
+        </a:xfrm>
+      </p:grpSpPr>
+      <p:sp>
+        <p:nvSpPr>
+          <p:cNvPr id="2" name="Title 1"/>
+          <p:cNvSpPr>
+            <a:spLocks noGrp="1"/>
+          </p:cNvSpPr>
+          <p:nvPr>
+            <p:ph type="title"/>
+          </p:nvPr>
+        </p:nvSpPr>
+        <p:spPr/>
+        <p:txBody>
+          <a:bodyPr/>
+          <a:lstStyle/>
+          <a:p>
+            <a:r>
+              <a:rPr lang="en-US" altLang="zh-CN" dirty="0" err="1" smtClean="0"/>
+              <a:t>Springboot</a:t>
+            </a:r>
+            <a:r>
+              <a:rPr lang="zh-CN" altLang="en-US" dirty="0" smtClean="0"/>
+              <a:t>定时任务</a:t>
+            </a:r>
+            <a:endParaRPr lang="en-US" dirty="0"/>
+          </a:p>
+        </p:txBody>
+      </p:sp>
+      <p:sp>
+        <p:nvSpPr>
+          <p:cNvPr id="3" name="Content Placeholder 2"/>
+          <p:cNvSpPr>
+            <a:spLocks noGrp="1"/>
+          </p:cNvSpPr>
+          <p:nvPr>
+            <p:ph idx="1"/>
+          </p:nvPr>
+        </p:nvSpPr>
+        <p:spPr/>
+        <p:txBody>
+          <a:bodyPr/>
+          <a:lstStyle/>
+          <a:p>
+            <a:endParaRPr lang="en-US"/>
+          </a:p>
+        </p:txBody>
+      </p:sp>
+    </p:spTree>
+    <p:extLst>
+      <p:ext uri="{BB962C8B-B14F-4D97-AF65-F5344CB8AC3E}">
+        <p14:creationId xmlns:p14="http://schemas.microsoft.com/office/powerpoint/2010/main" val="133459108"/>
+      </p:ext>
+    </p:extLst>
+  </p:cSld>
+  <p:clrMapOvr>
+    <a:masterClrMapping/>
+  </p:clrMapOvr>
+  <p:timing>
+    <p:tnLst>
+      <p:par>
+        <p:cTn id="1" dur="indefinite" restart="never" nodeType="tmRoot"/>
+      </p:par>
+    </p:tnLst>
+  </p:timing>
+</p:sld>
+</file>
+
+<file path=ppt/slides/slide4.xml><?xml version="1.0" encoding="utf-8"?>
+<p:sld xmlns:a="http://schemas.openxmlformats.org/drawingml/2006/main" xmlns:r="http://schemas.openxmlformats.org/officeDocument/2006/relationships" xmlns:p="http://schemas.openxmlformats.org/presentationml/2006/main">
+  <p:cSld>
+    <p:spTree>
+      <p:nvGrpSpPr>
+        <p:cNvPr id="1" name=""/>
+        <p:cNvGrpSpPr/>
+        <p:nvPr/>
+      </p:nvGrpSpPr>
+      <p:grpSpPr>
+        <a:xfrm>
+          <a:off x="0" y="0"/>
+          <a:ext cx="0" cy="0"/>
+          <a:chOff x="0" y="0"/>
+          <a:chExt cx="0" cy="0"/>
+        </a:xfrm>
+      </p:grpSpPr>
+      <p:sp>
+        <p:nvSpPr>
+          <p:cNvPr id="2" name="Title 1"/>
+          <p:cNvSpPr>
+            <a:spLocks noGrp="1"/>
+          </p:cNvSpPr>
+          <p:nvPr>
+            <p:ph type="title"/>
+          </p:nvPr>
+        </p:nvSpPr>
+        <p:spPr/>
+        <p:txBody>
+          <a:bodyPr/>
+          <a:lstStyle/>
+          <a:p>
+            <a:r>
+              <a:rPr lang="zh-CN" altLang="en-US" b="1" dirty="0"/>
+              <a:t>变量表达式</a:t>
+            </a:r>
+          </a:p>
+        </p:txBody>
+      </p:sp>
+      <p:sp>
+        <p:nvSpPr>
+          <p:cNvPr id="3" name="Content Placeholder 2"/>
+          <p:cNvSpPr>
+            <a:spLocks noGrp="1"/>
+          </p:cNvSpPr>
+          <p:nvPr>
+            <p:ph idx="1"/>
+          </p:nvPr>
+        </p:nvSpPr>
+        <p:spPr/>
+        <p:txBody>
+          <a:bodyPr/>
+          <a:lstStyle/>
+          <a:p>
+            <a:r>
+              <a:rPr lang="en-US" dirty="0"/>
+              <a:t>变量表达式即 OGNL 表达式或 Spring EL 表达式(在 Spring 术语中也叫 model attributes</a:t>
+            </a:r>
+            <a:r>
+              <a:rPr lang="en-US" dirty="0" smtClean="0"/>
+              <a:t>)。</a:t>
+            </a:r>
+          </a:p>
+          <a:p>
+            <a:r>
+              <a:rPr lang="en-US" dirty="0"/>
+              <a:t>${</a:t>
+            </a:r>
+            <a:r>
+              <a:rPr lang="en-US" dirty="0" err="1"/>
+              <a:t>session.user.name</a:t>
+            </a:r>
+            <a:r>
+              <a:rPr lang="en-US" dirty="0" smtClean="0"/>
+              <a:t>}</a:t>
+            </a:r>
+          </a:p>
+          <a:p>
+            <a:r>
+              <a:rPr lang="zh-CN" altLang="en-US" dirty="0"/>
+              <a:t>它们将以</a:t>
+            </a:r>
+            <a:r>
+              <a:rPr lang="en-US" altLang="zh-CN" dirty="0"/>
+              <a:t>HTML</a:t>
+            </a:r>
+            <a:r>
+              <a:rPr lang="zh-CN" altLang="en-US" dirty="0"/>
+              <a:t>标签的一个属性来表示</a:t>
+            </a:r>
+            <a:r>
+              <a:rPr lang="zh-CN" altLang="en-US" dirty="0" smtClean="0"/>
+              <a:t>：</a:t>
+            </a:r>
+            <a:endParaRPr lang="en-US" altLang="zh-CN" dirty="0" smtClean="0"/>
+          </a:p>
+          <a:p>
+            <a:pPr lvl="1"/>
+            <a:endParaRPr lang="en-US" dirty="0"/>
+          </a:p>
+        </p:txBody>
+      </p:sp>
+      <p:pic>
+        <p:nvPicPr>
+          <p:cNvPr id="4" name="Picture 3"/>
+          <p:cNvPicPr>
+            <a:picLocks noChangeAspect="1"/>
+          </p:cNvPicPr>
+          <p:nvPr/>
+        </p:nvPicPr>
+        <p:blipFill>
+          <a:blip r:embed="rId2"/>
+          <a:stretch>
+            <a:fillRect/>
+          </a:stretch>
+        </p:blipFill>
+        <p:spPr>
+          <a:xfrm>
+            <a:off x="1090862" y="3676650"/>
+            <a:ext cx="9699373" cy="2230856"/>
+          </a:xfrm>
+          <a:prstGeom prst="rect">
+            <a:avLst/>
+          </a:prstGeom>
+        </p:spPr>
+      </p:pic>
+    </p:spTree>
+    <p:extLst>
+      <p:ext uri="{BB962C8B-B14F-4D97-AF65-F5344CB8AC3E}">
+        <p14:creationId xmlns:p14="http://schemas.microsoft.com/office/powerpoint/2010/main" val="968462300"/>
+      </p:ext>
+    </p:extLst>
+  </p:cSld>
+  <p:clrMapOvr>
+    <a:masterClrMapping/>
+  </p:clrMapOvr>
+</p:sld>
+</file>
+
+<file path=ppt/slides/slide5.xml><?xml version="1.0" encoding="utf-8"?>
+<p:sld xmlns:a="http://schemas.openxmlformats.org/drawingml/2006/main" xmlns:r="http://schemas.openxmlformats.org/officeDocument/2006/relationships" xmlns:p="http://schemas.openxmlformats.org/presentationml/2006/main">
+  <p:cSld>
+    <p:spTree>
+      <p:nvGrpSpPr>
+        <p:cNvPr id="1" name=""/>
+        <p:cNvGrpSpPr/>
+        <p:nvPr/>
+      </p:nvGrpSpPr>
+      <p:grpSpPr>
+        <a:xfrm>
+          <a:off x="0" y="0"/>
+          <a:ext cx="0" cy="0"/>
+          <a:chOff x="0" y="0"/>
+          <a:chExt cx="0" cy="0"/>
+        </a:xfrm>
+      </p:grpSpPr>
+      <p:sp>
+        <p:nvSpPr>
+          <p:cNvPr id="2" name="Title 1"/>
+          <p:cNvSpPr>
+            <a:spLocks noGrp="1"/>
+          </p:cNvSpPr>
+          <p:nvPr>
+            <p:ph type="title"/>
+          </p:nvPr>
+        </p:nvSpPr>
+        <p:spPr/>
+        <p:txBody>
+          <a:bodyPr/>
+          <a:lstStyle/>
+          <a:p>
+            <a:r>
+              <a:rPr lang="zh-CN" altLang="en-US" b="1" dirty="0"/>
+              <a:t>选择</a:t>
+            </a:r>
+            <a:r>
+              <a:rPr lang="en-US" altLang="zh-CN" b="1" dirty="0"/>
+              <a:t>(</a:t>
+            </a:r>
+            <a:r>
+              <a:rPr lang="zh-CN" altLang="en-US" b="1" dirty="0"/>
+              <a:t>星号</a:t>
+            </a:r>
+            <a:r>
+              <a:rPr lang="en-US" altLang="zh-CN" b="1" dirty="0"/>
+              <a:t>)</a:t>
+            </a:r>
+            <a:r>
+              <a:rPr lang="zh-CN" altLang="en-US" b="1" dirty="0" smtClean="0"/>
+              <a:t>表达式</a:t>
+            </a:r>
+            <a:endParaRPr lang="en-US" dirty="0"/>
+          </a:p>
+        </p:txBody>
+      </p:sp>
+      <p:sp>
+        <p:nvSpPr>
+          <p:cNvPr id="3" name="Content Placeholder 2"/>
+          <p:cNvSpPr>
+            <a:spLocks noGrp="1"/>
+          </p:cNvSpPr>
+          <p:nvPr>
+            <p:ph idx="1"/>
+          </p:nvPr>
+        </p:nvSpPr>
+        <p:spPr/>
+        <p:txBody>
+          <a:bodyPr/>
+          <a:lstStyle/>
+          <a:p>
+            <a:r>
+              <a:rPr lang="zh-CN" altLang="en-US" dirty="0"/>
+              <a:t>选择表达式很像变量表达式，不过它们用一个预先选择的对象来代替上下文变量容器</a:t>
+            </a:r>
+            <a:r>
+              <a:rPr lang="en-US" altLang="zh-CN" dirty="0"/>
+              <a:t>(map)</a:t>
+            </a:r>
+            <a:r>
+              <a:rPr lang="zh-CN" altLang="en-US" dirty="0"/>
+              <a:t>来</a:t>
+            </a:r>
+            <a:r>
+              <a:rPr lang="zh-CN" altLang="en-US" dirty="0" smtClean="0"/>
+              <a:t>执行</a:t>
+            </a:r>
+            <a:endParaRPr lang="en-US" altLang="zh-CN" dirty="0" smtClean="0"/>
+          </a:p>
+          <a:p>
+            <a:r>
+              <a:rPr lang="en-US" dirty="0"/>
+              <a:t>*{</a:t>
+            </a:r>
+            <a:r>
+              <a:rPr lang="en-US" dirty="0" err="1"/>
+              <a:t>customer.name</a:t>
+            </a:r>
+            <a:r>
+              <a:rPr lang="en-US" dirty="0" smtClean="0"/>
+              <a:t>}</a:t>
+            </a:r>
+          </a:p>
+          <a:p>
+            <a:r>
+              <a:rPr lang="en-US" dirty="0"/>
+              <a:t>被指定的 object 由 </a:t>
+            </a:r>
+            <a:r>
+              <a:rPr lang="en-US" dirty="0" err="1"/>
+              <a:t>th:object</a:t>
+            </a:r>
+            <a:r>
+              <a:rPr lang="en-US" dirty="0"/>
+              <a:t> 属性定义：</a:t>
+            </a:r>
+          </a:p>
+        </p:txBody>
+      </p:sp>
+      <p:pic>
+        <p:nvPicPr>
+          <p:cNvPr id="4" name="Picture 3"/>
+          <p:cNvPicPr>
+            <a:picLocks noChangeAspect="1"/>
+          </p:cNvPicPr>
+          <p:nvPr/>
+        </p:nvPicPr>
+        <p:blipFill>
+          <a:blip r:embed="rId2"/>
+          <a:stretch>
+            <a:fillRect/>
+          </a:stretch>
+        </p:blipFill>
+        <p:spPr>
+          <a:xfrm>
+            <a:off x="1217195" y="3797634"/>
+            <a:ext cx="8348340" cy="2514266"/>
+          </a:xfrm>
+          <a:prstGeom prst="rect">
+            <a:avLst/>
+          </a:prstGeom>
+        </p:spPr>
+      </p:pic>
+    </p:spTree>
+    <p:extLst>
+      <p:ext uri="{BB962C8B-B14F-4D97-AF65-F5344CB8AC3E}">
+        <p14:creationId xmlns:p14="http://schemas.microsoft.com/office/powerpoint/2010/main" val="1477564551"/>
+      </p:ext>
+    </p:extLst>
+  </p:cSld>
+  <p:clrMapOvr>
+    <a:masterClrMapping/>
+  </p:clrMapOvr>
+</p:sld>
+</file>
+
+<file path=ppt/slides/slide6.xml><?xml version="1.0" encoding="utf-8"?>
+<p:sld xmlns:a="http://schemas.openxmlformats.org/drawingml/2006/main" xmlns:r="http://schemas.openxmlformats.org/officeDocument/2006/relationships" xmlns:p="http://schemas.openxmlformats.org/presentationml/2006/main">
+  <p:cSld>
+    <p:spTree>
+      <p:nvGrpSpPr>
+        <p:cNvPr id="1" name=""/>
+        <p:cNvGrpSpPr/>
+        <p:nvPr/>
+      </p:nvGrpSpPr>
+      <p:grpSpPr>
+        <a:xfrm>
+          <a:off x="0" y="0"/>
+          <a:ext cx="0" cy="0"/>
+          <a:chOff x="0" y="0"/>
+          <a:chExt cx="0" cy="0"/>
+        </a:xfrm>
+      </p:grpSpPr>
+      <p:sp>
+        <p:nvSpPr>
+          <p:cNvPr id="2" name="Title 1"/>
+          <p:cNvSpPr>
+            <a:spLocks noGrp="1"/>
+          </p:cNvSpPr>
+          <p:nvPr>
+            <p:ph type="title"/>
+          </p:nvPr>
+        </p:nvSpPr>
+        <p:spPr/>
+        <p:txBody>
+          <a:bodyPr/>
+          <a:lstStyle/>
+          <a:p>
+            <a:r>
+              <a:rPr lang="zh-CN" altLang="en-US" b="1" dirty="0"/>
+              <a:t>文字国际化</a:t>
+            </a:r>
+            <a:r>
+              <a:rPr lang="zh-CN" altLang="en-US" b="1" dirty="0" smtClean="0"/>
+              <a:t>表达式</a:t>
+            </a:r>
+            <a:endParaRPr lang="en-US" dirty="0"/>
+          </a:p>
+        </p:txBody>
+      </p:sp>
+      <p:sp>
+        <p:nvSpPr>
+          <p:cNvPr id="3" name="Content Placeholder 2"/>
+          <p:cNvSpPr>
+            <a:spLocks noGrp="1"/>
+          </p:cNvSpPr>
+          <p:nvPr>
+            <p:ph idx="1"/>
+          </p:nvPr>
+        </p:nvSpPr>
+        <p:spPr/>
+        <p:txBody>
+          <a:bodyPr/>
+          <a:lstStyle/>
+          <a:p>
+            <a:r>
+              <a:rPr lang="zh-CN" altLang="en-US" dirty="0"/>
+              <a:t>文字国际化表达式允许我们从一个外部文件获取区域文字信息</a:t>
+            </a:r>
+            <a:r>
+              <a:rPr lang="en-US" altLang="zh-CN" dirty="0"/>
+              <a:t>(.properties)</a:t>
+            </a:r>
+            <a:r>
+              <a:rPr lang="zh-CN" altLang="en-US" dirty="0"/>
+              <a:t>，用 </a:t>
+            </a:r>
+            <a:r>
+              <a:rPr lang="en-US" altLang="zh-CN" dirty="0"/>
+              <a:t>Key </a:t>
+            </a:r>
+            <a:r>
+              <a:rPr lang="zh-CN" altLang="en-US" dirty="0"/>
+              <a:t>索引 </a:t>
+            </a:r>
+            <a:r>
+              <a:rPr lang="en-US" altLang="zh-CN" dirty="0"/>
+              <a:t>Value</a:t>
+            </a:r>
+            <a:r>
+              <a:rPr lang="zh-CN" altLang="en-US" dirty="0"/>
+              <a:t>，还可以提供一组参数</a:t>
+            </a:r>
+            <a:r>
+              <a:rPr lang="en-US" altLang="zh-CN" dirty="0"/>
+              <a:t>(</a:t>
+            </a:r>
+            <a:r>
+              <a:rPr lang="zh-CN" altLang="en-US" dirty="0"/>
+              <a:t>可选</a:t>
+            </a:r>
+            <a:r>
+              <a:rPr lang="en-US" altLang="zh-CN" dirty="0"/>
+              <a:t>).</a:t>
+            </a:r>
+            <a:endParaRPr lang="en-US" dirty="0"/>
+          </a:p>
+        </p:txBody>
+      </p:sp>
+      <p:pic>
+        <p:nvPicPr>
+          <p:cNvPr id="4" name="Picture 3"/>
+          <p:cNvPicPr>
+            <a:picLocks noChangeAspect="1"/>
+          </p:cNvPicPr>
+          <p:nvPr/>
+        </p:nvPicPr>
+        <p:blipFill>
+          <a:blip r:embed="rId3"/>
+          <a:stretch>
+            <a:fillRect/>
+          </a:stretch>
+        </p:blipFill>
+        <p:spPr>
+          <a:xfrm>
+            <a:off x="1766971" y="2823410"/>
+            <a:ext cx="6416504" cy="1171073"/>
+          </a:xfrm>
+          <a:prstGeom prst="rect">
+            <a:avLst/>
+          </a:prstGeom>
+        </p:spPr>
+      </p:pic>
+      <p:pic>
+        <p:nvPicPr>
+          <p:cNvPr id="5" name="Picture 4"/>
+          <p:cNvPicPr>
+            <a:picLocks noChangeAspect="1"/>
+          </p:cNvPicPr>
+          <p:nvPr/>
+        </p:nvPicPr>
+        <p:blipFill>
+          <a:blip r:embed="rId4"/>
+          <a:stretch>
+            <a:fillRect/>
+          </a:stretch>
+        </p:blipFill>
+        <p:spPr>
+          <a:xfrm>
+            <a:off x="1498265" y="4129420"/>
+            <a:ext cx="7567619" cy="2331538"/>
+          </a:xfrm>
+          <a:prstGeom prst="rect">
+            <a:avLst/>
+          </a:prstGeom>
+        </p:spPr>
+      </p:pic>
+    </p:spTree>
+    <p:extLst>
+      <p:ext uri="{BB962C8B-B14F-4D97-AF65-F5344CB8AC3E}">
+        <p14:creationId xmlns:p14="http://schemas.microsoft.com/office/powerpoint/2010/main" val="112932830"/>
+      </p:ext>
+    </p:extLst>
+  </p:cSld>
+  <p:clrMapOvr>
+    <a:masterClrMapping/>
+  </p:clrMapOvr>
+</p:sld>
+</file>
+
+<file path=ppt/slides/slide7.xml><?xml version="1.0" encoding="utf-8"?>
+<p:sld xmlns:a="http://schemas.openxmlformats.org/drawingml/2006/main" xmlns:r="http://schemas.openxmlformats.org/officeDocument/2006/relationships" xmlns:p="http://schemas.openxmlformats.org/presentationml/2006/main">
+  <p:cSld>
+    <p:spTree>
+      <p:nvGrpSpPr>
+        <p:cNvPr id="1" name=""/>
+        <p:cNvGrpSpPr/>
+        <p:nvPr/>
+      </p:nvGrpSpPr>
+      <p:grpSpPr>
+        <a:xfrm>
+          <a:off x="0" y="0"/>
+          <a:ext cx="0" cy="0"/>
+          <a:chOff x="0" y="0"/>
+          <a:chExt cx="0" cy="0"/>
+        </a:xfrm>
+      </p:grpSpPr>
+      <p:sp>
+        <p:nvSpPr>
+          <p:cNvPr id="2" name="Title 1"/>
+          <p:cNvSpPr>
+            <a:spLocks noGrp="1"/>
+          </p:cNvSpPr>
+          <p:nvPr>
+            <p:ph type="title"/>
+          </p:nvPr>
+        </p:nvSpPr>
+        <p:spPr/>
+        <p:txBody>
+          <a:bodyPr/>
+          <a:lstStyle/>
+          <a:p>
+            <a:r>
+              <a:rPr lang="en-US" altLang="zh-CN" b="1" dirty="0"/>
+              <a:t>URL </a:t>
+            </a:r>
+            <a:r>
+              <a:rPr lang="zh-CN" altLang="en-US" b="1" dirty="0" smtClean="0"/>
+              <a:t>表达式</a:t>
+            </a:r>
+            <a:endParaRPr lang="en-US" dirty="0"/>
+          </a:p>
+        </p:txBody>
+      </p:sp>
+      <p:sp>
+        <p:nvSpPr>
+          <p:cNvPr id="3" name="Content Placeholder 2"/>
+          <p:cNvSpPr>
+            <a:spLocks noGrp="1"/>
+          </p:cNvSpPr>
+          <p:nvPr>
+            <p:ph idx="1"/>
+          </p:nvPr>
+        </p:nvSpPr>
+        <p:spPr/>
+        <p:txBody>
+          <a:bodyPr/>
+          <a:lstStyle/>
+          <a:p>
+            <a:r>
+              <a:rPr lang="en-US" altLang="zh-CN" dirty="0"/>
+              <a:t>URL </a:t>
+            </a:r>
+            <a:r>
+              <a:rPr lang="zh-CN" altLang="en-US" dirty="0"/>
+              <a:t>表达式指的是把一个有用的上下文或回话信息添加到 </a:t>
+            </a:r>
+            <a:r>
+              <a:rPr lang="en-US" altLang="zh-CN" dirty="0"/>
+              <a:t>URL</a:t>
+            </a:r>
+            <a:r>
+              <a:rPr lang="zh-CN" altLang="en-US" dirty="0"/>
+              <a:t>，这个过程经常被叫做 </a:t>
+            </a:r>
+            <a:r>
+              <a:rPr lang="en-US" altLang="zh-CN" dirty="0"/>
+              <a:t>URL </a:t>
+            </a:r>
+            <a:r>
+              <a:rPr lang="zh-CN" altLang="en-US" dirty="0"/>
+              <a:t>重写</a:t>
+            </a:r>
+            <a:r>
+              <a:rPr lang="zh-CN" altLang="en-US" dirty="0" smtClean="0"/>
+              <a:t>。</a:t>
+            </a:r>
+            <a:endParaRPr lang="en-US" altLang="zh-CN" dirty="0" smtClean="0"/>
+          </a:p>
+          <a:p>
+            <a:pPr lvl="1"/>
+            <a:r>
+              <a:rPr lang="en-US" dirty="0"/>
+              <a:t>@{/order/list</a:t>
+            </a:r>
+            <a:r>
+              <a:rPr lang="en-US" dirty="0" smtClean="0"/>
+              <a:t>}</a:t>
+            </a:r>
+          </a:p>
+          <a:p>
+            <a:r>
+              <a:rPr lang="en-US" altLang="zh-CN" dirty="0"/>
+              <a:t>URL</a:t>
+            </a:r>
+            <a:r>
+              <a:rPr lang="zh-CN" altLang="en-US" dirty="0"/>
+              <a:t>还可以设置参数</a:t>
+            </a:r>
+            <a:r>
+              <a:rPr lang="zh-CN" altLang="en-US" dirty="0" smtClean="0"/>
+              <a:t>：</a:t>
+            </a:r>
+            <a:endParaRPr lang="en-US" altLang="zh-CN" dirty="0" smtClean="0"/>
+          </a:p>
+          <a:p>
+            <a:pPr lvl="1"/>
+            <a:r>
+              <a:rPr lang="en-US" dirty="0"/>
+              <a:t>@{/order/details(id=${</a:t>
+            </a:r>
+            <a:r>
+              <a:rPr lang="en-US" dirty="0" err="1"/>
+              <a:t>orderId</a:t>
+            </a:r>
+            <a:r>
+              <a:rPr lang="en-US" dirty="0" smtClean="0"/>
+              <a:t>})}</a:t>
+            </a:r>
+          </a:p>
+          <a:p>
+            <a:pPr lvl="1"/>
+            <a:r>
+              <a:rPr lang="en-US" dirty="0"/>
+              <a:t>@{../documents/report</a:t>
+            </a:r>
+            <a:r>
+              <a:rPr lang="en-US" dirty="0" smtClean="0"/>
+              <a:t>}</a:t>
+            </a:r>
+          </a:p>
+          <a:p>
+            <a:pPr lvl="1"/>
+            <a:endParaRPr lang="en-US" dirty="0"/>
+          </a:p>
+        </p:txBody>
+      </p:sp>
+      <p:pic>
+        <p:nvPicPr>
+          <p:cNvPr id="4" name="Picture 3"/>
+          <p:cNvPicPr>
+            <a:picLocks noChangeAspect="1"/>
+          </p:cNvPicPr>
+          <p:nvPr/>
+        </p:nvPicPr>
+        <p:blipFill>
+          <a:blip r:embed="rId2"/>
+          <a:stretch>
+            <a:fillRect/>
+          </a:stretch>
+        </p:blipFill>
+        <p:spPr>
+          <a:xfrm>
+            <a:off x="1164055" y="4471737"/>
+            <a:ext cx="9063286" cy="1435768"/>
+          </a:xfrm>
+          <a:prstGeom prst="rect">
+            <a:avLst/>
+          </a:prstGeom>
+        </p:spPr>
+      </p:pic>
+    </p:spTree>
+    <p:extLst>
+      <p:ext uri="{BB962C8B-B14F-4D97-AF65-F5344CB8AC3E}">
+        <p14:creationId xmlns:p14="http://schemas.microsoft.com/office/powerpoint/2010/main" val="1593444479"/>
+      </p:ext>
+    </p:extLst>
+  </p:cSld>
+  <p:clrMapOvr>
+    <a:masterClrMapping/>
+  </p:clrMapOvr>
+</p:sld>
+</file>
+
+<file path=ppt/slides/slide8.xml><?xml version="1.0" encoding="utf-8"?>
+<p:sld xmlns:a="http://schemas.openxmlformats.org/drawingml/2006/main" xmlns:r="http://schemas.openxmlformats.org/officeDocument/2006/relationships" xmlns:p="http://schemas.openxmlformats.org/presentationml/2006/main">
+  <p:cSld>
+    <p:spTree>
+      <p:nvGrpSpPr>
+        <p:cNvPr id="1" name=""/>
+        <p:cNvGrpSpPr/>
+        <p:nvPr/>
+      </p:nvGrpSpPr>
+      <p:grpSpPr>
+        <a:xfrm>
+          <a:off x="0" y="0"/>
+          <a:ext cx="0" cy="0"/>
+          <a:chOff x="0" y="0"/>
+          <a:chExt cx="0" cy="0"/>
+        </a:xfrm>
+      </p:grpSpPr>
+      <p:sp>
+        <p:nvSpPr>
+          <p:cNvPr id="2" name="Title 1"/>
+          <p:cNvSpPr>
+            <a:spLocks noGrp="1"/>
+          </p:cNvSpPr>
+          <p:nvPr>
+            <p:ph type="title"/>
+          </p:nvPr>
+        </p:nvSpPr>
+        <p:spPr/>
+        <p:txBody>
+          <a:bodyPr/>
+          <a:lstStyle/>
+          <a:p>
+            <a:r>
+              <a:rPr lang="en-US" altLang="zh-CN" dirty="0" err="1" smtClean="0"/>
+              <a:t>Thymeleaf</a:t>
+            </a:r>
+            <a:r>
+              <a:rPr lang="zh-CN" altLang="en-US" dirty="0" smtClean="0"/>
+              <a:t>与</a:t>
+            </a:r>
+            <a:r>
+              <a:rPr lang="en-US" altLang="zh-CN" dirty="0" err="1" smtClean="0"/>
+              <a:t>Springboot</a:t>
+            </a:r>
+            <a:r>
+              <a:rPr lang="zh-CN" altLang="en-US" dirty="0" smtClean="0"/>
+              <a:t>集成</a:t>
+            </a:r>
+            <a:endParaRPr lang="en-US" dirty="0"/>
+          </a:p>
+        </p:txBody>
+      </p:sp>
+      <p:sp>
+        <p:nvSpPr>
+          <p:cNvPr id="3" name="Content Placeholder 2"/>
+          <p:cNvSpPr>
+            <a:spLocks noGrp="1"/>
+          </p:cNvSpPr>
+          <p:nvPr>
+            <p:ph idx="1"/>
+          </p:nvPr>
+        </p:nvSpPr>
+        <p:spPr/>
+        <p:txBody>
+          <a:bodyPr/>
+          <a:lstStyle/>
+          <a:p>
+            <a:r>
+              <a:rPr lang="zh-CN" altLang="en-US" dirty="0" smtClean="0"/>
+              <a:t>引入依赖</a:t>
+            </a:r>
+            <a:endParaRPr lang="en-US" altLang="zh-CN" dirty="0" smtClean="0"/>
+          </a:p>
+          <a:p>
+            <a:pPr lvl="1"/>
+            <a:r>
+              <a:rPr lang="en-US" dirty="0"/>
+              <a:t>&lt;dependency&gt;</a:t>
+            </a:r>
+            <a:br>
+              <a:rPr lang="en-US" dirty="0"/>
+            </a:br>
+            <a:r>
+              <a:rPr lang="en-US" dirty="0"/>
+              <a:t>  &lt;</a:t>
+            </a:r>
+            <a:r>
+              <a:rPr lang="en-US" dirty="0" err="1"/>
+              <a:t>groupId</a:t>
+            </a:r>
+            <a:r>
+              <a:rPr lang="en-US" dirty="0"/>
+              <a:t>&gt;</a:t>
+            </a:r>
+            <a:r>
+              <a:rPr lang="en-US" dirty="0" err="1"/>
+              <a:t>org.springframework.boot</a:t>
+            </a:r>
+            <a:r>
+              <a:rPr lang="en-US" dirty="0"/>
+              <a:t>&lt;/</a:t>
+            </a:r>
+            <a:r>
+              <a:rPr lang="en-US" dirty="0" err="1"/>
+              <a:t>groupId</a:t>
+            </a:r>
+            <a:r>
+              <a:rPr lang="en-US" dirty="0"/>
+              <a:t>&gt;</a:t>
+            </a:r>
+            <a:br>
+              <a:rPr lang="en-US" dirty="0"/>
+            </a:br>
+            <a:r>
+              <a:rPr lang="en-US" dirty="0"/>
+              <a:t>  &lt;</a:t>
+            </a:r>
+            <a:r>
+              <a:rPr lang="en-US" dirty="0" err="1"/>
+              <a:t>artifactId</a:t>
+            </a:r>
+            <a:r>
+              <a:rPr lang="en-US" dirty="0"/>
+              <a:t>&gt;spring-boot-starter-</a:t>
+            </a:r>
+            <a:r>
+              <a:rPr lang="en-US" dirty="0" err="1"/>
+              <a:t>thymeleaf</a:t>
+            </a:r>
+            <a:r>
+              <a:rPr lang="en-US" dirty="0"/>
+              <a:t>&lt;/</a:t>
+            </a:r>
+            <a:r>
+              <a:rPr lang="en-US" dirty="0" err="1"/>
+              <a:t>artifactId</a:t>
+            </a:r>
+            <a:r>
+              <a:rPr lang="en-US" dirty="0"/>
+              <a:t>&gt;</a:t>
+            </a:r>
+            <a:br>
+              <a:rPr lang="en-US" dirty="0"/>
+            </a:br>
+            <a:r>
+              <a:rPr lang="en-US" dirty="0"/>
+              <a:t>&lt;/dependency</a:t>
+            </a:r>
+            <a:r>
+              <a:rPr lang="en-US" dirty="0" smtClean="0"/>
+              <a:t>&gt;</a:t>
+            </a:r>
+          </a:p>
+          <a:p>
+            <a:r>
+              <a:rPr lang="zh-CN" altLang="en-US" dirty="0" smtClean="0"/>
+              <a:t>默认属性</a:t>
+            </a:r>
+            <a:endParaRPr lang="en-US" altLang="zh-CN" dirty="0" smtClean="0"/>
+          </a:p>
+          <a:p>
+            <a:pPr lvl="1"/>
+            <a:r>
+              <a:rPr lang="en-US" dirty="0" err="1" smtClean="0"/>
+              <a:t>ThymeleafAutoConfiguration</a:t>
+            </a:r>
+            <a:r>
+              <a:rPr lang="zh-CN" altLang="en-US" dirty="0" smtClean="0"/>
+              <a:t> </a:t>
+            </a:r>
+            <a:r>
+              <a:rPr lang="en-US" dirty="0" err="1" smtClean="0"/>
+              <a:t>ThymeleafProperties</a:t>
+            </a:r>
+            <a:endParaRPr lang="en-US" dirty="0" smtClean="0"/>
+          </a:p>
+          <a:p>
+            <a:pPr lvl="1"/>
+            <a:endParaRPr lang="en-US" dirty="0"/>
+          </a:p>
+        </p:txBody>
+      </p:sp>
+      <p:pic>
+        <p:nvPicPr>
+          <p:cNvPr id="4" name="Picture 3"/>
+          <p:cNvPicPr>
+            <a:picLocks noChangeAspect="1"/>
+          </p:cNvPicPr>
+          <p:nvPr/>
+        </p:nvPicPr>
+        <p:blipFill>
+          <a:blip r:embed="rId2"/>
+          <a:stretch>
+            <a:fillRect/>
+          </a:stretch>
+        </p:blipFill>
+        <p:spPr>
+          <a:xfrm>
+            <a:off x="1749259" y="4582498"/>
+            <a:ext cx="8393362" cy="3458803"/>
+          </a:xfrm>
+          <a:prstGeom prst="rect">
+            <a:avLst/>
+          </a:prstGeom>
+        </p:spPr>
+      </p:pic>
+    </p:spTree>
+    <p:extLst>
+      <p:ext uri="{BB962C8B-B14F-4D97-AF65-F5344CB8AC3E}">
+        <p14:creationId xmlns:p14="http://schemas.microsoft.com/office/powerpoint/2010/main" val="1046411136"/>
+      </p:ext>
+    </p:extLst>
+  </p:cSld>
+  <p:clrMapOvr>
+    <a:masterClrMapping/>
+  </p:clrMapOvr>
+</p:sld>
+</file>
+
+<file path=ppt/slides/slide9.xml><?xml version="1.0" encoding="utf-8"?>
+<p:sld xmlns:a="http://schemas.openxmlformats.org/drawingml/2006/main" xmlns:r="http://schemas.openxmlformats.org/officeDocument/2006/relationships" xmlns:p="http://schemas.openxmlformats.org/presentationml/2006/main">
+  <p:cSld>
+    <p:spTree>
+      <p:nvGrpSpPr>
+        <p:cNvPr id="1" name=""/>
+        <p:cNvGrpSpPr/>
+        <p:nvPr/>
+      </p:nvGrpSpPr>
+      <p:grpSpPr>
+        <a:xfrm>
+          <a:off x="0" y="0"/>
+          <a:ext cx="0" cy="0"/>
+          <a:chOff x="0" y="0"/>
+          <a:chExt cx="0" cy="0"/>
+        </a:xfrm>
+      </p:grpSpPr>
+      <p:sp>
+        <p:nvSpPr>
+          <p:cNvPr id="2" name="Title 1"/>
+          <p:cNvSpPr>
+            <a:spLocks noGrp="1"/>
+          </p:cNvSpPr>
+          <p:nvPr>
+            <p:ph type="title"/>
+          </p:nvPr>
+        </p:nvSpPr>
+        <p:spPr/>
+        <p:txBody>
+          <a:bodyPr/>
+          <a:lstStyle/>
+          <a:p>
+            <a:r>
+              <a:rPr lang="zh-CN" altLang="en-US" b="1" dirty="0"/>
+              <a:t>常用</a:t>
+            </a:r>
+            <a:r>
+              <a:rPr lang="en-US" altLang="zh-CN" b="1" dirty="0" err="1"/>
+              <a:t>th</a:t>
+            </a:r>
+            <a:r>
+              <a:rPr lang="zh-CN" altLang="en-US" b="1" dirty="0"/>
+              <a:t>标签都有</a:t>
+            </a:r>
+            <a:r>
+              <a:rPr lang="zh-CN" altLang="en-US" b="1" dirty="0" smtClean="0"/>
+              <a:t>那些</a:t>
+            </a:r>
+            <a:endParaRPr lang="en-US" dirty="0"/>
+          </a:p>
+        </p:txBody>
+      </p:sp>
+      <p:graphicFrame>
+        <p:nvGraphicFramePr>
+          <p:cNvPr id="4" name="Content Placeholder 3"/>
+          <p:cNvGraphicFramePr>
+            <a:graphicFrameLocks noGrp="1"/>
+          </p:cNvGraphicFramePr>
+          <p:nvPr>
+            <p:ph idx="1"/>
+            <p:extLst>
+              <p:ext uri="{D42A27DB-BD31-4B8C-83A1-F6EECF244321}">
+                <p14:modId xmlns:p14="http://schemas.microsoft.com/office/powerpoint/2010/main" val="360625278"/>
+              </p:ext>
+            </p:extLst>
+          </p:nvPr>
+        </p:nvGraphicFramePr>
+        <p:xfrm>
+          <a:off x="838200" y="1825625"/>
+          <a:ext cx="10515600" cy="2397760"/>
+        </p:xfrm>
+        <a:graphic>
+          <a:graphicData uri="http://schemas.openxmlformats.org/drawingml/2006/table">
+            <a:tbl>
+              <a:tblPr firstRow="1" bandRow="1">
+                <a:tableStyleId>{5C22544A-7EE6-4342-B048-85BDC9FD1C3A}</a:tableStyleId>
+              </a:tblPr>
+              <a:tblGrid>
+                <a:gridCol w="1712495"/>
+                <a:gridCol w="1383631"/>
+                <a:gridCol w="7419474"/>
+              </a:tblGrid>
+              <a:tr h="370840">
+                <a:tc>
+                  <a:txBody>
+                    <a:bodyPr/>
+                    <a:lstStyle/>
+                    <a:p>
+                      <a:r>
+                        <a:rPr lang="zh-CN" altLang="en-US" dirty="0" smtClean="0"/>
+                        <a:t>关键字</a:t>
+                      </a:r>
+                      <a:endParaRPr lang="en-US" dirty="0"/>
+                    </a:p>
+                  </a:txBody>
+                  <a:tcPr/>
+                </a:tc>
+                <a:tc>
+                  <a:txBody>
+                    <a:bodyPr/>
+                    <a:lstStyle/>
+                    <a:p>
+                      <a:r>
+                        <a:rPr lang="zh-CN" altLang="en-US" dirty="0" smtClean="0"/>
+                        <a:t>功能</a:t>
+                      </a:r>
+                      <a:endParaRPr lang="en-US" dirty="0"/>
+                    </a:p>
+                  </a:txBody>
+                  <a:tcPr/>
+                </a:tc>
+                <a:tc>
+                  <a:txBody>
+                    <a:bodyPr/>
+                    <a:lstStyle/>
+                    <a:p>
+                      <a:r>
+                        <a:rPr lang="zh-CN" altLang="en-US" dirty="0" smtClean="0"/>
+                        <a:t>案例</a:t>
+                      </a:r>
+                      <a:endParaRPr lang="en-US" dirty="0"/>
+                    </a:p>
+                  </a:txBody>
+                  <a:tcPr/>
+                </a:tc>
+              </a:tr>
+              <a:tr h="370840">
+                <a:tc>
+                  <a:txBody>
+                    <a:bodyPr/>
+                    <a:lstStyle/>
+                    <a:p>
+                      <a:r>
+                        <a:rPr lang="en-US" sz="1800" b="0" i="0" kern="1200" dirty="0" err="1" smtClean="0">
+                          <a:solidFill>
+                            <a:schemeClr val="dk1"/>
+                          </a:solidFill>
+                          <a:effectLst/>
+                          <a:latin typeface="+mn-lt"/>
+                          <a:ea typeface="+mn-ea"/>
+                          <a:cs typeface="+mn-cs"/>
+                        </a:rPr>
+                        <a:t>th:id</a:t>
+                      </a:r>
+                      <a:endParaRPr lang="en-US" dirty="0"/>
+                    </a:p>
+                  </a:txBody>
+                  <a:tcPr/>
+                </a:tc>
+                <a:tc>
+                  <a:txBody>
+                    <a:bodyPr/>
+                    <a:lstStyle/>
+                    <a:p>
+                      <a:r>
+                        <a:rPr lang="zh-CN" altLang="en-US" sz="1800" b="0" i="0" kern="1200" dirty="0" smtClean="0">
+                          <a:solidFill>
+                            <a:schemeClr val="dk1"/>
+                          </a:solidFill>
+                          <a:effectLst/>
+                          <a:latin typeface="+mn-lt"/>
+                          <a:ea typeface="+mn-ea"/>
+                          <a:cs typeface="+mn-cs"/>
+                        </a:rPr>
+                        <a:t>替换</a:t>
+                      </a:r>
+                      <a:r>
+                        <a:rPr lang="en-US" altLang="zh-CN" sz="1800" b="0" i="0" kern="1200" dirty="0" smtClean="0">
+                          <a:solidFill>
+                            <a:schemeClr val="dk1"/>
+                          </a:solidFill>
+                          <a:effectLst/>
+                          <a:latin typeface="+mn-lt"/>
+                          <a:ea typeface="+mn-ea"/>
+                          <a:cs typeface="+mn-cs"/>
+                        </a:rPr>
+                        <a:t>id</a:t>
+                      </a:r>
+                      <a:endParaRPr lang="en-US" dirty="0"/>
+                    </a:p>
+                  </a:txBody>
+                  <a:tcPr/>
+                </a:tc>
+                <a:tc>
+                  <a:txBody>
+                    <a:bodyPr/>
+                    <a:lstStyle/>
+                    <a:p>
+                      <a:r>
+                        <a:rPr lang="en-US" sz="1800" b="0" i="0" kern="1200" dirty="0" smtClean="0">
+                          <a:solidFill>
+                            <a:schemeClr val="dk1"/>
+                          </a:solidFill>
+                          <a:effectLst/>
+                          <a:latin typeface="+mn-lt"/>
+                          <a:ea typeface="+mn-ea"/>
+                          <a:cs typeface="+mn-cs"/>
+                        </a:rPr>
+                        <a:t>&lt;input </a:t>
+                      </a:r>
+                      <a:r>
+                        <a:rPr lang="en-US" sz="1800" b="0" i="0" kern="1200" dirty="0" err="1" smtClean="0">
+                          <a:solidFill>
+                            <a:schemeClr val="dk1"/>
+                          </a:solidFill>
+                          <a:effectLst/>
+                          <a:latin typeface="+mn-lt"/>
+                          <a:ea typeface="+mn-ea"/>
+                          <a:cs typeface="+mn-cs"/>
+                        </a:rPr>
+                        <a:t>th:id</a:t>
+                      </a:r>
+                      <a:r>
+                        <a:rPr lang="en-US" sz="1800" b="0" i="0" kern="1200" dirty="0" smtClean="0">
+                          <a:solidFill>
+                            <a:schemeClr val="dk1"/>
+                          </a:solidFill>
+                          <a:effectLst/>
+                          <a:latin typeface="+mn-lt"/>
+                          <a:ea typeface="+mn-ea"/>
+                          <a:cs typeface="+mn-cs"/>
+                        </a:rPr>
+                        <a:t>="'xxx' + ${</a:t>
+                      </a:r>
+                      <a:r>
+                        <a:rPr lang="en-US" sz="1800" b="0" i="0" kern="1200" dirty="0" err="1" smtClean="0">
+                          <a:solidFill>
+                            <a:schemeClr val="dk1"/>
+                          </a:solidFill>
+                          <a:effectLst/>
+                          <a:latin typeface="+mn-lt"/>
+                          <a:ea typeface="+mn-ea"/>
+                          <a:cs typeface="+mn-cs"/>
+                        </a:rPr>
+                        <a:t>collect.id</a:t>
+                      </a:r>
+                      <a:r>
+                        <a:rPr lang="en-US" sz="1800" b="0" i="0" kern="1200" dirty="0" smtClean="0">
+                          <a:solidFill>
+                            <a:schemeClr val="dk1"/>
+                          </a:solidFill>
+                          <a:effectLst/>
+                          <a:latin typeface="+mn-lt"/>
+                          <a:ea typeface="+mn-ea"/>
+                          <a:cs typeface="+mn-cs"/>
+                        </a:rPr>
+                        <a:t>}"/&gt;</a:t>
+                      </a:r>
+                      <a:endParaRPr lang="en-US" dirty="0"/>
+                    </a:p>
+                  </a:txBody>
+                  <a:tcPr/>
+                </a:tc>
+              </a:tr>
+              <a:tr h="370840">
+                <a:tc>
+                  <a:txBody>
+                    <a:bodyPr/>
+                    <a:lstStyle/>
+                    <a:p>
+                      <a:r>
+                        <a:rPr lang="en-US" sz="1800" b="0" i="0" kern="1200" dirty="0" err="1" smtClean="0">
+                          <a:solidFill>
+                            <a:schemeClr val="dk1"/>
+                          </a:solidFill>
+                          <a:effectLst/>
+                          <a:latin typeface="+mn-lt"/>
+                          <a:ea typeface="+mn-ea"/>
+                          <a:cs typeface="+mn-cs"/>
+                        </a:rPr>
+                        <a:t>th:text</a:t>
+                      </a:r>
+                      <a:endParaRPr lang="en-US" dirty="0"/>
+                    </a:p>
+                  </a:txBody>
+                  <a:tcPr/>
+                </a:tc>
+                <a:tc>
+                  <a:txBody>
+                    <a:bodyPr/>
+                    <a:lstStyle/>
+                    <a:p>
+                      <a:r>
+                        <a:rPr lang="zh-CN" altLang="en-US" sz="1800" b="0" i="0" kern="1200" dirty="0" smtClean="0">
+                          <a:solidFill>
+                            <a:schemeClr val="dk1"/>
+                          </a:solidFill>
+                          <a:effectLst/>
+                          <a:latin typeface="+mn-lt"/>
+                          <a:ea typeface="+mn-ea"/>
+                          <a:cs typeface="+mn-cs"/>
+                        </a:rPr>
+                        <a:t>文本替换</a:t>
+                      </a:r>
+                      <a:endParaRPr lang="en-US" dirty="0"/>
+                    </a:p>
+                  </a:txBody>
+                  <a:tcPr/>
+                </a:tc>
+                <a:tc>
+                  <a:txBody>
+                    <a:bodyPr/>
+                    <a:lstStyle/>
+                    <a:p>
+                      <a:r>
+                        <a:rPr lang="en-US" sz="1800" b="0" i="0" kern="1200" dirty="0" smtClean="0">
+                          <a:solidFill>
+                            <a:schemeClr val="dk1"/>
+                          </a:solidFill>
+                          <a:effectLst/>
+                          <a:latin typeface="+mn-lt"/>
+                          <a:ea typeface="+mn-ea"/>
+                          <a:cs typeface="+mn-cs"/>
+                        </a:rPr>
+                        <a:t>&lt;p </a:t>
+                      </a:r>
+                      <a:r>
+                        <a:rPr lang="en-US" sz="1800" b="0" i="0" kern="1200" dirty="0" err="1" smtClean="0">
+                          <a:solidFill>
+                            <a:schemeClr val="dk1"/>
+                          </a:solidFill>
+                          <a:effectLst/>
+                          <a:latin typeface="+mn-lt"/>
+                          <a:ea typeface="+mn-ea"/>
+                          <a:cs typeface="+mn-cs"/>
+                        </a:rPr>
+                        <a:t>th:text</a:t>
+                      </a:r>
+                      <a:r>
+                        <a:rPr lang="en-US" sz="1800" b="0" i="0" kern="1200" dirty="0" smtClean="0">
+                          <a:solidFill>
+                            <a:schemeClr val="dk1"/>
+                          </a:solidFill>
+                          <a:effectLst/>
+                          <a:latin typeface="+mn-lt"/>
+                          <a:ea typeface="+mn-ea"/>
+                          <a:cs typeface="+mn-cs"/>
+                        </a:rPr>
+                        <a:t>="${</a:t>
+                      </a:r>
+                      <a:r>
+                        <a:rPr lang="en-US" sz="1800" b="0" i="0" kern="1200" dirty="0" err="1" smtClean="0">
+                          <a:solidFill>
+                            <a:schemeClr val="dk1"/>
+                          </a:solidFill>
+                          <a:effectLst/>
+                          <a:latin typeface="+mn-lt"/>
+                          <a:ea typeface="+mn-ea"/>
+                          <a:cs typeface="+mn-cs"/>
+                        </a:rPr>
+                        <a:t>collect.description</a:t>
+                      </a:r>
+                      <a:r>
+                        <a:rPr lang="en-US" sz="1800" b="0" i="0" kern="1200" dirty="0" smtClean="0">
+                          <a:solidFill>
+                            <a:schemeClr val="dk1"/>
+                          </a:solidFill>
+                          <a:effectLst/>
+                          <a:latin typeface="+mn-lt"/>
+                          <a:ea typeface="+mn-ea"/>
+                          <a:cs typeface="+mn-cs"/>
+                        </a:rPr>
+                        <a:t>}"&gt;description&lt;/p&gt;</a:t>
+                      </a:r>
+                      <a:endParaRPr lang="en-US" dirty="0"/>
+                    </a:p>
+                  </a:txBody>
+                  <a:tcPr/>
+                </a:tc>
+              </a:tr>
+              <a:tr h="370840">
+                <a:tc>
+                  <a:txBody>
+                    <a:bodyPr/>
+                    <a:lstStyle/>
+                    <a:p>
+                      <a:r>
+                        <a:rPr lang="en-US" sz="1800" b="0" i="0" kern="1200" dirty="0" err="1" smtClean="0">
+                          <a:solidFill>
+                            <a:schemeClr val="dk1"/>
+                          </a:solidFill>
+                          <a:effectLst/>
+                          <a:latin typeface="+mn-lt"/>
+                          <a:ea typeface="+mn-ea"/>
+                          <a:cs typeface="+mn-cs"/>
+                        </a:rPr>
+                        <a:t>th:</a:t>
+                      </a:r>
+                      <a:r>
+                        <a:rPr lang="en-US" altLang="zh-CN" sz="1800" b="0" i="0" kern="1200" dirty="0" err="1" smtClean="0">
+                          <a:solidFill>
+                            <a:schemeClr val="dk1"/>
+                          </a:solidFill>
+                          <a:effectLst/>
+                          <a:latin typeface="+mn-lt"/>
+                          <a:ea typeface="+mn-ea"/>
+                          <a:cs typeface="+mn-cs"/>
+                        </a:rPr>
+                        <a:t>if</a:t>
+                      </a:r>
+                      <a:endParaRPr lang="en-US" dirty="0"/>
+                    </a:p>
+                  </a:txBody>
+                  <a:tcPr/>
+                </a:tc>
+                <a:tc>
+                  <a:txBody>
+                    <a:bodyPr/>
+                    <a:lstStyle/>
+                    <a:p>
+                      <a:r>
+                        <a:rPr lang="zh-CN" altLang="en-US" sz="1800" b="0" i="0" kern="1200" dirty="0" smtClean="0">
+                          <a:solidFill>
+                            <a:schemeClr val="dk1"/>
+                          </a:solidFill>
+                          <a:effectLst/>
+                          <a:latin typeface="+mn-lt"/>
+                          <a:ea typeface="+mn-ea"/>
+                          <a:cs typeface="+mn-cs"/>
+                        </a:rPr>
+                        <a:t>条件判断</a:t>
+                      </a:r>
+                      <a:endParaRPr lang="en-US" dirty="0"/>
+                    </a:p>
+                  </a:txBody>
+                  <a:tcPr/>
+                </a:tc>
+                <a:tc>
+                  <a:txBody>
+                    <a:bodyPr/>
+                    <a:lstStyle/>
+                    <a:p>
+                      <a:r>
+                        <a:rPr lang="en-US" altLang="zh-CN" dirty="0" smtClean="0"/>
+                        <a:t>&lt;div</a:t>
+                      </a:r>
+                      <a:r>
+                        <a:rPr lang="zh-CN" altLang="en-US" dirty="0" smtClean="0"/>
+                        <a:t> </a:t>
+                      </a:r>
+                      <a:r>
+                        <a:rPr lang="en-US" altLang="zh-CN" dirty="0" err="1" smtClean="0"/>
+                        <a:t>th:if</a:t>
+                      </a:r>
+                      <a:r>
+                        <a:rPr lang="en-US" altLang="zh-CN" dirty="0" smtClean="0"/>
+                        <a:t>=”${}”</a:t>
+                      </a:r>
+                      <a:endParaRPr lang="en-US" dirty="0"/>
+                    </a:p>
+                  </a:txBody>
+                  <a:tcPr/>
+                </a:tc>
+              </a:tr>
+              <a:tr h="370840">
+                <a:tc>
+                  <a:txBody>
+                    <a:bodyPr/>
+                    <a:lstStyle/>
+                    <a:p>
+                      <a:r>
+                        <a:rPr lang="en-US" sz="1800" b="0" i="0" kern="1200" dirty="0" err="1" smtClean="0">
+                          <a:solidFill>
+                            <a:schemeClr val="dk1"/>
+                          </a:solidFill>
+                          <a:effectLst/>
+                          <a:latin typeface="+mn-lt"/>
+                          <a:ea typeface="+mn-ea"/>
+                          <a:cs typeface="+mn-cs"/>
+                        </a:rPr>
+                        <a:t>th:each</a:t>
+                      </a:r>
+                      <a:endParaRPr lang="en-US" dirty="0"/>
+                    </a:p>
+                  </a:txBody>
+                  <a:tcPr/>
+                </a:tc>
+                <a:tc>
+                  <a:txBody>
+                    <a:bodyPr/>
+                    <a:lstStyle/>
+                    <a:p>
+                      <a:r>
+                        <a:rPr lang="zh-CN" altLang="en-US" sz="1800" b="0" i="0" kern="1200" dirty="0" smtClean="0">
+                          <a:solidFill>
+                            <a:schemeClr val="dk1"/>
+                          </a:solidFill>
+                          <a:effectLst/>
+                          <a:latin typeface="+mn-lt"/>
+                          <a:ea typeface="+mn-ea"/>
+                          <a:cs typeface="+mn-cs"/>
+                        </a:rPr>
+                        <a:t>循环遍历</a:t>
+                      </a:r>
+                      <a:endParaRPr lang="en-US" dirty="0"/>
+                    </a:p>
+                  </a:txBody>
+                  <a:tcPr/>
+                </a:tc>
+                <a:tc>
+                  <a:txBody>
+                    <a:bodyPr/>
+                    <a:lstStyle/>
+                    <a:p>
+                      <a:r>
+                        <a:rPr lang="en-US" altLang="zh-CN" sz="1800" b="0" i="0" kern="1200" dirty="0" smtClean="0">
+                          <a:solidFill>
+                            <a:schemeClr val="dk1"/>
+                          </a:solidFill>
+                          <a:effectLst/>
+                          <a:latin typeface="+mn-lt"/>
+                          <a:ea typeface="+mn-ea"/>
+                          <a:cs typeface="+mn-cs"/>
+                        </a:rPr>
+                        <a:t>&lt;</a:t>
+                      </a:r>
+                      <a:r>
+                        <a:rPr lang="en-US" sz="1800" b="0" i="0" kern="1200" dirty="0" err="1" smtClean="0">
+                          <a:solidFill>
+                            <a:schemeClr val="dk1"/>
+                          </a:solidFill>
+                          <a:effectLst/>
+                          <a:latin typeface="+mn-lt"/>
+                          <a:ea typeface="+mn-ea"/>
+                          <a:cs typeface="+mn-cs"/>
+                        </a:rPr>
+                        <a:t>tr</a:t>
+                      </a:r>
+                      <a:r>
+                        <a:rPr lang="en-US" sz="1800" b="0" i="0" kern="1200" dirty="0" smtClean="0">
+                          <a:solidFill>
+                            <a:schemeClr val="dk1"/>
+                          </a:solidFill>
+                          <a:effectLst/>
+                          <a:latin typeface="+mn-lt"/>
+                          <a:ea typeface="+mn-ea"/>
+                          <a:cs typeface="+mn-cs"/>
+                        </a:rPr>
+                        <a:t> </a:t>
+                      </a:r>
+                      <a:r>
+                        <a:rPr lang="en-US" sz="1800" b="0" i="0" kern="1200" dirty="0" err="1" smtClean="0">
+                          <a:solidFill>
+                            <a:schemeClr val="dk1"/>
+                          </a:solidFill>
+                          <a:effectLst/>
+                          <a:latin typeface="+mn-lt"/>
+                          <a:ea typeface="+mn-ea"/>
+                          <a:cs typeface="+mn-cs"/>
+                        </a:rPr>
+                        <a:t>th:each</a:t>
+                      </a:r>
+                      <a:r>
+                        <a:rPr lang="en-US" sz="1800" b="0" i="0" kern="1200" dirty="0" smtClean="0">
+                          <a:solidFill>
+                            <a:schemeClr val="dk1"/>
+                          </a:solidFill>
+                          <a:effectLst/>
+                          <a:latin typeface="+mn-lt"/>
+                          <a:ea typeface="+mn-ea"/>
+                          <a:cs typeface="+mn-cs"/>
+                        </a:rPr>
+                        <a:t>=”</a:t>
+                      </a:r>
+                      <a:r>
+                        <a:rPr lang="en-US" altLang="zh-CN" sz="1800" b="0" i="0" kern="1200" dirty="0" smtClean="0">
+                          <a:solidFill>
+                            <a:schemeClr val="dk1"/>
+                          </a:solidFill>
+                          <a:effectLst/>
+                          <a:latin typeface="+mn-lt"/>
+                          <a:ea typeface="+mn-ea"/>
+                          <a:cs typeface="+mn-cs"/>
+                        </a:rPr>
+                        <a:t>user</a:t>
+                      </a:r>
+                      <a:r>
+                        <a:rPr lang="en-US" sz="1800" b="0" i="0" kern="1200" dirty="0" smtClean="0">
+                          <a:solidFill>
+                            <a:schemeClr val="dk1"/>
+                          </a:solidFill>
+                          <a:effectLst/>
+                          <a:latin typeface="+mn-lt"/>
+                          <a:ea typeface="+mn-ea"/>
+                          <a:cs typeface="+mn-cs"/>
+                        </a:rPr>
+                        <a:t>:${users}"&gt;</a:t>
+                      </a:r>
+                    </a:p>
+                    <a:p>
+                      <a:r>
+                        <a:rPr lang="zh-CN" altLang="en-US" sz="1800" b="0" i="0" kern="1200" dirty="0" smtClean="0">
+                          <a:solidFill>
+                            <a:schemeClr val="dk1"/>
+                          </a:solidFill>
+                          <a:effectLst/>
+                          <a:latin typeface="+mn-lt"/>
+                          <a:ea typeface="+mn-ea"/>
+                          <a:cs typeface="+mn-cs"/>
+                        </a:rPr>
+                        <a:t>  </a:t>
+                      </a:r>
+                      <a:r>
+                        <a:rPr lang="en-US" altLang="zh-CN" sz="1800" b="0" i="0" kern="1200" dirty="0" smtClean="0">
+                          <a:solidFill>
+                            <a:schemeClr val="dk1"/>
+                          </a:solidFill>
+                          <a:effectLst/>
+                          <a:latin typeface="+mn-lt"/>
+                          <a:ea typeface="+mn-ea"/>
+                          <a:cs typeface="+mn-cs"/>
+                        </a:rPr>
+                        <a:t>&lt;td</a:t>
+                      </a:r>
+                      <a:r>
+                        <a:rPr lang="zh-CN" altLang="en-US" sz="1800" b="0" i="0" kern="1200" baseline="0" dirty="0" smtClean="0">
+                          <a:solidFill>
+                            <a:schemeClr val="dk1"/>
+                          </a:solidFill>
+                          <a:effectLst/>
+                          <a:latin typeface="+mn-lt"/>
+                          <a:ea typeface="+mn-ea"/>
+                          <a:cs typeface="+mn-cs"/>
+                        </a:rPr>
+                        <a:t> </a:t>
+                      </a:r>
+                      <a:r>
+                        <a:rPr lang="en-US" altLang="zh-CN" sz="1800" b="0" i="0" kern="1200" baseline="0" dirty="0" err="1" smtClean="0">
+                          <a:solidFill>
+                            <a:schemeClr val="dk1"/>
+                          </a:solidFill>
+                          <a:effectLst/>
+                          <a:latin typeface="+mn-lt"/>
+                          <a:ea typeface="+mn-ea"/>
+                          <a:cs typeface="+mn-cs"/>
+                        </a:rPr>
+                        <a:t>th:text</a:t>
+                      </a:r>
+                      <a:r>
+                        <a:rPr lang="en-US" altLang="zh-CN" sz="1800" b="0" i="0" kern="1200" baseline="0" dirty="0" smtClean="0">
+                          <a:solidFill>
+                            <a:schemeClr val="dk1"/>
+                          </a:solidFill>
+                          <a:effectLst/>
+                          <a:latin typeface="+mn-lt"/>
+                          <a:ea typeface="+mn-ea"/>
+                          <a:cs typeface="+mn-cs"/>
+                        </a:rPr>
+                        <a:t>=“${</a:t>
+                      </a:r>
+                      <a:r>
+                        <a:rPr lang="en-US" altLang="zh-CN" sz="1800" b="0" i="0" kern="1200" baseline="0" dirty="0" err="1" smtClean="0">
+                          <a:solidFill>
+                            <a:schemeClr val="dk1"/>
+                          </a:solidFill>
+                          <a:effectLst/>
+                          <a:latin typeface="+mn-lt"/>
+                          <a:ea typeface="+mn-ea"/>
+                          <a:cs typeface="+mn-cs"/>
+                        </a:rPr>
+                        <a:t>user.name</a:t>
+                      </a:r>
+                      <a:r>
+                        <a:rPr lang="en-US" altLang="zh-CN" sz="1800" b="0" i="0" kern="1200" baseline="0" dirty="0" smtClean="0">
+                          <a:solidFill>
+                            <a:schemeClr val="dk1"/>
+                          </a:solidFill>
+                          <a:effectLst/>
+                          <a:latin typeface="+mn-lt"/>
+                          <a:ea typeface="+mn-ea"/>
+                          <a:cs typeface="+mn-cs"/>
+                        </a:rPr>
+                        <a:t>}”&gt;&lt;/td&gt;</a:t>
+                      </a:r>
+                      <a:endParaRPr lang="en-US" sz="1800" b="0" i="0" kern="1200" dirty="0" smtClean="0">
+                        <a:solidFill>
+                          <a:schemeClr val="dk1"/>
+                        </a:solidFill>
+                        <a:effectLst/>
+                        <a:latin typeface="+mn-lt"/>
+                        <a:ea typeface="+mn-ea"/>
+                        <a:cs typeface="+mn-cs"/>
+                      </a:endParaRPr>
+                    </a:p>
+                    <a:p>
+                      <a:r>
+                        <a:rPr lang="en-US" altLang="zh-CN" sz="1800" b="0" i="0" kern="1200" dirty="0" smtClean="0">
+                          <a:solidFill>
+                            <a:schemeClr val="dk1"/>
+                          </a:solidFill>
+                          <a:effectLst/>
+                          <a:latin typeface="+mn-lt"/>
+                          <a:ea typeface="+mn-ea"/>
+                          <a:cs typeface="+mn-cs"/>
+                        </a:rPr>
+                        <a:t>&lt;/</a:t>
+                      </a:r>
+                      <a:r>
+                        <a:rPr lang="en-US" altLang="zh-CN" sz="1800" b="0" i="0" kern="1200" dirty="0" err="1" smtClean="0">
+                          <a:solidFill>
+                            <a:schemeClr val="dk1"/>
+                          </a:solidFill>
+                          <a:effectLst/>
+                          <a:latin typeface="+mn-lt"/>
+                          <a:ea typeface="+mn-ea"/>
+                          <a:cs typeface="+mn-cs"/>
+                        </a:rPr>
+                        <a:t>tr</a:t>
+                      </a:r>
+                      <a:r>
+                        <a:rPr lang="en-US" altLang="zh-CN" sz="1800" b="0" i="0" kern="1200" dirty="0" smtClean="0">
+                          <a:solidFill>
+                            <a:schemeClr val="dk1"/>
+                          </a:solidFill>
+                          <a:effectLst/>
+                          <a:latin typeface="+mn-lt"/>
+                          <a:ea typeface="+mn-ea"/>
+                          <a:cs typeface="+mn-cs"/>
+                        </a:rPr>
+                        <a:t>&gt;</a:t>
+                      </a:r>
+                      <a:endParaRPr lang="en-US" dirty="0"/>
+                    </a:p>
+                  </a:txBody>
+                  <a:tcPr/>
+                </a:tc>
+              </a:tr>
+            </a:tbl>
+          </a:graphicData>
+        </a:graphic>
+      </p:graphicFrame>
+    </p:spTree>
+    <p:extLst>
+      <p:ext uri="{BB962C8B-B14F-4D97-AF65-F5344CB8AC3E}">
+        <p14:creationId xmlns:p14="http://schemas.microsoft.com/office/powerpoint/2010/main" val="181367085"/>
       </p:ext>
     </p:extLst>
   </p:cSld>
@@ -3414,4 +10170,265 @@
     </a:ext>
   </a:extLst>
 </a:theme>
+</file>
+
+<file path=ppt/theme/theme2.xml><?xml version="1.0" encoding="utf-8"?>
+<a:theme xmlns:a="http://schemas.openxmlformats.org/drawingml/2006/main" name="Office Theme">
+  <a:themeElements>
+    <a:clrScheme name="Office">
+      <a:dk1>
+        <a:sysClr val="windowText" lastClr="000000"/>
+      </a:dk1>
+      <a:lt1>
+        <a:sysClr val="window" lastClr="FFFFFF"/>
+      </a:lt1>
+      <a:dk2>
+        <a:srgbClr val="44546A"/>
+      </a:dk2>
+      <a:lt2>
+        <a:srgbClr val="E7E6E6"/>
+      </a:lt2>
+      <a:accent1>
+        <a:srgbClr val="5B9BD5"/>
+      </a:accent1>
+      <a:accent2>
+        <a:srgbClr val="ED7D31"/>
+      </a:accent2>
+      <a:accent3>
+        <a:srgbClr val="A5A5A5"/>
+      </a:accent3>
+      <a:accent4>
+        <a:srgbClr val="FFC000"/>
+      </a:accent4>
+      <a:accent5>
+        <a:srgbClr val="4472C4"/>
+      </a:accent5>
+      <a:accent6>
+        <a:srgbClr val="70AD47"/>
+      </a:accent6>
+      <a:hlink>
+        <a:srgbClr val="0563C1"/>
+      </a:hlink>
+      <a:folHlink>
+        <a:srgbClr val="954F72"/>
+      </a:folHlink>
+    </a:clrScheme>
+    <a:fontScheme name="Office">
+      <a:majorFont>
+        <a:latin typeface="Calibri Light" panose="020F0302020204030204"/>
+        <a:ea typeface=""/>
+        <a:cs typeface=""/>
+        <a:font script="Jpan" typeface="Yu Gothic Light"/>
+        <a:font script="Hang" typeface="맑은 고딕"/>
+        <a:font script="Hans" typeface="DengXian Light"/>
+        <a:font script="Hant" typeface="新細明體"/>
+        <a:font script="Arab" typeface="Times New Roman"/>
+        <a:font script="Hebr" typeface="Times New Roman"/>
+        <a:font script="Thai" typeface="Angsana New"/>
+        <a:font script="Ethi" typeface="Nyala"/>
+        <a:font script="Beng" typeface="Vrinda"/>
+        <a:font script="Gujr" typeface="Shruti"/>
+        <a:font script="Khmr" typeface="MoolBoran"/>
+        <a:font script="Knda" typeface="Tunga"/>
+        <a:font script="Guru" typeface="Raavi"/>
+        <a:font script="Cans" typeface="Euphemia"/>
+        <a:font script="Cher" typeface="Plantagenet Cherokee"/>
+        <a:font script="Yiii" typeface="Microsoft Yi Baiti"/>
+        <a:font script="Tibt" typeface="Microsoft Himalaya"/>
+        <a:font script="Thaa" typeface="MV Boli"/>
+        <a:font script="Deva" typeface="Mangal"/>
+        <a:font script="Telu" typeface="Gautami"/>
+        <a:font script="Taml" typeface="Latha"/>
+        <a:font script="Syrc" typeface="Estrangelo Edessa"/>
+        <a:font script="Orya" typeface="Kalinga"/>
+        <a:font script="Mlym" typeface="Kartika"/>
+        <a:font script="Laoo" typeface="DokChampa"/>
+        <a:font script="Sinh" typeface="Iskoola Pota"/>
+        <a:font script="Mong" typeface="Mongolian Baiti"/>
+        <a:font script="Viet" typeface="Times New Roman"/>
+        <a:font script="Uigh" typeface="Microsoft Uighur"/>
+        <a:font script="Geor" typeface="Sylfaen"/>
+      </a:majorFont>
+      <a:minorFont>
+        <a:latin typeface="Calibri" panose="020F0502020204030204"/>
+        <a:ea typeface=""/>
+        <a:cs typeface=""/>
+        <a:font script="Jpan" typeface="Yu Gothic"/>
+        <a:font script="Hang" typeface="맑은 고딕"/>
+        <a:font script="Hans" typeface="DengXian"/>
+        <a:font script="Hant" typeface="新細明體"/>
+        <a:font script="Arab" typeface="Arial"/>
+        <a:font script="Hebr" typeface="Arial"/>
+        <a:font script="Thai" typeface="Cordia New"/>
+        <a:font script="Ethi" typeface="Nyala"/>
+        <a:font script="Beng" typeface="Vrinda"/>
+        <a:font script="Gujr" typeface="Shruti"/>
+        <a:font script="Khmr" typeface="DaunPenh"/>
+        <a:font script="Knda" typeface="Tunga"/>
+        <a:font script="Guru" typeface="Raavi"/>
+        <a:font script="Cans" typeface="Euphemia"/>
+        <a:font script="Cher" typeface="Plantagenet Cherokee"/>
+        <a:font script="Yiii" typeface="Microsoft Yi Baiti"/>
+        <a:font script="Tibt" typeface="Microsoft Himalaya"/>
+        <a:font script="Thaa" typeface="MV Boli"/>
+        <a:font script="Deva" typeface="Mangal"/>
+        <a:font script="Telu" typeface="Gautami"/>
+        <a:font script="Taml" typeface="Latha"/>
+        <a:font script="Syrc" typeface="Estrangelo Edessa"/>
+        <a:font script="Orya" typeface="Kalinga"/>
+        <a:font script="Mlym" typeface="Kartika"/>
+        <a:font script="Laoo" typeface="DokChampa"/>
+        <a:font script="Sinh" typeface="Iskoola Pota"/>
+        <a:font script="Mong" typeface="Mongolian Baiti"/>
+        <a:font script="Viet" typeface="Arial"/>
+        <a:font script="Uigh" typeface="Microsoft Uighur"/>
+        <a:font script="Geor" typeface="Sylfaen"/>
+      </a:minorFont>
+    </a:fontScheme>
+    <a:fmtScheme name="Office">
+      <a:fillStyleLst>
+        <a:solidFill>
+          <a:schemeClr val="phClr"/>
+        </a:solidFill>
+        <a:gradFill rotWithShape="1">
+          <a:gsLst>
+            <a:gs pos="0">
+              <a:schemeClr val="phClr">
+                <a:lumMod val="110000"/>
+                <a:satMod val="105000"/>
+                <a:tint val="67000"/>
+              </a:schemeClr>
+            </a:gs>
+            <a:gs pos="50000">
+              <a:schemeClr val="phClr">
+                <a:lumMod val="105000"/>
+                <a:satMod val="103000"/>
+                <a:tint val="73000"/>
+              </a:schemeClr>
+            </a:gs>
+            <a:gs pos="100000">
+              <a:schemeClr val="phClr">
+                <a:lumMod val="105000"/>
+                <a:satMod val="109000"/>
+                <a:tint val="81000"/>
+              </a:schemeClr>
+            </a:gs>
+          </a:gsLst>
+          <a:lin ang="5400000" scaled="0"/>
+        </a:gradFill>
+        <a:gradFill rotWithShape="1">
+          <a:gsLst>
+            <a:gs pos="0">
+              <a:schemeClr val="phClr">
+                <a:satMod val="103000"/>
+                <a:lumMod val="102000"/>
+                <a:tint val="94000"/>
+              </a:schemeClr>
+            </a:gs>
+            <a:gs pos="50000">
+              <a:schemeClr val="phClr">
+                <a:satMod val="110000"/>
+                <a:lumMod val="100000"/>
+                <a:shade val="100000"/>
+              </a:schemeClr>
+            </a:gs>
+            <a:gs pos="100000">
+              <a:schemeClr val="phClr">
+                <a:lumMod val="99000"/>
+                <a:satMod val="120000"/>
+                <a:shade val="78000"/>
+              </a:schemeClr>
+            </a:gs>
+          </a:gsLst>
+          <a:lin ang="5400000" scaled="0"/>
+        </a:gradFill>
+      </a:fillStyleLst>
+      <a:lnStyleLst>
+        <a:ln w="6350" cap="flat" cmpd="sng" algn="ctr">
+          <a:solidFill>
+            <a:schemeClr val="phClr"/>
+          </a:solidFill>
+          <a:prstDash val="solid"/>
+          <a:miter lim="800000"/>
+        </a:ln>
+        <a:ln w="12700" cap="flat" cmpd="sng" algn="ctr">
+          <a:solidFill>
+            <a:schemeClr val="phClr"/>
+          </a:solidFill>
+          <a:prstDash val="solid"/>
+          <a:miter lim="800000"/>
+        </a:ln>
+        <a:ln w="19050" cap="flat" cmpd="sng" algn="ctr">
+          <a:solidFill>
+            <a:schemeClr val="phClr"/>
+          </a:solidFill>
+          <a:prstDash val="solid"/>
+          <a:miter lim="800000"/>
+        </a:ln>
+      </a:lnStyleLst>
+      <a:effectStyleLst>
+        <a:effectStyle>
+          <a:effectLst/>
+        </a:effectStyle>
+        <a:effectStyle>
+          <a:effectLst/>
+        </a:effectStyle>
+        <a:effectStyle>
+          <a:effectLst>
+            <a:outerShdw blurRad="57150" dist="19050" dir="5400000" algn="ctr" rotWithShape="0">
+              <a:srgbClr val="000000">
+                <a:alpha val="63000"/>
+              </a:srgbClr>
+            </a:outerShdw>
+          </a:effectLst>
+        </a:effectStyle>
+      </a:effectStyleLst>
+      <a:bgFillStyleLst>
+        <a:solidFill>
+          <a:schemeClr val="phClr"/>
+        </a:solidFill>
+        <a:solidFill>
+          <a:schemeClr val="phClr">
+            <a:tint val="95000"/>
+            <a:satMod val="170000"/>
+          </a:schemeClr>
+        </a:solidFill>
+        <a:gradFill rotWithShape="1">
+          <a:gsLst>
+            <a:gs pos="0">
+              <a:schemeClr val="phClr">
+                <a:tint val="93000"/>
+                <a:satMod val="150000"/>
+                <a:shade val="98000"/>
+                <a:lumMod val="102000"/>
+              </a:schemeClr>
+            </a:gs>
+            <a:gs pos="50000">
+              <a:schemeClr val="phClr">
+                <a:tint val="98000"/>
+                <a:satMod val="130000"/>
+                <a:shade val="90000"/>
+                <a:lumMod val="103000"/>
+              </a:schemeClr>
+            </a:gs>
+            <a:gs pos="100000">
+              <a:schemeClr val="phClr">
+                <a:shade val="63000"/>
+                <a:satMod val="120000"/>
+              </a:schemeClr>
+            </a:gs>
+          </a:gsLst>
+          <a:lin ang="5400000" scaled="0"/>
+        </a:gradFill>
+      </a:bgFillStyleLst>
+    </a:fmtScheme>
+  </a:themeElements>
+  <a:objectDefaults/>
+  <a:extraClrSchemeLst/>
+  <a:extLst>
+    <a:ext uri="{05A4C25C-085E-4340-85A3-A5531E510DB2}">
+      <thm15:themeFamily xmlns:thm15="http://schemas.microsoft.com/office/thememl/2012/main" name="Office Theme" id="{62F939B6-93AF-4DB8-9C6B-D6C7DFDC589F}" vid="{4A3C46E8-61CC-4603-A589-7422A47A8E4A}"/>
+    </a:ext>
+  </a:extLst>
+</a:theme>
 </file>
--- a/springboot/SpringBoot-4.pptx
+++ b/springboot/SpringBoot-4.pptx
@@ -5,7 +5,7 @@
     <p:sldMasterId id="2147483648" r:id="rId1"/>
   </p:sldMasterIdLst>
   <p:notesMasterIdLst>
-    <p:notesMasterId r:id="rId37"/>
+    <p:notesMasterId r:id="rId39"/>
   </p:notesMasterIdLst>
   <p:sldIdLst>
     <p:sldId id="256" r:id="rId2"/>
@@ -41,8 +41,10 @@
     <p:sldId id="286" r:id="rId32"/>
     <p:sldId id="293" r:id="rId33"/>
     <p:sldId id="294" r:id="rId34"/>
-    <p:sldId id="288" r:id="rId35"/>
-    <p:sldId id="276" r:id="rId36"/>
+    <p:sldId id="296" r:id="rId35"/>
+    <p:sldId id="288" r:id="rId36"/>
+    <p:sldId id="295" r:id="rId37"/>
+    <p:sldId id="276" r:id="rId38"/>
   </p:sldIdLst>
   <p:sldSz cx="12192000" cy="6858000"/>
   <p:notesSz cx="6858000" cy="9144000"/>
@@ -8160,6 +8162,180 @@
           <a:lstStyle/>
           <a:p>
             <a:r>
+              <a:rPr lang="en-US" dirty="0" err="1"/>
+              <a:t>CaffeineCache</a:t>
+            </a:r>
+            <a:endParaRPr lang="en-US" dirty="0"/>
+          </a:p>
+        </p:txBody>
+      </p:sp>
+      <p:sp>
+        <p:nvSpPr>
+          <p:cNvPr id="3" name="Content Placeholder 2"/>
+          <p:cNvSpPr>
+            <a:spLocks noGrp="1"/>
+          </p:cNvSpPr>
+          <p:nvPr>
+            <p:ph idx="1"/>
+          </p:nvPr>
+        </p:nvSpPr>
+        <p:spPr/>
+        <p:txBody>
+          <a:bodyPr/>
+          <a:lstStyle/>
+          <a:p>
+            <a:r>
+              <a:rPr lang="en-US" altLang="zh-CN" dirty="0" err="1" smtClean="0"/>
+              <a:t>Springboot</a:t>
+            </a:r>
+            <a:r>
+              <a:rPr lang="zh-CN" altLang="en-US" dirty="0" smtClean="0"/>
+              <a:t> </a:t>
+            </a:r>
+            <a:r>
+              <a:rPr lang="en-US" altLang="zh-CN" dirty="0" smtClean="0"/>
+              <a:t>5.x</a:t>
+            </a:r>
+            <a:r>
+              <a:rPr lang="zh-CN" altLang="en-US" dirty="0" smtClean="0"/>
+              <a:t>开始放弃了</a:t>
+            </a:r>
+            <a:r>
+              <a:rPr lang="en-US" altLang="zh-CN" dirty="0" err="1" smtClean="0"/>
+              <a:t>GuavaCache</a:t>
+            </a:r>
+            <a:r>
+              <a:rPr lang="zh-CN" altLang="en-US" dirty="0" smtClean="0"/>
+              <a:t>，改为替换成</a:t>
+            </a:r>
+            <a:r>
+              <a:rPr lang="en-US" altLang="zh-CN" dirty="0" err="1" smtClean="0"/>
+              <a:t>CaffeineCache</a:t>
+            </a:r>
+            <a:endParaRPr lang="en-US" altLang="zh-CN" dirty="0" smtClean="0"/>
+          </a:p>
+          <a:p>
+            <a:r>
+              <a:rPr lang="zh-CN" altLang="en-US" dirty="0" smtClean="0"/>
+              <a:t>性能更好</a:t>
+            </a:r>
+            <a:endParaRPr lang="en-US" altLang="zh-CN" dirty="0" smtClean="0"/>
+          </a:p>
+          <a:p>
+            <a:r>
+              <a:rPr lang="en-US" altLang="zh-CN" dirty="0" smtClean="0"/>
+              <a:t>API</a:t>
+            </a:r>
+            <a:r>
+              <a:rPr lang="zh-CN" altLang="en-US" dirty="0" smtClean="0"/>
+              <a:t>与</a:t>
+            </a:r>
+            <a:r>
+              <a:rPr lang="en-US" altLang="zh-CN" dirty="0" err="1" smtClean="0"/>
+              <a:t>GuavaCache</a:t>
+            </a:r>
+            <a:r>
+              <a:rPr lang="zh-CN" altLang="en-US" dirty="0" smtClean="0"/>
+              <a:t>兼容</a:t>
+            </a:r>
+            <a:endParaRPr lang="en-US" dirty="0"/>
+          </a:p>
+        </p:txBody>
+      </p:sp>
+      <p:pic>
+        <p:nvPicPr>
+          <p:cNvPr id="2050" name="Picture 2" descr="¯ä»ä¹è®©spring 5æ¾å¼äºä½¿ç¨Guava Cacheï¼"/>
+          <p:cNvPicPr>
+            <a:picLocks noChangeAspect="1" noChangeArrowheads="1"/>
+          </p:cNvPicPr>
+          <p:nvPr/>
+        </p:nvPicPr>
+        <p:blipFill>
+          <a:blip r:embed="rId2">
+            <a:extLst>
+              <a:ext uri="{28A0092B-C50C-407E-A947-70E740481C1C}">
+                <a14:useLocalDpi xmlns:a14="http://schemas.microsoft.com/office/drawing/2010/main" val="0"/>
+              </a:ext>
+            </a:extLst>
+          </a:blip>
+          <a:srcRect/>
+          <a:stretch>
+            <a:fillRect/>
+          </a:stretch>
+        </p:blipFill>
+        <p:spPr bwMode="auto">
+          <a:xfrm>
+            <a:off x="5300663" y="3262313"/>
+            <a:ext cx="8415338" cy="3867150"/>
+          </a:xfrm>
+          <a:prstGeom prst="rect">
+            <a:avLst/>
+          </a:prstGeom>
+          <a:noFill/>
+          <a:extLst>
+            <a:ext uri="{909E8E84-426E-40DD-AFC4-6F175D3DCCD1}">
+              <a14:hiddenFill xmlns:a14="http://schemas.microsoft.com/office/drawing/2010/main">
+                <a:solidFill>
+                  <a:srgbClr val="FFFFFF"/>
+                </a:solidFill>
+              </a14:hiddenFill>
+            </a:ext>
+          </a:extLst>
+        </p:spPr>
+      </p:pic>
+    </p:spTree>
+    <p:extLst>
+      <p:ext uri="{BB962C8B-B14F-4D97-AF65-F5344CB8AC3E}">
+        <p14:creationId xmlns:p14="http://schemas.microsoft.com/office/powerpoint/2010/main" val="381407387"/>
+      </p:ext>
+    </p:extLst>
+  </p:cSld>
+  <p:clrMapOvr>
+    <a:masterClrMapping/>
+  </p:clrMapOvr>
+  <p:timing>
+    <p:tnLst>
+      <p:par>
+        <p:cTn id="1" dur="indefinite" restart="never" nodeType="tmRoot"/>
+      </p:par>
+    </p:tnLst>
+  </p:timing>
+</p:sld>
+</file>
+
+<file path=ppt/slides/slide35.xml><?xml version="1.0" encoding="utf-8"?>
+<p:sld xmlns:a="http://schemas.openxmlformats.org/drawingml/2006/main" xmlns:r="http://schemas.openxmlformats.org/officeDocument/2006/relationships" xmlns:p="http://schemas.openxmlformats.org/presentationml/2006/main">
+  <p:cSld>
+    <p:spTree>
+      <p:nvGrpSpPr>
+        <p:cNvPr id="1" name=""/>
+        <p:cNvGrpSpPr/>
+        <p:nvPr/>
+      </p:nvGrpSpPr>
+      <p:grpSpPr>
+        <a:xfrm>
+          <a:off x="0" y="0"/>
+          <a:ext cx="0" cy="0"/>
+          <a:chOff x="0" y="0"/>
+          <a:chExt cx="0" cy="0"/>
+        </a:xfrm>
+      </p:grpSpPr>
+      <p:sp>
+        <p:nvSpPr>
+          <p:cNvPr id="2" name="Title 1"/>
+          <p:cNvSpPr>
+            <a:spLocks noGrp="1"/>
+          </p:cNvSpPr>
+          <p:nvPr>
+            <p:ph type="title"/>
+          </p:nvPr>
+        </p:nvSpPr>
+        <p:spPr/>
+        <p:txBody>
+          <a:bodyPr/>
+          <a:lstStyle/>
+          <a:p>
+            <a:r>
               <a:rPr lang="en-US" altLang="zh-CN" dirty="0" err="1" smtClean="0"/>
               <a:t>SpringBoot</a:t>
             </a:r>
@@ -8168,8 +8344,8 @@
               <a:t>集成</a:t>
             </a:r>
             <a:r>
-              <a:rPr lang="en-US" altLang="zh-CN" dirty="0" err="1" smtClean="0"/>
-              <a:t>GuavaCache</a:t>
+              <a:rPr lang="en-US" altLang="zh-CN" dirty="0" smtClean="0"/>
+              <a:t>Caffeine</a:t>
             </a:r>
             <a:endParaRPr lang="en-US" dirty="0"/>
           </a:p>
@@ -8192,16 +8368,36 @@
           <a:p>
             <a:r>
               <a:rPr lang="zh-CN" altLang="en-US" dirty="0" smtClean="0"/>
-              <a:t>配置</a:t>
-            </a:r>
-            <a:r>
-              <a:rPr lang="en-US" altLang="zh-CN" dirty="0" err="1" smtClean="0"/>
-              <a:t>CacheManager</a:t>
+              <a:t>引入依赖</a:t>
             </a:r>
             <a:endParaRPr lang="en-US" dirty="0"/>
           </a:p>
         </p:txBody>
       </p:sp>
+      <p:pic>
+        <p:nvPicPr>
+          <p:cNvPr id="5" name="Picture 4"/>
+          <p:cNvPicPr>
+            <a:picLocks noChangeAspect="1"/>
+          </p:cNvPicPr>
+          <p:nvPr/>
+        </p:nvPicPr>
+        <p:blipFill>
+          <a:blip r:embed="rId2"/>
+          <a:stretch>
+            <a:fillRect/>
+          </a:stretch>
+        </p:blipFill>
+        <p:spPr>
+          <a:xfrm>
+            <a:off x="838199" y="2481262"/>
+            <a:ext cx="10791481" cy="3590926"/>
+          </a:xfrm>
+          <a:prstGeom prst="rect">
+            <a:avLst/>
+          </a:prstGeom>
+        </p:spPr>
+      </p:pic>
     </p:spTree>
     <p:extLst>
       <p:ext uri="{BB962C8B-B14F-4D97-AF65-F5344CB8AC3E}">
@@ -8222,7 +8418,110 @@
 </p:sld>
 </file>
 
-<file path=ppt/slides/slide35.xml><?xml version="1.0" encoding="utf-8"?>
+<file path=ppt/slides/slide36.xml><?xml version="1.0" encoding="utf-8"?>
+<p:sld xmlns:a="http://schemas.openxmlformats.org/drawingml/2006/main" xmlns:r="http://schemas.openxmlformats.org/officeDocument/2006/relationships" xmlns:p="http://schemas.openxmlformats.org/presentationml/2006/main">
+  <p:cSld>
+    <p:spTree>
+      <p:nvGrpSpPr>
+        <p:cNvPr id="1" name=""/>
+        <p:cNvGrpSpPr/>
+        <p:nvPr/>
+      </p:nvGrpSpPr>
+      <p:grpSpPr>
+        <a:xfrm>
+          <a:off x="0" y="0"/>
+          <a:ext cx="0" cy="0"/>
+          <a:chOff x="0" y="0"/>
+          <a:chExt cx="0" cy="0"/>
+        </a:xfrm>
+      </p:grpSpPr>
+      <p:sp>
+        <p:nvSpPr>
+          <p:cNvPr id="2" name="Title 1"/>
+          <p:cNvSpPr>
+            <a:spLocks noGrp="1"/>
+          </p:cNvSpPr>
+          <p:nvPr>
+            <p:ph type="title"/>
+          </p:nvPr>
+        </p:nvSpPr>
+        <p:spPr/>
+        <p:txBody>
+          <a:bodyPr/>
+          <a:lstStyle/>
+          <a:p>
+            <a:r>
+              <a:rPr lang="en-US" altLang="zh-CN" dirty="0" err="1" smtClean="0"/>
+              <a:t>CacheConfig</a:t>
+            </a:r>
+            <a:endParaRPr lang="en-US" dirty="0"/>
+          </a:p>
+        </p:txBody>
+      </p:sp>
+      <p:sp>
+        <p:nvSpPr>
+          <p:cNvPr id="3" name="Content Placeholder 2"/>
+          <p:cNvSpPr>
+            <a:spLocks noGrp="1"/>
+          </p:cNvSpPr>
+          <p:nvPr>
+            <p:ph idx="1"/>
+          </p:nvPr>
+        </p:nvSpPr>
+        <p:spPr/>
+        <p:txBody>
+          <a:bodyPr/>
+          <a:lstStyle/>
+          <a:p>
+            <a:endParaRPr lang="en-US"/>
+          </a:p>
+        </p:txBody>
+      </p:sp>
+      <p:pic>
+        <p:nvPicPr>
+          <p:cNvPr id="4" name="Picture 3"/>
+          <p:cNvPicPr>
+            <a:picLocks noChangeAspect="1"/>
+          </p:cNvPicPr>
+          <p:nvPr/>
+        </p:nvPicPr>
+        <p:blipFill>
+          <a:blip r:embed="rId2"/>
+          <a:stretch>
+            <a:fillRect/>
+          </a:stretch>
+        </p:blipFill>
+        <p:spPr>
+          <a:xfrm>
+            <a:off x="838200" y="2002631"/>
+            <a:ext cx="9510712" cy="4755356"/>
+          </a:xfrm>
+          <a:prstGeom prst="rect">
+            <a:avLst/>
+          </a:prstGeom>
+        </p:spPr>
+      </p:pic>
+    </p:spTree>
+    <p:extLst>
+      <p:ext uri="{BB962C8B-B14F-4D97-AF65-F5344CB8AC3E}">
+        <p14:creationId xmlns:p14="http://schemas.microsoft.com/office/powerpoint/2010/main" val="1289776343"/>
+      </p:ext>
+    </p:extLst>
+  </p:cSld>
+  <p:clrMapOvr>
+    <a:masterClrMapping/>
+  </p:clrMapOvr>
+  <p:timing>
+    <p:tnLst>
+      <p:par>
+        <p:cTn id="1" dur="indefinite" restart="never" nodeType="tmRoot"/>
+      </p:par>
+    </p:tnLst>
+  </p:timing>
+</p:sld>
+</file>
+
+<file path=ppt/slides/slide37.xml><?xml version="1.0" encoding="utf-8"?>
 <p:sld xmlns:a="http://schemas.openxmlformats.org/drawingml/2006/main" xmlns:r="http://schemas.openxmlformats.org/officeDocument/2006/relationships" xmlns:p="http://schemas.openxmlformats.org/presentationml/2006/main">
   <p:cSld>
     <p:spTree>
@@ -8441,6 +8740,13 @@
   <p:clrMapOvr>
     <a:masterClrMapping/>
   </p:clrMapOvr>
+  <p:timing>
+    <p:tnLst>
+      <p:par>
+        <p:cTn id="1" dur="indefinite" restart="never" nodeType="tmRoot"/>
+      </p:par>
+    </p:tnLst>
+  </p:timing>
 </p:sld>
 </file>
 
@@ -8597,6 +8903,13 @@
   <p:clrMapOvr>
     <a:masterClrMapping/>
   </p:clrMapOvr>
+  <p:timing>
+    <p:tnLst>
+      <p:par>
+        <p:cTn id="1" dur="indefinite" restart="never" nodeType="tmRoot"/>
+      </p:par>
+    </p:tnLst>
+  </p:timing>
 </p:sld>
 </file>
 
@@ -8761,6 +9074,13 @@
   <p:clrMapOvr>
     <a:masterClrMapping/>
   </p:clrMapOvr>
+  <p:timing>
+    <p:tnLst>
+      <p:par>
+        <p:cTn id="1" dur="indefinite" restart="never" nodeType="tmRoot"/>
+      </p:par>
+    </p:tnLst>
+  </p:timing>
 </p:sld>
 </file>
 
@@ -8945,6 +9265,13 @@
   <p:clrMapOvr>
     <a:masterClrMapping/>
   </p:clrMapOvr>
+  <p:timing>
+    <p:tnLst>
+      <p:par>
+        <p:cTn id="1" dur="indefinite" restart="never" nodeType="tmRoot"/>
+      </p:par>
+    </p:tnLst>
+  </p:timing>
 </p:sld>
 </file>
 
@@ -9164,6 +9491,13 @@
   <p:clrMapOvr>
     <a:masterClrMapping/>
   </p:clrMapOvr>
+  <p:timing>
+    <p:tnLst>
+      <p:par>
+        <p:cTn id="1" dur="indefinite" restart="never" nodeType="tmRoot"/>
+      </p:par>
+    </p:tnLst>
+  </p:timing>
 </p:sld>
 </file>
 
@@ -9908,6 +10242,13 @@
   <p:clrMapOvr>
     <a:masterClrMapping/>
   </p:clrMapOvr>
+  <p:timing>
+    <p:tnLst>
+      <p:par>
+        <p:cTn id="1" dur="indefinite" restart="never" nodeType="tmRoot"/>
+      </p:par>
+    </p:tnLst>
+  </p:timing>
 </p:sld>
 </file>
 

--- a/springboot/SpringBoot-4.pptx
+++ b/springboot/SpringBoot-4.pptx
@@ -5,7 +5,7 @@
     <p:sldMasterId id="2147483648" r:id="rId1"/>
   </p:sldMasterIdLst>
   <p:notesMasterIdLst>
-    <p:notesMasterId r:id="rId39"/>
+    <p:notesMasterId r:id="rId41"/>
   </p:notesMasterIdLst>
   <p:sldIdLst>
     <p:sldId id="256" r:id="rId2"/>
@@ -44,7 +44,9 @@
     <p:sldId id="296" r:id="rId35"/>
     <p:sldId id="288" r:id="rId36"/>
     <p:sldId id="295" r:id="rId37"/>
-    <p:sldId id="276" r:id="rId38"/>
+    <p:sldId id="297" r:id="rId38"/>
+    <p:sldId id="298" r:id="rId39"/>
+    <p:sldId id="299" r:id="rId40"/>
   </p:sldIdLst>
   <p:sldSz cx="12192000" cy="6858000"/>
   <p:notesSz cx="6858000" cy="9144000"/>
@@ -233,7 +235,7 @@
           <a:p>
             <a:fld id="{67833E2B-1E1C-584C-AB0E-874E8D11E09F}" type="datetimeFigureOut">
               <a:rPr lang="en-US" smtClean="0"/>
-              <a:t>5/29/19</a:t>
+              <a:t>5/31/19</a:t>
             </a:fld>
             <a:endParaRPr lang="en-US"/>
           </a:p>
@@ -998,7 +1000,7 @@
           <a:p>
             <a:fld id="{D0EBFAD4-7C52-124E-A3EA-A851705B6B25}" type="datetimeFigureOut">
               <a:rPr lang="en-US" smtClean="0"/>
-              <a:t>5/29/19</a:t>
+              <a:t>5/31/19</a:t>
             </a:fld>
             <a:endParaRPr lang="en-US"/>
           </a:p>
@@ -1168,7 +1170,7 @@
           <a:p>
             <a:fld id="{D0EBFAD4-7C52-124E-A3EA-A851705B6B25}" type="datetimeFigureOut">
               <a:rPr lang="en-US" smtClean="0"/>
-              <a:t>5/29/19</a:t>
+              <a:t>5/31/19</a:t>
             </a:fld>
             <a:endParaRPr lang="en-US"/>
           </a:p>
@@ -1348,7 +1350,7 @@
           <a:p>
             <a:fld id="{D0EBFAD4-7C52-124E-A3EA-A851705B6B25}" type="datetimeFigureOut">
               <a:rPr lang="en-US" smtClean="0"/>
-              <a:t>5/29/19</a:t>
+              <a:t>5/31/19</a:t>
             </a:fld>
             <a:endParaRPr lang="en-US"/>
           </a:p>
@@ -1518,7 +1520,7 @@
           <a:p>
             <a:fld id="{D0EBFAD4-7C52-124E-A3EA-A851705B6B25}" type="datetimeFigureOut">
               <a:rPr lang="en-US" smtClean="0"/>
-              <a:t>5/29/19</a:t>
+              <a:t>5/31/19</a:t>
             </a:fld>
             <a:endParaRPr lang="en-US"/>
           </a:p>
@@ -1764,7 +1766,7 @@
           <a:p>
             <a:fld id="{D0EBFAD4-7C52-124E-A3EA-A851705B6B25}" type="datetimeFigureOut">
               <a:rPr lang="en-US" smtClean="0"/>
-              <a:t>5/29/19</a:t>
+              <a:t>5/31/19</a:t>
             </a:fld>
             <a:endParaRPr lang="en-US"/>
           </a:p>
@@ -1996,7 +1998,7 @@
           <a:p>
             <a:fld id="{D0EBFAD4-7C52-124E-A3EA-A851705B6B25}" type="datetimeFigureOut">
               <a:rPr lang="en-US" smtClean="0"/>
-              <a:t>5/29/19</a:t>
+              <a:t>5/31/19</a:t>
             </a:fld>
             <a:endParaRPr lang="en-US"/>
           </a:p>
@@ -2363,7 +2365,7 @@
           <a:p>
             <a:fld id="{D0EBFAD4-7C52-124E-A3EA-A851705B6B25}" type="datetimeFigureOut">
               <a:rPr lang="en-US" smtClean="0"/>
-              <a:t>5/29/19</a:t>
+              <a:t>5/31/19</a:t>
             </a:fld>
             <a:endParaRPr lang="en-US"/>
           </a:p>
@@ -2481,7 +2483,7 @@
           <a:p>
             <a:fld id="{D0EBFAD4-7C52-124E-A3EA-A851705B6B25}" type="datetimeFigureOut">
               <a:rPr lang="en-US" smtClean="0"/>
-              <a:t>5/29/19</a:t>
+              <a:t>5/31/19</a:t>
             </a:fld>
             <a:endParaRPr lang="en-US"/>
           </a:p>
@@ -2576,7 +2578,7 @@
           <a:p>
             <a:fld id="{D0EBFAD4-7C52-124E-A3EA-A851705B6B25}" type="datetimeFigureOut">
               <a:rPr lang="en-US" smtClean="0"/>
-              <a:t>5/29/19</a:t>
+              <a:t>5/31/19</a:t>
             </a:fld>
             <a:endParaRPr lang="en-US"/>
           </a:p>
@@ -2853,7 +2855,7 @@
           <a:p>
             <a:fld id="{D0EBFAD4-7C52-124E-A3EA-A851705B6B25}" type="datetimeFigureOut">
               <a:rPr lang="en-US" smtClean="0"/>
-              <a:t>5/29/19</a:t>
+              <a:t>5/31/19</a:t>
             </a:fld>
             <a:endParaRPr lang="en-US"/>
           </a:p>
@@ -3106,7 +3108,7 @@
           <a:p>
             <a:fld id="{D0EBFAD4-7C52-124E-A3EA-A851705B6B25}" type="datetimeFigureOut">
               <a:rPr lang="en-US" smtClean="0"/>
-              <a:t>5/29/19</a:t>
+              <a:t>5/31/19</a:t>
             </a:fld>
             <a:endParaRPr lang="en-US"/>
           </a:p>
@@ -3319,7 +3321,7 @@
           <a:p>
             <a:fld id="{D0EBFAD4-7C52-124E-A3EA-A851705B6B25}" type="datetimeFigureOut">
               <a:rPr lang="en-US" smtClean="0"/>
-              <a:t>5/29/19</a:t>
+              <a:t>5/31/19</a:t>
             </a:fld>
             <a:endParaRPr lang="en-US"/>
           </a:p>
@@ -6130,10 +6132,6 @@
               <a:rPr lang="zh-CN" altLang="en-US" dirty="0"/>
               <a:t>，先进先出</a:t>
             </a:r>
-            <a:r>
-              <a:rPr lang="zh-CN" altLang="en-US" dirty="0"/>
-              <a:t/>
-            </a:r>
             <a:br>
               <a:rPr lang="zh-CN" altLang="en-US" dirty="0"/>
             </a:br>
@@ -6160,10 +6158,6 @@
             <a:r>
               <a:rPr lang="zh-CN" altLang="en-US" dirty="0"/>
               <a:t>值最小的将会被清出缓存。</a:t>
-            </a:r>
-            <a:r>
-              <a:rPr lang="zh-CN" altLang="en-US" dirty="0"/>
-              <a:t/>
             </a:r>
             <a:br>
               <a:rPr lang="zh-CN" altLang="en-US" dirty="0"/>
@@ -8555,11 +8549,7 @@
           <a:p>
             <a:r>
               <a:rPr lang="en-US" altLang="zh-CN" dirty="0" err="1" smtClean="0"/>
-              <a:t>Springboot</a:t>
-            </a:r>
-            <a:r>
-              <a:rPr lang="zh-CN" altLang="en-US" dirty="0" smtClean="0"/>
-              <a:t>定时任务</a:t>
+              <a:t>UserService</a:t>
             </a:r>
             <a:endParaRPr lang="en-US" dirty="0"/>
           </a:p>
@@ -8584,23 +8574,220 @@
           </a:p>
         </p:txBody>
       </p:sp>
+      <p:pic>
+        <p:nvPicPr>
+          <p:cNvPr id="4" name="Picture 3"/>
+          <p:cNvPicPr>
+            <a:picLocks noChangeAspect="1"/>
+          </p:cNvPicPr>
+          <p:nvPr/>
+        </p:nvPicPr>
+        <p:blipFill>
+          <a:blip r:embed="rId2"/>
+          <a:stretch>
+            <a:fillRect/>
+          </a:stretch>
+        </p:blipFill>
+        <p:spPr>
+          <a:xfrm>
+            <a:off x="1857741" y="1286024"/>
+            <a:ext cx="8476517" cy="5430540"/>
+          </a:xfrm>
+          <a:prstGeom prst="rect">
+            <a:avLst/>
+          </a:prstGeom>
+        </p:spPr>
+      </p:pic>
     </p:spTree>
     <p:extLst>
       <p:ext uri="{BB962C8B-B14F-4D97-AF65-F5344CB8AC3E}">
-        <p14:creationId xmlns:p14="http://schemas.microsoft.com/office/powerpoint/2010/main" val="133459108"/>
+        <p14:creationId xmlns:p14="http://schemas.microsoft.com/office/powerpoint/2010/main" val="1138562018"/>
       </p:ext>
     </p:extLst>
   </p:cSld>
   <p:clrMapOvr>
     <a:masterClrMapping/>
   </p:clrMapOvr>
-  <p:timing>
-    <p:tnLst>
-      <p:par>
-        <p:cTn id="1" dur="indefinite" restart="never" nodeType="tmRoot"/>
-      </p:par>
-    </p:tnLst>
-  </p:timing>
+</p:sld>
+</file>
+
+<file path=ppt/slides/slide38.xml><?xml version="1.0" encoding="utf-8"?>
+<p:sld xmlns:a="http://schemas.openxmlformats.org/drawingml/2006/main" xmlns:r="http://schemas.openxmlformats.org/officeDocument/2006/relationships" xmlns:p="http://schemas.openxmlformats.org/presentationml/2006/main">
+  <p:cSld>
+    <p:spTree>
+      <p:nvGrpSpPr>
+        <p:cNvPr id="1" name=""/>
+        <p:cNvGrpSpPr/>
+        <p:nvPr/>
+      </p:nvGrpSpPr>
+      <p:grpSpPr>
+        <a:xfrm>
+          <a:off x="0" y="0"/>
+          <a:ext cx="0" cy="0"/>
+          <a:chOff x="0" y="0"/>
+          <a:chExt cx="0" cy="0"/>
+        </a:xfrm>
+      </p:grpSpPr>
+      <p:sp>
+        <p:nvSpPr>
+          <p:cNvPr id="2" name="Title 1"/>
+          <p:cNvSpPr>
+            <a:spLocks noGrp="1"/>
+          </p:cNvSpPr>
+          <p:nvPr>
+            <p:ph type="title"/>
+          </p:nvPr>
+        </p:nvSpPr>
+        <p:spPr/>
+        <p:txBody>
+          <a:bodyPr/>
+          <a:lstStyle/>
+          <a:p>
+            <a:r>
+              <a:rPr lang="en-US" altLang="zh-CN" dirty="0" err="1" smtClean="0"/>
+              <a:t>UserController</a:t>
+            </a:r>
+            <a:endParaRPr lang="en-US" dirty="0"/>
+          </a:p>
+        </p:txBody>
+      </p:sp>
+      <p:sp>
+        <p:nvSpPr>
+          <p:cNvPr id="3" name="Content Placeholder 2"/>
+          <p:cNvSpPr>
+            <a:spLocks noGrp="1"/>
+          </p:cNvSpPr>
+          <p:nvPr>
+            <p:ph idx="1"/>
+          </p:nvPr>
+        </p:nvSpPr>
+        <p:spPr/>
+        <p:txBody>
+          <a:bodyPr/>
+          <a:lstStyle/>
+          <a:p>
+            <a:endParaRPr lang="en-US"/>
+          </a:p>
+        </p:txBody>
+      </p:sp>
+      <p:pic>
+        <p:nvPicPr>
+          <p:cNvPr id="4" name="Picture 3"/>
+          <p:cNvPicPr>
+            <a:picLocks noChangeAspect="1"/>
+          </p:cNvPicPr>
+          <p:nvPr/>
+        </p:nvPicPr>
+        <p:blipFill>
+          <a:blip r:embed="rId2"/>
+          <a:stretch>
+            <a:fillRect/>
+          </a:stretch>
+        </p:blipFill>
+        <p:spPr>
+          <a:xfrm>
+            <a:off x="1306736" y="1287379"/>
+            <a:ext cx="9578527" cy="5570621"/>
+          </a:xfrm>
+          <a:prstGeom prst="rect">
+            <a:avLst/>
+          </a:prstGeom>
+        </p:spPr>
+      </p:pic>
+    </p:spTree>
+    <p:extLst>
+      <p:ext uri="{BB962C8B-B14F-4D97-AF65-F5344CB8AC3E}">
+        <p14:creationId xmlns:p14="http://schemas.microsoft.com/office/powerpoint/2010/main" val="1301538825"/>
+      </p:ext>
+    </p:extLst>
+  </p:cSld>
+  <p:clrMapOvr>
+    <a:masterClrMapping/>
+  </p:clrMapOvr>
+</p:sld>
+</file>
+
+<file path=ppt/slides/slide39.xml><?xml version="1.0" encoding="utf-8"?>
+<p:sld xmlns:a="http://schemas.openxmlformats.org/drawingml/2006/main" xmlns:r="http://schemas.openxmlformats.org/officeDocument/2006/relationships" xmlns:p="http://schemas.openxmlformats.org/presentationml/2006/main">
+  <p:cSld>
+    <p:spTree>
+      <p:nvGrpSpPr>
+        <p:cNvPr id="1" name=""/>
+        <p:cNvGrpSpPr/>
+        <p:nvPr/>
+      </p:nvGrpSpPr>
+      <p:grpSpPr>
+        <a:xfrm>
+          <a:off x="0" y="0"/>
+          <a:ext cx="0" cy="0"/>
+          <a:chOff x="0" y="0"/>
+          <a:chExt cx="0" cy="0"/>
+        </a:xfrm>
+      </p:grpSpPr>
+      <p:sp>
+        <p:nvSpPr>
+          <p:cNvPr id="2" name="Title 1"/>
+          <p:cNvSpPr>
+            <a:spLocks noGrp="1"/>
+          </p:cNvSpPr>
+          <p:nvPr>
+            <p:ph type="title"/>
+          </p:nvPr>
+        </p:nvSpPr>
+        <p:spPr/>
+        <p:txBody>
+          <a:bodyPr/>
+          <a:lstStyle/>
+          <a:p>
+            <a:r>
+              <a:rPr lang="zh-CN" altLang="en-US" dirty="0" smtClean="0"/>
+              <a:t>动手实践</a:t>
+            </a:r>
+            <a:endParaRPr lang="en-US" dirty="0"/>
+          </a:p>
+        </p:txBody>
+      </p:sp>
+      <p:sp>
+        <p:nvSpPr>
+          <p:cNvPr id="3" name="Content Placeholder 2"/>
+          <p:cNvSpPr>
+            <a:spLocks noGrp="1"/>
+          </p:cNvSpPr>
+          <p:nvPr>
+            <p:ph idx="1"/>
+          </p:nvPr>
+        </p:nvSpPr>
+        <p:spPr/>
+        <p:txBody>
+          <a:bodyPr/>
+          <a:lstStyle/>
+          <a:p>
+            <a:r>
+              <a:rPr lang="zh-CN" altLang="en-US" dirty="0" smtClean="0"/>
+              <a:t>为你的</a:t>
+            </a:r>
+            <a:r>
+              <a:rPr lang="en-US" altLang="zh-CN" dirty="0" err="1" smtClean="0"/>
+              <a:t>UserService</a:t>
+            </a:r>
+            <a:r>
+              <a:rPr lang="zh-CN" altLang="en-US" dirty="0" smtClean="0"/>
+              <a:t>添加缓存的功能</a:t>
+            </a:r>
+            <a:endParaRPr lang="en-US" dirty="0"/>
+          </a:p>
+        </p:txBody>
+      </p:sp>
+    </p:spTree>
+    <p:extLst>
+      <p:ext uri="{BB962C8B-B14F-4D97-AF65-F5344CB8AC3E}">
+        <p14:creationId xmlns:p14="http://schemas.microsoft.com/office/powerpoint/2010/main" val="358659553"/>
+      </p:ext>
+    </p:extLst>
+  </p:cSld>
+  <p:clrMapOvr>
+    <a:masterClrMapping/>
+  </p:clrMapOvr>
 </p:sld>
 </file>
 
@@ -9563,7 +9750,7 @@
             <p:ph idx="1"/>
             <p:extLst>
               <p:ext uri="{D42A27DB-BD31-4B8C-83A1-F6EECF244321}">
-                <p14:modId xmlns:p14="http://schemas.microsoft.com/office/powerpoint/2010/main" val="360625278"/>
+                <p14:modId xmlns:p14="http://schemas.microsoft.com/office/powerpoint/2010/main" val="1664703895"/>
               </p:ext>
             </p:extLst>
           </p:nvPr>
@@ -9947,7 +10134,27 @@
                       </a:r>
                       <a:r>
                         <a:rPr lang="en-US" altLang="zh-CN" dirty="0" smtClean="0"/>
-                        <a:t>=”${}”</a:t>
+                        <a:t>=”${a</a:t>
+                      </a:r>
+                      <a:r>
+                        <a:rPr lang="zh-CN" altLang="en-US" baseline="0" dirty="0" smtClean="0"/>
+                        <a:t> </a:t>
+                      </a:r>
+                      <a:r>
+                        <a:rPr lang="en-US" altLang="zh-CN" baseline="0" dirty="0" smtClean="0"/>
+                        <a:t>==</a:t>
+                      </a:r>
+                      <a:r>
+                        <a:rPr lang="zh-CN" altLang="en-US" baseline="0" dirty="0" smtClean="0"/>
+                        <a:t> </a:t>
+                      </a:r>
+                      <a:r>
+                        <a:rPr lang="en-US" altLang="zh-CN" baseline="0" dirty="0" smtClean="0"/>
+                        <a:t>1</a:t>
+                      </a:r>
+                      <a:r>
+                        <a:rPr lang="en-US" altLang="zh-CN" dirty="0" smtClean="0"/>
+                        <a:t>}”&gt;&lt;/div&gt;</a:t>
                       </a:r>
                       <a:endParaRPr lang="en-US" dirty="0"/>
                     </a:p>

--- a/springboot/SpringBoot-4.pptx
+++ b/springboot/SpringBoot-4.pptx
@@ -5,7 +5,7 @@
     <p:sldMasterId id="2147483648" r:id="rId1"/>
   </p:sldMasterIdLst>
   <p:notesMasterIdLst>
-    <p:notesMasterId r:id="rId41"/>
+    <p:notesMasterId r:id="rId42"/>
   </p:notesMasterIdLst>
   <p:sldIdLst>
     <p:sldId id="256" r:id="rId2"/>
@@ -17,36 +17,37 @@
     <p:sldId id="269" r:id="rId8"/>
     <p:sldId id="271" r:id="rId9"/>
     <p:sldId id="270" r:id="rId10"/>
-    <p:sldId id="274" r:id="rId11"/>
-    <p:sldId id="258" r:id="rId12"/>
-    <p:sldId id="259" r:id="rId13"/>
-    <p:sldId id="260" r:id="rId14"/>
-    <p:sldId id="261" r:id="rId15"/>
-    <p:sldId id="262" r:id="rId16"/>
-    <p:sldId id="263" r:id="rId17"/>
-    <p:sldId id="264" r:id="rId18"/>
-    <p:sldId id="272" r:id="rId19"/>
-    <p:sldId id="273" r:id="rId20"/>
-    <p:sldId id="290" r:id="rId21"/>
-    <p:sldId id="278" r:id="rId22"/>
-    <p:sldId id="279" r:id="rId23"/>
-    <p:sldId id="280" r:id="rId24"/>
-    <p:sldId id="281" r:id="rId25"/>
-    <p:sldId id="282" r:id="rId26"/>
-    <p:sldId id="283" r:id="rId27"/>
-    <p:sldId id="284" r:id="rId28"/>
-    <p:sldId id="291" r:id="rId29"/>
-    <p:sldId id="292" r:id="rId30"/>
-    <p:sldId id="285" r:id="rId31"/>
-    <p:sldId id="286" r:id="rId32"/>
-    <p:sldId id="293" r:id="rId33"/>
-    <p:sldId id="294" r:id="rId34"/>
-    <p:sldId id="296" r:id="rId35"/>
-    <p:sldId id="288" r:id="rId36"/>
-    <p:sldId id="295" r:id="rId37"/>
-    <p:sldId id="297" r:id="rId38"/>
-    <p:sldId id="298" r:id="rId39"/>
-    <p:sldId id="299" r:id="rId40"/>
+    <p:sldId id="300" r:id="rId11"/>
+    <p:sldId id="274" r:id="rId12"/>
+    <p:sldId id="258" r:id="rId13"/>
+    <p:sldId id="259" r:id="rId14"/>
+    <p:sldId id="260" r:id="rId15"/>
+    <p:sldId id="261" r:id="rId16"/>
+    <p:sldId id="262" r:id="rId17"/>
+    <p:sldId id="263" r:id="rId18"/>
+    <p:sldId id="264" r:id="rId19"/>
+    <p:sldId id="272" r:id="rId20"/>
+    <p:sldId id="273" r:id="rId21"/>
+    <p:sldId id="290" r:id="rId22"/>
+    <p:sldId id="278" r:id="rId23"/>
+    <p:sldId id="279" r:id="rId24"/>
+    <p:sldId id="280" r:id="rId25"/>
+    <p:sldId id="281" r:id="rId26"/>
+    <p:sldId id="282" r:id="rId27"/>
+    <p:sldId id="283" r:id="rId28"/>
+    <p:sldId id="284" r:id="rId29"/>
+    <p:sldId id="291" r:id="rId30"/>
+    <p:sldId id="292" r:id="rId31"/>
+    <p:sldId id="285" r:id="rId32"/>
+    <p:sldId id="286" r:id="rId33"/>
+    <p:sldId id="293" r:id="rId34"/>
+    <p:sldId id="294" r:id="rId35"/>
+    <p:sldId id="296" r:id="rId36"/>
+    <p:sldId id="288" r:id="rId37"/>
+    <p:sldId id="295" r:id="rId38"/>
+    <p:sldId id="297" r:id="rId39"/>
+    <p:sldId id="298" r:id="rId40"/>
+    <p:sldId id="299" r:id="rId41"/>
   </p:sldIdLst>
   <p:sldSz cx="12192000" cy="6858000"/>
   <p:notesSz cx="6858000" cy="9144000"/>
@@ -235,7 +236,7 @@
           <a:p>
             <a:fld id="{67833E2B-1E1C-584C-AB0E-874E8D11E09F}" type="datetimeFigureOut">
               <a:rPr lang="en-US" smtClean="0"/>
-              <a:t>5/31/19</a:t>
+              <a:t>6/4/19</a:t>
             </a:fld>
             <a:endParaRPr lang="en-US"/>
           </a:p>
@@ -676,7 +677,7 @@
           <a:p>
             <a:fld id="{D43214C1-22BC-294D-9D10-BAD19A4DE91E}" type="slidenum">
               <a:rPr lang="en-US" smtClean="0"/>
-              <a:t>11</a:t>
+              <a:t>12</a:t>
             </a:fld>
             <a:endParaRPr lang="en-US"/>
           </a:p>
@@ -766,7 +767,7 @@
           <a:p>
             <a:fld id="{D43214C1-22BC-294D-9D10-BAD19A4DE91E}" type="slidenum">
               <a:rPr lang="en-US" smtClean="0"/>
-              <a:t>17</a:t>
+              <a:t>18</a:t>
             </a:fld>
             <a:endParaRPr lang="en-US"/>
           </a:p>
@@ -850,7 +851,7 @@
           <a:p>
             <a:fld id="{D43214C1-22BC-294D-9D10-BAD19A4DE91E}" type="slidenum">
               <a:rPr lang="en-US" smtClean="0"/>
-              <a:t>21</a:t>
+              <a:t>22</a:t>
             </a:fld>
             <a:endParaRPr lang="en-US"/>
           </a:p>
@@ -1000,7 +1001,7 @@
           <a:p>
             <a:fld id="{D0EBFAD4-7C52-124E-A3EA-A851705B6B25}" type="datetimeFigureOut">
               <a:rPr lang="en-US" smtClean="0"/>
-              <a:t>5/31/19</a:t>
+              <a:t>6/4/19</a:t>
             </a:fld>
             <a:endParaRPr lang="en-US"/>
           </a:p>
@@ -1170,7 +1171,7 @@
           <a:p>
             <a:fld id="{D0EBFAD4-7C52-124E-A3EA-A851705B6B25}" type="datetimeFigureOut">
               <a:rPr lang="en-US" smtClean="0"/>
-              <a:t>5/31/19</a:t>
+              <a:t>6/4/19</a:t>
             </a:fld>
             <a:endParaRPr lang="en-US"/>
           </a:p>
@@ -1350,7 +1351,7 @@
           <a:p>
             <a:fld id="{D0EBFAD4-7C52-124E-A3EA-A851705B6B25}" type="datetimeFigureOut">
               <a:rPr lang="en-US" smtClean="0"/>
-              <a:t>5/31/19</a:t>
+              <a:t>6/4/19</a:t>
             </a:fld>
             <a:endParaRPr lang="en-US"/>
           </a:p>
@@ -1520,7 +1521,7 @@
           <a:p>
             <a:fld id="{D0EBFAD4-7C52-124E-A3EA-A851705B6B25}" type="datetimeFigureOut">
               <a:rPr lang="en-US" smtClean="0"/>
-              <a:t>5/31/19</a:t>
+              <a:t>6/4/19</a:t>
             </a:fld>
             <a:endParaRPr lang="en-US"/>
           </a:p>
@@ -1766,7 +1767,7 @@
           <a:p>
             <a:fld id="{D0EBFAD4-7C52-124E-A3EA-A851705B6B25}" type="datetimeFigureOut">
               <a:rPr lang="en-US" smtClean="0"/>
-              <a:t>5/31/19</a:t>
+              <a:t>6/4/19</a:t>
             </a:fld>
             <a:endParaRPr lang="en-US"/>
           </a:p>
@@ -1998,7 +1999,7 @@
           <a:p>
             <a:fld id="{D0EBFAD4-7C52-124E-A3EA-A851705B6B25}" type="datetimeFigureOut">
               <a:rPr lang="en-US" smtClean="0"/>
-              <a:t>5/31/19</a:t>
+              <a:t>6/4/19</a:t>
             </a:fld>
             <a:endParaRPr lang="en-US"/>
           </a:p>
@@ -2365,7 +2366,7 @@
           <a:p>
             <a:fld id="{D0EBFAD4-7C52-124E-A3EA-A851705B6B25}" type="datetimeFigureOut">
               <a:rPr lang="en-US" smtClean="0"/>
-              <a:t>5/31/19</a:t>
+              <a:t>6/4/19</a:t>
             </a:fld>
             <a:endParaRPr lang="en-US"/>
           </a:p>
@@ -2483,7 +2484,7 @@
           <a:p>
             <a:fld id="{D0EBFAD4-7C52-124E-A3EA-A851705B6B25}" type="datetimeFigureOut">
               <a:rPr lang="en-US" smtClean="0"/>
-              <a:t>5/31/19</a:t>
+              <a:t>6/4/19</a:t>
             </a:fld>
             <a:endParaRPr lang="en-US"/>
           </a:p>
@@ -2578,7 +2579,7 @@
           <a:p>
             <a:fld id="{D0EBFAD4-7C52-124E-A3EA-A851705B6B25}" type="datetimeFigureOut">
               <a:rPr lang="en-US" smtClean="0"/>
-              <a:t>5/31/19</a:t>
+              <a:t>6/4/19</a:t>
             </a:fld>
             <a:endParaRPr lang="en-US"/>
           </a:p>
@@ -2855,7 +2856,7 @@
           <a:p>
             <a:fld id="{D0EBFAD4-7C52-124E-A3EA-A851705B6B25}" type="datetimeFigureOut">
               <a:rPr lang="en-US" smtClean="0"/>
-              <a:t>5/31/19</a:t>
+              <a:t>6/4/19</a:t>
             </a:fld>
             <a:endParaRPr lang="en-US"/>
           </a:p>
@@ -3108,7 +3109,7 @@
           <a:p>
             <a:fld id="{D0EBFAD4-7C52-124E-A3EA-A851705B6B25}" type="datetimeFigureOut">
               <a:rPr lang="en-US" smtClean="0"/>
-              <a:t>5/31/19</a:t>
+              <a:t>6/4/19</a:t>
             </a:fld>
             <a:endParaRPr lang="en-US"/>
           </a:p>
@@ -3321,7 +3322,7 @@
           <a:p>
             <a:fld id="{D0EBFAD4-7C52-124E-A3EA-A851705B6B25}" type="datetimeFigureOut">
               <a:rPr lang="en-US" smtClean="0"/>
-              <a:t>5/31/19</a:t>
+              <a:t>6/4/19</a:t>
             </a:fld>
             <a:endParaRPr lang="en-US"/>
           </a:p>
@@ -3842,6 +3843,98 @@
           <a:p>
             <a:r>
               <a:rPr lang="zh-CN" altLang="en-US" dirty="0" smtClean="0"/>
+              <a:t>常用配置</a:t>
+            </a:r>
+            <a:endParaRPr lang="en-US" dirty="0"/>
+          </a:p>
+        </p:txBody>
+      </p:sp>
+      <p:sp>
+        <p:nvSpPr>
+          <p:cNvPr id="3" name="Content Placeholder 2"/>
+          <p:cNvSpPr>
+            <a:spLocks noGrp="1"/>
+          </p:cNvSpPr>
+          <p:nvPr>
+            <p:ph idx="1"/>
+          </p:nvPr>
+        </p:nvSpPr>
+        <p:spPr/>
+        <p:txBody>
+          <a:bodyPr/>
+          <a:lstStyle/>
+          <a:p>
+            <a:r>
+              <a:rPr lang="en-US" dirty="0"/>
+              <a:t>#</a:t>
+            </a:r>
+            <a:r>
+              <a:rPr lang="en-US" dirty="0" err="1"/>
+              <a:t>开发时关闭缓存,不然没法看到实时页面</a:t>
+            </a:r>
+            <a:r>
+              <a:rPr lang="en-US" dirty="0"/>
+              <a:t> </a:t>
+            </a:r>
+            <a:r>
+              <a:rPr lang="en-US" dirty="0" err="1"/>
+              <a:t>spring.thymeleaf.cache</a:t>
+            </a:r>
+            <a:r>
+              <a:rPr lang="en-US" dirty="0"/>
+              <a:t>=false</a:t>
+            </a:r>
+            <a:endParaRPr lang="en-US" dirty="0"/>
+          </a:p>
+        </p:txBody>
+      </p:sp>
+    </p:spTree>
+    <p:extLst>
+      <p:ext uri="{BB962C8B-B14F-4D97-AF65-F5344CB8AC3E}">
+        <p14:creationId xmlns:p14="http://schemas.microsoft.com/office/powerpoint/2010/main" val="1242669924"/>
+      </p:ext>
+    </p:extLst>
+  </p:cSld>
+  <p:clrMapOvr>
+    <a:masterClrMapping/>
+  </p:clrMapOvr>
+</p:sld>
+</file>
+
+<file path=ppt/slides/slide11.xml><?xml version="1.0" encoding="utf-8"?>
+<p:sld xmlns:a="http://schemas.openxmlformats.org/drawingml/2006/main" xmlns:r="http://schemas.openxmlformats.org/officeDocument/2006/relationships" xmlns:p="http://schemas.openxmlformats.org/presentationml/2006/main">
+  <p:cSld>
+    <p:spTree>
+      <p:nvGrpSpPr>
+        <p:cNvPr id="1" name=""/>
+        <p:cNvGrpSpPr/>
+        <p:nvPr/>
+      </p:nvGrpSpPr>
+      <p:grpSpPr>
+        <a:xfrm>
+          <a:off x="0" y="0"/>
+          <a:ext cx="0" cy="0"/>
+          <a:chOff x="0" y="0"/>
+          <a:chExt cx="0" cy="0"/>
+        </a:xfrm>
+      </p:grpSpPr>
+      <p:sp>
+        <p:nvSpPr>
+          <p:cNvPr id="2" name="Title 1"/>
+          <p:cNvSpPr>
+            <a:spLocks noGrp="1"/>
+          </p:cNvSpPr>
+          <p:nvPr>
+            <p:ph type="title"/>
+          </p:nvPr>
+        </p:nvSpPr>
+        <p:spPr/>
+        <p:txBody>
+          <a:bodyPr/>
+          <a:lstStyle/>
+          <a:p>
+            <a:r>
+              <a:rPr lang="zh-CN" altLang="en-US" dirty="0" smtClean="0"/>
               <a:t>练习</a:t>
             </a:r>
             <a:endParaRPr lang="en-US" dirty="0"/>
@@ -3940,182 +4033,6 @@
 </p:sld>
 </file>
 
-<file path=ppt/slides/slide11.xml><?xml version="1.0" encoding="utf-8"?>
-<p:sld xmlns:a="http://schemas.openxmlformats.org/drawingml/2006/main" xmlns:r="http://schemas.openxmlformats.org/officeDocument/2006/relationships" xmlns:p="http://schemas.openxmlformats.org/presentationml/2006/main">
-  <p:cSld>
-    <p:spTree>
-      <p:nvGrpSpPr>
-        <p:cNvPr id="1" name=""/>
-        <p:cNvGrpSpPr/>
-        <p:nvPr/>
-      </p:nvGrpSpPr>
-      <p:grpSpPr>
-        <a:xfrm>
-          <a:off x="0" y="0"/>
-          <a:ext cx="0" cy="0"/>
-          <a:chOff x="0" y="0"/>
-          <a:chExt cx="0" cy="0"/>
-        </a:xfrm>
-      </p:grpSpPr>
-      <p:sp>
-        <p:nvSpPr>
-          <p:cNvPr id="2" name="Title 1"/>
-          <p:cNvSpPr>
-            <a:spLocks noGrp="1"/>
-          </p:cNvSpPr>
-          <p:nvPr>
-            <p:ph type="title"/>
-          </p:nvPr>
-        </p:nvSpPr>
-        <p:spPr/>
-        <p:txBody>
-          <a:bodyPr/>
-          <a:lstStyle/>
-          <a:p>
-            <a:r>
-              <a:rPr lang="en-US" altLang="zh-CN" dirty="0" smtClean="0"/>
-              <a:t>REST</a:t>
-            </a:r>
-            <a:endParaRPr lang="en-US" dirty="0"/>
-          </a:p>
-        </p:txBody>
-      </p:sp>
-      <p:sp>
-        <p:nvSpPr>
-          <p:cNvPr id="3" name="Content Placeholder 2"/>
-          <p:cNvSpPr>
-            <a:spLocks noGrp="1"/>
-          </p:cNvSpPr>
-          <p:nvPr>
-            <p:ph idx="1"/>
-          </p:nvPr>
-        </p:nvSpPr>
-        <p:spPr/>
-        <p:txBody>
-          <a:bodyPr/>
-          <a:lstStyle/>
-          <a:p>
-            <a:r>
-              <a:rPr lang="zh-CN" altLang="en-US" dirty="0"/>
-              <a:t>表现层状态转换（英语：</a:t>
-            </a:r>
-            <a:r>
-              <a:rPr lang="en-US" altLang="zh-CN" dirty="0"/>
-              <a:t>Representational State Transfer</a:t>
-            </a:r>
-            <a:r>
-              <a:rPr lang="zh-CN" altLang="en-US" dirty="0"/>
-              <a:t>，缩写：</a:t>
-            </a:r>
-            <a:r>
-              <a:rPr lang="en-US" altLang="zh-CN" dirty="0"/>
-              <a:t>REST</a:t>
-            </a:r>
-            <a:r>
-              <a:rPr lang="zh-CN" altLang="en-US" dirty="0"/>
-              <a:t>）是</a:t>
-            </a:r>
-            <a:r>
-              <a:rPr lang="en-US" altLang="zh-CN" dirty="0"/>
-              <a:t>Roy Thomas Fielding</a:t>
-            </a:r>
-            <a:r>
-              <a:rPr lang="zh-CN" altLang="en-US" dirty="0"/>
-              <a:t>博士于</a:t>
-            </a:r>
-            <a:r>
-              <a:rPr lang="en-US" altLang="zh-CN" dirty="0"/>
-              <a:t>2000</a:t>
-            </a:r>
-            <a:r>
-              <a:rPr lang="zh-CN" altLang="en-US" dirty="0"/>
-              <a:t>年在他的博士</a:t>
-            </a:r>
-            <a:r>
-              <a:rPr lang="zh-CN" altLang="en-US" dirty="0" smtClean="0"/>
-              <a:t>论文中</a:t>
-            </a:r>
-            <a:r>
-              <a:rPr lang="zh-CN" altLang="en-US" dirty="0"/>
-              <a:t>提出来的一种万维网软件架构风格，目的是便于不同软件</a:t>
-            </a:r>
-            <a:r>
-              <a:rPr lang="en-US" altLang="zh-CN" dirty="0"/>
-              <a:t>/</a:t>
-            </a:r>
-            <a:r>
-              <a:rPr lang="zh-CN" altLang="en-US" dirty="0"/>
-              <a:t>程序在网络（例如互联网）中互相传递信息</a:t>
-            </a:r>
-            <a:r>
-              <a:rPr lang="zh-CN" altLang="en-US" dirty="0" smtClean="0"/>
-              <a:t>。</a:t>
-            </a:r>
-            <a:endParaRPr lang="en-US" altLang="zh-CN" dirty="0" smtClean="0"/>
-          </a:p>
-          <a:p>
-            <a:r>
-              <a:rPr lang="en-US" altLang="zh-CN" dirty="0"/>
-              <a:t>REST</a:t>
-            </a:r>
-            <a:r>
-              <a:rPr lang="zh-CN" altLang="en-US" dirty="0"/>
-              <a:t>是设计风格而</a:t>
-            </a:r>
-            <a:r>
-              <a:rPr lang="zh-CN" altLang="en-US" b="1" dirty="0"/>
-              <a:t>不是</a:t>
-            </a:r>
-            <a:r>
-              <a:rPr lang="zh-CN" altLang="en-US" dirty="0" smtClean="0"/>
-              <a:t>标准</a:t>
-            </a:r>
-            <a:endParaRPr lang="en-US" altLang="zh-CN" dirty="0" smtClean="0"/>
-          </a:p>
-          <a:p>
-            <a:r>
-              <a:rPr lang="en-US" dirty="0" err="1"/>
-              <a:t>匹配REST设计风格的Web</a:t>
-            </a:r>
-            <a:r>
-              <a:rPr lang="en-US" dirty="0"/>
-              <a:t> </a:t>
-            </a:r>
-            <a:r>
-              <a:rPr lang="en-US" dirty="0" err="1"/>
-              <a:t>API称为</a:t>
-            </a:r>
-            <a:r>
-              <a:rPr lang="en-US" b="1" dirty="0" err="1"/>
-              <a:t>RESTful</a:t>
-            </a:r>
-            <a:r>
-              <a:rPr lang="en-US" b="1" dirty="0"/>
-              <a:t> </a:t>
-            </a:r>
-            <a:r>
-              <a:rPr lang="en-US" b="1" dirty="0" smtClean="0"/>
-              <a:t>API</a:t>
-            </a:r>
-          </a:p>
-          <a:p>
-            <a:endParaRPr lang="en-US" dirty="0"/>
-          </a:p>
-        </p:txBody>
-      </p:sp>
-    </p:spTree>
-    <p:extLst>
-      <p:ext uri="{BB962C8B-B14F-4D97-AF65-F5344CB8AC3E}">
-        <p14:creationId xmlns:p14="http://schemas.microsoft.com/office/powerpoint/2010/main" val="685987695"/>
-      </p:ext>
-    </p:extLst>
-  </p:cSld>
-  <p:clrMapOvr>
-    <a:masterClrMapping/>
-  </p:clrMapOvr>
-</p:sld>
-</file>
-
 <file path=ppt/slides/slide12.xml><?xml version="1.0" encoding="utf-8"?>
 <p:sld xmlns:a="http://schemas.openxmlformats.org/drawingml/2006/main" xmlns:r="http://schemas.openxmlformats.org/officeDocument/2006/relationships" xmlns:p="http://schemas.openxmlformats.org/presentationml/2006/main">
   <p:cSld>
@@ -4152,99 +4069,137 @@
               <a:rPr lang="en-US" altLang="zh-CN" dirty="0" smtClean="0"/>
               <a:t>REST</a:t>
             </a:r>
+            <a:endParaRPr lang="en-US" dirty="0"/>
+          </a:p>
+        </p:txBody>
+      </p:sp>
+      <p:sp>
+        <p:nvSpPr>
+          <p:cNvPr id="3" name="Content Placeholder 2"/>
+          <p:cNvSpPr>
+            <a:spLocks noGrp="1"/>
+          </p:cNvSpPr>
+          <p:nvPr>
+            <p:ph idx="1"/>
+          </p:nvPr>
+        </p:nvSpPr>
+        <p:spPr/>
+        <p:txBody>
+          <a:bodyPr/>
+          <a:lstStyle/>
+          <a:p>
+            <a:r>
+              <a:rPr lang="zh-CN" altLang="en-US" dirty="0"/>
+              <a:t>表现层状态转换（英语：</a:t>
+            </a:r>
+            <a:r>
+              <a:rPr lang="en-US" altLang="zh-CN" dirty="0"/>
+              <a:t>Representational State Transfer</a:t>
+            </a:r>
+            <a:r>
+              <a:rPr lang="zh-CN" altLang="en-US" dirty="0"/>
+              <a:t>，缩写：</a:t>
+            </a:r>
+            <a:r>
+              <a:rPr lang="en-US" altLang="zh-CN" dirty="0"/>
+              <a:t>REST</a:t>
+            </a:r>
+            <a:r>
+              <a:rPr lang="zh-CN" altLang="en-US" dirty="0"/>
+              <a:t>）是</a:t>
+            </a:r>
+            <a:r>
+              <a:rPr lang="en-US" altLang="zh-CN" dirty="0"/>
+              <a:t>Roy Thomas Fielding</a:t>
+            </a:r>
+            <a:r>
+              <a:rPr lang="zh-CN" altLang="en-US" dirty="0"/>
+              <a:t>博士于</a:t>
+            </a:r>
+            <a:r>
+              <a:rPr lang="en-US" altLang="zh-CN" dirty="0"/>
+              <a:t>2000</a:t>
+            </a:r>
+            <a:r>
+              <a:rPr lang="zh-CN" altLang="en-US" dirty="0"/>
+              <a:t>年在他的博士</a:t>
+            </a:r>
             <a:r>
               <a:rPr lang="zh-CN" altLang="en-US" dirty="0" smtClean="0"/>
-              <a:t>的优点</a:t>
-            </a:r>
+              <a:t>论文中</a:t>
+            </a:r>
+            <a:r>
+              <a:rPr lang="zh-CN" altLang="en-US" dirty="0"/>
+              <a:t>提出来的一种万维网软件架构风格，目的是便于不同软件</a:t>
+            </a:r>
+            <a:r>
+              <a:rPr lang="en-US" altLang="zh-CN" dirty="0"/>
+              <a:t>/</a:t>
+            </a:r>
+            <a:r>
+              <a:rPr lang="zh-CN" altLang="en-US" dirty="0"/>
+              <a:t>程序在网络（例如互联网）中互相传递信息</a:t>
+            </a:r>
+            <a:r>
+              <a:rPr lang="zh-CN" altLang="en-US" dirty="0" smtClean="0"/>
+              <a:t>。</a:t>
+            </a:r>
+            <a:endParaRPr lang="en-US" altLang="zh-CN" dirty="0" smtClean="0"/>
+          </a:p>
+          <a:p>
+            <a:r>
+              <a:rPr lang="en-US" altLang="zh-CN" dirty="0"/>
+              <a:t>REST</a:t>
+            </a:r>
+            <a:r>
+              <a:rPr lang="zh-CN" altLang="en-US" dirty="0"/>
+              <a:t>是设计风格而</a:t>
+            </a:r>
+            <a:r>
+              <a:rPr lang="zh-CN" altLang="en-US" b="1" dirty="0"/>
+              <a:t>不是</a:t>
+            </a:r>
+            <a:r>
+              <a:rPr lang="zh-CN" altLang="en-US" dirty="0" smtClean="0"/>
+              <a:t>标准</a:t>
+            </a:r>
+            <a:endParaRPr lang="en-US" altLang="zh-CN" dirty="0" smtClean="0"/>
+          </a:p>
+          <a:p>
+            <a:r>
+              <a:rPr lang="en-US" dirty="0" err="1"/>
+              <a:t>匹配REST设计风格的Web</a:t>
+            </a:r>
+            <a:r>
+              <a:rPr lang="en-US" dirty="0"/>
+              <a:t> </a:t>
+            </a:r>
+            <a:r>
+              <a:rPr lang="en-US" dirty="0" err="1"/>
+              <a:t>API称为</a:t>
+            </a:r>
+            <a:r>
+              <a:rPr lang="en-US" b="1" dirty="0" err="1"/>
+              <a:t>RESTful</a:t>
+            </a:r>
+            <a:r>
+              <a:rPr lang="en-US" b="1" dirty="0"/>
+              <a:t> </a:t>
+            </a:r>
+            <a:r>
+              <a:rPr lang="en-US" b="1" dirty="0" smtClean="0"/>
+              <a:t>API</a:t>
+            </a:r>
+          </a:p>
+          <a:p>
             <a:endParaRPr lang="en-US" dirty="0"/>
-          </a:p>
-        </p:txBody>
-      </p:sp>
-      <p:sp>
-        <p:nvSpPr>
-          <p:cNvPr id="3" name="Content Placeholder 2"/>
-          <p:cNvSpPr>
-            <a:spLocks noGrp="1"/>
-          </p:cNvSpPr>
-          <p:nvPr>
-            <p:ph idx="1"/>
-          </p:nvPr>
-        </p:nvSpPr>
-        <p:spPr/>
-        <p:txBody>
-          <a:bodyPr/>
-          <a:lstStyle/>
-          <a:p>
-            <a:r>
-              <a:rPr lang="zh-CN" altLang="en-US" dirty="0"/>
-              <a:t>可更高效利用缓存来提高响应速度</a:t>
-            </a:r>
-          </a:p>
-          <a:p>
-            <a:r>
-              <a:rPr lang="zh-CN" altLang="en-US" dirty="0"/>
-              <a:t>通讯本身的无状态性可以让不同的服务器的处理一系列请求中的不同请求，提高服务器的扩展性</a:t>
-            </a:r>
-          </a:p>
-          <a:p>
-            <a:r>
-              <a:rPr lang="zh-CN" altLang="en-US" dirty="0"/>
-              <a:t>浏览器即可作为客户端，简化软件需求</a:t>
-            </a:r>
-          </a:p>
-          <a:p>
-            <a:r>
-              <a:rPr lang="zh-CN" altLang="en-US" dirty="0"/>
-              <a:t>相对于其他叠加在</a:t>
-            </a:r>
-            <a:r>
-              <a:rPr lang="en-US" altLang="zh-CN" dirty="0">
-                <a:hlinkClick r:id="rId2" tooltip="超文本传输协议"/>
-              </a:rPr>
-              <a:t>HTTP</a:t>
-            </a:r>
-            <a:r>
-              <a:rPr lang="zh-CN" altLang="en-US" dirty="0">
-                <a:hlinkClick r:id="rId2" tooltip="超文本传输协议"/>
-              </a:rPr>
-              <a:t>协议</a:t>
-            </a:r>
-            <a:r>
-              <a:rPr lang="zh-CN" altLang="en-US" dirty="0"/>
-              <a:t>之上的机制，</a:t>
-            </a:r>
-            <a:r>
-              <a:rPr lang="en-US" altLang="zh-CN" dirty="0"/>
-              <a:t>REST</a:t>
-            </a:r>
-            <a:r>
-              <a:rPr lang="zh-CN" altLang="en-US" dirty="0"/>
-              <a:t>的软件依赖性更小</a:t>
-            </a:r>
-          </a:p>
-          <a:p>
-            <a:r>
-              <a:rPr lang="zh-CN" altLang="en-US" dirty="0"/>
-              <a:t>不需要额外的资源发现机制</a:t>
-            </a:r>
-          </a:p>
-          <a:p>
-            <a:r>
-              <a:rPr lang="zh-CN" altLang="en-US" dirty="0"/>
-              <a:t>在软件技术演进中的长期的兼容性更</a:t>
-            </a:r>
-            <a:r>
-              <a:rPr lang="zh-CN" altLang="en-US" dirty="0" smtClean="0"/>
-              <a:t>好</a:t>
-            </a:r>
-            <a:endParaRPr lang="zh-CN" altLang="en-US" dirty="0"/>
           </a:p>
         </p:txBody>
       </p:sp>
     </p:spTree>
     <p:extLst>
       <p:ext uri="{BB962C8B-B14F-4D97-AF65-F5344CB8AC3E}">
-        <p14:creationId xmlns:p14="http://schemas.microsoft.com/office/powerpoint/2010/main" val="660736264"/>
+        <p14:creationId xmlns:p14="http://schemas.microsoft.com/office/powerpoint/2010/main" val="685987695"/>
       </p:ext>
     </p:extLst>
   </p:cSld>
@@ -4292,6 +4247,144 @@
             </a:r>
             <a:r>
               <a:rPr lang="zh-CN" altLang="en-US" dirty="0" smtClean="0"/>
+              <a:t>的优点</a:t>
+            </a:r>
+            <a:endParaRPr lang="en-US" dirty="0"/>
+          </a:p>
+        </p:txBody>
+      </p:sp>
+      <p:sp>
+        <p:nvSpPr>
+          <p:cNvPr id="3" name="Content Placeholder 2"/>
+          <p:cNvSpPr>
+            <a:spLocks noGrp="1"/>
+          </p:cNvSpPr>
+          <p:nvPr>
+            <p:ph idx="1"/>
+          </p:nvPr>
+        </p:nvSpPr>
+        <p:spPr/>
+        <p:txBody>
+          <a:bodyPr/>
+          <a:lstStyle/>
+          <a:p>
+            <a:r>
+              <a:rPr lang="zh-CN" altLang="en-US" dirty="0"/>
+              <a:t>可更高效利用缓存来提高响应速度</a:t>
+            </a:r>
+          </a:p>
+          <a:p>
+            <a:r>
+              <a:rPr lang="zh-CN" altLang="en-US" dirty="0"/>
+              <a:t>通讯本身的无状态性可以让不同的服务器的处理一系列请求中的不同请求，提高服务器的扩展性</a:t>
+            </a:r>
+          </a:p>
+          <a:p>
+            <a:r>
+              <a:rPr lang="zh-CN" altLang="en-US" dirty="0"/>
+              <a:t>浏览器即可作为客户端，简化软件需求</a:t>
+            </a:r>
+          </a:p>
+          <a:p>
+            <a:r>
+              <a:rPr lang="zh-CN" altLang="en-US" dirty="0"/>
+              <a:t>相对于其他叠加在</a:t>
+            </a:r>
+            <a:r>
+              <a:rPr lang="en-US" altLang="zh-CN" dirty="0">
+                <a:hlinkClick r:id="rId2" tooltip="超文本传输协议"/>
+              </a:rPr>
+              <a:t>HTTP</a:t>
+            </a:r>
+            <a:r>
+              <a:rPr lang="zh-CN" altLang="en-US" dirty="0">
+                <a:hlinkClick r:id="rId2" tooltip="超文本传输协议"/>
+              </a:rPr>
+              <a:t>协议</a:t>
+            </a:r>
+            <a:r>
+              <a:rPr lang="zh-CN" altLang="en-US" dirty="0"/>
+              <a:t>之上的机制，</a:t>
+            </a:r>
+            <a:r>
+              <a:rPr lang="en-US" altLang="zh-CN" dirty="0"/>
+              <a:t>REST</a:t>
+            </a:r>
+            <a:r>
+              <a:rPr lang="zh-CN" altLang="en-US" dirty="0"/>
+              <a:t>的软件依赖性更小</a:t>
+            </a:r>
+          </a:p>
+          <a:p>
+            <a:r>
+              <a:rPr lang="zh-CN" altLang="en-US" dirty="0"/>
+              <a:t>不需要额外的资源发现机制</a:t>
+            </a:r>
+          </a:p>
+          <a:p>
+            <a:r>
+              <a:rPr lang="zh-CN" altLang="en-US" dirty="0"/>
+              <a:t>在软件技术演进中的长期的兼容性更</a:t>
+            </a:r>
+            <a:r>
+              <a:rPr lang="zh-CN" altLang="en-US" dirty="0" smtClean="0"/>
+              <a:t>好</a:t>
+            </a:r>
+            <a:endParaRPr lang="zh-CN" altLang="en-US" dirty="0"/>
+          </a:p>
+        </p:txBody>
+      </p:sp>
+    </p:spTree>
+    <p:extLst>
+      <p:ext uri="{BB962C8B-B14F-4D97-AF65-F5344CB8AC3E}">
+        <p14:creationId xmlns:p14="http://schemas.microsoft.com/office/powerpoint/2010/main" val="660736264"/>
+      </p:ext>
+    </p:extLst>
+  </p:cSld>
+  <p:clrMapOvr>
+    <a:masterClrMapping/>
+  </p:clrMapOvr>
+</p:sld>
+</file>
+
+<file path=ppt/slides/slide14.xml><?xml version="1.0" encoding="utf-8"?>
+<p:sld xmlns:a="http://schemas.openxmlformats.org/drawingml/2006/main" xmlns:r="http://schemas.openxmlformats.org/officeDocument/2006/relationships" xmlns:p="http://schemas.openxmlformats.org/presentationml/2006/main">
+  <p:cSld>
+    <p:spTree>
+      <p:nvGrpSpPr>
+        <p:cNvPr id="1" name=""/>
+        <p:cNvGrpSpPr/>
+        <p:nvPr/>
+      </p:nvGrpSpPr>
+      <p:grpSpPr>
+        <a:xfrm>
+          <a:off x="0" y="0"/>
+          <a:ext cx="0" cy="0"/>
+          <a:chOff x="0" y="0"/>
+          <a:chExt cx="0" cy="0"/>
+        </a:xfrm>
+      </p:grpSpPr>
+      <p:sp>
+        <p:nvSpPr>
+          <p:cNvPr id="2" name="Title 1"/>
+          <p:cNvSpPr>
+            <a:spLocks noGrp="1"/>
+          </p:cNvSpPr>
+          <p:nvPr>
+            <p:ph type="title"/>
+          </p:nvPr>
+        </p:nvSpPr>
+        <p:spPr/>
+        <p:txBody>
+          <a:bodyPr/>
+          <a:lstStyle/>
+          <a:p>
+            <a:r>
+              <a:rPr lang="en-US" altLang="zh-CN" dirty="0" smtClean="0"/>
+              <a:t>REST</a:t>
+            </a:r>
+            <a:r>
+              <a:rPr lang="zh-CN" altLang="en-US" dirty="0" smtClean="0"/>
               <a:t>的</a:t>
             </a:r>
             <a:r>
@@ -4516,193 +4609,6 @@
 </p:sld>
 </file>
 
-<file path=ppt/slides/slide14.xml><?xml version="1.0" encoding="utf-8"?>
-<p:sld xmlns:a="http://schemas.openxmlformats.org/drawingml/2006/main" xmlns:r="http://schemas.openxmlformats.org/officeDocument/2006/relationships" xmlns:p="http://schemas.openxmlformats.org/presentationml/2006/main">
-  <p:cSld>
-    <p:spTree>
-      <p:nvGrpSpPr>
-        <p:cNvPr id="1" name=""/>
-        <p:cNvGrpSpPr/>
-        <p:nvPr/>
-      </p:nvGrpSpPr>
-      <p:grpSpPr>
-        <a:xfrm>
-          <a:off x="0" y="0"/>
-          <a:ext cx="0" cy="0"/>
-          <a:chOff x="0" y="0"/>
-          <a:chExt cx="0" cy="0"/>
-        </a:xfrm>
-      </p:grpSpPr>
-      <p:sp>
-        <p:nvSpPr>
-          <p:cNvPr id="2" name="Title 1"/>
-          <p:cNvSpPr>
-            <a:spLocks noGrp="1"/>
-          </p:cNvSpPr>
-          <p:nvPr>
-            <p:ph type="title"/>
-          </p:nvPr>
-        </p:nvSpPr>
-        <p:spPr/>
-        <p:txBody>
-          <a:bodyPr/>
-          <a:lstStyle/>
-          <a:p>
-            <a:r>
-              <a:rPr lang="en-US" altLang="zh-CN" dirty="0"/>
-              <a:t>REST</a:t>
-            </a:r>
-            <a:r>
-              <a:rPr lang="zh-CN" altLang="en-US" dirty="0"/>
-              <a:t>的</a:t>
-            </a:r>
-            <a:r>
-              <a:rPr lang="en-US" altLang="zh-CN" dirty="0"/>
-              <a:t>URL</a:t>
-            </a:r>
-            <a:r>
-              <a:rPr lang="zh-CN" altLang="en-US" dirty="0"/>
-              <a:t>设计</a:t>
-            </a:r>
-            <a:endParaRPr lang="en-US" dirty="0"/>
-          </a:p>
-        </p:txBody>
-      </p:sp>
-      <p:sp>
-        <p:nvSpPr>
-          <p:cNvPr id="3" name="Content Placeholder 2"/>
-          <p:cNvSpPr>
-            <a:spLocks noGrp="1"/>
-          </p:cNvSpPr>
-          <p:nvPr>
-            <p:ph idx="1"/>
-          </p:nvPr>
-        </p:nvSpPr>
-        <p:spPr/>
-        <p:txBody>
-          <a:bodyPr/>
-          <a:lstStyle/>
-          <a:p>
-            <a:r>
-              <a:rPr lang="zh-CN" altLang="en-US" dirty="0"/>
-              <a:t>宾语必须是名词</a:t>
-            </a:r>
-          </a:p>
-          <a:p>
-            <a:pPr lvl="1"/>
-            <a:r>
-              <a:rPr lang="zh-CN" altLang="en-US" dirty="0"/>
-              <a:t>宾语就是 </a:t>
-            </a:r>
-            <a:r>
-              <a:rPr lang="en-US" altLang="zh-CN" dirty="0"/>
-              <a:t>API </a:t>
-            </a:r>
-            <a:r>
-              <a:rPr lang="zh-CN" altLang="en-US" dirty="0"/>
-              <a:t>的 </a:t>
-            </a:r>
-            <a:r>
-              <a:rPr lang="en-US" altLang="zh-CN" dirty="0"/>
-              <a:t>URL</a:t>
-            </a:r>
-            <a:r>
-              <a:rPr lang="zh-CN" altLang="en-US" dirty="0"/>
-              <a:t>，是 </a:t>
-            </a:r>
-            <a:r>
-              <a:rPr lang="en-US" altLang="zh-CN" dirty="0"/>
-              <a:t>HTTP </a:t>
-            </a:r>
-            <a:r>
-              <a:rPr lang="zh-CN" altLang="en-US" dirty="0"/>
-              <a:t>动词作用的对象。它应该是名词，不能是动词。比如，</a:t>
-            </a:r>
-            <a:r>
-              <a:rPr lang="en-US" altLang="zh-CN" dirty="0"/>
-              <a:t>/articles</a:t>
-            </a:r>
-            <a:r>
-              <a:rPr lang="zh-CN" altLang="en-US" dirty="0"/>
-              <a:t>这个 </a:t>
-            </a:r>
-            <a:r>
-              <a:rPr lang="en-US" altLang="zh-CN" dirty="0"/>
-              <a:t>URL </a:t>
-            </a:r>
-            <a:r>
-              <a:rPr lang="zh-CN" altLang="en-US" dirty="0"/>
-              <a:t>就是正确的，而下面的 </a:t>
-            </a:r>
-            <a:r>
-              <a:rPr lang="en-US" altLang="zh-CN" dirty="0"/>
-              <a:t>URL </a:t>
-            </a:r>
-            <a:r>
-              <a:rPr lang="zh-CN" altLang="en-US" dirty="0"/>
-              <a:t>不是名词，所以都是错误的</a:t>
-            </a:r>
-            <a:r>
-              <a:rPr lang="zh-CN" altLang="en-US" dirty="0" smtClean="0"/>
-              <a:t>。</a:t>
-            </a:r>
-            <a:endParaRPr lang="en-US" altLang="zh-CN" dirty="0" smtClean="0"/>
-          </a:p>
-          <a:p>
-            <a:pPr lvl="1"/>
-            <a:r>
-              <a:rPr lang="en-US" dirty="0"/>
-              <a:t>/</a:t>
-            </a:r>
-            <a:r>
-              <a:rPr lang="en-US" dirty="0" err="1"/>
-              <a:t>getAllCars</a:t>
-            </a:r>
-            <a:endParaRPr lang="en-US" dirty="0"/>
-          </a:p>
-          <a:p>
-            <a:pPr lvl="1"/>
-            <a:r>
-              <a:rPr lang="en-US" dirty="0"/>
-              <a:t>/</a:t>
-            </a:r>
-            <a:r>
-              <a:rPr lang="en-US" dirty="0" err="1"/>
-              <a:t>createNewCar</a:t>
-            </a:r>
-            <a:endParaRPr lang="en-US" dirty="0"/>
-          </a:p>
-          <a:p>
-            <a:pPr lvl="1"/>
-            <a:r>
-              <a:rPr lang="en-US" dirty="0"/>
-              <a:t>/</a:t>
-            </a:r>
-            <a:r>
-              <a:rPr lang="en-US" dirty="0" err="1"/>
-              <a:t>deleteAllRedCars</a:t>
-            </a:r>
-            <a:endParaRPr lang="en-US" dirty="0"/>
-          </a:p>
-          <a:p>
-            <a:pPr lvl="1"/>
-            <a:endParaRPr lang="en-US" dirty="0"/>
-          </a:p>
-        </p:txBody>
-      </p:sp>
-    </p:spTree>
-    <p:extLst>
-      <p:ext uri="{BB962C8B-B14F-4D97-AF65-F5344CB8AC3E}">
-        <p14:creationId xmlns:p14="http://schemas.microsoft.com/office/powerpoint/2010/main" val="1632079414"/>
-      </p:ext>
-    </p:extLst>
-  </p:cSld>
-  <p:clrMapOvr>
-    <a:masterClrMapping/>
-  </p:clrMapOvr>
-</p:sld>
-</file>
-
 <file path=ppt/slides/slide15.xml><?xml version="1.0" encoding="utf-8"?>
 <p:sld xmlns:a="http://schemas.openxmlformats.org/drawingml/2006/main" xmlns:r="http://schemas.openxmlformats.org/officeDocument/2006/relationships" xmlns:p="http://schemas.openxmlformats.org/presentationml/2006/main">
   <p:cSld>
@@ -4772,26 +4678,62 @@
           <a:p>
             <a:r>
               <a:rPr lang="zh-CN" altLang="en-US" dirty="0"/>
-              <a:t>避免多级 </a:t>
+              <a:t>宾语必须是名词</a:t>
+            </a:r>
+          </a:p>
+          <a:p>
+            <a:pPr lvl="1"/>
+            <a:r>
+              <a:rPr lang="zh-CN" altLang="en-US" dirty="0"/>
+              <a:t>宾语就是 </a:t>
+            </a:r>
+            <a:r>
+              <a:rPr lang="en-US" altLang="zh-CN" dirty="0"/>
+              <a:t>API </a:t>
+            </a:r>
+            <a:r>
+              <a:rPr lang="zh-CN" altLang="en-US" dirty="0"/>
+              <a:t>的 </a:t>
             </a:r>
             <a:r>
               <a:rPr lang="en-US" altLang="zh-CN" dirty="0"/>
               <a:t>URL</a:t>
             </a:r>
-          </a:p>
-          <a:p>
-            <a:pPr lvl="1"/>
-            <a:r>
-              <a:rPr lang="zh-CN" altLang="en-US" dirty="0"/>
-              <a:t>常见的情况是，资源需要多级分类，因此很容易写出多级的 </a:t>
-            </a:r>
-            <a:r>
-              <a:rPr lang="en-US" altLang="zh-CN" dirty="0"/>
-              <a:t>URL</a:t>
-            </a:r>
-            <a:r>
-              <a:rPr lang="zh-CN" altLang="en-US" dirty="0"/>
-              <a:t>，比如获取某个作者的某一类文章</a:t>
+            <a:r>
+              <a:rPr lang="zh-CN" altLang="en-US" dirty="0"/>
+              <a:t>，是 </a:t>
+            </a:r>
+            <a:r>
+              <a:rPr lang="en-US" altLang="zh-CN" dirty="0"/>
+              <a:t>HTTP </a:t>
+            </a:r>
+            <a:r>
+              <a:rPr lang="zh-CN" altLang="en-US" dirty="0"/>
+              <a:t>动词作用的对象。它应该是名词，不能是动词。比如，</a:t>
+            </a:r>
+            <a:r>
+              <a:rPr lang="en-US" altLang="zh-CN" dirty="0"/>
+              <a:t>/articles</a:t>
+            </a:r>
+            <a:r>
+              <a:rPr lang="zh-CN" altLang="en-US" dirty="0"/>
+              <a:t>这个 </a:t>
+            </a:r>
+            <a:r>
+              <a:rPr lang="en-US" altLang="zh-CN" dirty="0"/>
+              <a:t>URL </a:t>
+            </a:r>
+            <a:r>
+              <a:rPr lang="zh-CN" altLang="en-US" dirty="0"/>
+              <a:t>就是正确的，而下面的 </a:t>
+            </a:r>
+            <a:r>
+              <a:rPr lang="en-US" altLang="zh-CN" dirty="0"/>
+              <a:t>URL </a:t>
+            </a:r>
+            <a:r>
+              <a:rPr lang="zh-CN" altLang="en-US" dirty="0"/>
+              <a:t>不是名词，所以都是错误的</a:t>
             </a:r>
             <a:r>
               <a:rPr lang="zh-CN" altLang="en-US" dirty="0" smtClean="0"/>
@@ -4800,111 +4742,38 @@
             <a:endParaRPr lang="en-US" altLang="zh-CN" dirty="0" smtClean="0"/>
           </a:p>
           <a:p>
-            <a:pPr lvl="2"/>
+            <a:pPr lvl="1"/>
             <a:r>
               <a:rPr lang="en-US" dirty="0"/>
-              <a:t>GET /</a:t>
-            </a:r>
-            <a:r>
-              <a:rPr lang="en-US" dirty="0" smtClean="0"/>
-              <a:t>authors/12/categories/2</a:t>
-            </a:r>
+              <a:t>/</a:t>
+            </a:r>
+            <a:r>
+              <a:rPr lang="en-US" dirty="0" err="1"/>
+              <a:t>getAllCars</a:t>
+            </a:r>
+            <a:endParaRPr lang="en-US" dirty="0"/>
           </a:p>
           <a:p>
             <a:pPr lvl="1"/>
             <a:r>
-              <a:rPr lang="zh-CN" altLang="en-US" dirty="0"/>
-              <a:t>这种 </a:t>
-            </a:r>
-            <a:r>
-              <a:rPr lang="en-US" altLang="zh-CN" dirty="0"/>
-              <a:t>URL </a:t>
-            </a:r>
-            <a:r>
-              <a:rPr lang="zh-CN" altLang="en-US" dirty="0"/>
-              <a:t>不利于扩展，语义也不明确，往往要想一会，才能明白含义</a:t>
-            </a:r>
-            <a:r>
-              <a:rPr lang="zh-CN" altLang="en-US" dirty="0" smtClean="0"/>
-              <a:t>。</a:t>
-            </a:r>
-            <a:endParaRPr lang="en-US" altLang="zh-CN" dirty="0" smtClean="0"/>
+              <a:rPr lang="en-US" dirty="0"/>
+              <a:t>/</a:t>
+            </a:r>
+            <a:r>
+              <a:rPr lang="en-US" dirty="0" err="1"/>
+              <a:t>createNewCar</a:t>
+            </a:r>
+            <a:endParaRPr lang="en-US" dirty="0"/>
           </a:p>
           <a:p>
             <a:pPr lvl="1"/>
             <a:r>
-              <a:rPr lang="zh-CN" altLang="en-US" dirty="0"/>
-              <a:t>更好的做法是，除了第一级，其他级别都用查询字符串表达</a:t>
-            </a:r>
-            <a:r>
-              <a:rPr lang="zh-CN" altLang="en-US" dirty="0" smtClean="0"/>
-              <a:t>。</a:t>
-            </a:r>
-            <a:endParaRPr lang="en-US" altLang="zh-CN" dirty="0" smtClean="0"/>
-          </a:p>
-          <a:p>
-            <a:pPr lvl="2"/>
-            <a:r>
               <a:rPr lang="en-US" dirty="0"/>
-              <a:t>GET /</a:t>
-            </a:r>
-            <a:r>
-              <a:rPr lang="en-US" dirty="0" smtClean="0"/>
-              <a:t>authors/12?categories=2</a:t>
-            </a:r>
-          </a:p>
-          <a:p>
-            <a:pPr lvl="1"/>
-            <a:r>
-              <a:rPr lang="zh-CN" altLang="en-US" dirty="0"/>
-              <a:t>查询已发布的</a:t>
-            </a:r>
-            <a:r>
-              <a:rPr lang="zh-CN" altLang="en-US" dirty="0" smtClean="0"/>
-              <a:t>文章</a:t>
-            </a:r>
-            <a:endParaRPr lang="en-US" altLang="zh-CN" dirty="0" smtClean="0"/>
-          </a:p>
-          <a:p>
-            <a:pPr lvl="2"/>
-            <a:r>
-              <a:rPr lang="en-US" dirty="0"/>
-              <a:t>GET /</a:t>
-            </a:r>
-            <a:r>
-              <a:rPr lang="en-US" dirty="0" smtClean="0"/>
-              <a:t>articles/published</a:t>
-            </a:r>
-          </a:p>
-          <a:p>
-            <a:pPr lvl="2"/>
-            <a:r>
-              <a:rPr lang="en-US" dirty="0"/>
-              <a:t>GET /</a:t>
-            </a:r>
-            <a:r>
-              <a:rPr lang="en-US" dirty="0" err="1" smtClean="0"/>
-              <a:t>articles?published</a:t>
-            </a:r>
-            <a:r>
-              <a:rPr lang="en-US" dirty="0" smtClean="0"/>
-              <a:t>=true</a:t>
-            </a:r>
-            <a:r>
-              <a:rPr lang="zh-CN" altLang="en-US" dirty="0" smtClean="0"/>
-              <a:t> </a:t>
-            </a:r>
-            <a:r>
-              <a:rPr lang="en-US" altLang="zh-CN" dirty="0" smtClean="0"/>
-              <a:t>(</a:t>
-            </a:r>
-            <a:r>
-              <a:rPr lang="zh-CN" altLang="en-US" dirty="0" smtClean="0"/>
-              <a:t>更好</a:t>
-            </a:r>
-            <a:r>
-              <a:rPr lang="en-US" altLang="zh-CN" dirty="0" smtClean="0"/>
-              <a:t>)</a:t>
+              <a:t>/</a:t>
+            </a:r>
+            <a:r>
+              <a:rPr lang="en-US" dirty="0" err="1"/>
+              <a:t>deleteAllRedCars</a:t>
             </a:r>
             <a:endParaRPr lang="en-US" dirty="0"/>
           </a:p>
@@ -4917,20 +4786,13 @@
     </p:spTree>
     <p:extLst>
       <p:ext uri="{BB962C8B-B14F-4D97-AF65-F5344CB8AC3E}">
-        <p14:creationId xmlns:p14="http://schemas.microsoft.com/office/powerpoint/2010/main" val="658285734"/>
+        <p14:creationId xmlns:p14="http://schemas.microsoft.com/office/powerpoint/2010/main" val="1632079414"/>
       </p:ext>
     </p:extLst>
   </p:cSld>
   <p:clrMapOvr>
     <a:masterClrMapping/>
   </p:clrMapOvr>
-  <p:timing>
-    <p:tnLst>
-      <p:par>
-        <p:cTn id="1" dur="indefinite" restart="never" nodeType="tmRoot"/>
-      </p:par>
-    </p:tnLst>
-  </p:timing>
 </p:sld>
 </file>
 
@@ -4967,91 +4829,177 @@
           <a:lstStyle/>
           <a:p>
             <a:r>
-              <a:rPr lang="zh-CN" altLang="en-US" dirty="0"/>
-              <a:t>状态</a:t>
+              <a:rPr lang="en-US" altLang="zh-CN" dirty="0"/>
+              <a:t>REST</a:t>
+            </a:r>
+            <a:r>
+              <a:rPr lang="zh-CN" altLang="en-US" dirty="0"/>
+              <a:t>的</a:t>
+            </a:r>
+            <a:r>
+              <a:rPr lang="en-US" altLang="zh-CN" dirty="0"/>
+              <a:t>URL</a:t>
+            </a:r>
+            <a:r>
+              <a:rPr lang="zh-CN" altLang="en-US" dirty="0"/>
+              <a:t>设计</a:t>
+            </a:r>
+            <a:endParaRPr lang="en-US" dirty="0"/>
+          </a:p>
+        </p:txBody>
+      </p:sp>
+      <p:sp>
+        <p:nvSpPr>
+          <p:cNvPr id="3" name="Content Placeholder 2"/>
+          <p:cNvSpPr>
+            <a:spLocks noGrp="1"/>
+          </p:cNvSpPr>
+          <p:nvPr>
+            <p:ph idx="1"/>
+          </p:nvPr>
+        </p:nvSpPr>
+        <p:spPr/>
+        <p:txBody>
+          <a:bodyPr/>
+          <a:lstStyle/>
+          <a:p>
+            <a:r>
+              <a:rPr lang="zh-CN" altLang="en-US" dirty="0"/>
+              <a:t>避免多级 </a:t>
+            </a:r>
+            <a:r>
+              <a:rPr lang="en-US" altLang="zh-CN" dirty="0"/>
+              <a:t>URL</a:t>
+            </a:r>
+          </a:p>
+          <a:p>
+            <a:pPr lvl="1"/>
+            <a:r>
+              <a:rPr lang="zh-CN" altLang="en-US" dirty="0"/>
+              <a:t>常见的情况是，资源需要多级分类，因此很容易写出多级的 </a:t>
+            </a:r>
+            <a:r>
+              <a:rPr lang="en-US" altLang="zh-CN" dirty="0"/>
+              <a:t>URL</a:t>
+            </a:r>
+            <a:r>
+              <a:rPr lang="zh-CN" altLang="en-US" dirty="0"/>
+              <a:t>，比如获取某个作者的某一类文章</a:t>
             </a:r>
             <a:r>
               <a:rPr lang="zh-CN" altLang="en-US" dirty="0" smtClean="0"/>
-              <a:t>码</a:t>
+              <a:t>。</a:t>
+            </a:r>
+            <a:endParaRPr lang="en-US" altLang="zh-CN" dirty="0" smtClean="0"/>
+          </a:p>
+          <a:p>
+            <a:pPr lvl="2"/>
+            <a:r>
+              <a:rPr lang="en-US" dirty="0"/>
+              <a:t>GET /</a:t>
+            </a:r>
+            <a:r>
+              <a:rPr lang="en-US" dirty="0" smtClean="0"/>
+              <a:t>authors/12/categories/2</a:t>
+            </a:r>
+          </a:p>
+          <a:p>
+            <a:pPr lvl="1"/>
+            <a:r>
+              <a:rPr lang="zh-CN" altLang="en-US" dirty="0"/>
+              <a:t>这种 </a:t>
+            </a:r>
+            <a:r>
+              <a:rPr lang="en-US" altLang="zh-CN" dirty="0"/>
+              <a:t>URL </a:t>
+            </a:r>
+            <a:r>
+              <a:rPr lang="zh-CN" altLang="en-US" dirty="0"/>
+              <a:t>不利于扩展，语义也不明确，往往要想一会，才能明白含义</a:t>
+            </a:r>
+            <a:r>
+              <a:rPr lang="zh-CN" altLang="en-US" dirty="0" smtClean="0"/>
+              <a:t>。</a:t>
+            </a:r>
+            <a:endParaRPr lang="en-US" altLang="zh-CN" dirty="0" smtClean="0"/>
+          </a:p>
+          <a:p>
+            <a:pPr lvl="1"/>
+            <a:r>
+              <a:rPr lang="zh-CN" altLang="en-US" dirty="0"/>
+              <a:t>更好的做法是，除了第一级，其他级别都用查询字符串表达</a:t>
+            </a:r>
+            <a:r>
+              <a:rPr lang="zh-CN" altLang="en-US" dirty="0" smtClean="0"/>
+              <a:t>。</a:t>
+            </a:r>
+            <a:endParaRPr lang="en-US" altLang="zh-CN" dirty="0" smtClean="0"/>
+          </a:p>
+          <a:p>
+            <a:pPr lvl="2"/>
+            <a:r>
+              <a:rPr lang="en-US" dirty="0"/>
+              <a:t>GET /</a:t>
+            </a:r>
+            <a:r>
+              <a:rPr lang="en-US" dirty="0" smtClean="0"/>
+              <a:t>authors/12?categories=2</a:t>
+            </a:r>
+          </a:p>
+          <a:p>
+            <a:pPr lvl="1"/>
+            <a:r>
+              <a:rPr lang="zh-CN" altLang="en-US" dirty="0"/>
+              <a:t>查询已发布的</a:t>
+            </a:r>
+            <a:r>
+              <a:rPr lang="zh-CN" altLang="en-US" dirty="0" smtClean="0"/>
+              <a:t>文章</a:t>
+            </a:r>
+            <a:endParaRPr lang="en-US" altLang="zh-CN" dirty="0" smtClean="0"/>
+          </a:p>
+          <a:p>
+            <a:pPr lvl="2"/>
+            <a:r>
+              <a:rPr lang="en-US" dirty="0"/>
+              <a:t>GET /</a:t>
+            </a:r>
+            <a:r>
+              <a:rPr lang="en-US" dirty="0" smtClean="0"/>
+              <a:t>articles/published</a:t>
+            </a:r>
+          </a:p>
+          <a:p>
+            <a:pPr lvl="2"/>
+            <a:r>
+              <a:rPr lang="en-US" dirty="0"/>
+              <a:t>GET /</a:t>
+            </a:r>
+            <a:r>
+              <a:rPr lang="en-US" dirty="0" err="1" smtClean="0"/>
+              <a:t>articles?published</a:t>
+            </a:r>
+            <a:r>
+              <a:rPr lang="en-US" dirty="0" smtClean="0"/>
+              <a:t>=true</a:t>
+            </a:r>
+            <a:r>
+              <a:rPr lang="zh-CN" altLang="en-US" dirty="0" smtClean="0"/>
+              <a:t> </a:t>
+            </a:r>
+            <a:r>
+              <a:rPr lang="en-US" altLang="zh-CN" dirty="0" smtClean="0"/>
+              <a:t>(</a:t>
+            </a:r>
+            <a:r>
+              <a:rPr lang="zh-CN" altLang="en-US" dirty="0" smtClean="0"/>
+              <a:t>更好</a:t>
+            </a:r>
+            <a:r>
+              <a:rPr lang="en-US" altLang="zh-CN" dirty="0" smtClean="0"/>
+              <a:t>)</a:t>
             </a:r>
             <a:endParaRPr lang="en-US" dirty="0"/>
-          </a:p>
-        </p:txBody>
-      </p:sp>
-      <p:sp>
-        <p:nvSpPr>
-          <p:cNvPr id="3" name="Content Placeholder 2"/>
-          <p:cNvSpPr>
-            <a:spLocks noGrp="1"/>
-          </p:cNvSpPr>
-          <p:nvPr>
-            <p:ph idx="1"/>
-          </p:nvPr>
-        </p:nvSpPr>
-        <p:spPr/>
-        <p:txBody>
-          <a:bodyPr/>
-          <a:lstStyle/>
-          <a:p>
-            <a:r>
-              <a:rPr lang="zh-CN" altLang="en-US" dirty="0"/>
-              <a:t>状态码必须精确</a:t>
-            </a:r>
-          </a:p>
-          <a:p>
-            <a:pPr lvl="1"/>
-            <a:r>
-              <a:rPr lang="en-US" altLang="zh-CN" dirty="0"/>
-              <a:t>1xx</a:t>
-            </a:r>
-            <a:r>
-              <a:rPr lang="zh-CN" altLang="en-US" dirty="0"/>
-              <a:t>：相关信息</a:t>
-            </a:r>
-          </a:p>
-          <a:p>
-            <a:pPr lvl="1"/>
-            <a:r>
-              <a:rPr lang="en-US" altLang="zh-CN" dirty="0"/>
-              <a:t>2xx</a:t>
-            </a:r>
-            <a:r>
-              <a:rPr lang="zh-CN" altLang="en-US" dirty="0"/>
-              <a:t>：操作成功</a:t>
-            </a:r>
-          </a:p>
-          <a:p>
-            <a:pPr lvl="1"/>
-            <a:r>
-              <a:rPr lang="en-US" altLang="zh-CN" dirty="0"/>
-              <a:t>3xx</a:t>
-            </a:r>
-            <a:r>
-              <a:rPr lang="zh-CN" altLang="en-US" dirty="0"/>
-              <a:t>：重定向</a:t>
-            </a:r>
-          </a:p>
-          <a:p>
-            <a:pPr lvl="1"/>
-            <a:r>
-              <a:rPr lang="en-US" altLang="zh-CN" dirty="0"/>
-              <a:t>4xx</a:t>
-            </a:r>
-            <a:r>
-              <a:rPr lang="zh-CN" altLang="en-US" dirty="0"/>
-              <a:t>：客户端错误</a:t>
-            </a:r>
-          </a:p>
-          <a:p>
-            <a:pPr lvl="1"/>
-            <a:r>
-              <a:rPr lang="en-US" altLang="zh-CN" dirty="0"/>
-              <a:t>5xx</a:t>
-            </a:r>
-            <a:r>
-              <a:rPr lang="zh-CN" altLang="en-US" dirty="0"/>
-              <a:t>：服务器错误</a:t>
-            </a:r>
           </a:p>
           <a:p>
             <a:pPr lvl="1"/>
@@ -5062,7 +5010,7 @@
     </p:spTree>
     <p:extLst>
       <p:ext uri="{BB962C8B-B14F-4D97-AF65-F5344CB8AC3E}">
-        <p14:creationId xmlns:p14="http://schemas.microsoft.com/office/powerpoint/2010/main" val="815227479"/>
+        <p14:creationId xmlns:p14="http://schemas.microsoft.com/office/powerpoint/2010/main" val="658285734"/>
       </p:ext>
     </p:extLst>
   </p:cSld>
@@ -5113,11 +5061,11 @@
           <a:p>
             <a:r>
               <a:rPr lang="zh-CN" altLang="en-US" dirty="0"/>
-              <a:t>服务器</a:t>
+              <a:t>状态</a:t>
             </a:r>
             <a:r>
               <a:rPr lang="zh-CN" altLang="en-US" dirty="0" smtClean="0"/>
-              <a:t>回应</a:t>
+              <a:t>码</a:t>
             </a:r>
             <a:endParaRPr lang="en-US" dirty="0"/>
           </a:p>
@@ -5135,175 +5083,71 @@
         </p:nvSpPr>
         <p:spPr/>
         <p:txBody>
-          <a:bodyPr>
-            <a:normAutofit lnSpcReduction="10000"/>
-          </a:bodyPr>
-          <a:lstStyle/>
-          <a:p>
-            <a:r>
-              <a:rPr lang="zh-CN" altLang="en-US" dirty="0"/>
-              <a:t>不要返回纯本文</a:t>
+          <a:bodyPr/>
+          <a:lstStyle/>
+          <a:p>
+            <a:r>
+              <a:rPr lang="zh-CN" altLang="en-US" dirty="0"/>
+              <a:t>状态码必须精确</a:t>
             </a:r>
           </a:p>
           <a:p>
             <a:pPr lvl="1"/>
             <a:r>
               <a:rPr lang="en-US" altLang="zh-CN" dirty="0"/>
-              <a:t>API </a:t>
-            </a:r>
-            <a:r>
-              <a:rPr lang="zh-CN" altLang="en-US" dirty="0"/>
-              <a:t>返回的数据格式，不应该是纯文本，而应该是一个 </a:t>
-            </a:r>
-            <a:r>
-              <a:rPr lang="en-US" altLang="zh-CN" dirty="0"/>
-              <a:t>JSON </a:t>
-            </a:r>
-            <a:r>
-              <a:rPr lang="zh-CN" altLang="en-US" dirty="0"/>
-              <a:t>对象，因为这样才能返回标准的结构化数据。所以，服务器回应的 </a:t>
-            </a:r>
-            <a:r>
-              <a:rPr lang="en-US" altLang="zh-CN" dirty="0"/>
-              <a:t>HTTP </a:t>
-            </a:r>
-            <a:r>
-              <a:rPr lang="zh-CN" altLang="en-US" dirty="0"/>
-              <a:t>头的</a:t>
-            </a:r>
-            <a:r>
-              <a:rPr lang="en-US" altLang="zh-CN" dirty="0"/>
-              <a:t>Content-Type</a:t>
-            </a:r>
-            <a:r>
-              <a:rPr lang="zh-CN" altLang="en-US" dirty="0"/>
-              <a:t>属性要设为</a:t>
-            </a:r>
-            <a:r>
-              <a:rPr lang="en-US" altLang="zh-CN" dirty="0"/>
-              <a:t>application/</a:t>
-            </a:r>
-            <a:r>
-              <a:rPr lang="en-US" altLang="zh-CN" dirty="0" err="1"/>
-              <a:t>json</a:t>
-            </a:r>
-            <a:r>
-              <a:rPr lang="zh-CN" altLang="en-US" dirty="0"/>
-              <a:t>。</a:t>
+              <a:t>1xx</a:t>
+            </a:r>
+            <a:r>
+              <a:rPr lang="zh-CN" altLang="en-US" dirty="0"/>
+              <a:t>：相关信息</a:t>
             </a:r>
           </a:p>
           <a:p>
             <a:pPr lvl="1"/>
             <a:r>
-              <a:rPr lang="zh-CN" altLang="en-US" dirty="0"/>
-              <a:t>客户端请求时，也要明确告诉服务器，可以接受 </a:t>
-            </a:r>
-            <a:r>
-              <a:rPr lang="en-US" altLang="zh-CN" dirty="0"/>
-              <a:t>JSON </a:t>
-            </a:r>
-            <a:r>
-              <a:rPr lang="zh-CN" altLang="en-US" dirty="0"/>
-              <a:t>格式，即请求的 </a:t>
-            </a:r>
-            <a:r>
-              <a:rPr lang="en-US" altLang="zh-CN" dirty="0"/>
-              <a:t>HTTP </a:t>
-            </a:r>
-            <a:r>
-              <a:rPr lang="zh-CN" altLang="en-US" dirty="0"/>
-              <a:t>头的</a:t>
-            </a:r>
-            <a:r>
-              <a:rPr lang="en-US" altLang="zh-CN" dirty="0"/>
-              <a:t>ACCEPT</a:t>
-            </a:r>
-            <a:r>
-              <a:rPr lang="zh-CN" altLang="en-US" dirty="0"/>
-              <a:t>属性也要设成</a:t>
-            </a:r>
-            <a:r>
-              <a:rPr lang="en-US" altLang="zh-CN" dirty="0"/>
-              <a:t>application/</a:t>
-            </a:r>
-            <a:r>
-              <a:rPr lang="en-US" altLang="zh-CN" dirty="0" err="1"/>
-              <a:t>json</a:t>
-            </a:r>
-            <a:r>
-              <a:rPr lang="zh-CN" altLang="en-US" dirty="0"/>
-              <a:t>。</a:t>
-            </a:r>
-          </a:p>
-          <a:p>
-            <a:r>
-              <a:rPr lang="zh-CN" altLang="en-US" dirty="0"/>
-              <a:t>发生错误时，不要返回 </a:t>
-            </a:r>
-            <a:r>
-              <a:rPr lang="en-US" altLang="zh-CN" dirty="0"/>
-              <a:t>200 </a:t>
-            </a:r>
-            <a:r>
-              <a:rPr lang="zh-CN" altLang="en-US" dirty="0"/>
-              <a:t>状态码</a:t>
-            </a:r>
-          </a:p>
-          <a:p>
-            <a:r>
-              <a:rPr lang="zh-CN" altLang="en-US" dirty="0"/>
-              <a:t>提供链接</a:t>
+              <a:rPr lang="en-US" altLang="zh-CN" dirty="0"/>
+              <a:t>2xx</a:t>
+            </a:r>
+            <a:r>
+              <a:rPr lang="zh-CN" altLang="en-US" dirty="0"/>
+              <a:t>：操作成功</a:t>
             </a:r>
           </a:p>
           <a:p>
             <a:pPr lvl="1"/>
             <a:r>
               <a:rPr lang="en-US" altLang="zh-CN" dirty="0"/>
-              <a:t>API </a:t>
-            </a:r>
-            <a:r>
-              <a:rPr lang="zh-CN" altLang="en-US" dirty="0"/>
-              <a:t>的使用者未必知道，</a:t>
-            </a:r>
-            <a:r>
-              <a:rPr lang="en-US" altLang="zh-CN" dirty="0"/>
-              <a:t>URL </a:t>
-            </a:r>
-            <a:r>
-              <a:rPr lang="zh-CN" altLang="en-US" dirty="0"/>
-              <a:t>是怎么设计的。一个解决方法就是，在回应中，给出相关链接，便于下一步操作。这样的话，用户只要记住一个 </a:t>
-            </a:r>
-            <a:r>
-              <a:rPr lang="en-US" altLang="zh-CN" dirty="0"/>
-              <a:t>URL</a:t>
-            </a:r>
-            <a:r>
-              <a:rPr lang="zh-CN" altLang="en-US" dirty="0"/>
-              <a:t>，就可以发现其他的 </a:t>
-            </a:r>
-            <a:r>
-              <a:rPr lang="en-US" altLang="zh-CN" dirty="0"/>
-              <a:t>URL</a:t>
-            </a:r>
-            <a:r>
-              <a:rPr lang="zh-CN" altLang="en-US" dirty="0"/>
-              <a:t>。这种方法叫做 </a:t>
-            </a:r>
-            <a:r>
-              <a:rPr lang="en-US" altLang="zh-CN" dirty="0"/>
-              <a:t>HATEOAS</a:t>
-            </a:r>
-            <a:r>
-              <a:rPr lang="zh-CN" altLang="en-US" dirty="0" smtClean="0"/>
-              <a:t>。</a:t>
-            </a:r>
-            <a:r>
-              <a:rPr lang="zh-CN" altLang="en-US" dirty="0"/>
-              <a:t/>
-            </a:r>
-            <a:br>
-              <a:rPr lang="zh-CN" altLang="en-US" dirty="0"/>
-            </a:br>
+              <a:t>3xx</a:t>
+            </a:r>
+            <a:r>
+              <a:rPr lang="zh-CN" altLang="en-US" dirty="0"/>
+              <a:t>：重定向</a:t>
+            </a:r>
+          </a:p>
+          <a:p>
+            <a:pPr lvl="1"/>
+            <a:r>
+              <a:rPr lang="en-US" altLang="zh-CN" dirty="0"/>
+              <a:t>4xx</a:t>
+            </a:r>
+            <a:r>
+              <a:rPr lang="zh-CN" altLang="en-US" dirty="0"/>
+              <a:t>：客户端错误</a:t>
+            </a:r>
+          </a:p>
+          <a:p>
+            <a:pPr lvl="1"/>
+            <a:r>
+              <a:rPr lang="en-US" altLang="zh-CN" dirty="0"/>
+              <a:t>5xx</a:t>
+            </a:r>
+            <a:r>
+              <a:rPr lang="zh-CN" altLang="en-US" dirty="0"/>
+              <a:t>：服务器错误</a:t>
+            </a:r>
+          </a:p>
+          <a:p>
+            <a:pPr lvl="1"/>
             <a:endParaRPr lang="en-US" dirty="0"/>
           </a:p>
         </p:txBody>
@@ -5311,7 +5155,7 @@
     </p:spTree>
     <p:extLst>
       <p:ext uri="{BB962C8B-B14F-4D97-AF65-F5344CB8AC3E}">
-        <p14:creationId xmlns:p14="http://schemas.microsoft.com/office/powerpoint/2010/main" val="247226592"/>
+        <p14:creationId xmlns:p14="http://schemas.microsoft.com/office/powerpoint/2010/main" val="815227479"/>
       </p:ext>
     </p:extLst>
   </p:cSld>
@@ -5361,8 +5205,12 @@
           <a:lstStyle/>
           <a:p>
             <a:r>
-              <a:rPr lang="en-US" altLang="zh-CN" dirty="0" err="1" smtClean="0"/>
-              <a:t>SpringSecurity</a:t>
+              <a:rPr lang="zh-CN" altLang="en-US" dirty="0"/>
+              <a:t>服务器</a:t>
+            </a:r>
+            <a:r>
+              <a:rPr lang="zh-CN" altLang="en-US" dirty="0" smtClean="0"/>
+              <a:t>回应</a:t>
             </a:r>
             <a:endParaRPr lang="en-US" dirty="0"/>
           </a:p>
@@ -5380,9 +5228,175 @@
         </p:nvSpPr>
         <p:spPr/>
         <p:txBody>
-          <a:bodyPr/>
-          <a:lstStyle/>
-          <a:p>
+          <a:bodyPr>
+            <a:normAutofit lnSpcReduction="10000"/>
+          </a:bodyPr>
+          <a:lstStyle/>
+          <a:p>
+            <a:r>
+              <a:rPr lang="zh-CN" altLang="en-US" dirty="0"/>
+              <a:t>不要返回纯本文</a:t>
+            </a:r>
+          </a:p>
+          <a:p>
+            <a:pPr lvl="1"/>
+            <a:r>
+              <a:rPr lang="en-US" altLang="zh-CN" dirty="0"/>
+              <a:t>API </a:t>
+            </a:r>
+            <a:r>
+              <a:rPr lang="zh-CN" altLang="en-US" dirty="0"/>
+              <a:t>返回的数据格式，不应该是纯文本，而应该是一个 </a:t>
+            </a:r>
+            <a:r>
+              <a:rPr lang="en-US" altLang="zh-CN" dirty="0"/>
+              <a:t>JSON </a:t>
+            </a:r>
+            <a:r>
+              <a:rPr lang="zh-CN" altLang="en-US" dirty="0"/>
+              <a:t>对象，因为这样才能返回标准的结构化数据。所以，服务器回应的 </a:t>
+            </a:r>
+            <a:r>
+              <a:rPr lang="en-US" altLang="zh-CN" dirty="0"/>
+              <a:t>HTTP </a:t>
+            </a:r>
+            <a:r>
+              <a:rPr lang="zh-CN" altLang="en-US" dirty="0"/>
+              <a:t>头的</a:t>
+            </a:r>
+            <a:r>
+              <a:rPr lang="en-US" altLang="zh-CN" dirty="0"/>
+              <a:t>Content-Type</a:t>
+            </a:r>
+            <a:r>
+              <a:rPr lang="zh-CN" altLang="en-US" dirty="0"/>
+              <a:t>属性要设为</a:t>
+            </a:r>
+            <a:r>
+              <a:rPr lang="en-US" altLang="zh-CN" dirty="0"/>
+              <a:t>application/</a:t>
+            </a:r>
+            <a:r>
+              <a:rPr lang="en-US" altLang="zh-CN" dirty="0" err="1"/>
+              <a:t>json</a:t>
+            </a:r>
+            <a:r>
+              <a:rPr lang="zh-CN" altLang="en-US" dirty="0"/>
+              <a:t>。</a:t>
+            </a:r>
+          </a:p>
+          <a:p>
+            <a:pPr lvl="1"/>
+            <a:r>
+              <a:rPr lang="zh-CN" altLang="en-US" dirty="0"/>
+              <a:t>客户端请求时，也要明确告诉服务器，可以接受 </a:t>
+            </a:r>
+            <a:r>
+              <a:rPr lang="en-US" altLang="zh-CN" dirty="0"/>
+              <a:t>JSON </a:t>
+            </a:r>
+            <a:r>
+              <a:rPr lang="zh-CN" altLang="en-US" dirty="0"/>
+              <a:t>格式，即请求的 </a:t>
+            </a:r>
+            <a:r>
+              <a:rPr lang="en-US" altLang="zh-CN" dirty="0"/>
+              <a:t>HTTP </a:t>
+            </a:r>
+            <a:r>
+              <a:rPr lang="zh-CN" altLang="en-US" dirty="0"/>
+              <a:t>头的</a:t>
+            </a:r>
+            <a:r>
+              <a:rPr lang="en-US" altLang="zh-CN" dirty="0"/>
+              <a:t>ACCEPT</a:t>
+            </a:r>
+            <a:r>
+              <a:rPr lang="zh-CN" altLang="en-US" dirty="0"/>
+              <a:t>属性也要设成</a:t>
+            </a:r>
+            <a:r>
+              <a:rPr lang="en-US" altLang="zh-CN" dirty="0"/>
+              <a:t>application/</a:t>
+            </a:r>
+            <a:r>
+              <a:rPr lang="en-US" altLang="zh-CN" dirty="0" err="1"/>
+              <a:t>json</a:t>
+            </a:r>
+            <a:r>
+              <a:rPr lang="zh-CN" altLang="en-US" dirty="0"/>
+              <a:t>。</a:t>
+            </a:r>
+          </a:p>
+          <a:p>
+            <a:r>
+              <a:rPr lang="zh-CN" altLang="en-US" dirty="0"/>
+              <a:t>发生错误时，不要返回 </a:t>
+            </a:r>
+            <a:r>
+              <a:rPr lang="en-US" altLang="zh-CN" dirty="0"/>
+              <a:t>200 </a:t>
+            </a:r>
+            <a:r>
+              <a:rPr lang="zh-CN" altLang="en-US" dirty="0"/>
+              <a:t>状态码</a:t>
+            </a:r>
+          </a:p>
+          <a:p>
+            <a:r>
+              <a:rPr lang="zh-CN" altLang="en-US" dirty="0"/>
+              <a:t>提供链接</a:t>
+            </a:r>
+          </a:p>
+          <a:p>
+            <a:pPr lvl="1"/>
+            <a:r>
+              <a:rPr lang="en-US" altLang="zh-CN" dirty="0"/>
+              <a:t>API </a:t>
+            </a:r>
+            <a:r>
+              <a:rPr lang="zh-CN" altLang="en-US" dirty="0"/>
+              <a:t>的使用者未必知道，</a:t>
+            </a:r>
+            <a:r>
+              <a:rPr lang="en-US" altLang="zh-CN" dirty="0"/>
+              <a:t>URL </a:t>
+            </a:r>
+            <a:r>
+              <a:rPr lang="zh-CN" altLang="en-US" dirty="0"/>
+              <a:t>是怎么设计的。一个解决方法就是，在回应中，给出相关链接，便于下一步操作。这样的话，用户只要记住一个 </a:t>
+            </a:r>
+            <a:r>
+              <a:rPr lang="en-US" altLang="zh-CN" dirty="0"/>
+              <a:t>URL</a:t>
+            </a:r>
+            <a:r>
+              <a:rPr lang="zh-CN" altLang="en-US" dirty="0"/>
+              <a:t>，就可以发现其他的 </a:t>
+            </a:r>
+            <a:r>
+              <a:rPr lang="en-US" altLang="zh-CN" dirty="0"/>
+              <a:t>URL</a:t>
+            </a:r>
+            <a:r>
+              <a:rPr lang="zh-CN" altLang="en-US" dirty="0"/>
+              <a:t>。这种方法叫做 </a:t>
+            </a:r>
+            <a:r>
+              <a:rPr lang="en-US" altLang="zh-CN" dirty="0"/>
+              <a:t>HATEOAS</a:t>
+            </a:r>
+            <a:r>
+              <a:rPr lang="zh-CN" altLang="en-US" dirty="0" smtClean="0"/>
+              <a:t>。</a:t>
+            </a:r>
+            <a:r>
+              <a:rPr lang="zh-CN" altLang="en-US" dirty="0"/>
+              <a:t/>
+            </a:r>
+            <a:br>
+              <a:rPr lang="zh-CN" altLang="en-US" dirty="0"/>
+            </a:br>
             <a:endParaRPr lang="en-US" dirty="0"/>
           </a:p>
         </p:txBody>
@@ -5390,7 +5404,7 @@
     </p:spTree>
     <p:extLst>
       <p:ext uri="{BB962C8B-B14F-4D97-AF65-F5344CB8AC3E}">
-        <p14:creationId xmlns:p14="http://schemas.microsoft.com/office/powerpoint/2010/main" val="185907071"/>
+        <p14:creationId xmlns:p14="http://schemas.microsoft.com/office/powerpoint/2010/main" val="247226592"/>
       </p:ext>
     </p:extLst>
   </p:cSld>
@@ -5440,10 +5454,6 @@
           <a:lstStyle/>
           <a:p>
             <a:r>
-              <a:rPr lang="zh-CN" altLang="en-US" dirty="0" smtClean="0"/>
-              <a:t>动手实践一个</a:t>
-            </a:r>
-            <a:r>
               <a:rPr lang="en-US" altLang="zh-CN" dirty="0" err="1" smtClean="0"/>
               <a:t>SpringSecurity</a:t>
             </a:r>
@@ -5466,12 +5476,6 @@
           <a:bodyPr/>
           <a:lstStyle/>
           <a:p>
-            <a:r>
-              <a:rPr lang="en-US" dirty="0">
-                <a:hlinkClick r:id="rId2"/>
-              </a:rPr>
-              <a:t>https://spring.io/guides/gs/securing-web/</a:t>
-            </a:r>
             <a:endParaRPr lang="en-US" dirty="0"/>
           </a:p>
         </p:txBody>
@@ -5479,7 +5483,7 @@
     </p:spTree>
     <p:extLst>
       <p:ext uri="{BB962C8B-B14F-4D97-AF65-F5344CB8AC3E}">
-        <p14:creationId xmlns:p14="http://schemas.microsoft.com/office/powerpoint/2010/main" val="424417117"/>
+        <p14:creationId xmlns:p14="http://schemas.microsoft.com/office/powerpoint/2010/main" val="185907071"/>
       </p:ext>
     </p:extLst>
   </p:cSld>
@@ -5741,7 +5745,11 @@
           <a:p>
             <a:r>
               <a:rPr lang="zh-CN" altLang="en-US" dirty="0" smtClean="0"/>
-              <a:t>缓存相关</a:t>
+              <a:t>动手实践一个</a:t>
+            </a:r>
+            <a:r>
+              <a:rPr lang="en-US" altLang="zh-CN" dirty="0" err="1" smtClean="0"/>
+              <a:t>SpringSecurity</a:t>
             </a:r>
             <a:endParaRPr lang="en-US" dirty="0"/>
           </a:p>
@@ -5762,14 +5770,20 @@
           <a:bodyPr/>
           <a:lstStyle/>
           <a:p>
-            <a:endParaRPr lang="en-US"/>
+            <a:r>
+              <a:rPr lang="en-US" dirty="0">
+                <a:hlinkClick r:id="rId2"/>
+              </a:rPr>
+              <a:t>https://spring.io/guides/gs/securing-web/</a:t>
+            </a:r>
+            <a:endParaRPr lang="en-US" dirty="0"/>
           </a:p>
         </p:txBody>
       </p:sp>
     </p:spTree>
     <p:extLst>
       <p:ext uri="{BB962C8B-B14F-4D97-AF65-F5344CB8AC3E}">
-        <p14:creationId xmlns:p14="http://schemas.microsoft.com/office/powerpoint/2010/main" val="1971939217"/>
+        <p14:creationId xmlns:p14="http://schemas.microsoft.com/office/powerpoint/2010/main" val="424417117"/>
       </p:ext>
     </p:extLst>
   </p:cSld>
@@ -5819,8 +5833,8 @@
           <a:lstStyle/>
           <a:p>
             <a:r>
-              <a:rPr lang="en-US" altLang="zh-CN" dirty="0" err="1" smtClean="0"/>
-              <a:t>EhCache</a:t>
+              <a:rPr lang="zh-CN" altLang="en-US" dirty="0" smtClean="0"/>
+              <a:t>缓存相关</a:t>
             </a:r>
             <a:endParaRPr lang="en-US" dirty="0"/>
           </a:p>
@@ -5838,102 +5852,17 @@
         </p:nvSpPr>
         <p:spPr/>
         <p:txBody>
-          <a:bodyPr>
-            <a:normAutofit/>
-          </a:bodyPr>
-          <a:lstStyle/>
-          <a:p>
-            <a:r>
-              <a:rPr lang="en-US" altLang="zh-CN" dirty="0" err="1"/>
-              <a:t>ehcache</a:t>
-            </a:r>
-            <a:r>
-              <a:rPr lang="zh-CN" altLang="en-US" dirty="0"/>
-              <a:t>是一个用</a:t>
-            </a:r>
-            <a:r>
-              <a:rPr lang="en-US" altLang="zh-CN" dirty="0"/>
-              <a:t>Java</a:t>
-            </a:r>
-            <a:r>
-              <a:rPr lang="zh-CN" altLang="en-US" dirty="0"/>
-              <a:t>实现的使用简单，高速，实现线程安全的缓存管理类库，</a:t>
-            </a:r>
-            <a:r>
-              <a:rPr lang="en-US" altLang="zh-CN" dirty="0" err="1"/>
-              <a:t>ehcache</a:t>
-            </a:r>
-            <a:r>
-              <a:rPr lang="zh-CN" altLang="en-US" dirty="0"/>
-              <a:t>提供了用内存，磁盘文件存储，以及分布式存储方式等多种灵活的</a:t>
-            </a:r>
-            <a:r>
-              <a:rPr lang="en-US" altLang="zh-CN" dirty="0"/>
-              <a:t>cache</a:t>
-            </a:r>
-            <a:r>
-              <a:rPr lang="zh-CN" altLang="en-US" dirty="0"/>
-              <a:t>管理方案。是</a:t>
-            </a:r>
-            <a:r>
-              <a:rPr lang="en-US" altLang="zh-CN" dirty="0"/>
-              <a:t>Hibernate</a:t>
-            </a:r>
-            <a:r>
-              <a:rPr lang="zh-CN" altLang="en-US" dirty="0"/>
-              <a:t>中默认的</a:t>
-            </a:r>
-            <a:r>
-              <a:rPr lang="en-US" altLang="zh-CN" dirty="0" err="1"/>
-              <a:t>CacheProvider</a:t>
-            </a:r>
-            <a:r>
-              <a:rPr lang="zh-CN" altLang="en-US" dirty="0" smtClean="0"/>
-              <a:t>。</a:t>
-            </a:r>
-            <a:endParaRPr lang="en-US" altLang="zh-CN" dirty="0" smtClean="0"/>
-          </a:p>
-          <a:p>
-            <a:r>
-              <a:rPr lang="en-US" dirty="0" err="1"/>
-              <a:t>Ehcache的类层次模型主要为三层</a:t>
-            </a:r>
-            <a:r>
-              <a:rPr lang="en-US" dirty="0" smtClean="0"/>
-              <a:t>:</a:t>
-            </a:r>
-            <a:endParaRPr lang="en-US" dirty="0"/>
-          </a:p>
-          <a:p>
-            <a:pPr lvl="1"/>
-            <a:r>
-              <a:rPr lang="en-US" dirty="0"/>
-              <a:t>1.CacheManager</a:t>
-            </a:r>
-          </a:p>
-          <a:p>
-            <a:pPr lvl="1"/>
-            <a:r>
-              <a:rPr lang="en-US" dirty="0"/>
-              <a:t>2.Cache</a:t>
-            </a:r>
-          </a:p>
-          <a:p>
-            <a:pPr lvl="1"/>
-            <a:r>
-              <a:rPr lang="en-US" dirty="0"/>
-              <a:t>3.Elemenat</a:t>
-            </a:r>
-          </a:p>
-          <a:p>
-            <a:endParaRPr lang="en-US" dirty="0"/>
+          <a:bodyPr/>
+          <a:lstStyle/>
+          <a:p>
+            <a:endParaRPr lang="en-US"/>
           </a:p>
         </p:txBody>
       </p:sp>
     </p:spTree>
     <p:extLst>
       <p:ext uri="{BB962C8B-B14F-4D97-AF65-F5344CB8AC3E}">
-        <p14:creationId xmlns:p14="http://schemas.microsoft.com/office/powerpoint/2010/main" val="1930337807"/>
+        <p14:creationId xmlns:p14="http://schemas.microsoft.com/office/powerpoint/2010/main" val="1971939217"/>
       </p:ext>
     </p:extLst>
   </p:cSld>
@@ -5982,7 +5911,11 @@
           <a:bodyPr/>
           <a:lstStyle/>
           <a:p>
-            <a:endParaRPr lang="en-US"/>
+            <a:r>
+              <a:rPr lang="en-US" altLang="zh-CN" dirty="0" err="1" smtClean="0"/>
+              <a:t>EhCache</a:t>
+            </a:r>
+            <a:endParaRPr lang="en-US" dirty="0"/>
           </a:p>
         </p:txBody>
       </p:sp>
@@ -6004,31 +5937,88 @@
           <a:lstStyle/>
           <a:p>
             <a:r>
+              <a:rPr lang="en-US" altLang="zh-CN" dirty="0" err="1"/>
+              <a:t>ehcache</a:t>
+            </a:r>
+            <a:r>
+              <a:rPr lang="zh-CN" altLang="en-US" dirty="0"/>
+              <a:t>是一个用</a:t>
+            </a:r>
+            <a:r>
+              <a:rPr lang="en-US" altLang="zh-CN" dirty="0"/>
+              <a:t>Java</a:t>
+            </a:r>
+            <a:r>
+              <a:rPr lang="zh-CN" altLang="en-US" dirty="0"/>
+              <a:t>实现的使用简单，高速，实现线程安全的缓存管理类库，</a:t>
+            </a:r>
+            <a:r>
+              <a:rPr lang="en-US" altLang="zh-CN" dirty="0" err="1"/>
+              <a:t>ehcache</a:t>
+            </a:r>
+            <a:r>
+              <a:rPr lang="zh-CN" altLang="en-US" dirty="0"/>
+              <a:t>提供了用内存，磁盘文件存储，以及分布式存储方式等多种灵活的</a:t>
+            </a:r>
+            <a:r>
+              <a:rPr lang="en-US" altLang="zh-CN" dirty="0"/>
+              <a:t>cache</a:t>
+            </a:r>
+            <a:r>
+              <a:rPr lang="zh-CN" altLang="en-US" dirty="0"/>
+              <a:t>管理方案。是</a:t>
+            </a:r>
+            <a:r>
+              <a:rPr lang="en-US" altLang="zh-CN" dirty="0"/>
+              <a:t>Hibernate</a:t>
+            </a:r>
+            <a:r>
+              <a:rPr lang="zh-CN" altLang="en-US" dirty="0"/>
+              <a:t>中默认的</a:t>
+            </a:r>
+            <a:r>
+              <a:rPr lang="en-US" altLang="zh-CN" dirty="0" err="1"/>
+              <a:t>CacheProvider</a:t>
+            </a:r>
+            <a:r>
+              <a:rPr lang="zh-CN" altLang="en-US" dirty="0" smtClean="0"/>
+              <a:t>。</a:t>
+            </a:r>
+            <a:endParaRPr lang="en-US" altLang="zh-CN" dirty="0" smtClean="0"/>
+          </a:p>
+          <a:p>
+            <a:r>
               <a:rPr lang="en-US" dirty="0" err="1"/>
-              <a:t>最上层的是CacheManager，他是操作Ehcache的入口</a:t>
+              <a:t>Ehcache的类层次模型主要为三层</a:t>
             </a:r>
             <a:r>
               <a:rPr lang="en-US" dirty="0" smtClean="0"/>
-              <a:t>。</a:t>
-            </a:r>
-          </a:p>
-          <a:p>
-            <a:r>
-              <a:rPr lang="en-US" dirty="0" err="1" smtClean="0"/>
-              <a:t>我们可以通过</a:t>
-            </a:r>
-            <a:r>
-              <a:rPr lang="en-US" dirty="0" err="1"/>
-              <a:t>CacheManager.getInstance</a:t>
-            </a:r>
+              <a:t>:</a:t>
+            </a:r>
+            <a:endParaRPr lang="en-US" dirty="0"/>
+          </a:p>
+          <a:p>
+            <a:pPr lvl="1"/>
             <a:r>
               <a:rPr lang="en-US" dirty="0"/>
-              <a:t>()获得一个单个的CacheManager，或者通过CacheManager的构造函数创建一个新的CacheManager。每个CacheManager都管理着多个Cache,而每个Cache都以一种类Hash的方式，关联着多个Elemenat，而Element则是我们用于存放要缓存内容的地方</a:t>
-            </a:r>
-            <a:r>
-              <a:rPr lang="en-US" dirty="0" smtClean="0"/>
-              <a:t>。</a:t>
-            </a:r>
+              <a:t>1.CacheManager</a:t>
+            </a:r>
+          </a:p>
+          <a:p>
+            <a:pPr lvl="1"/>
+            <a:r>
+              <a:rPr lang="en-US" dirty="0"/>
+              <a:t>2.Cache</a:t>
+            </a:r>
+          </a:p>
+          <a:p>
+            <a:pPr lvl="1"/>
+            <a:r>
+              <a:rPr lang="en-US" dirty="0"/>
+              <a:t>3.Elemenat</a:t>
+            </a:r>
+          </a:p>
+          <a:p>
             <a:endParaRPr lang="en-US" dirty="0"/>
           </a:p>
         </p:txBody>
@@ -6036,7 +6026,7 @@
     </p:spTree>
     <p:extLst>
       <p:ext uri="{BB962C8B-B14F-4D97-AF65-F5344CB8AC3E}">
-        <p14:creationId xmlns:p14="http://schemas.microsoft.com/office/powerpoint/2010/main" val="537383239"/>
+        <p14:creationId xmlns:p14="http://schemas.microsoft.com/office/powerpoint/2010/main" val="1930337807"/>
       </p:ext>
     </p:extLst>
   </p:cSld>
@@ -6085,27 +6075,7 @@
           <a:bodyPr/>
           <a:lstStyle/>
           <a:p>
-            <a:r>
-              <a:rPr lang="en-US" altLang="zh-CN" dirty="0" err="1"/>
-              <a:t>E</a:t>
-            </a:r>
-            <a:r>
-              <a:rPr lang="en-US" altLang="zh-CN" dirty="0" err="1" smtClean="0"/>
-              <a:t>hcache</a:t>
-            </a:r>
-            <a:r>
-              <a:rPr lang="zh-CN" altLang="en-US" dirty="0"/>
-              <a:t>缓存的</a:t>
-            </a:r>
-            <a:r>
-              <a:rPr lang="en-US" altLang="zh-CN" dirty="0"/>
-              <a:t>3</a:t>
-            </a:r>
-            <a:r>
-              <a:rPr lang="zh-CN" altLang="en-US" dirty="0"/>
-              <a:t>种清空策略</a:t>
-            </a:r>
-            <a:endParaRPr lang="en-US" dirty="0"/>
+            <a:endParaRPr lang="en-US"/>
           </a:p>
         </p:txBody>
       </p:sp>
@@ -6121,54 +6091,36 @@
         </p:nvSpPr>
         <p:spPr/>
         <p:txBody>
-          <a:bodyPr/>
-          <a:lstStyle/>
-          <a:p>
-            <a:r>
-              <a:rPr lang="en-US" altLang="zh-CN" dirty="0"/>
-              <a:t>1 FIFO</a:t>
-            </a:r>
-            <a:r>
-              <a:rPr lang="zh-CN" altLang="en-US" dirty="0"/>
-              <a:t>，先进先出</a:t>
-            </a:r>
-            <a:br>
-              <a:rPr lang="zh-CN" altLang="en-US" dirty="0"/>
-            </a:br>
-            <a:r>
-              <a:rPr lang="en-US" altLang="zh-CN" dirty="0"/>
-              <a:t>2 LFU</a:t>
-            </a:r>
-            <a:r>
-              <a:rPr lang="zh-CN" altLang="en-US" dirty="0"/>
-              <a:t>，最少被使用，缓存的元素有一个</a:t>
-            </a:r>
-            <a:r>
-              <a:rPr lang="en-US" altLang="zh-CN" dirty="0"/>
-              <a:t>hit</a:t>
-            </a:r>
-            <a:r>
-              <a:rPr lang="zh-CN" altLang="en-US" dirty="0"/>
-              <a:t>属性，</a:t>
-            </a:r>
-            <a:r>
-              <a:rPr lang="en-US" altLang="zh-CN" dirty="0"/>
-              <a:t>hit</a:t>
-            </a:r>
-            <a:r>
-              <a:rPr lang="zh-CN" altLang="en-US" dirty="0"/>
-              <a:t>值最小的将会被清出缓存。</a:t>
-            </a:r>
-            <a:br>
-              <a:rPr lang="zh-CN" altLang="en-US" dirty="0"/>
-            </a:br>
-            <a:r>
-              <a:rPr lang="en-US" altLang="zh-CN" dirty="0"/>
-              <a:t>3 LRU</a:t>
-            </a:r>
-            <a:r>
-              <a:rPr lang="zh-CN" altLang="en-US" dirty="0"/>
-              <a:t>，最近最少使用的，缓存的元素有一个时间戳，当缓存容量满了，而又需要腾出地方来缓存新的元素的时候，那么现有缓存元素中时间戳离当前时间最远的元素将被清出缓存。</a:t>
+          <a:bodyPr>
+            <a:normAutofit/>
+          </a:bodyPr>
+          <a:lstStyle/>
+          <a:p>
+            <a:r>
+              <a:rPr lang="en-US" dirty="0" err="1"/>
+              <a:t>最上层的是CacheManager，他是操作Ehcache的入口</a:t>
+            </a:r>
+            <a:r>
+              <a:rPr lang="en-US" dirty="0" smtClean="0"/>
+              <a:t>。</a:t>
+            </a:r>
+          </a:p>
+          <a:p>
+            <a:r>
+              <a:rPr lang="en-US" dirty="0" err="1" smtClean="0"/>
+              <a:t>我们可以通过</a:t>
+            </a:r>
+            <a:r>
+              <a:rPr lang="en-US" dirty="0" err="1"/>
+              <a:t>CacheManager.getInstance</a:t>
+            </a:r>
+            <a:r>
+              <a:rPr lang="en-US" dirty="0"/>
+              <a:t>()获得一个单个的CacheManager，或者通过CacheManager的构造函数创建一个新的CacheManager。每个CacheManager都管理着多个Cache,而每个Cache都以一种类Hash的方式，关联着多个Elemenat，而Element则是我们用于存放要缓存内容的地方</a:t>
+            </a:r>
+            <a:r>
+              <a:rPr lang="en-US" dirty="0" smtClean="0"/>
+              <a:t>。</a:t>
             </a:r>
             <a:endParaRPr lang="en-US" dirty="0"/>
           </a:p>
@@ -6177,7 +6129,7 @@
     </p:spTree>
     <p:extLst>
       <p:ext uri="{BB962C8B-B14F-4D97-AF65-F5344CB8AC3E}">
-        <p14:creationId xmlns:p14="http://schemas.microsoft.com/office/powerpoint/2010/main" val="1212747724"/>
+        <p14:creationId xmlns:p14="http://schemas.microsoft.com/office/powerpoint/2010/main" val="537383239"/>
       </p:ext>
     </p:extLst>
   </p:cSld>
@@ -6227,6 +6179,147 @@
           <a:lstStyle/>
           <a:p>
             <a:r>
+              <a:rPr lang="en-US" altLang="zh-CN" dirty="0" err="1"/>
+              <a:t>E</a:t>
+            </a:r>
+            <a:r>
+              <a:rPr lang="en-US" altLang="zh-CN" dirty="0" err="1" smtClean="0"/>
+              <a:t>hcache</a:t>
+            </a:r>
+            <a:r>
+              <a:rPr lang="zh-CN" altLang="en-US" dirty="0"/>
+              <a:t>缓存的</a:t>
+            </a:r>
+            <a:r>
+              <a:rPr lang="en-US" altLang="zh-CN" dirty="0"/>
+              <a:t>3</a:t>
+            </a:r>
+            <a:r>
+              <a:rPr lang="zh-CN" altLang="en-US" dirty="0"/>
+              <a:t>种清空策略</a:t>
+            </a:r>
+            <a:endParaRPr lang="en-US" dirty="0"/>
+          </a:p>
+        </p:txBody>
+      </p:sp>
+      <p:sp>
+        <p:nvSpPr>
+          <p:cNvPr id="3" name="Content Placeholder 2"/>
+          <p:cNvSpPr>
+            <a:spLocks noGrp="1"/>
+          </p:cNvSpPr>
+          <p:nvPr>
+            <p:ph idx="1"/>
+          </p:nvPr>
+        </p:nvSpPr>
+        <p:spPr/>
+        <p:txBody>
+          <a:bodyPr/>
+          <a:lstStyle/>
+          <a:p>
+            <a:r>
+              <a:rPr lang="en-US" altLang="zh-CN" dirty="0"/>
+              <a:t>1 FIFO</a:t>
+            </a:r>
+            <a:r>
+              <a:rPr lang="zh-CN" altLang="en-US" dirty="0"/>
+              <a:t>，先进先出</a:t>
+            </a:r>
+            <a:br>
+              <a:rPr lang="zh-CN" altLang="en-US" dirty="0"/>
+            </a:br>
+            <a:r>
+              <a:rPr lang="en-US" altLang="zh-CN" dirty="0"/>
+              <a:t>2 LFU</a:t>
+            </a:r>
+            <a:r>
+              <a:rPr lang="zh-CN" altLang="en-US" dirty="0"/>
+              <a:t>，最少被使用，缓存的元素有一个</a:t>
+            </a:r>
+            <a:r>
+              <a:rPr lang="en-US" altLang="zh-CN" dirty="0"/>
+              <a:t>hit</a:t>
+            </a:r>
+            <a:r>
+              <a:rPr lang="zh-CN" altLang="en-US" dirty="0"/>
+              <a:t>属性，</a:t>
+            </a:r>
+            <a:r>
+              <a:rPr lang="en-US" altLang="zh-CN" dirty="0"/>
+              <a:t>hit</a:t>
+            </a:r>
+            <a:r>
+              <a:rPr lang="zh-CN" altLang="en-US" dirty="0"/>
+              <a:t>值最小的将会被清出缓存。</a:t>
+            </a:r>
+            <a:br>
+              <a:rPr lang="zh-CN" altLang="en-US" dirty="0"/>
+            </a:br>
+            <a:r>
+              <a:rPr lang="en-US" altLang="zh-CN" dirty="0"/>
+              <a:t>3 LRU</a:t>
+            </a:r>
+            <a:r>
+              <a:rPr lang="zh-CN" altLang="en-US" dirty="0"/>
+              <a:t>，最近最少使用的，缓存的元素有一个时间戳，当缓存容量满了，而又需要腾出地方来缓存新的元素的时候，那么现有缓存元素中时间戳离当前时间最远的元素将被清出缓存。</a:t>
+            </a:r>
+            <a:endParaRPr lang="en-US" dirty="0"/>
+          </a:p>
+        </p:txBody>
+      </p:sp>
+    </p:spTree>
+    <p:extLst>
+      <p:ext uri="{BB962C8B-B14F-4D97-AF65-F5344CB8AC3E}">
+        <p14:creationId xmlns:p14="http://schemas.microsoft.com/office/powerpoint/2010/main" val="1212747724"/>
+      </p:ext>
+    </p:extLst>
+  </p:cSld>
+  <p:clrMapOvr>
+    <a:masterClrMapping/>
+  </p:clrMapOvr>
+  <p:timing>
+    <p:tnLst>
+      <p:par>
+        <p:cTn id="1" dur="indefinite" restart="never" nodeType="tmRoot"/>
+      </p:par>
+    </p:tnLst>
+  </p:timing>
+</p:sld>
+</file>
+
+<file path=ppt/slides/slide25.xml><?xml version="1.0" encoding="utf-8"?>
+<p:sld xmlns:a="http://schemas.openxmlformats.org/drawingml/2006/main" xmlns:r="http://schemas.openxmlformats.org/officeDocument/2006/relationships" xmlns:p="http://schemas.openxmlformats.org/presentationml/2006/main">
+  <p:cSld>
+    <p:spTree>
+      <p:nvGrpSpPr>
+        <p:cNvPr id="1" name=""/>
+        <p:cNvGrpSpPr/>
+        <p:nvPr/>
+      </p:nvGrpSpPr>
+      <p:grpSpPr>
+        <a:xfrm>
+          <a:off x="0" y="0"/>
+          <a:ext cx="0" cy="0"/>
+          <a:chOff x="0" y="0"/>
+          <a:chExt cx="0" cy="0"/>
+        </a:xfrm>
+      </p:grpSpPr>
+      <p:sp>
+        <p:nvSpPr>
+          <p:cNvPr id="2" name="Title 1"/>
+          <p:cNvSpPr>
+            <a:spLocks noGrp="1"/>
+          </p:cNvSpPr>
+          <p:nvPr>
+            <p:ph type="title"/>
+          </p:nvPr>
+        </p:nvSpPr>
+        <p:spPr/>
+        <p:txBody>
+          <a:bodyPr/>
+          <a:lstStyle/>
+          <a:p>
+            <a:r>
               <a:rPr lang="en-US" dirty="0" err="1"/>
               <a:t>Ehcache特性</a:t>
             </a:r>
@@ -6463,7 +6556,7 @@
 </p:sld>
 </file>
 
-<file path=ppt/slides/slide25.xml><?xml version="1.0" encoding="utf-8"?>
+<file path=ppt/slides/slide26.xml><?xml version="1.0" encoding="utf-8"?>
 <p:sld xmlns:a="http://schemas.openxmlformats.org/drawingml/2006/main" xmlns:r="http://schemas.openxmlformats.org/officeDocument/2006/relationships" xmlns:p="http://schemas.openxmlformats.org/presentationml/2006/main">
   <p:cSld>
     <p:spTree>
@@ -6587,7 +6680,7 @@
 </p:sld>
 </file>
 
-<file path=ppt/slides/slide26.xml><?xml version="1.0" encoding="utf-8"?>
+<file path=ppt/slides/slide27.xml><?xml version="1.0" encoding="utf-8"?>
 <p:sld xmlns:a="http://schemas.openxmlformats.org/drawingml/2006/main" xmlns:r="http://schemas.openxmlformats.org/officeDocument/2006/relationships" xmlns:p="http://schemas.openxmlformats.org/presentationml/2006/main">
   <p:cSld>
     <p:spTree>
@@ -6849,7 +6942,7 @@
 </p:sld>
 </file>
 
-<file path=ppt/slides/slide27.xml><?xml version="1.0" encoding="utf-8"?>
+<file path=ppt/slides/slide28.xml><?xml version="1.0" encoding="utf-8"?>
 <p:sld xmlns:a="http://schemas.openxmlformats.org/drawingml/2006/main" xmlns:r="http://schemas.openxmlformats.org/officeDocument/2006/relationships" xmlns:p="http://schemas.openxmlformats.org/presentationml/2006/main">
   <p:cSld>
     <p:spTree>
@@ -6960,149 +7053,6 @@
 </p:sld>
 </file>
 
-<file path=ppt/slides/slide28.xml><?xml version="1.0" encoding="utf-8"?>
-<p:sld xmlns:a="http://schemas.openxmlformats.org/drawingml/2006/main" xmlns:r="http://schemas.openxmlformats.org/officeDocument/2006/relationships" xmlns:p="http://schemas.openxmlformats.org/presentationml/2006/main">
-  <p:cSld>
-    <p:spTree>
-      <p:nvGrpSpPr>
-        <p:cNvPr id="1" name=""/>
-        <p:cNvGrpSpPr/>
-        <p:nvPr/>
-      </p:nvGrpSpPr>
-      <p:grpSpPr>
-        <a:xfrm>
-          <a:off x="0" y="0"/>
-          <a:ext cx="0" cy="0"/>
-          <a:chOff x="0" y="0"/>
-          <a:chExt cx="0" cy="0"/>
-        </a:xfrm>
-      </p:grpSpPr>
-      <p:sp>
-        <p:nvSpPr>
-          <p:cNvPr id="2" name="Title 1"/>
-          <p:cNvSpPr>
-            <a:spLocks noGrp="1"/>
-          </p:cNvSpPr>
-          <p:nvPr>
-            <p:ph type="title"/>
-          </p:nvPr>
-        </p:nvSpPr>
-        <p:spPr/>
-        <p:txBody>
-          <a:bodyPr/>
-          <a:lstStyle/>
-          <a:p>
-            <a:r>
-              <a:rPr lang="en-US" altLang="zh-CN" dirty="0" err="1" smtClean="0"/>
-              <a:t>GuavaCache</a:t>
-            </a:r>
-            <a:endParaRPr lang="en-US" dirty="0"/>
-          </a:p>
-        </p:txBody>
-      </p:sp>
-      <p:sp>
-        <p:nvSpPr>
-          <p:cNvPr id="3" name="Content Placeholder 2"/>
-          <p:cNvSpPr>
-            <a:spLocks noGrp="1"/>
-          </p:cNvSpPr>
-          <p:nvPr>
-            <p:ph idx="1"/>
-          </p:nvPr>
-        </p:nvSpPr>
-        <p:spPr/>
-        <p:txBody>
-          <a:bodyPr>
-            <a:normAutofit/>
-          </a:bodyPr>
-          <a:lstStyle/>
-          <a:p>
-            <a:r>
-              <a:rPr lang="en-US" altLang="zh-CN" dirty="0"/>
-              <a:t>Cache</a:t>
-            </a:r>
-            <a:r>
-              <a:rPr lang="zh-CN" altLang="en-US" dirty="0"/>
-              <a:t>（缓存）在很广泛的场景下都是很有用的。比如，当一个值的计算或者检索的代价很大，并且在稍后的特定输入发生后，你将不止一次的需要这个值的时候，就应当考虑使用</a:t>
-            </a:r>
-            <a:r>
-              <a:rPr lang="en-US" altLang="zh-CN" dirty="0"/>
-              <a:t>Cache</a:t>
-            </a:r>
-            <a:r>
-              <a:rPr lang="zh-CN" altLang="en-US" dirty="0"/>
-              <a:t>了。</a:t>
-            </a:r>
-          </a:p>
-          <a:p>
-            <a:r>
-              <a:rPr lang="en-US" altLang="zh-CN" dirty="0"/>
-              <a:t>Cache</a:t>
-            </a:r>
-            <a:r>
-              <a:rPr lang="zh-CN" altLang="en-US" dirty="0"/>
-              <a:t>是和</a:t>
-            </a:r>
-            <a:r>
-              <a:rPr lang="en-US" altLang="zh-CN" dirty="0" err="1"/>
-              <a:t>ConcurrentMap</a:t>
-            </a:r>
-            <a:r>
-              <a:rPr lang="zh-CN" altLang="en-US" dirty="0"/>
-              <a:t>很相像的东西。最本质的不同就是，</a:t>
-            </a:r>
-            <a:r>
-              <a:rPr lang="en-US" altLang="zh-CN" dirty="0" err="1"/>
-              <a:t>ConcurrentMap</a:t>
-            </a:r>
-            <a:r>
-              <a:rPr lang="zh-CN" altLang="en-US" dirty="0"/>
-              <a:t>持有所有被添加进的元素，直到它们专门被移除。从另一方面来说，为了使得内存的使用可控，</a:t>
-            </a:r>
-            <a:r>
-              <a:rPr lang="en-US" altLang="zh-CN" dirty="0"/>
-              <a:t>Cache</a:t>
-            </a:r>
-            <a:r>
-              <a:rPr lang="zh-CN" altLang="en-US" dirty="0"/>
-              <a:t>通常来说是可配置来自动回收元素的。在一些情况下，即使</a:t>
-            </a:r>
-            <a:r>
-              <a:rPr lang="en-US" altLang="zh-CN" dirty="0" err="1"/>
-              <a:t>LoadingCache</a:t>
-            </a:r>
-            <a:r>
-              <a:rPr lang="zh-CN" altLang="en-US" dirty="0"/>
-              <a:t>也会很有用，虽然由于他的自动缓存加载机制，它不回收元素</a:t>
-            </a:r>
-            <a:r>
-              <a:rPr lang="zh-CN" altLang="en-US" dirty="0" smtClean="0"/>
-              <a:t>。</a:t>
-            </a:r>
-            <a:endParaRPr lang="zh-CN" altLang="en-US" dirty="0"/>
-          </a:p>
-        </p:txBody>
-      </p:sp>
-    </p:spTree>
-    <p:extLst>
-      <p:ext uri="{BB962C8B-B14F-4D97-AF65-F5344CB8AC3E}">
-        <p14:creationId xmlns:p14="http://schemas.microsoft.com/office/powerpoint/2010/main" val="1851734833"/>
-      </p:ext>
-    </p:extLst>
-  </p:cSld>
-  <p:clrMapOvr>
-    <a:masterClrMapping/>
-  </p:clrMapOvr>
-  <p:timing>
-    <p:tnLst>
-      <p:par>
-        <p:cTn id="1" dur="indefinite" restart="never" nodeType="tmRoot"/>
-      </p:par>
-    </p:tnLst>
-  </p:timing>
-</p:sld>
-</file>
-
 <file path=ppt/slides/slide29.xml><?xml version="1.0" encoding="utf-8"?>
 <p:sld xmlns:a="http://schemas.openxmlformats.org/drawingml/2006/main" xmlns:r="http://schemas.openxmlformats.org/officeDocument/2006/relationships" xmlns:p="http://schemas.openxmlformats.org/presentationml/2006/main">
   <p:cSld>
@@ -7136,12 +7086,8 @@
           <a:lstStyle/>
           <a:p>
             <a:r>
-              <a:rPr lang="en-US" altLang="zh-CN" dirty="0"/>
-              <a:t>Guava Cache</a:t>
-            </a:r>
-            <a:r>
-              <a:rPr lang="zh-CN" altLang="en-US" dirty="0"/>
-              <a:t>组件在下面的场景中适用</a:t>
+              <a:rPr lang="en-US" altLang="zh-CN" dirty="0" err="1" smtClean="0"/>
+              <a:t>GuavaCache</a:t>
             </a:r>
             <a:endParaRPr lang="en-US" dirty="0"/>
           </a:p>
@@ -7165,68 +7111,66 @@
           <a:lstStyle/>
           <a:p>
             <a:r>
-              <a:rPr lang="zh-CN" altLang="en-US" dirty="0"/>
-              <a:t>你想花费一些内存来提高速度。 </a:t>
-            </a:r>
-            <a:endParaRPr lang="en-US" altLang="zh-CN" dirty="0" smtClean="0"/>
-          </a:p>
-          <a:p>
-            <a:r>
-              <a:rPr lang="zh-CN" altLang="en-US" dirty="0" smtClean="0"/>
-              <a:t>你</a:t>
-            </a:r>
-            <a:r>
-              <a:rPr lang="zh-CN" altLang="en-US" dirty="0"/>
-              <a:t>预期到一些</a:t>
-            </a:r>
-            <a:r>
-              <a:rPr lang="en-US" altLang="zh-CN" dirty="0"/>
-              <a:t>key</a:t>
-            </a:r>
-            <a:r>
-              <a:rPr lang="zh-CN" altLang="en-US" dirty="0"/>
-              <a:t>的值将被不止一次地被查询</a:t>
+              <a:rPr lang="en-US" altLang="zh-CN" dirty="0"/>
+              <a:t>Cache</a:t>
+            </a:r>
+            <a:r>
+              <a:rPr lang="zh-CN" altLang="en-US" dirty="0"/>
+              <a:t>（缓存）在很广泛的场景下都是很有用的。比如，当一个值的计算或者检索的代价很大，并且在稍后的特定输入发生后，你将不止一次的需要这个值的时候，就应当考虑使用</a:t>
+            </a:r>
+            <a:r>
+              <a:rPr lang="en-US" altLang="zh-CN" dirty="0"/>
+              <a:t>Cache</a:t>
+            </a:r>
+            <a:r>
+              <a:rPr lang="zh-CN" altLang="en-US" dirty="0"/>
+              <a:t>了。</a:t>
+            </a:r>
+          </a:p>
+          <a:p>
+            <a:r>
+              <a:rPr lang="en-US" altLang="zh-CN" dirty="0"/>
+              <a:t>Cache</a:t>
+            </a:r>
+            <a:r>
+              <a:rPr lang="zh-CN" altLang="en-US" dirty="0"/>
+              <a:t>是和</a:t>
+            </a:r>
+            <a:r>
+              <a:rPr lang="en-US" altLang="zh-CN" dirty="0" err="1"/>
+              <a:t>ConcurrentMap</a:t>
+            </a:r>
+            <a:r>
+              <a:rPr lang="zh-CN" altLang="en-US" dirty="0"/>
+              <a:t>很相像的东西。最本质的不同就是，</a:t>
+            </a:r>
+            <a:r>
+              <a:rPr lang="en-US" altLang="zh-CN" dirty="0" err="1"/>
+              <a:t>ConcurrentMap</a:t>
+            </a:r>
+            <a:r>
+              <a:rPr lang="zh-CN" altLang="en-US" dirty="0"/>
+              <a:t>持有所有被添加进的元素，直到它们专门被移除。从另一方面来说，为了使得内存的使用可控，</a:t>
+            </a:r>
+            <a:r>
+              <a:rPr lang="en-US" altLang="zh-CN" dirty="0"/>
+              <a:t>Cache</a:t>
+            </a:r>
+            <a:r>
+              <a:rPr lang="zh-CN" altLang="en-US" dirty="0"/>
+              <a:t>通常来说是可配置来自动回收元素的。在一些情况下，即使</a:t>
+            </a:r>
+            <a:r>
+              <a:rPr lang="en-US" altLang="zh-CN" dirty="0" err="1"/>
+              <a:t>LoadingCache</a:t>
+            </a:r>
+            <a:r>
+              <a:rPr lang="zh-CN" altLang="en-US" dirty="0"/>
+              <a:t>也会很有用，虽然由于他的自动缓存加载机制，它不回收元素</a:t>
             </a:r>
             <a:r>
               <a:rPr lang="zh-CN" altLang="en-US" dirty="0" smtClean="0"/>
               <a:t>。</a:t>
-            </a:r>
-            <a:endParaRPr lang="en-US" altLang="zh-CN" dirty="0" smtClean="0"/>
-          </a:p>
-          <a:p>
-            <a:r>
-              <a:rPr lang="zh-CN" altLang="en-US" dirty="0" smtClean="0"/>
-              <a:t> </a:t>
-            </a:r>
-            <a:r>
-              <a:rPr lang="zh-CN" altLang="en-US" dirty="0"/>
-              <a:t>你的缓存将不会需要比内存能够存储的数据更多。（</a:t>
-            </a:r>
-            <a:r>
-              <a:rPr lang="en-US" altLang="zh-CN" dirty="0"/>
-              <a:t>Guava Cache</a:t>
-            </a:r>
-            <a:r>
-              <a:rPr lang="zh-CN" altLang="en-US" dirty="0"/>
-              <a:t>对于一个单独运行的应用来说是</a:t>
-            </a:r>
-            <a:r>
-              <a:rPr lang="zh-CN" altLang="en-US" b="1" dirty="0"/>
-              <a:t>本地</a:t>
-            </a:r>
-            <a:r>
-              <a:rPr lang="zh-CN" altLang="en-US" dirty="0"/>
-              <a:t>的。它们不回将数据存储在文件中或者外部服务器上。如果这不适合你的需求，那么考虑使用其它的工具，比如</a:t>
-            </a:r>
-            <a:r>
-              <a:rPr lang="en-US" altLang="zh-CN" dirty="0">
-                <a:hlinkClick r:id="rId2"/>
-              </a:rPr>
-              <a:t>Memcached</a:t>
-            </a:r>
-            <a:r>
-              <a:rPr lang="zh-CN" altLang="en-US" dirty="0" smtClean="0"/>
-              <a:t>）</a:t>
             </a:r>
             <a:endParaRPr lang="zh-CN" altLang="en-US" dirty="0"/>
           </a:p>
@@ -7235,7 +7179,7 @@
     </p:spTree>
     <p:extLst>
       <p:ext uri="{BB962C8B-B14F-4D97-AF65-F5344CB8AC3E}">
-        <p14:creationId xmlns:p14="http://schemas.microsoft.com/office/powerpoint/2010/main" val="1839535323"/>
+        <p14:creationId xmlns:p14="http://schemas.microsoft.com/office/powerpoint/2010/main" val="1851734833"/>
       </p:ext>
     </p:extLst>
   </p:cSld>
@@ -7384,6 +7328,155 @@
 </file>
 
 <file path=ppt/slides/slide30.xml><?xml version="1.0" encoding="utf-8"?>
+<p:sld xmlns:a="http://schemas.openxmlformats.org/drawingml/2006/main" xmlns:r="http://schemas.openxmlformats.org/officeDocument/2006/relationships" xmlns:p="http://schemas.openxmlformats.org/presentationml/2006/main">
+  <p:cSld>
+    <p:spTree>
+      <p:nvGrpSpPr>
+        <p:cNvPr id="1" name=""/>
+        <p:cNvGrpSpPr/>
+        <p:nvPr/>
+      </p:nvGrpSpPr>
+      <p:grpSpPr>
+        <a:xfrm>
+          <a:off x="0" y="0"/>
+          <a:ext cx="0" cy="0"/>
+          <a:chOff x="0" y="0"/>
+          <a:chExt cx="0" cy="0"/>
+        </a:xfrm>
+      </p:grpSpPr>
+      <p:sp>
+        <p:nvSpPr>
+          <p:cNvPr id="2" name="Title 1"/>
+          <p:cNvSpPr>
+            <a:spLocks noGrp="1"/>
+          </p:cNvSpPr>
+          <p:nvPr>
+            <p:ph type="title"/>
+          </p:nvPr>
+        </p:nvSpPr>
+        <p:spPr/>
+        <p:txBody>
+          <a:bodyPr/>
+          <a:lstStyle/>
+          <a:p>
+            <a:r>
+              <a:rPr lang="en-US" altLang="zh-CN" dirty="0"/>
+              <a:t>Guava Cache</a:t>
+            </a:r>
+            <a:r>
+              <a:rPr lang="zh-CN" altLang="en-US" dirty="0"/>
+              <a:t>组件在下面的场景中适用</a:t>
+            </a:r>
+            <a:endParaRPr lang="en-US" dirty="0"/>
+          </a:p>
+        </p:txBody>
+      </p:sp>
+      <p:sp>
+        <p:nvSpPr>
+          <p:cNvPr id="3" name="Content Placeholder 2"/>
+          <p:cNvSpPr>
+            <a:spLocks noGrp="1"/>
+          </p:cNvSpPr>
+          <p:nvPr>
+            <p:ph idx="1"/>
+          </p:nvPr>
+        </p:nvSpPr>
+        <p:spPr/>
+        <p:txBody>
+          <a:bodyPr>
+            <a:normAutofit/>
+          </a:bodyPr>
+          <a:lstStyle/>
+          <a:p>
+            <a:r>
+              <a:rPr lang="zh-CN" altLang="en-US" dirty="0"/>
+              <a:t>你想花费一些内存来提高速度。 </a:t>
+            </a:r>
+            <a:endParaRPr lang="en-US" altLang="zh-CN" dirty="0" smtClean="0"/>
+          </a:p>
+          <a:p>
+            <a:r>
+              <a:rPr lang="zh-CN" altLang="en-US" dirty="0" smtClean="0"/>
+              <a:t>你</a:t>
+            </a:r>
+            <a:r>
+              <a:rPr lang="zh-CN" altLang="en-US" dirty="0"/>
+              <a:t>预期到一些</a:t>
+            </a:r>
+            <a:r>
+              <a:rPr lang="en-US" altLang="zh-CN" dirty="0"/>
+              <a:t>key</a:t>
+            </a:r>
+            <a:r>
+              <a:rPr lang="zh-CN" altLang="en-US" dirty="0"/>
+              <a:t>的值将被不止一次地被查询</a:t>
+            </a:r>
+            <a:r>
+              <a:rPr lang="zh-CN" altLang="en-US" dirty="0" smtClean="0"/>
+              <a:t>。</a:t>
+            </a:r>
+            <a:endParaRPr lang="en-US" altLang="zh-CN" dirty="0" smtClean="0"/>
+          </a:p>
+          <a:p>
+            <a:r>
+              <a:rPr lang="zh-CN" altLang="en-US" dirty="0" smtClean="0"/>
+              <a:t> </a:t>
+            </a:r>
+            <a:r>
+              <a:rPr lang="zh-CN" altLang="en-US" dirty="0"/>
+              <a:t>你的缓存将不会需要比内存能够存储的数据更多。（</a:t>
+            </a:r>
+            <a:r>
+              <a:rPr lang="en-US" altLang="zh-CN" dirty="0"/>
+              <a:t>Guava Cache</a:t>
+            </a:r>
+            <a:r>
+              <a:rPr lang="zh-CN" altLang="en-US" dirty="0"/>
+              <a:t>对于一个单独运行的应用来说是</a:t>
+            </a:r>
+            <a:r>
+              <a:rPr lang="zh-CN" altLang="en-US" b="1" dirty="0"/>
+              <a:t>本地</a:t>
+            </a:r>
+            <a:r>
+              <a:rPr lang="zh-CN" altLang="en-US" dirty="0"/>
+              <a:t>的。它们不回将数据存储在文件中或者外部服务器上。如果这不适合你的需求，那么考虑使用其它的工具，比如</a:t>
+            </a:r>
+            <a:r>
+              <a:rPr lang="en-US" altLang="zh-CN" dirty="0">
+                <a:hlinkClick r:id="rId2"/>
+              </a:rPr>
+              <a:t>Memcached</a:t>
+            </a:r>
+            <a:r>
+              <a:rPr lang="zh-CN" altLang="en-US" dirty="0" smtClean="0"/>
+              <a:t>）</a:t>
+            </a:r>
+            <a:endParaRPr lang="zh-CN" altLang="en-US" dirty="0"/>
+          </a:p>
+        </p:txBody>
+      </p:sp>
+    </p:spTree>
+    <p:extLst>
+      <p:ext uri="{BB962C8B-B14F-4D97-AF65-F5344CB8AC3E}">
+        <p14:creationId xmlns:p14="http://schemas.microsoft.com/office/powerpoint/2010/main" val="1839535323"/>
+      </p:ext>
+    </p:extLst>
+  </p:cSld>
+  <p:clrMapOvr>
+    <a:masterClrMapping/>
+  </p:clrMapOvr>
+  <p:timing>
+    <p:tnLst>
+      <p:par>
+        <p:cTn id="1" dur="indefinite" restart="never" nodeType="tmRoot"/>
+      </p:par>
+    </p:tnLst>
+  </p:timing>
+</p:sld>
+</file>
+
+<file path=ppt/slides/slide31.xml><?xml version="1.0" encoding="utf-8"?>
 <p:sld xmlns:a="http://schemas.openxmlformats.org/drawingml/2006/main" xmlns:r="http://schemas.openxmlformats.org/officeDocument/2006/relationships" xmlns:p="http://schemas.openxmlformats.org/presentationml/2006/main">
   <p:cSld>
     <p:spTree>
@@ -7494,7 +7587,7 @@
 </p:sld>
 </file>
 
-<file path=ppt/slides/slide31.xml><?xml version="1.0" encoding="utf-8"?>
+<file path=ppt/slides/slide32.xml><?xml version="1.0" encoding="utf-8"?>
 <p:sld xmlns:a="http://schemas.openxmlformats.org/drawingml/2006/main" xmlns:r="http://schemas.openxmlformats.org/officeDocument/2006/relationships" xmlns:p="http://schemas.openxmlformats.org/presentationml/2006/main">
   <p:cSld>
     <p:spTree>
@@ -7597,7 +7690,7 @@
 </p:sld>
 </file>
 
-<file path=ppt/slides/slide32.xml><?xml version="1.0" encoding="utf-8"?>
+<file path=ppt/slides/slide33.xml><?xml version="1.0" encoding="utf-8"?>
 <p:sld xmlns:a="http://schemas.openxmlformats.org/drawingml/2006/main" xmlns:r="http://schemas.openxmlformats.org/officeDocument/2006/relationships" xmlns:p="http://schemas.openxmlformats.org/presentationml/2006/main">
   <p:cSld>
     <p:spTree>
@@ -7939,7 +8032,7 @@
 </p:sld>
 </file>
 
-<file path=ppt/slides/slide33.xml><?xml version="1.0" encoding="utf-8"?>
+<file path=ppt/slides/slide34.xml><?xml version="1.0" encoding="utf-8"?>
 <p:sld xmlns:a="http://schemas.openxmlformats.org/drawingml/2006/main" xmlns:r="http://schemas.openxmlformats.org/officeDocument/2006/relationships" xmlns:p="http://schemas.openxmlformats.org/presentationml/2006/main">
   <p:cSld>
     <p:spTree>
@@ -8123,7 +8216,7 @@
 </p:sld>
 </file>
 
-<file path=ppt/slides/slide34.xml><?xml version="1.0" encoding="utf-8"?>
+<file path=ppt/slides/slide35.xml><?xml version="1.0" encoding="utf-8"?>
 <p:sld xmlns:a="http://schemas.openxmlformats.org/drawingml/2006/main" xmlns:r="http://schemas.openxmlformats.org/officeDocument/2006/relationships" xmlns:p="http://schemas.openxmlformats.org/presentationml/2006/main">
   <p:cSld>
     <p:spTree>
@@ -8297,7 +8390,7 @@
 </p:sld>
 </file>
 
-<file path=ppt/slides/slide35.xml><?xml version="1.0" encoding="utf-8"?>
+<file path=ppt/slides/slide36.xml><?xml version="1.0" encoding="utf-8"?>
 <p:sld xmlns:a="http://schemas.openxmlformats.org/drawingml/2006/main" xmlns:r="http://schemas.openxmlformats.org/officeDocument/2006/relationships" xmlns:p="http://schemas.openxmlformats.org/presentationml/2006/main">
   <p:cSld>
     <p:spTree>
@@ -8412,7 +8505,7 @@
 </p:sld>
 </file>
 
-<file path=ppt/slides/slide36.xml><?xml version="1.0" encoding="utf-8"?>
+<file path=ppt/slides/slide37.xml><?xml version="1.0" encoding="utf-8"?>
 <p:sld xmlns:a="http://schemas.openxmlformats.org/drawingml/2006/main" xmlns:r="http://schemas.openxmlformats.org/officeDocument/2006/relationships" xmlns:p="http://schemas.openxmlformats.org/presentationml/2006/main">
   <p:cSld>
     <p:spTree>
@@ -8515,7 +8608,7 @@
 </p:sld>
 </file>
 
-<file path=ppt/slides/slide37.xml><?xml version="1.0" encoding="utf-8"?>
+<file path=ppt/slides/slide38.xml><?xml version="1.0" encoding="utf-8"?>
 <p:sld xmlns:a="http://schemas.openxmlformats.org/drawingml/2006/main" xmlns:r="http://schemas.openxmlformats.org/officeDocument/2006/relationships" xmlns:p="http://schemas.openxmlformats.org/presentationml/2006/main">
   <p:cSld>
     <p:spTree>
@@ -8611,7 +8704,7 @@
 </p:sld>
 </file>
 
-<file path=ppt/slides/slide38.xml><?xml version="1.0" encoding="utf-8"?>
+<file path=ppt/slides/slide39.xml><?xml version="1.0" encoding="utf-8"?>
 <p:sld xmlns:a="http://schemas.openxmlformats.org/drawingml/2006/main" xmlns:r="http://schemas.openxmlformats.org/officeDocument/2006/relationships" xmlns:p="http://schemas.openxmlformats.org/presentationml/2006/main">
   <p:cSld>
     <p:spTree>
@@ -8698,90 +8791,6 @@
     <p:extLst>
       <p:ext uri="{BB962C8B-B14F-4D97-AF65-F5344CB8AC3E}">
         <p14:creationId xmlns:p14="http://schemas.microsoft.com/office/powerpoint/2010/main" val="1301538825"/>
-      </p:ext>
-    </p:extLst>
-  </p:cSld>
-  <p:clrMapOvr>
-    <a:masterClrMapping/>
-  </p:clrMapOvr>
-</p:sld>
-</file>
-
-<file path=ppt/slides/slide39.xml><?xml version="1.0" encoding="utf-8"?>
-<p:sld xmlns:a="http://schemas.openxmlformats.org/drawingml/2006/main" xmlns:r="http://schemas.openxmlformats.org/officeDocument/2006/relationships" xmlns:p="http://schemas.openxmlformats.org/presentationml/2006/main">
-  <p:cSld>
-    <p:spTree>
-      <p:nvGrpSpPr>
-        <p:cNvPr id="1" name=""/>
-        <p:cNvGrpSpPr/>
-        <p:nvPr/>
-      </p:nvGrpSpPr>
-      <p:grpSpPr>
-        <a:xfrm>
-          <a:off x="0" y="0"/>
-          <a:ext cx="0" cy="0"/>
-          <a:chOff x="0" y="0"/>
-          <a:chExt cx="0" cy="0"/>
-        </a:xfrm>
-      </p:grpSpPr>
-      <p:sp>
-        <p:nvSpPr>
-          <p:cNvPr id="2" name="Title 1"/>
-          <p:cNvSpPr>
-            <a:spLocks noGrp="1"/>
-          </p:cNvSpPr>
-          <p:nvPr>
-            <p:ph type="title"/>
-          </p:nvPr>
-        </p:nvSpPr>
-        <p:spPr/>
-        <p:txBody>
-          <a:bodyPr/>
-          <a:lstStyle/>
-          <a:p>
-            <a:r>
-              <a:rPr lang="zh-CN" altLang="en-US" dirty="0" smtClean="0"/>
-              <a:t>动手实践</a:t>
-            </a:r>
-            <a:endParaRPr lang="en-US" dirty="0"/>
-          </a:p>
-        </p:txBody>
-      </p:sp>
-      <p:sp>
-        <p:nvSpPr>
-          <p:cNvPr id="3" name="Content Placeholder 2"/>
-          <p:cNvSpPr>
-            <a:spLocks noGrp="1"/>
-          </p:cNvSpPr>
-          <p:nvPr>
-            <p:ph idx="1"/>
-          </p:nvPr>
-        </p:nvSpPr>
-        <p:spPr/>
-        <p:txBody>
-          <a:bodyPr/>
-          <a:lstStyle/>
-          <a:p>
-            <a:r>
-              <a:rPr lang="zh-CN" altLang="en-US" dirty="0" smtClean="0"/>
-              <a:t>为你的</a:t>
-            </a:r>
-            <a:r>
-              <a:rPr lang="en-US" altLang="zh-CN" dirty="0" err="1" smtClean="0"/>
-              <a:t>UserService</a:t>
-            </a:r>
-            <a:r>
-              <a:rPr lang="zh-CN" altLang="en-US" dirty="0" smtClean="0"/>
-              <a:t>添加缓存的功能</a:t>
-            </a:r>
-            <a:endParaRPr lang="en-US" dirty="0"/>
-          </a:p>
-        </p:txBody>
-      </p:sp>
-    </p:spTree>
-    <p:extLst>
-      <p:ext uri="{BB962C8B-B14F-4D97-AF65-F5344CB8AC3E}">
-        <p14:creationId xmlns:p14="http://schemas.microsoft.com/office/powerpoint/2010/main" val="358659553"/>
       </p:ext>
     </p:extLst>
   </p:cSld>
@@ -8934,6 +8943,90 @@
       </p:par>
     </p:tnLst>
   </p:timing>
+</p:sld>
+</file>
+
+<file path=ppt/slides/slide40.xml><?xml version="1.0" encoding="utf-8"?>
+<p:sld xmlns:a="http://schemas.openxmlformats.org/drawingml/2006/main" xmlns:r="http://schemas.openxmlformats.org/officeDocument/2006/relationships" xmlns:p="http://schemas.openxmlformats.org/presentationml/2006/main">
+  <p:cSld>
+    <p:spTree>
+      <p:nvGrpSpPr>
+        <p:cNvPr id="1" name=""/>
+        <p:cNvGrpSpPr/>
+        <p:nvPr/>
+      </p:nvGrpSpPr>
+      <p:grpSpPr>
+        <a:xfrm>
+          <a:off x="0" y="0"/>
+          <a:ext cx="0" cy="0"/>
+          <a:chOff x="0" y="0"/>
+          <a:chExt cx="0" cy="0"/>
+        </a:xfrm>
+      </p:grpSpPr>
+      <p:sp>
+        <p:nvSpPr>
+          <p:cNvPr id="2" name="Title 1"/>
+          <p:cNvSpPr>
+            <a:spLocks noGrp="1"/>
+          </p:cNvSpPr>
+          <p:nvPr>
+            <p:ph type="title"/>
+          </p:nvPr>
+        </p:nvSpPr>
+        <p:spPr/>
+        <p:txBody>
+          <a:bodyPr/>
+          <a:lstStyle/>
+          <a:p>
+            <a:r>
+              <a:rPr lang="zh-CN" altLang="en-US" dirty="0" smtClean="0"/>
+              <a:t>动手实践</a:t>
+            </a:r>
+            <a:endParaRPr lang="en-US" dirty="0"/>
+          </a:p>
+        </p:txBody>
+      </p:sp>
+      <p:sp>
+        <p:nvSpPr>
+          <p:cNvPr id="3" name="Content Placeholder 2"/>
+          <p:cNvSpPr>
+            <a:spLocks noGrp="1"/>
+          </p:cNvSpPr>
+          <p:nvPr>
+            <p:ph idx="1"/>
+          </p:nvPr>
+        </p:nvSpPr>
+        <p:spPr/>
+        <p:txBody>
+          <a:bodyPr/>
+          <a:lstStyle/>
+          <a:p>
+            <a:r>
+              <a:rPr lang="zh-CN" altLang="en-US" dirty="0" smtClean="0"/>
+              <a:t>为你的</a:t>
+            </a:r>
+            <a:r>
+              <a:rPr lang="en-US" altLang="zh-CN" dirty="0" err="1" smtClean="0"/>
+              <a:t>UserService</a:t>
+            </a:r>
+            <a:r>
+              <a:rPr lang="zh-CN" altLang="en-US" dirty="0" smtClean="0"/>
+              <a:t>添加缓存的功能</a:t>
+            </a:r>
+            <a:endParaRPr lang="en-US" dirty="0"/>
+          </a:p>
+        </p:txBody>
+      </p:sp>
+    </p:spTree>
+    <p:extLst>
+      <p:ext uri="{BB962C8B-B14F-4D97-AF65-F5344CB8AC3E}">
+        <p14:creationId xmlns:p14="http://schemas.microsoft.com/office/powerpoint/2010/main" val="358659553"/>
+      </p:ext>
+    </p:extLst>
+  </p:cSld>
+  <p:clrMapOvr>
+    <a:masterClrMapping/>
+  </p:clrMapOvr>
 </p:sld>
 </file>
 
